--- a/static/lectures/SSA_Lecture5_DemoData.pptx
+++ b/static/lectures/SSA_Lecture5_DemoData.pptx
@@ -129,6 +129,22 @@
       </a:defRPr>
     </a:lvl9pPr>
   </p:defaultTextStyle>
+  <p:extLst>
+    <p:ext uri="{EFAFB233-063F-42B5-8137-9DF3F51BA10A}">
+      <p15:sldGuideLst xmlns:p15="http://schemas.microsoft.com/office/powerpoint/2012/main">
+        <p15:guide id="1" orient="horz" pos="1620">
+          <p15:clr>
+            <a:srgbClr val="A4A3A4"/>
+          </p15:clr>
+        </p15:guide>
+        <p15:guide id="2" pos="2880">
+          <p15:clr>
+            <a:srgbClr val="A4A3A4"/>
+          </p15:clr>
+        </p15:guide>
+      </p15:sldGuideLst>
+    </p:ext>
+  </p:extLst>
 </p:presentation>
 </file>
 
@@ -214,7 +230,7 @@
           <a:p>
             <a:fld id="{05B76329-9BDE-43DA-A433-FD89407A2D9A}" type="datetimeFigureOut">
               <a:rPr lang="en-US" smtClean="0"/>
-              <a:t>10/19/2018</a:t>
+              <a:t>10/22/2018</a:t>
             </a:fld>
             <a:endParaRPr lang="en-US"/>
           </a:p>
@@ -278,38 +294,37 @@
           <a:p>
             <a:pPr lvl="0"/>
             <a:r>
-              <a:rPr lang="en-US" smtClean="0"/>
+              <a:rPr lang="en-US"/>
               <a:t>Click to edit Master text styles</a:t>
             </a:r>
           </a:p>
           <a:p>
             <a:pPr lvl="1"/>
             <a:r>
-              <a:rPr lang="en-US" smtClean="0"/>
+              <a:rPr lang="en-US"/>
               <a:t>Second level</a:t>
             </a:r>
           </a:p>
           <a:p>
             <a:pPr lvl="2"/>
             <a:r>
-              <a:rPr lang="en-US" smtClean="0"/>
+              <a:rPr lang="en-US"/>
               <a:t>Third level</a:t>
             </a:r>
           </a:p>
           <a:p>
             <a:pPr lvl="3"/>
             <a:r>
-              <a:rPr lang="en-US" smtClean="0"/>
+              <a:rPr lang="en-US"/>
               <a:t>Fourth level</a:t>
             </a:r>
           </a:p>
           <a:p>
             <a:pPr lvl="4"/>
             <a:r>
-              <a:rPr lang="en-US" smtClean="0"/>
+              <a:rPr lang="en-US"/>
               <a:t>Fifth level</a:t>
             </a:r>
-            <a:endParaRPr lang="en-US"/>
           </a:p>
         </p:txBody>
       </p:sp>
@@ -532,11 +547,11 @@
           <a:lstStyle/>
           <a:p>
             <a:r>
-              <a:rPr lang="en-US" dirty="0" smtClean="0"/>
+              <a:rPr lang="en-US" dirty="0"/>
               <a:t>Immigration and especially emigration</a:t>
             </a:r>
             <a:r>
-              <a:rPr lang="en-US" baseline="0" dirty="0" smtClean="0"/>
+              <a:rPr lang="en-US" baseline="0" dirty="0"/>
               <a:t> are often very difficult to estimate. Therefore estimation of survival probability typically cannot distinguish true mortality from permanent emigration, or individuals that have permanently left the study area. Therefore what we </a:t>
             </a:r>
             <a:endParaRPr lang="en-US" dirty="0"/>
@@ -629,11 +644,11 @@
           <a:lstStyle/>
           <a:p>
             <a:r>
-              <a:rPr lang="en-US" dirty="0" smtClean="0"/>
+              <a:rPr lang="en-US" dirty="0"/>
               <a:t>Note that</a:t>
             </a:r>
             <a:r>
-              <a:rPr lang="en-US" baseline="0" dirty="0" smtClean="0"/>
+              <a:rPr lang="en-US" baseline="0" dirty="0"/>
               <a:t> receiving demographic data may be unlikely, but published scientific literature can be a good source of estimated survival, fecundity, etc.</a:t>
             </a:r>
             <a:endParaRPr lang="en-US" dirty="0"/>
@@ -721,11 +736,11 @@
           <a:lstStyle/>
           <a:p>
             <a:r>
-              <a:rPr lang="en-US" dirty="0" smtClean="0"/>
+              <a:rPr lang="en-US" dirty="0"/>
               <a:t>By calculating</a:t>
             </a:r>
             <a:r>
-              <a:rPr lang="en-US" baseline="0" dirty="0" smtClean="0"/>
+              <a:rPr lang="en-US" baseline="0" dirty="0"/>
               <a:t> the elasticity of each vital </a:t>
             </a:r>
             <a:endParaRPr lang="en-US" dirty="0"/>
@@ -946,6 +961,90 @@
 </p:notes>
 </file>
 
+<file path=ppt/notesSlides/notesSlide6.xml><?xml version="1.0" encoding="utf-8"?>
+<p:notes xmlns:a="http://schemas.openxmlformats.org/drawingml/2006/main" xmlns:r="http://schemas.openxmlformats.org/officeDocument/2006/relationships" xmlns:p="http://schemas.openxmlformats.org/presentationml/2006/main">
+  <p:cSld>
+    <p:spTree>
+      <p:nvGrpSpPr>
+        <p:cNvPr id="1" name=""/>
+        <p:cNvGrpSpPr/>
+        <p:nvPr/>
+      </p:nvGrpSpPr>
+      <p:grpSpPr>
+        <a:xfrm>
+          <a:off x="0" y="0"/>
+          <a:ext cx="0" cy="0"/>
+          <a:chOff x="0" y="0"/>
+          <a:chExt cx="0" cy="0"/>
+        </a:xfrm>
+      </p:grpSpPr>
+      <p:sp>
+        <p:nvSpPr>
+          <p:cNvPr id="2" name="Slide Image Placeholder 1"/>
+          <p:cNvSpPr>
+            <a:spLocks noGrp="1" noRot="1" noChangeAspect="1"/>
+          </p:cNvSpPr>
+          <p:nvPr>
+            <p:ph type="sldImg"/>
+          </p:nvPr>
+        </p:nvSpPr>
+        <p:spPr/>
+      </p:sp>
+      <p:sp>
+        <p:nvSpPr>
+          <p:cNvPr id="3" name="Notes Placeholder 2"/>
+          <p:cNvSpPr>
+            <a:spLocks noGrp="1"/>
+          </p:cNvSpPr>
+          <p:nvPr>
+            <p:ph type="body" idx="1"/>
+          </p:nvPr>
+        </p:nvSpPr>
+        <p:spPr/>
+        <p:txBody>
+          <a:bodyPr/>
+          <a:lstStyle/>
+          <a:p>
+            <a:endParaRPr lang="en-US" dirty="0"/>
+          </a:p>
+        </p:txBody>
+      </p:sp>
+      <p:sp>
+        <p:nvSpPr>
+          <p:cNvPr id="4" name="Slide Number Placeholder 3"/>
+          <p:cNvSpPr>
+            <a:spLocks noGrp="1"/>
+          </p:cNvSpPr>
+          <p:nvPr>
+            <p:ph type="sldNum" sz="quarter" idx="5"/>
+          </p:nvPr>
+        </p:nvSpPr>
+        <p:spPr/>
+        <p:txBody>
+          <a:bodyPr/>
+          <a:lstStyle/>
+          <a:p>
+            <a:fld id="{F098C6FC-3E98-44B4-909C-A72537908990}" type="slidenum">
+              <a:rPr lang="en-US" smtClean="0"/>
+              <a:t>18</a:t>
+            </a:fld>
+            <a:endParaRPr lang="en-US"/>
+          </a:p>
+        </p:txBody>
+      </p:sp>
+    </p:spTree>
+    <p:extLst>
+      <p:ext uri="{BB962C8B-B14F-4D97-AF65-F5344CB8AC3E}">
+        <p14:creationId xmlns:p14="http://schemas.microsoft.com/office/powerpoint/2010/main" val="2848901459"/>
+      </p:ext>
+    </p:extLst>
+  </p:cSld>
+  <p:clrMapOvr>
+    <a:masterClrMapping/>
+  </p:clrMapOvr>
+</p:notes>
+</file>
+
 <file path=ppt/slideLayouts/slideLayout1.xml><?xml version="1.0" encoding="utf-8"?>
 <p:sldLayout xmlns:a="http://schemas.openxmlformats.org/drawingml/2006/main" xmlns:r="http://schemas.openxmlformats.org/officeDocument/2006/relationships" xmlns:p="http://schemas.openxmlformats.org/presentationml/2006/main" type="title" preserve="1">
   <p:cSld name="Title Slide">
@@ -968,7 +1067,7 @@
           <p:cNvPr id="2" name="Title 1">
             <a:extLst>
               <a:ext uri="{FF2B5EF4-FFF2-40B4-BE49-F238E27FC236}">
-                <a16:creationId xmlns="" xmlns:a16="http://schemas.microsoft.com/office/drawing/2014/main" id="{F6BEE4D0-2948-4D8B-A6B0-A27F98C5260C}"/>
+                <a16:creationId xmlns:a16="http://schemas.microsoft.com/office/drawing/2014/main" id="{F6BEE4D0-2948-4D8B-A6B0-A27F98C5260C}"/>
               </a:ext>
             </a:extLst>
           </p:cNvPr>
@@ -994,7 +1093,7 @@
           </a:lstStyle>
           <a:p>
             <a:r>
-              <a:rPr lang="en-US" smtClean="0"/>
+              <a:rPr lang="en-US"/>
               <a:t>Click to edit Master title style</a:t>
             </a:r>
             <a:endParaRPr lang="en-US" dirty="0"/>
@@ -1006,7 +1105,7 @@
           <p:cNvPr id="3" name="Subtitle 2">
             <a:extLst>
               <a:ext uri="{FF2B5EF4-FFF2-40B4-BE49-F238E27FC236}">
-                <a16:creationId xmlns="" xmlns:a16="http://schemas.microsoft.com/office/drawing/2014/main" id="{7F1F3275-E82E-484B-AF27-5650288E8ED2}"/>
+                <a16:creationId xmlns:a16="http://schemas.microsoft.com/office/drawing/2014/main" id="{7F1F3275-E82E-484B-AF27-5650288E8ED2}"/>
               </a:ext>
             </a:extLst>
           </p:cNvPr>
@@ -1067,7 +1166,7 @@
           </a:lstStyle>
           <a:p>
             <a:r>
-              <a:rPr lang="en-US" smtClean="0"/>
+              <a:rPr lang="en-US"/>
               <a:t>Click to edit Master subtitle style</a:t>
             </a:r>
             <a:endParaRPr lang="en-US" dirty="0"/>
@@ -1079,7 +1178,7 @@
           <p:cNvPr id="9" name="Group 8">
             <a:extLst>
               <a:ext uri="{FF2B5EF4-FFF2-40B4-BE49-F238E27FC236}">
-                <a16:creationId xmlns="" xmlns:a16="http://schemas.microsoft.com/office/drawing/2014/main" id="{D86187BD-A9A7-4B3D-8F2C-B91567B9C326}"/>
+                <a16:creationId xmlns:a16="http://schemas.microsoft.com/office/drawing/2014/main" id="{D86187BD-A9A7-4B3D-8F2C-B91567B9C326}"/>
               </a:ext>
             </a:extLst>
           </p:cNvPr>
@@ -1099,7 +1198,7 @@
             <p:cNvPr id="7" name="Picture 6">
               <a:extLst>
                 <a:ext uri="{FF2B5EF4-FFF2-40B4-BE49-F238E27FC236}">
-                  <a16:creationId xmlns="" xmlns:a16="http://schemas.microsoft.com/office/drawing/2014/main" id="{0A3E5B43-8C12-4719-87CA-7E757457C225}"/>
+                  <a16:creationId xmlns:a16="http://schemas.microsoft.com/office/drawing/2014/main" id="{0A3E5B43-8C12-4719-87CA-7E757457C225}"/>
                 </a:ext>
               </a:extLst>
             </p:cNvPr>
@@ -1135,7 +1234,7 @@
             <p:cNvPr id="8" name="Picture 7">
               <a:extLst>
                 <a:ext uri="{FF2B5EF4-FFF2-40B4-BE49-F238E27FC236}">
-                  <a16:creationId xmlns="" xmlns:a16="http://schemas.microsoft.com/office/drawing/2014/main" id="{D1FEADCA-1EA9-45D5-8DD0-F4B44D8E1151}"/>
+                  <a16:creationId xmlns:a16="http://schemas.microsoft.com/office/drawing/2014/main" id="{D1FEADCA-1EA9-45D5-8DD0-F4B44D8E1151}"/>
                 </a:ext>
               </a:extLst>
             </p:cNvPr>
@@ -1202,7 +1301,7 @@
           <p:cNvPr id="2" name="Title 1">
             <a:extLst>
               <a:ext uri="{FF2B5EF4-FFF2-40B4-BE49-F238E27FC236}">
-                <a16:creationId xmlns="" xmlns:a16="http://schemas.microsoft.com/office/drawing/2014/main" id="{494522C5-0666-4DB7-83CE-5B6CB4D1CF9A}"/>
+                <a16:creationId xmlns:a16="http://schemas.microsoft.com/office/drawing/2014/main" id="{494522C5-0666-4DB7-83CE-5B6CB4D1CF9A}"/>
               </a:ext>
             </a:extLst>
           </p:cNvPr>
@@ -1219,10 +1318,9 @@
           <a:lstStyle/>
           <a:p>
             <a:r>
-              <a:rPr lang="en-US" smtClean="0"/>
+              <a:rPr lang="en-US"/>
               <a:t>Click to edit Master title style</a:t>
             </a:r>
-            <a:endParaRPr lang="en-US"/>
           </a:p>
         </p:txBody>
       </p:sp>
@@ -1231,7 +1329,7 @@
           <p:cNvPr id="3" name="Vertical Text Placeholder 2">
             <a:extLst>
               <a:ext uri="{FF2B5EF4-FFF2-40B4-BE49-F238E27FC236}">
-                <a16:creationId xmlns="" xmlns:a16="http://schemas.microsoft.com/office/drawing/2014/main" id="{2C129D95-7B38-4744-A706-F3D434E89EF7}"/>
+                <a16:creationId xmlns:a16="http://schemas.microsoft.com/office/drawing/2014/main" id="{2C129D95-7B38-4744-A706-F3D434E89EF7}"/>
               </a:ext>
             </a:extLst>
           </p:cNvPr>
@@ -1249,38 +1347,37 @@
           <a:p>
             <a:pPr lvl="0"/>
             <a:r>
-              <a:rPr lang="en-US" smtClean="0"/>
+              <a:rPr lang="en-US"/>
               <a:t>Click to edit Master text styles</a:t>
             </a:r>
           </a:p>
           <a:p>
             <a:pPr lvl="1"/>
             <a:r>
-              <a:rPr lang="en-US" smtClean="0"/>
+              <a:rPr lang="en-US"/>
               <a:t>Second level</a:t>
             </a:r>
           </a:p>
           <a:p>
             <a:pPr lvl="2"/>
             <a:r>
-              <a:rPr lang="en-US" smtClean="0"/>
+              <a:rPr lang="en-US"/>
               <a:t>Third level</a:t>
             </a:r>
           </a:p>
           <a:p>
             <a:pPr lvl="3"/>
             <a:r>
-              <a:rPr lang="en-US" smtClean="0"/>
+              <a:rPr lang="en-US"/>
               <a:t>Fourth level</a:t>
             </a:r>
           </a:p>
           <a:p>
             <a:pPr lvl="4"/>
             <a:r>
-              <a:rPr lang="en-US" smtClean="0"/>
+              <a:rPr lang="en-US"/>
               <a:t>Fifth level</a:t>
             </a:r>
-            <a:endParaRPr lang="en-US"/>
           </a:p>
         </p:txBody>
       </p:sp>
@@ -1289,7 +1386,7 @@
           <p:cNvPr id="4" name="Date Placeholder 3">
             <a:extLst>
               <a:ext uri="{FF2B5EF4-FFF2-40B4-BE49-F238E27FC236}">
-                <a16:creationId xmlns="" xmlns:a16="http://schemas.microsoft.com/office/drawing/2014/main" id="{ADC97E7D-72AD-48B7-ABA5-B20ABBFBD7C7}"/>
+                <a16:creationId xmlns:a16="http://schemas.microsoft.com/office/drawing/2014/main" id="{ADC97E7D-72AD-48B7-ABA5-B20ABBFBD7C7}"/>
               </a:ext>
             </a:extLst>
           </p:cNvPr>
@@ -1315,7 +1412,7 @@
           <a:p>
             <a:fld id="{DC01BBA9-561A-4EFE-A06C-26F8206AAA61}" type="datetimeFigureOut">
               <a:rPr lang="en-US" smtClean="0"/>
-              <a:t>10/19/2018</a:t>
+              <a:t>10/22/2018</a:t>
             </a:fld>
             <a:endParaRPr lang="en-US"/>
           </a:p>
@@ -1326,7 +1423,7 @@
           <p:cNvPr id="5" name="Footer Placeholder 4">
             <a:extLst>
               <a:ext uri="{FF2B5EF4-FFF2-40B4-BE49-F238E27FC236}">
-                <a16:creationId xmlns="" xmlns:a16="http://schemas.microsoft.com/office/drawing/2014/main" id="{796783C9-D241-4646-AA69-5AFF6519F7EB}"/>
+                <a16:creationId xmlns:a16="http://schemas.microsoft.com/office/drawing/2014/main" id="{796783C9-D241-4646-AA69-5AFF6519F7EB}"/>
               </a:ext>
             </a:extLst>
           </p:cNvPr>
@@ -1351,7 +1448,7 @@
           <p:cNvPr id="6" name="Slide Number Placeholder 5">
             <a:extLst>
               <a:ext uri="{FF2B5EF4-FFF2-40B4-BE49-F238E27FC236}">
-                <a16:creationId xmlns="" xmlns:a16="http://schemas.microsoft.com/office/drawing/2014/main" id="{0ABA8567-0C73-4EE1-85D6-11E997D3CA11}"/>
+                <a16:creationId xmlns:a16="http://schemas.microsoft.com/office/drawing/2014/main" id="{0ABA8567-0C73-4EE1-85D6-11E997D3CA11}"/>
               </a:ext>
             </a:extLst>
           </p:cNvPr>
@@ -1418,7 +1515,7 @@
           <p:cNvPr id="2" name="Vertical Title 1">
             <a:extLst>
               <a:ext uri="{FF2B5EF4-FFF2-40B4-BE49-F238E27FC236}">
-                <a16:creationId xmlns="" xmlns:a16="http://schemas.microsoft.com/office/drawing/2014/main" id="{C034C754-EBB8-4F31-83B1-76F65241CF42}"/>
+                <a16:creationId xmlns:a16="http://schemas.microsoft.com/office/drawing/2014/main" id="{C034C754-EBB8-4F31-83B1-76F65241CF42}"/>
               </a:ext>
             </a:extLst>
           </p:cNvPr>
@@ -1440,10 +1537,9 @@
           <a:lstStyle/>
           <a:p>
             <a:r>
-              <a:rPr lang="en-US" smtClean="0"/>
+              <a:rPr lang="en-US"/>
               <a:t>Click to edit Master title style</a:t>
             </a:r>
-            <a:endParaRPr lang="en-US"/>
           </a:p>
         </p:txBody>
       </p:sp>
@@ -1452,7 +1548,7 @@
           <p:cNvPr id="3" name="Vertical Text Placeholder 2">
             <a:extLst>
               <a:ext uri="{FF2B5EF4-FFF2-40B4-BE49-F238E27FC236}">
-                <a16:creationId xmlns="" xmlns:a16="http://schemas.microsoft.com/office/drawing/2014/main" id="{F0C526F1-1446-4F44-BC5F-884564219E21}"/>
+                <a16:creationId xmlns:a16="http://schemas.microsoft.com/office/drawing/2014/main" id="{F0C526F1-1446-4F44-BC5F-884564219E21}"/>
               </a:ext>
             </a:extLst>
           </p:cNvPr>
@@ -1475,38 +1571,37 @@
           <a:p>
             <a:pPr lvl="0"/>
             <a:r>
-              <a:rPr lang="en-US" smtClean="0"/>
+              <a:rPr lang="en-US"/>
               <a:t>Click to edit Master text styles</a:t>
             </a:r>
           </a:p>
           <a:p>
             <a:pPr lvl="1"/>
             <a:r>
-              <a:rPr lang="en-US" smtClean="0"/>
+              <a:rPr lang="en-US"/>
               <a:t>Second level</a:t>
             </a:r>
           </a:p>
           <a:p>
             <a:pPr lvl="2"/>
             <a:r>
-              <a:rPr lang="en-US" smtClean="0"/>
+              <a:rPr lang="en-US"/>
               <a:t>Third level</a:t>
             </a:r>
           </a:p>
           <a:p>
             <a:pPr lvl="3"/>
             <a:r>
-              <a:rPr lang="en-US" smtClean="0"/>
+              <a:rPr lang="en-US"/>
               <a:t>Fourth level</a:t>
             </a:r>
           </a:p>
           <a:p>
             <a:pPr lvl="4"/>
             <a:r>
-              <a:rPr lang="en-US" smtClean="0"/>
+              <a:rPr lang="en-US"/>
               <a:t>Fifth level</a:t>
             </a:r>
-            <a:endParaRPr lang="en-US"/>
           </a:p>
         </p:txBody>
       </p:sp>
@@ -1515,7 +1610,7 @@
           <p:cNvPr id="4" name="Date Placeholder 3">
             <a:extLst>
               <a:ext uri="{FF2B5EF4-FFF2-40B4-BE49-F238E27FC236}">
-                <a16:creationId xmlns="" xmlns:a16="http://schemas.microsoft.com/office/drawing/2014/main" id="{1DAB0D6A-501E-4400-90AE-40AD173EACB5}"/>
+                <a16:creationId xmlns:a16="http://schemas.microsoft.com/office/drawing/2014/main" id="{1DAB0D6A-501E-4400-90AE-40AD173EACB5}"/>
               </a:ext>
             </a:extLst>
           </p:cNvPr>
@@ -1541,7 +1636,7 @@
           <a:p>
             <a:fld id="{DC01BBA9-561A-4EFE-A06C-26F8206AAA61}" type="datetimeFigureOut">
               <a:rPr lang="en-US" smtClean="0"/>
-              <a:t>10/19/2018</a:t>
+              <a:t>10/22/2018</a:t>
             </a:fld>
             <a:endParaRPr lang="en-US"/>
           </a:p>
@@ -1552,7 +1647,7 @@
           <p:cNvPr id="5" name="Footer Placeholder 4">
             <a:extLst>
               <a:ext uri="{FF2B5EF4-FFF2-40B4-BE49-F238E27FC236}">
-                <a16:creationId xmlns="" xmlns:a16="http://schemas.microsoft.com/office/drawing/2014/main" id="{76F1E445-1BC8-4794-9C96-36BEAF0741B6}"/>
+                <a16:creationId xmlns:a16="http://schemas.microsoft.com/office/drawing/2014/main" id="{76F1E445-1BC8-4794-9C96-36BEAF0741B6}"/>
               </a:ext>
             </a:extLst>
           </p:cNvPr>
@@ -1577,7 +1672,7 @@
           <p:cNvPr id="6" name="Slide Number Placeholder 5">
             <a:extLst>
               <a:ext uri="{FF2B5EF4-FFF2-40B4-BE49-F238E27FC236}">
-                <a16:creationId xmlns="" xmlns:a16="http://schemas.microsoft.com/office/drawing/2014/main" id="{D28A5DE7-2691-4958-B071-BAF6637CA8BE}"/>
+                <a16:creationId xmlns:a16="http://schemas.microsoft.com/office/drawing/2014/main" id="{D28A5DE7-2691-4958-B071-BAF6637CA8BE}"/>
               </a:ext>
             </a:extLst>
           </p:cNvPr>
@@ -1660,10 +1755,9 @@
           <a:lstStyle/>
           <a:p>
             <a:r>
-              <a:rPr lang="en-US" smtClean="0"/>
+              <a:rPr lang="en-US"/>
               <a:t>Click to edit Master title style</a:t>
             </a:r>
-            <a:endParaRPr lang="en-US"/>
           </a:p>
         </p:txBody>
       </p:sp>
@@ -1779,10 +1873,9 @@
           </a:lstStyle>
           <a:p>
             <a:r>
-              <a:rPr lang="en-US" smtClean="0"/>
+              <a:rPr lang="en-US"/>
               <a:t>Click to edit Master subtitle style</a:t>
             </a:r>
-            <a:endParaRPr lang="en-US"/>
           </a:p>
         </p:txBody>
       </p:sp>
@@ -1803,7 +1896,7 @@
           <a:p>
             <a:fld id="{589E5873-CF7F-45F3-B283-E59B1D6F242C}" type="datetimeFigureOut">
               <a:rPr lang="en-US" smtClean="0"/>
-              <a:t>10/19/2018</a:t>
+              <a:t>10/22/2018</a:t>
             </a:fld>
             <a:endParaRPr lang="en-US"/>
           </a:p>
@@ -1897,10 +1990,9 @@
           <a:lstStyle/>
           <a:p>
             <a:r>
-              <a:rPr lang="en-US" smtClean="0"/>
+              <a:rPr lang="en-US"/>
               <a:t>Click to edit Master title style</a:t>
             </a:r>
-            <a:endParaRPr lang="en-US"/>
           </a:p>
         </p:txBody>
       </p:sp>
@@ -1921,38 +2013,37 @@
           <a:p>
             <a:pPr lvl="0"/>
             <a:r>
-              <a:rPr lang="en-US" smtClean="0"/>
+              <a:rPr lang="en-US"/>
               <a:t>Click to edit Master text styles</a:t>
             </a:r>
           </a:p>
           <a:p>
             <a:pPr lvl="1"/>
             <a:r>
-              <a:rPr lang="en-US" smtClean="0"/>
+              <a:rPr lang="en-US"/>
               <a:t>Second level</a:t>
             </a:r>
           </a:p>
           <a:p>
             <a:pPr lvl="2"/>
             <a:r>
-              <a:rPr lang="en-US" smtClean="0"/>
+              <a:rPr lang="en-US"/>
               <a:t>Third level</a:t>
             </a:r>
           </a:p>
           <a:p>
             <a:pPr lvl="3"/>
             <a:r>
-              <a:rPr lang="en-US" smtClean="0"/>
+              <a:rPr lang="en-US"/>
               <a:t>Fourth level</a:t>
             </a:r>
           </a:p>
           <a:p>
             <a:pPr lvl="4"/>
             <a:r>
-              <a:rPr lang="en-US" smtClean="0"/>
+              <a:rPr lang="en-US"/>
               <a:t>Fifth level</a:t>
             </a:r>
-            <a:endParaRPr lang="en-US"/>
           </a:p>
         </p:txBody>
       </p:sp>
@@ -1973,7 +2064,7 @@
           <a:p>
             <a:fld id="{589E5873-CF7F-45F3-B283-E59B1D6F242C}" type="datetimeFigureOut">
               <a:rPr lang="en-US" smtClean="0"/>
-              <a:t>10/19/2018</a:t>
+              <a:t>10/22/2018</a:t>
             </a:fld>
             <a:endParaRPr lang="en-US"/>
           </a:p>
@@ -2076,10 +2167,9 @@
           </a:lstStyle>
           <a:p>
             <a:r>
-              <a:rPr lang="en-US" smtClean="0"/>
+              <a:rPr lang="en-US"/>
               <a:t>Click to edit Master title style</a:t>
             </a:r>
-            <a:endParaRPr lang="en-US"/>
           </a:p>
         </p:txBody>
       </p:sp>
@@ -2196,7 +2286,7 @@
           <a:p>
             <a:pPr lvl="0"/>
             <a:r>
-              <a:rPr lang="en-US" smtClean="0"/>
+              <a:rPr lang="en-US"/>
               <a:t>Click to edit Master text styles</a:t>
             </a:r>
           </a:p>
@@ -2219,7 +2309,7 @@
           <a:p>
             <a:fld id="{589E5873-CF7F-45F3-B283-E59B1D6F242C}" type="datetimeFigureOut">
               <a:rPr lang="en-US" smtClean="0"/>
-              <a:t>10/19/2018</a:t>
+              <a:t>10/22/2018</a:t>
             </a:fld>
             <a:endParaRPr lang="en-US"/>
           </a:p>
@@ -2313,10 +2403,9 @@
           <a:lstStyle/>
           <a:p>
             <a:r>
-              <a:rPr lang="en-US" smtClean="0"/>
+              <a:rPr lang="en-US"/>
               <a:t>Click to edit Master title style</a:t>
             </a:r>
-            <a:endParaRPr lang="en-US"/>
           </a:p>
         </p:txBody>
       </p:sp>
@@ -2370,38 +2459,37 @@
           <a:p>
             <a:pPr lvl="0"/>
             <a:r>
-              <a:rPr lang="en-US" smtClean="0"/>
+              <a:rPr lang="en-US"/>
               <a:t>Click to edit Master text styles</a:t>
             </a:r>
           </a:p>
           <a:p>
             <a:pPr lvl="1"/>
             <a:r>
-              <a:rPr lang="en-US" smtClean="0"/>
+              <a:rPr lang="en-US"/>
               <a:t>Second level</a:t>
             </a:r>
           </a:p>
           <a:p>
             <a:pPr lvl="2"/>
             <a:r>
-              <a:rPr lang="en-US" smtClean="0"/>
+              <a:rPr lang="en-US"/>
               <a:t>Third level</a:t>
             </a:r>
           </a:p>
           <a:p>
             <a:pPr lvl="3"/>
             <a:r>
-              <a:rPr lang="en-US" smtClean="0"/>
+              <a:rPr lang="en-US"/>
               <a:t>Fourth level</a:t>
             </a:r>
           </a:p>
           <a:p>
             <a:pPr lvl="4"/>
             <a:r>
-              <a:rPr lang="en-US" smtClean="0"/>
+              <a:rPr lang="en-US"/>
               <a:t>Fifth level</a:t>
             </a:r>
-            <a:endParaRPr lang="en-US"/>
           </a:p>
         </p:txBody>
       </p:sp>
@@ -2455,38 +2543,37 @@
           <a:p>
             <a:pPr lvl="0"/>
             <a:r>
-              <a:rPr lang="en-US" smtClean="0"/>
+              <a:rPr lang="en-US"/>
               <a:t>Click to edit Master text styles</a:t>
             </a:r>
           </a:p>
           <a:p>
             <a:pPr lvl="1"/>
             <a:r>
-              <a:rPr lang="en-US" smtClean="0"/>
+              <a:rPr lang="en-US"/>
               <a:t>Second level</a:t>
             </a:r>
           </a:p>
           <a:p>
             <a:pPr lvl="2"/>
             <a:r>
-              <a:rPr lang="en-US" smtClean="0"/>
+              <a:rPr lang="en-US"/>
               <a:t>Third level</a:t>
             </a:r>
           </a:p>
           <a:p>
             <a:pPr lvl="3"/>
             <a:r>
-              <a:rPr lang="en-US" smtClean="0"/>
+              <a:rPr lang="en-US"/>
               <a:t>Fourth level</a:t>
             </a:r>
           </a:p>
           <a:p>
             <a:pPr lvl="4"/>
             <a:r>
-              <a:rPr lang="en-US" smtClean="0"/>
+              <a:rPr lang="en-US"/>
               <a:t>Fifth level</a:t>
             </a:r>
-            <a:endParaRPr lang="en-US"/>
           </a:p>
         </p:txBody>
       </p:sp>
@@ -2507,7 +2594,7 @@
           <a:p>
             <a:fld id="{589E5873-CF7F-45F3-B283-E59B1D6F242C}" type="datetimeFigureOut">
               <a:rPr lang="en-US" smtClean="0"/>
-              <a:t>10/19/2018</a:t>
+              <a:t>10/22/2018</a:t>
             </a:fld>
             <a:endParaRPr lang="en-US"/>
           </a:p>
@@ -2605,10 +2692,9 @@
           </a:lstStyle>
           <a:p>
             <a:r>
-              <a:rPr lang="en-US" smtClean="0"/>
+              <a:rPr lang="en-US"/>
               <a:t>Click to edit Master title style</a:t>
             </a:r>
-            <a:endParaRPr lang="en-US"/>
           </a:p>
         </p:txBody>
       </p:sp>
@@ -2671,7 +2757,7 @@
           <a:p>
             <a:pPr lvl="0"/>
             <a:r>
-              <a:rPr lang="en-US" smtClean="0"/>
+              <a:rPr lang="en-US"/>
               <a:t>Click to edit Master text styles</a:t>
             </a:r>
           </a:p>
@@ -2727,38 +2813,37 @@
           <a:p>
             <a:pPr lvl="0"/>
             <a:r>
-              <a:rPr lang="en-US" smtClean="0"/>
+              <a:rPr lang="en-US"/>
               <a:t>Click to edit Master text styles</a:t>
             </a:r>
           </a:p>
           <a:p>
             <a:pPr lvl="1"/>
             <a:r>
-              <a:rPr lang="en-US" smtClean="0"/>
+              <a:rPr lang="en-US"/>
               <a:t>Second level</a:t>
             </a:r>
           </a:p>
           <a:p>
             <a:pPr lvl="2"/>
             <a:r>
-              <a:rPr lang="en-US" smtClean="0"/>
+              <a:rPr lang="en-US"/>
               <a:t>Third level</a:t>
             </a:r>
           </a:p>
           <a:p>
             <a:pPr lvl="3"/>
             <a:r>
-              <a:rPr lang="en-US" smtClean="0"/>
+              <a:rPr lang="en-US"/>
               <a:t>Fourth level</a:t>
             </a:r>
           </a:p>
           <a:p>
             <a:pPr lvl="4"/>
             <a:r>
-              <a:rPr lang="en-US" smtClean="0"/>
+              <a:rPr lang="en-US"/>
               <a:t>Fifth level</a:t>
             </a:r>
-            <a:endParaRPr lang="en-US"/>
           </a:p>
         </p:txBody>
       </p:sp>
@@ -2821,7 +2906,7 @@
           <a:p>
             <a:pPr lvl="0"/>
             <a:r>
-              <a:rPr lang="en-US" smtClean="0"/>
+              <a:rPr lang="en-US"/>
               <a:t>Click to edit Master text styles</a:t>
             </a:r>
           </a:p>
@@ -2877,38 +2962,37 @@
           <a:p>
             <a:pPr lvl="0"/>
             <a:r>
-              <a:rPr lang="en-US" smtClean="0"/>
+              <a:rPr lang="en-US"/>
               <a:t>Click to edit Master text styles</a:t>
             </a:r>
           </a:p>
           <a:p>
             <a:pPr lvl="1"/>
             <a:r>
-              <a:rPr lang="en-US" smtClean="0"/>
+              <a:rPr lang="en-US"/>
               <a:t>Second level</a:t>
             </a:r>
           </a:p>
           <a:p>
             <a:pPr lvl="2"/>
             <a:r>
-              <a:rPr lang="en-US" smtClean="0"/>
+              <a:rPr lang="en-US"/>
               <a:t>Third level</a:t>
             </a:r>
           </a:p>
           <a:p>
             <a:pPr lvl="3"/>
             <a:r>
-              <a:rPr lang="en-US" smtClean="0"/>
+              <a:rPr lang="en-US"/>
               <a:t>Fourth level</a:t>
             </a:r>
           </a:p>
           <a:p>
             <a:pPr lvl="4"/>
             <a:r>
-              <a:rPr lang="en-US" smtClean="0"/>
+              <a:rPr lang="en-US"/>
               <a:t>Fifth level</a:t>
             </a:r>
-            <a:endParaRPr lang="en-US"/>
           </a:p>
         </p:txBody>
       </p:sp>
@@ -2929,7 +3013,7 @@
           <a:p>
             <a:fld id="{589E5873-CF7F-45F3-B283-E59B1D6F242C}" type="datetimeFigureOut">
               <a:rPr lang="en-US" smtClean="0"/>
-              <a:t>10/19/2018</a:t>
+              <a:t>10/22/2018</a:t>
             </a:fld>
             <a:endParaRPr lang="en-US"/>
           </a:p>
@@ -3023,10 +3107,9 @@
           <a:lstStyle/>
           <a:p>
             <a:r>
-              <a:rPr lang="en-US" smtClean="0"/>
+              <a:rPr lang="en-US"/>
               <a:t>Click to edit Master title style</a:t>
             </a:r>
-            <a:endParaRPr lang="en-US"/>
           </a:p>
         </p:txBody>
       </p:sp>
@@ -3047,7 +3130,7 @@
           <a:p>
             <a:fld id="{589E5873-CF7F-45F3-B283-E59B1D6F242C}" type="datetimeFigureOut">
               <a:rPr lang="en-US" smtClean="0"/>
-              <a:t>10/19/2018</a:t>
+              <a:t>10/22/2018</a:t>
             </a:fld>
             <a:endParaRPr lang="en-US"/>
           </a:p>
@@ -3142,7 +3225,7 @@
           <a:p>
             <a:fld id="{589E5873-CF7F-45F3-B283-E59B1D6F242C}" type="datetimeFigureOut">
               <a:rPr lang="en-US" smtClean="0"/>
-              <a:t>10/19/2018</a:t>
+              <a:t>10/22/2018</a:t>
             </a:fld>
             <a:endParaRPr lang="en-US"/>
           </a:p>
@@ -3245,10 +3328,9 @@
           </a:lstStyle>
           <a:p>
             <a:r>
-              <a:rPr lang="en-US" smtClean="0"/>
+              <a:rPr lang="en-US"/>
               <a:t>Click to edit Master title style</a:t>
             </a:r>
-            <a:endParaRPr lang="en-US"/>
           </a:p>
         </p:txBody>
       </p:sp>
@@ -3302,38 +3384,37 @@
           <a:p>
             <a:pPr lvl="0"/>
             <a:r>
-              <a:rPr lang="en-US" smtClean="0"/>
+              <a:rPr lang="en-US"/>
               <a:t>Click to edit Master text styles</a:t>
             </a:r>
           </a:p>
           <a:p>
             <a:pPr lvl="1"/>
             <a:r>
-              <a:rPr lang="en-US" smtClean="0"/>
+              <a:rPr lang="en-US"/>
               <a:t>Second level</a:t>
             </a:r>
           </a:p>
           <a:p>
             <a:pPr lvl="2"/>
             <a:r>
-              <a:rPr lang="en-US" smtClean="0"/>
+              <a:rPr lang="en-US"/>
               <a:t>Third level</a:t>
             </a:r>
           </a:p>
           <a:p>
             <a:pPr lvl="3"/>
             <a:r>
-              <a:rPr lang="en-US" smtClean="0"/>
+              <a:rPr lang="en-US"/>
               <a:t>Fourth level</a:t>
             </a:r>
           </a:p>
           <a:p>
             <a:pPr lvl="4"/>
             <a:r>
-              <a:rPr lang="en-US" smtClean="0"/>
+              <a:rPr lang="en-US"/>
               <a:t>Fifth level</a:t>
             </a:r>
-            <a:endParaRPr lang="en-US"/>
           </a:p>
         </p:txBody>
       </p:sp>
@@ -3396,7 +3477,7 @@
           <a:p>
             <a:pPr lvl="0"/>
             <a:r>
-              <a:rPr lang="en-US" smtClean="0"/>
+              <a:rPr lang="en-US"/>
               <a:t>Click to edit Master text styles</a:t>
             </a:r>
           </a:p>
@@ -3419,7 +3500,7 @@
           <a:p>
             <a:fld id="{589E5873-CF7F-45F3-B283-E59B1D6F242C}" type="datetimeFigureOut">
               <a:rPr lang="en-US" smtClean="0"/>
-              <a:t>10/19/2018</a:t>
+              <a:t>10/22/2018</a:t>
             </a:fld>
             <a:endParaRPr lang="en-US"/>
           </a:p>
@@ -3502,7 +3583,7 @@
           <p:cNvPr id="2" name="Title 1">
             <a:extLst>
               <a:ext uri="{FF2B5EF4-FFF2-40B4-BE49-F238E27FC236}">
-                <a16:creationId xmlns="" xmlns:a16="http://schemas.microsoft.com/office/drawing/2014/main" id="{6C17425C-18D3-491A-B44C-33310DF00363}"/>
+                <a16:creationId xmlns:a16="http://schemas.microsoft.com/office/drawing/2014/main" id="{6C17425C-18D3-491A-B44C-33310DF00363}"/>
               </a:ext>
             </a:extLst>
           </p:cNvPr>
@@ -3519,7 +3600,7 @@
           <a:lstStyle/>
           <a:p>
             <a:r>
-              <a:rPr lang="en-US" smtClean="0"/>
+              <a:rPr lang="en-US"/>
               <a:t>Click to edit Master title style</a:t>
             </a:r>
             <a:endParaRPr lang="en-US" dirty="0"/>
@@ -3531,7 +3612,7 @@
           <p:cNvPr id="3" name="Content Placeholder 2">
             <a:extLst>
               <a:ext uri="{FF2B5EF4-FFF2-40B4-BE49-F238E27FC236}">
-                <a16:creationId xmlns="" xmlns:a16="http://schemas.microsoft.com/office/drawing/2014/main" id="{690EA820-1375-49CA-A199-58675EA20385}"/>
+                <a16:creationId xmlns:a16="http://schemas.microsoft.com/office/drawing/2014/main" id="{690EA820-1375-49CA-A199-58675EA20385}"/>
               </a:ext>
             </a:extLst>
           </p:cNvPr>
@@ -3560,35 +3641,35 @@
           <a:p>
             <a:pPr lvl="0"/>
             <a:r>
-              <a:rPr lang="en-US" smtClean="0"/>
+              <a:rPr lang="en-US"/>
               <a:t>Click to edit Master text styles</a:t>
             </a:r>
           </a:p>
           <a:p>
             <a:pPr lvl="1"/>
             <a:r>
-              <a:rPr lang="en-US" smtClean="0"/>
+              <a:rPr lang="en-US"/>
               <a:t>Second level</a:t>
             </a:r>
           </a:p>
           <a:p>
             <a:pPr lvl="2"/>
             <a:r>
-              <a:rPr lang="en-US" smtClean="0"/>
+              <a:rPr lang="en-US"/>
               <a:t>Third level</a:t>
             </a:r>
           </a:p>
           <a:p>
             <a:pPr lvl="3"/>
             <a:r>
-              <a:rPr lang="en-US" smtClean="0"/>
+              <a:rPr lang="en-US"/>
               <a:t>Fourth level</a:t>
             </a:r>
           </a:p>
           <a:p>
             <a:pPr lvl="4"/>
             <a:r>
-              <a:rPr lang="en-US" smtClean="0"/>
+              <a:rPr lang="en-US"/>
               <a:t>Fifth level</a:t>
             </a:r>
             <a:endParaRPr lang="en-US" dirty="0"/>
@@ -3600,7 +3681,7 @@
           <p:cNvPr id="5" name="Footer Placeholder 4">
             <a:extLst>
               <a:ext uri="{FF2B5EF4-FFF2-40B4-BE49-F238E27FC236}">
-                <a16:creationId xmlns="" xmlns:a16="http://schemas.microsoft.com/office/drawing/2014/main" id="{2E02902E-6772-48E0-9C32-694AC3F38F05}"/>
+                <a16:creationId xmlns:a16="http://schemas.microsoft.com/office/drawing/2014/main" id="{2E02902E-6772-48E0-9C32-694AC3F38F05}"/>
               </a:ext>
             </a:extLst>
           </p:cNvPr>
@@ -3625,7 +3706,7 @@
           <p:cNvPr id="7" name="Group 6">
             <a:extLst>
               <a:ext uri="{FF2B5EF4-FFF2-40B4-BE49-F238E27FC236}">
-                <a16:creationId xmlns="" xmlns:a16="http://schemas.microsoft.com/office/drawing/2014/main" id="{298F834E-EBF3-46CA-A2EC-73D50440B60A}"/>
+                <a16:creationId xmlns:a16="http://schemas.microsoft.com/office/drawing/2014/main" id="{298F834E-EBF3-46CA-A2EC-73D50440B60A}"/>
               </a:ext>
             </a:extLst>
           </p:cNvPr>
@@ -3645,7 +3726,7 @@
             <p:cNvPr id="8" name="Picture 7">
               <a:extLst>
                 <a:ext uri="{FF2B5EF4-FFF2-40B4-BE49-F238E27FC236}">
-                  <a16:creationId xmlns="" xmlns:a16="http://schemas.microsoft.com/office/drawing/2014/main" id="{EB3E9659-0155-4ABB-9E67-A5BD8C5D39FB}"/>
+                  <a16:creationId xmlns:a16="http://schemas.microsoft.com/office/drawing/2014/main" id="{EB3E9659-0155-4ABB-9E67-A5BD8C5D39FB}"/>
                 </a:ext>
               </a:extLst>
             </p:cNvPr>
@@ -3681,7 +3762,7 @@
             <p:cNvPr id="9" name="Picture 8">
               <a:extLst>
                 <a:ext uri="{FF2B5EF4-FFF2-40B4-BE49-F238E27FC236}">
-                  <a16:creationId xmlns="" xmlns:a16="http://schemas.microsoft.com/office/drawing/2014/main" id="{1798BE8B-8B5E-4738-8DF7-8EF166351FDC}"/>
+                  <a16:creationId xmlns:a16="http://schemas.microsoft.com/office/drawing/2014/main" id="{1798BE8B-8B5E-4738-8DF7-8EF166351FDC}"/>
                 </a:ext>
               </a:extLst>
             </p:cNvPr>
@@ -3768,10 +3849,9 @@
           </a:lstStyle>
           <a:p>
             <a:r>
-              <a:rPr lang="en-US" smtClean="0"/>
+              <a:rPr lang="en-US"/>
               <a:t>Click to edit Master title style</a:t>
             </a:r>
-            <a:endParaRPr lang="en-US"/>
           </a:p>
         </p:txBody>
       </p:sp>
@@ -3833,10 +3913,9 @@
           </a:lstStyle>
           <a:p>
             <a:r>
-              <a:rPr lang="en-US" smtClean="0"/>
+              <a:rPr lang="en-US"/>
               <a:t>Click icon to add picture</a:t>
             </a:r>
-            <a:endParaRPr lang="en-US"/>
           </a:p>
         </p:txBody>
       </p:sp>
@@ -3899,7 +3978,7 @@
           <a:p>
             <a:pPr lvl="0"/>
             <a:r>
-              <a:rPr lang="en-US" smtClean="0"/>
+              <a:rPr lang="en-US"/>
               <a:t>Click to edit Master text styles</a:t>
             </a:r>
           </a:p>
@@ -3922,7 +4001,7 @@
           <a:p>
             <a:fld id="{589E5873-CF7F-45F3-B283-E59B1D6F242C}" type="datetimeFigureOut">
               <a:rPr lang="en-US" smtClean="0"/>
-              <a:t>10/19/2018</a:t>
+              <a:t>10/22/2018</a:t>
             </a:fld>
             <a:endParaRPr lang="en-US"/>
           </a:p>
@@ -4016,10 +4095,9 @@
           <a:lstStyle/>
           <a:p>
             <a:r>
-              <a:rPr lang="en-US" smtClean="0"/>
+              <a:rPr lang="en-US"/>
               <a:t>Click to edit Master title style</a:t>
             </a:r>
-            <a:endParaRPr lang="en-US"/>
           </a:p>
         </p:txBody>
       </p:sp>
@@ -4040,38 +4118,37 @@
           <a:p>
             <a:pPr lvl="0"/>
             <a:r>
-              <a:rPr lang="en-US" smtClean="0"/>
+              <a:rPr lang="en-US"/>
               <a:t>Click to edit Master text styles</a:t>
             </a:r>
           </a:p>
           <a:p>
             <a:pPr lvl="1"/>
             <a:r>
-              <a:rPr lang="en-US" smtClean="0"/>
+              <a:rPr lang="en-US"/>
               <a:t>Second level</a:t>
             </a:r>
           </a:p>
           <a:p>
             <a:pPr lvl="2"/>
             <a:r>
-              <a:rPr lang="en-US" smtClean="0"/>
+              <a:rPr lang="en-US"/>
               <a:t>Third level</a:t>
             </a:r>
           </a:p>
           <a:p>
             <a:pPr lvl="3"/>
             <a:r>
-              <a:rPr lang="en-US" smtClean="0"/>
+              <a:rPr lang="en-US"/>
               <a:t>Fourth level</a:t>
             </a:r>
           </a:p>
           <a:p>
             <a:pPr lvl="4"/>
             <a:r>
-              <a:rPr lang="en-US" smtClean="0"/>
+              <a:rPr lang="en-US"/>
               <a:t>Fifth level</a:t>
             </a:r>
-            <a:endParaRPr lang="en-US"/>
           </a:p>
         </p:txBody>
       </p:sp>
@@ -4092,7 +4169,7 @@
           <a:p>
             <a:fld id="{589E5873-CF7F-45F3-B283-E59B1D6F242C}" type="datetimeFigureOut">
               <a:rPr lang="en-US" smtClean="0"/>
-              <a:t>10/19/2018</a:t>
+              <a:t>10/22/2018</a:t>
             </a:fld>
             <a:endParaRPr lang="en-US"/>
           </a:p>
@@ -4191,10 +4268,9 @@
           <a:lstStyle/>
           <a:p>
             <a:r>
-              <a:rPr lang="en-US" smtClean="0"/>
+              <a:rPr lang="en-US"/>
               <a:t>Click to edit Master title style</a:t>
             </a:r>
-            <a:endParaRPr lang="en-US"/>
           </a:p>
         </p:txBody>
       </p:sp>
@@ -4220,38 +4296,37 @@
           <a:p>
             <a:pPr lvl="0"/>
             <a:r>
-              <a:rPr lang="en-US" smtClean="0"/>
+              <a:rPr lang="en-US"/>
               <a:t>Click to edit Master text styles</a:t>
             </a:r>
           </a:p>
           <a:p>
             <a:pPr lvl="1"/>
             <a:r>
-              <a:rPr lang="en-US" smtClean="0"/>
+              <a:rPr lang="en-US"/>
               <a:t>Second level</a:t>
             </a:r>
           </a:p>
           <a:p>
             <a:pPr lvl="2"/>
             <a:r>
-              <a:rPr lang="en-US" smtClean="0"/>
+              <a:rPr lang="en-US"/>
               <a:t>Third level</a:t>
             </a:r>
           </a:p>
           <a:p>
             <a:pPr lvl="3"/>
             <a:r>
-              <a:rPr lang="en-US" smtClean="0"/>
+              <a:rPr lang="en-US"/>
               <a:t>Fourth level</a:t>
             </a:r>
           </a:p>
           <a:p>
             <a:pPr lvl="4"/>
             <a:r>
-              <a:rPr lang="en-US" smtClean="0"/>
+              <a:rPr lang="en-US"/>
               <a:t>Fifth level</a:t>
             </a:r>
-            <a:endParaRPr lang="en-US"/>
           </a:p>
         </p:txBody>
       </p:sp>
@@ -4272,7 +4347,7 @@
           <a:p>
             <a:fld id="{589E5873-CF7F-45F3-B283-E59B1D6F242C}" type="datetimeFigureOut">
               <a:rPr lang="en-US" smtClean="0"/>
-              <a:t>10/19/2018</a:t>
+              <a:t>10/22/2018</a:t>
             </a:fld>
             <a:endParaRPr lang="en-US"/>
           </a:p>
@@ -4355,7 +4430,7 @@
           <p:cNvPr id="2" name="Title 1">
             <a:extLst>
               <a:ext uri="{FF2B5EF4-FFF2-40B4-BE49-F238E27FC236}">
-                <a16:creationId xmlns="" xmlns:a16="http://schemas.microsoft.com/office/drawing/2014/main" id="{185726EC-5590-4B3F-8B93-87BF6D6E2685}"/>
+                <a16:creationId xmlns:a16="http://schemas.microsoft.com/office/drawing/2014/main" id="{185726EC-5590-4B3F-8B93-87BF6D6E2685}"/>
               </a:ext>
             </a:extLst>
           </p:cNvPr>
@@ -4381,10 +4456,9 @@
           </a:lstStyle>
           <a:p>
             <a:r>
-              <a:rPr lang="en-US" smtClean="0"/>
+              <a:rPr lang="en-US"/>
               <a:t>Click to edit Master title style</a:t>
             </a:r>
-            <a:endParaRPr lang="en-US"/>
           </a:p>
         </p:txBody>
       </p:sp>
@@ -4393,7 +4467,7 @@
           <p:cNvPr id="3" name="Text Placeholder 2">
             <a:extLst>
               <a:ext uri="{FF2B5EF4-FFF2-40B4-BE49-F238E27FC236}">
-                <a16:creationId xmlns="" xmlns:a16="http://schemas.microsoft.com/office/drawing/2014/main" id="{702BC31A-AFD3-475B-8FD8-2A3385AB9343}"/>
+                <a16:creationId xmlns:a16="http://schemas.microsoft.com/office/drawing/2014/main" id="{702BC31A-AFD3-475B-8FD8-2A3385AB9343}"/>
               </a:ext>
             </a:extLst>
           </p:cNvPr>
@@ -4507,7 +4581,7 @@
           <a:p>
             <a:pPr lvl="0"/>
             <a:r>
-              <a:rPr lang="en-US" smtClean="0"/>
+              <a:rPr lang="en-US"/>
               <a:t>Click to edit Master text styles</a:t>
             </a:r>
           </a:p>
@@ -4518,7 +4592,7 @@
           <p:cNvPr id="4" name="Date Placeholder 3">
             <a:extLst>
               <a:ext uri="{FF2B5EF4-FFF2-40B4-BE49-F238E27FC236}">
-                <a16:creationId xmlns="" xmlns:a16="http://schemas.microsoft.com/office/drawing/2014/main" id="{C34470BF-A87D-49C2-A87F-81CA950634A0}"/>
+                <a16:creationId xmlns:a16="http://schemas.microsoft.com/office/drawing/2014/main" id="{C34470BF-A87D-49C2-A87F-81CA950634A0}"/>
               </a:ext>
             </a:extLst>
           </p:cNvPr>
@@ -4544,7 +4618,7 @@
           <a:p>
             <a:fld id="{DC01BBA9-561A-4EFE-A06C-26F8206AAA61}" type="datetimeFigureOut">
               <a:rPr lang="en-US" smtClean="0"/>
-              <a:t>10/19/2018</a:t>
+              <a:t>10/22/2018</a:t>
             </a:fld>
             <a:endParaRPr lang="en-US"/>
           </a:p>
@@ -4555,7 +4629,7 @@
           <p:cNvPr id="5" name="Footer Placeholder 4">
             <a:extLst>
               <a:ext uri="{FF2B5EF4-FFF2-40B4-BE49-F238E27FC236}">
-                <a16:creationId xmlns="" xmlns:a16="http://schemas.microsoft.com/office/drawing/2014/main" id="{FA92D832-4BA1-436E-9216-19CE6A5C0BFE}"/>
+                <a16:creationId xmlns:a16="http://schemas.microsoft.com/office/drawing/2014/main" id="{FA92D832-4BA1-436E-9216-19CE6A5C0BFE}"/>
               </a:ext>
             </a:extLst>
           </p:cNvPr>
@@ -4580,7 +4654,7 @@
           <p:cNvPr id="6" name="Slide Number Placeholder 5">
             <a:extLst>
               <a:ext uri="{FF2B5EF4-FFF2-40B4-BE49-F238E27FC236}">
-                <a16:creationId xmlns="" xmlns:a16="http://schemas.microsoft.com/office/drawing/2014/main" id="{F05B968E-A11B-4791-A225-DDAB8A994CFA}"/>
+                <a16:creationId xmlns:a16="http://schemas.microsoft.com/office/drawing/2014/main" id="{F05B968E-A11B-4791-A225-DDAB8A994CFA}"/>
               </a:ext>
             </a:extLst>
           </p:cNvPr>
@@ -4647,7 +4721,7 @@
           <p:cNvPr id="2" name="Title 1">
             <a:extLst>
               <a:ext uri="{FF2B5EF4-FFF2-40B4-BE49-F238E27FC236}">
-                <a16:creationId xmlns="" xmlns:a16="http://schemas.microsoft.com/office/drawing/2014/main" id="{A4669A23-3852-415D-8903-B7312F70C8CE}"/>
+                <a16:creationId xmlns:a16="http://schemas.microsoft.com/office/drawing/2014/main" id="{A4669A23-3852-415D-8903-B7312F70C8CE}"/>
               </a:ext>
             </a:extLst>
           </p:cNvPr>
@@ -4664,10 +4738,9 @@
           <a:lstStyle/>
           <a:p>
             <a:r>
-              <a:rPr lang="en-US" smtClean="0"/>
+              <a:rPr lang="en-US"/>
               <a:t>Click to edit Master title style</a:t>
             </a:r>
-            <a:endParaRPr lang="en-US"/>
           </a:p>
         </p:txBody>
       </p:sp>
@@ -4676,7 +4749,7 @@
           <p:cNvPr id="3" name="Content Placeholder 2">
             <a:extLst>
               <a:ext uri="{FF2B5EF4-FFF2-40B4-BE49-F238E27FC236}">
-                <a16:creationId xmlns="" xmlns:a16="http://schemas.microsoft.com/office/drawing/2014/main" id="{11D49E50-AD63-415E-99DA-84C92E64DE61}"/>
+                <a16:creationId xmlns:a16="http://schemas.microsoft.com/office/drawing/2014/main" id="{11D49E50-AD63-415E-99DA-84C92E64DE61}"/>
               </a:ext>
             </a:extLst>
           </p:cNvPr>
@@ -4699,38 +4772,37 @@
           <a:p>
             <a:pPr lvl="0"/>
             <a:r>
-              <a:rPr lang="en-US" smtClean="0"/>
+              <a:rPr lang="en-US"/>
               <a:t>Click to edit Master text styles</a:t>
             </a:r>
           </a:p>
           <a:p>
             <a:pPr lvl="1"/>
             <a:r>
-              <a:rPr lang="en-US" smtClean="0"/>
+              <a:rPr lang="en-US"/>
               <a:t>Second level</a:t>
             </a:r>
           </a:p>
           <a:p>
             <a:pPr lvl="2"/>
             <a:r>
-              <a:rPr lang="en-US" smtClean="0"/>
+              <a:rPr lang="en-US"/>
               <a:t>Third level</a:t>
             </a:r>
           </a:p>
           <a:p>
             <a:pPr lvl="3"/>
             <a:r>
-              <a:rPr lang="en-US" smtClean="0"/>
+              <a:rPr lang="en-US"/>
               <a:t>Fourth level</a:t>
             </a:r>
           </a:p>
           <a:p>
             <a:pPr lvl="4"/>
             <a:r>
-              <a:rPr lang="en-US" smtClean="0"/>
+              <a:rPr lang="en-US"/>
               <a:t>Fifth level</a:t>
             </a:r>
-            <a:endParaRPr lang="en-US"/>
           </a:p>
         </p:txBody>
       </p:sp>
@@ -4739,7 +4811,7 @@
           <p:cNvPr id="4" name="Content Placeholder 3">
             <a:extLst>
               <a:ext uri="{FF2B5EF4-FFF2-40B4-BE49-F238E27FC236}">
-                <a16:creationId xmlns="" xmlns:a16="http://schemas.microsoft.com/office/drawing/2014/main" id="{2A4420E8-85C5-4B63-9A9C-1CC0FA16D3A1}"/>
+                <a16:creationId xmlns:a16="http://schemas.microsoft.com/office/drawing/2014/main" id="{2A4420E8-85C5-4B63-9A9C-1CC0FA16D3A1}"/>
               </a:ext>
             </a:extLst>
           </p:cNvPr>
@@ -4762,38 +4834,37 @@
           <a:p>
             <a:pPr lvl="0"/>
             <a:r>
-              <a:rPr lang="en-US" smtClean="0"/>
+              <a:rPr lang="en-US"/>
               <a:t>Click to edit Master text styles</a:t>
             </a:r>
           </a:p>
           <a:p>
             <a:pPr lvl="1"/>
             <a:r>
-              <a:rPr lang="en-US" smtClean="0"/>
+              <a:rPr lang="en-US"/>
               <a:t>Second level</a:t>
             </a:r>
           </a:p>
           <a:p>
             <a:pPr lvl="2"/>
             <a:r>
-              <a:rPr lang="en-US" smtClean="0"/>
+              <a:rPr lang="en-US"/>
               <a:t>Third level</a:t>
             </a:r>
           </a:p>
           <a:p>
             <a:pPr lvl="3"/>
             <a:r>
-              <a:rPr lang="en-US" smtClean="0"/>
+              <a:rPr lang="en-US"/>
               <a:t>Fourth level</a:t>
             </a:r>
           </a:p>
           <a:p>
             <a:pPr lvl="4"/>
             <a:r>
-              <a:rPr lang="en-US" smtClean="0"/>
+              <a:rPr lang="en-US"/>
               <a:t>Fifth level</a:t>
             </a:r>
-            <a:endParaRPr lang="en-US"/>
           </a:p>
         </p:txBody>
       </p:sp>
@@ -4802,7 +4873,7 @@
           <p:cNvPr id="5" name="Date Placeholder 4">
             <a:extLst>
               <a:ext uri="{FF2B5EF4-FFF2-40B4-BE49-F238E27FC236}">
-                <a16:creationId xmlns="" xmlns:a16="http://schemas.microsoft.com/office/drawing/2014/main" id="{2CD305D2-024D-47A9-A566-3657C84A3336}"/>
+                <a16:creationId xmlns:a16="http://schemas.microsoft.com/office/drawing/2014/main" id="{2CD305D2-024D-47A9-A566-3657C84A3336}"/>
               </a:ext>
             </a:extLst>
           </p:cNvPr>
@@ -4828,7 +4899,7 @@
           <a:p>
             <a:fld id="{DC01BBA9-561A-4EFE-A06C-26F8206AAA61}" type="datetimeFigureOut">
               <a:rPr lang="en-US" smtClean="0"/>
-              <a:t>10/19/2018</a:t>
+              <a:t>10/22/2018</a:t>
             </a:fld>
             <a:endParaRPr lang="en-US"/>
           </a:p>
@@ -4839,7 +4910,7 @@
           <p:cNvPr id="6" name="Footer Placeholder 5">
             <a:extLst>
               <a:ext uri="{FF2B5EF4-FFF2-40B4-BE49-F238E27FC236}">
-                <a16:creationId xmlns="" xmlns:a16="http://schemas.microsoft.com/office/drawing/2014/main" id="{73B305F1-7C3A-47AC-B3BA-9C8569C6B7DC}"/>
+                <a16:creationId xmlns:a16="http://schemas.microsoft.com/office/drawing/2014/main" id="{73B305F1-7C3A-47AC-B3BA-9C8569C6B7DC}"/>
               </a:ext>
             </a:extLst>
           </p:cNvPr>
@@ -4864,7 +4935,7 @@
           <p:cNvPr id="7" name="Slide Number Placeholder 6">
             <a:extLst>
               <a:ext uri="{FF2B5EF4-FFF2-40B4-BE49-F238E27FC236}">
-                <a16:creationId xmlns="" xmlns:a16="http://schemas.microsoft.com/office/drawing/2014/main" id="{AAB821BD-C529-4F76-B156-490A930D2AFF}"/>
+                <a16:creationId xmlns:a16="http://schemas.microsoft.com/office/drawing/2014/main" id="{AAB821BD-C529-4F76-B156-490A930D2AFF}"/>
               </a:ext>
             </a:extLst>
           </p:cNvPr>
@@ -4931,7 +5002,7 @@
           <p:cNvPr id="2" name="Title 1">
             <a:extLst>
               <a:ext uri="{FF2B5EF4-FFF2-40B4-BE49-F238E27FC236}">
-                <a16:creationId xmlns="" xmlns:a16="http://schemas.microsoft.com/office/drawing/2014/main" id="{9C561881-86DC-4916-AE89-0AF94D9C2977}"/>
+                <a16:creationId xmlns:a16="http://schemas.microsoft.com/office/drawing/2014/main" id="{9C561881-86DC-4916-AE89-0AF94D9C2977}"/>
               </a:ext>
             </a:extLst>
           </p:cNvPr>
@@ -4953,10 +5024,9 @@
           <a:lstStyle/>
           <a:p>
             <a:r>
-              <a:rPr lang="en-US" smtClean="0"/>
+              <a:rPr lang="en-US"/>
               <a:t>Click to edit Master title style</a:t>
             </a:r>
-            <a:endParaRPr lang="en-US"/>
           </a:p>
         </p:txBody>
       </p:sp>
@@ -4965,7 +5035,7 @@
           <p:cNvPr id="3" name="Text Placeholder 2">
             <a:extLst>
               <a:ext uri="{FF2B5EF4-FFF2-40B4-BE49-F238E27FC236}">
-                <a16:creationId xmlns="" xmlns:a16="http://schemas.microsoft.com/office/drawing/2014/main" id="{B1168BAB-1836-4E96-BAD0-AAFF619D397D}"/>
+                <a16:creationId xmlns:a16="http://schemas.microsoft.com/office/drawing/2014/main" id="{B1168BAB-1836-4E96-BAD0-AAFF619D397D}"/>
               </a:ext>
             </a:extLst>
           </p:cNvPr>
@@ -5025,7 +5095,7 @@
           <a:p>
             <a:pPr lvl="0"/>
             <a:r>
-              <a:rPr lang="en-US" smtClean="0"/>
+              <a:rPr lang="en-US"/>
               <a:t>Click to edit Master text styles</a:t>
             </a:r>
           </a:p>
@@ -5036,7 +5106,7 @@
           <p:cNvPr id="4" name="Content Placeholder 3">
             <a:extLst>
               <a:ext uri="{FF2B5EF4-FFF2-40B4-BE49-F238E27FC236}">
-                <a16:creationId xmlns="" xmlns:a16="http://schemas.microsoft.com/office/drawing/2014/main" id="{32FF6108-0262-4DA9-B7C1-67C14C5DD408}"/>
+                <a16:creationId xmlns:a16="http://schemas.microsoft.com/office/drawing/2014/main" id="{32FF6108-0262-4DA9-B7C1-67C14C5DD408}"/>
               </a:ext>
             </a:extLst>
           </p:cNvPr>
@@ -5059,38 +5129,37 @@
           <a:p>
             <a:pPr lvl="0"/>
             <a:r>
-              <a:rPr lang="en-US" smtClean="0"/>
+              <a:rPr lang="en-US"/>
               <a:t>Click to edit Master text styles</a:t>
             </a:r>
           </a:p>
           <a:p>
             <a:pPr lvl="1"/>
             <a:r>
-              <a:rPr lang="en-US" smtClean="0"/>
+              <a:rPr lang="en-US"/>
               <a:t>Second level</a:t>
             </a:r>
           </a:p>
           <a:p>
             <a:pPr lvl="2"/>
             <a:r>
-              <a:rPr lang="en-US" smtClean="0"/>
+              <a:rPr lang="en-US"/>
               <a:t>Third level</a:t>
             </a:r>
           </a:p>
           <a:p>
             <a:pPr lvl="3"/>
             <a:r>
-              <a:rPr lang="en-US" smtClean="0"/>
+              <a:rPr lang="en-US"/>
               <a:t>Fourth level</a:t>
             </a:r>
           </a:p>
           <a:p>
             <a:pPr lvl="4"/>
             <a:r>
-              <a:rPr lang="en-US" smtClean="0"/>
+              <a:rPr lang="en-US"/>
               <a:t>Fifth level</a:t>
             </a:r>
-            <a:endParaRPr lang="en-US"/>
           </a:p>
         </p:txBody>
       </p:sp>
@@ -5099,7 +5168,7 @@
           <p:cNvPr id="5" name="Text Placeholder 4">
             <a:extLst>
               <a:ext uri="{FF2B5EF4-FFF2-40B4-BE49-F238E27FC236}">
-                <a16:creationId xmlns="" xmlns:a16="http://schemas.microsoft.com/office/drawing/2014/main" id="{C3435E12-9692-4AB9-8792-8753CF5F331B}"/>
+                <a16:creationId xmlns:a16="http://schemas.microsoft.com/office/drawing/2014/main" id="{C3435E12-9692-4AB9-8792-8753CF5F331B}"/>
               </a:ext>
             </a:extLst>
           </p:cNvPr>
@@ -5159,7 +5228,7 @@
           <a:p>
             <a:pPr lvl="0"/>
             <a:r>
-              <a:rPr lang="en-US" smtClean="0"/>
+              <a:rPr lang="en-US"/>
               <a:t>Click to edit Master text styles</a:t>
             </a:r>
           </a:p>
@@ -5170,7 +5239,7 @@
           <p:cNvPr id="6" name="Content Placeholder 5">
             <a:extLst>
               <a:ext uri="{FF2B5EF4-FFF2-40B4-BE49-F238E27FC236}">
-                <a16:creationId xmlns="" xmlns:a16="http://schemas.microsoft.com/office/drawing/2014/main" id="{B354201C-5274-4011-A80E-FE3998BCD0BB}"/>
+                <a16:creationId xmlns:a16="http://schemas.microsoft.com/office/drawing/2014/main" id="{B354201C-5274-4011-A80E-FE3998BCD0BB}"/>
               </a:ext>
             </a:extLst>
           </p:cNvPr>
@@ -5193,38 +5262,37 @@
           <a:p>
             <a:pPr lvl="0"/>
             <a:r>
-              <a:rPr lang="en-US" smtClean="0"/>
+              <a:rPr lang="en-US"/>
               <a:t>Click to edit Master text styles</a:t>
             </a:r>
           </a:p>
           <a:p>
             <a:pPr lvl="1"/>
             <a:r>
-              <a:rPr lang="en-US" smtClean="0"/>
+              <a:rPr lang="en-US"/>
               <a:t>Second level</a:t>
             </a:r>
           </a:p>
           <a:p>
             <a:pPr lvl="2"/>
             <a:r>
-              <a:rPr lang="en-US" smtClean="0"/>
+              <a:rPr lang="en-US"/>
               <a:t>Third level</a:t>
             </a:r>
           </a:p>
           <a:p>
             <a:pPr lvl="3"/>
             <a:r>
-              <a:rPr lang="en-US" smtClean="0"/>
+              <a:rPr lang="en-US"/>
               <a:t>Fourth level</a:t>
             </a:r>
           </a:p>
           <a:p>
             <a:pPr lvl="4"/>
             <a:r>
-              <a:rPr lang="en-US" smtClean="0"/>
+              <a:rPr lang="en-US"/>
               <a:t>Fifth level</a:t>
             </a:r>
-            <a:endParaRPr lang="en-US"/>
           </a:p>
         </p:txBody>
       </p:sp>
@@ -5233,7 +5301,7 @@
           <p:cNvPr id="7" name="Date Placeholder 6">
             <a:extLst>
               <a:ext uri="{FF2B5EF4-FFF2-40B4-BE49-F238E27FC236}">
-                <a16:creationId xmlns="" xmlns:a16="http://schemas.microsoft.com/office/drawing/2014/main" id="{DB6D68A9-CDBE-4250-BDC9-E32480670E89}"/>
+                <a16:creationId xmlns:a16="http://schemas.microsoft.com/office/drawing/2014/main" id="{DB6D68A9-CDBE-4250-BDC9-E32480670E89}"/>
               </a:ext>
             </a:extLst>
           </p:cNvPr>
@@ -5259,7 +5327,7 @@
           <a:p>
             <a:fld id="{DC01BBA9-561A-4EFE-A06C-26F8206AAA61}" type="datetimeFigureOut">
               <a:rPr lang="en-US" smtClean="0"/>
-              <a:t>10/19/2018</a:t>
+              <a:t>10/22/2018</a:t>
             </a:fld>
             <a:endParaRPr lang="en-US"/>
           </a:p>
@@ -5270,7 +5338,7 @@
           <p:cNvPr id="8" name="Footer Placeholder 7">
             <a:extLst>
               <a:ext uri="{FF2B5EF4-FFF2-40B4-BE49-F238E27FC236}">
-                <a16:creationId xmlns="" xmlns:a16="http://schemas.microsoft.com/office/drawing/2014/main" id="{9C6A8D0A-7F29-45C6-82F2-06B303437B1D}"/>
+                <a16:creationId xmlns:a16="http://schemas.microsoft.com/office/drawing/2014/main" id="{9C6A8D0A-7F29-45C6-82F2-06B303437B1D}"/>
               </a:ext>
             </a:extLst>
           </p:cNvPr>
@@ -5295,7 +5363,7 @@
           <p:cNvPr id="9" name="Slide Number Placeholder 8">
             <a:extLst>
               <a:ext uri="{FF2B5EF4-FFF2-40B4-BE49-F238E27FC236}">
-                <a16:creationId xmlns="" xmlns:a16="http://schemas.microsoft.com/office/drawing/2014/main" id="{81B1795D-5472-415B-BA30-F548D00786DF}"/>
+                <a16:creationId xmlns:a16="http://schemas.microsoft.com/office/drawing/2014/main" id="{81B1795D-5472-415B-BA30-F548D00786DF}"/>
               </a:ext>
             </a:extLst>
           </p:cNvPr>
@@ -5362,7 +5430,7 @@
           <p:cNvPr id="2" name="Title 1">
             <a:extLst>
               <a:ext uri="{FF2B5EF4-FFF2-40B4-BE49-F238E27FC236}">
-                <a16:creationId xmlns="" xmlns:a16="http://schemas.microsoft.com/office/drawing/2014/main" id="{2EB3CEBF-9D6F-47EF-9EE3-62C97B8693C7}"/>
+                <a16:creationId xmlns:a16="http://schemas.microsoft.com/office/drawing/2014/main" id="{2EB3CEBF-9D6F-47EF-9EE3-62C97B8693C7}"/>
               </a:ext>
             </a:extLst>
           </p:cNvPr>
@@ -5379,10 +5447,9 @@
           <a:lstStyle/>
           <a:p>
             <a:r>
-              <a:rPr lang="en-US" smtClean="0"/>
+              <a:rPr lang="en-US"/>
               <a:t>Click to edit Master title style</a:t>
             </a:r>
-            <a:endParaRPr lang="en-US"/>
           </a:p>
         </p:txBody>
       </p:sp>
@@ -5391,7 +5458,7 @@
           <p:cNvPr id="3" name="Date Placeholder 2">
             <a:extLst>
               <a:ext uri="{FF2B5EF4-FFF2-40B4-BE49-F238E27FC236}">
-                <a16:creationId xmlns="" xmlns:a16="http://schemas.microsoft.com/office/drawing/2014/main" id="{C6AE9C0A-FC09-4279-A12C-CF1FC4ACCE9B}"/>
+                <a16:creationId xmlns:a16="http://schemas.microsoft.com/office/drawing/2014/main" id="{C6AE9C0A-FC09-4279-A12C-CF1FC4ACCE9B}"/>
               </a:ext>
             </a:extLst>
           </p:cNvPr>
@@ -5417,7 +5484,7 @@
           <a:p>
             <a:fld id="{DC01BBA9-561A-4EFE-A06C-26F8206AAA61}" type="datetimeFigureOut">
               <a:rPr lang="en-US" smtClean="0"/>
-              <a:t>10/19/2018</a:t>
+              <a:t>10/22/2018</a:t>
             </a:fld>
             <a:endParaRPr lang="en-US"/>
           </a:p>
@@ -5428,7 +5495,7 @@
           <p:cNvPr id="4" name="Footer Placeholder 3">
             <a:extLst>
               <a:ext uri="{FF2B5EF4-FFF2-40B4-BE49-F238E27FC236}">
-                <a16:creationId xmlns="" xmlns:a16="http://schemas.microsoft.com/office/drawing/2014/main" id="{89A9F02E-BCCD-47A7-916C-5C304CA71A62}"/>
+                <a16:creationId xmlns:a16="http://schemas.microsoft.com/office/drawing/2014/main" id="{89A9F02E-BCCD-47A7-916C-5C304CA71A62}"/>
               </a:ext>
             </a:extLst>
           </p:cNvPr>
@@ -5453,7 +5520,7 @@
           <p:cNvPr id="5" name="Slide Number Placeholder 4">
             <a:extLst>
               <a:ext uri="{FF2B5EF4-FFF2-40B4-BE49-F238E27FC236}">
-                <a16:creationId xmlns="" xmlns:a16="http://schemas.microsoft.com/office/drawing/2014/main" id="{DCCA5EE6-0D3B-4C18-8759-812A322530D2}"/>
+                <a16:creationId xmlns:a16="http://schemas.microsoft.com/office/drawing/2014/main" id="{DCCA5EE6-0D3B-4C18-8759-812A322530D2}"/>
               </a:ext>
             </a:extLst>
           </p:cNvPr>
@@ -5520,7 +5587,7 @@
           <p:cNvPr id="2" name="Date Placeholder 1">
             <a:extLst>
               <a:ext uri="{FF2B5EF4-FFF2-40B4-BE49-F238E27FC236}">
-                <a16:creationId xmlns="" xmlns:a16="http://schemas.microsoft.com/office/drawing/2014/main" id="{692CB08F-9B03-4D60-8EE4-511D62AE0DA2}"/>
+                <a16:creationId xmlns:a16="http://schemas.microsoft.com/office/drawing/2014/main" id="{692CB08F-9B03-4D60-8EE4-511D62AE0DA2}"/>
               </a:ext>
             </a:extLst>
           </p:cNvPr>
@@ -5546,7 +5613,7 @@
           <a:p>
             <a:fld id="{DC01BBA9-561A-4EFE-A06C-26F8206AAA61}" type="datetimeFigureOut">
               <a:rPr lang="en-US" smtClean="0"/>
-              <a:t>10/19/2018</a:t>
+              <a:t>10/22/2018</a:t>
             </a:fld>
             <a:endParaRPr lang="en-US"/>
           </a:p>
@@ -5557,7 +5624,7 @@
           <p:cNvPr id="3" name="Footer Placeholder 2">
             <a:extLst>
               <a:ext uri="{FF2B5EF4-FFF2-40B4-BE49-F238E27FC236}">
-                <a16:creationId xmlns="" xmlns:a16="http://schemas.microsoft.com/office/drawing/2014/main" id="{02D76FC5-22C7-4DB5-A361-705C02029D6F}"/>
+                <a16:creationId xmlns:a16="http://schemas.microsoft.com/office/drawing/2014/main" id="{02D76FC5-22C7-4DB5-A361-705C02029D6F}"/>
               </a:ext>
             </a:extLst>
           </p:cNvPr>
@@ -5582,7 +5649,7 @@
           <p:cNvPr id="4" name="Slide Number Placeholder 3">
             <a:extLst>
               <a:ext uri="{FF2B5EF4-FFF2-40B4-BE49-F238E27FC236}">
-                <a16:creationId xmlns="" xmlns:a16="http://schemas.microsoft.com/office/drawing/2014/main" id="{BDE70A03-9867-43E1-A029-A3BE230783BC}"/>
+                <a16:creationId xmlns:a16="http://schemas.microsoft.com/office/drawing/2014/main" id="{BDE70A03-9867-43E1-A029-A3BE230783BC}"/>
               </a:ext>
             </a:extLst>
           </p:cNvPr>
@@ -5649,7 +5716,7 @@
           <p:cNvPr id="2" name="Title 1">
             <a:extLst>
               <a:ext uri="{FF2B5EF4-FFF2-40B4-BE49-F238E27FC236}">
-                <a16:creationId xmlns="" xmlns:a16="http://schemas.microsoft.com/office/drawing/2014/main" id="{7D92E7AC-CA20-4FC5-AA54-7B5F06D7E3DF}"/>
+                <a16:creationId xmlns:a16="http://schemas.microsoft.com/office/drawing/2014/main" id="{7D92E7AC-CA20-4FC5-AA54-7B5F06D7E3DF}"/>
               </a:ext>
             </a:extLst>
           </p:cNvPr>
@@ -5675,10 +5742,9 @@
           </a:lstStyle>
           <a:p>
             <a:r>
-              <a:rPr lang="en-US" smtClean="0"/>
+              <a:rPr lang="en-US"/>
               <a:t>Click to edit Master title style</a:t>
             </a:r>
-            <a:endParaRPr lang="en-US"/>
           </a:p>
         </p:txBody>
       </p:sp>
@@ -5687,7 +5753,7 @@
           <p:cNvPr id="3" name="Content Placeholder 2">
             <a:extLst>
               <a:ext uri="{FF2B5EF4-FFF2-40B4-BE49-F238E27FC236}">
-                <a16:creationId xmlns="" xmlns:a16="http://schemas.microsoft.com/office/drawing/2014/main" id="{C04311B7-6590-4631-B0EA-3CE414A88DA8}"/>
+                <a16:creationId xmlns:a16="http://schemas.microsoft.com/office/drawing/2014/main" id="{C04311B7-6590-4631-B0EA-3CE414A88DA8}"/>
               </a:ext>
             </a:extLst>
           </p:cNvPr>
@@ -5738,38 +5804,37 @@
           <a:p>
             <a:pPr lvl="0"/>
             <a:r>
-              <a:rPr lang="en-US" smtClean="0"/>
+              <a:rPr lang="en-US"/>
               <a:t>Click to edit Master text styles</a:t>
             </a:r>
           </a:p>
           <a:p>
             <a:pPr lvl="1"/>
             <a:r>
-              <a:rPr lang="en-US" smtClean="0"/>
+              <a:rPr lang="en-US"/>
               <a:t>Second level</a:t>
             </a:r>
           </a:p>
           <a:p>
             <a:pPr lvl="2"/>
             <a:r>
-              <a:rPr lang="en-US" smtClean="0"/>
+              <a:rPr lang="en-US"/>
               <a:t>Third level</a:t>
             </a:r>
           </a:p>
           <a:p>
             <a:pPr lvl="3"/>
             <a:r>
-              <a:rPr lang="en-US" smtClean="0"/>
+              <a:rPr lang="en-US"/>
               <a:t>Fourth level</a:t>
             </a:r>
           </a:p>
           <a:p>
             <a:pPr lvl="4"/>
             <a:r>
-              <a:rPr lang="en-US" smtClean="0"/>
+              <a:rPr lang="en-US"/>
               <a:t>Fifth level</a:t>
             </a:r>
-            <a:endParaRPr lang="en-US"/>
           </a:p>
         </p:txBody>
       </p:sp>
@@ -5778,7 +5843,7 @@
           <p:cNvPr id="4" name="Text Placeholder 3">
             <a:extLst>
               <a:ext uri="{FF2B5EF4-FFF2-40B4-BE49-F238E27FC236}">
-                <a16:creationId xmlns="" xmlns:a16="http://schemas.microsoft.com/office/drawing/2014/main" id="{B2F21C70-E3E7-4A52-B9E1-8B7E6EDF4A73}"/>
+                <a16:creationId xmlns:a16="http://schemas.microsoft.com/office/drawing/2014/main" id="{B2F21C70-E3E7-4A52-B9E1-8B7E6EDF4A73}"/>
               </a:ext>
             </a:extLst>
           </p:cNvPr>
@@ -5838,7 +5903,7 @@
           <a:p>
             <a:pPr lvl="0"/>
             <a:r>
-              <a:rPr lang="en-US" smtClean="0"/>
+              <a:rPr lang="en-US"/>
               <a:t>Click to edit Master text styles</a:t>
             </a:r>
           </a:p>
@@ -5849,7 +5914,7 @@
           <p:cNvPr id="5" name="Date Placeholder 4">
             <a:extLst>
               <a:ext uri="{FF2B5EF4-FFF2-40B4-BE49-F238E27FC236}">
-                <a16:creationId xmlns="" xmlns:a16="http://schemas.microsoft.com/office/drawing/2014/main" id="{C3665185-E7E2-4539-B9D0-02A042196115}"/>
+                <a16:creationId xmlns:a16="http://schemas.microsoft.com/office/drawing/2014/main" id="{C3665185-E7E2-4539-B9D0-02A042196115}"/>
               </a:ext>
             </a:extLst>
           </p:cNvPr>
@@ -5875,7 +5940,7 @@
           <a:p>
             <a:fld id="{DC01BBA9-561A-4EFE-A06C-26F8206AAA61}" type="datetimeFigureOut">
               <a:rPr lang="en-US" smtClean="0"/>
-              <a:t>10/19/2018</a:t>
+              <a:t>10/22/2018</a:t>
             </a:fld>
             <a:endParaRPr lang="en-US"/>
           </a:p>
@@ -5886,7 +5951,7 @@
           <p:cNvPr id="6" name="Footer Placeholder 5">
             <a:extLst>
               <a:ext uri="{FF2B5EF4-FFF2-40B4-BE49-F238E27FC236}">
-                <a16:creationId xmlns="" xmlns:a16="http://schemas.microsoft.com/office/drawing/2014/main" id="{95F35328-35F6-4E9F-ACEA-7F6EDCE1399D}"/>
+                <a16:creationId xmlns:a16="http://schemas.microsoft.com/office/drawing/2014/main" id="{95F35328-35F6-4E9F-ACEA-7F6EDCE1399D}"/>
               </a:ext>
             </a:extLst>
           </p:cNvPr>
@@ -5911,7 +5976,7 @@
           <p:cNvPr id="7" name="Slide Number Placeholder 6">
             <a:extLst>
               <a:ext uri="{FF2B5EF4-FFF2-40B4-BE49-F238E27FC236}">
-                <a16:creationId xmlns="" xmlns:a16="http://schemas.microsoft.com/office/drawing/2014/main" id="{7D3530D7-713A-4142-865D-69F2CBB2ABC3}"/>
+                <a16:creationId xmlns:a16="http://schemas.microsoft.com/office/drawing/2014/main" id="{7D3530D7-713A-4142-865D-69F2CBB2ABC3}"/>
               </a:ext>
             </a:extLst>
           </p:cNvPr>
@@ -5978,7 +6043,7 @@
           <p:cNvPr id="2" name="Title 1">
             <a:extLst>
               <a:ext uri="{FF2B5EF4-FFF2-40B4-BE49-F238E27FC236}">
-                <a16:creationId xmlns="" xmlns:a16="http://schemas.microsoft.com/office/drawing/2014/main" id="{5858AD64-1235-487E-9A09-75012305112A}"/>
+                <a16:creationId xmlns:a16="http://schemas.microsoft.com/office/drawing/2014/main" id="{5858AD64-1235-487E-9A09-75012305112A}"/>
               </a:ext>
             </a:extLst>
           </p:cNvPr>
@@ -6004,10 +6069,9 @@
           </a:lstStyle>
           <a:p>
             <a:r>
-              <a:rPr lang="en-US" smtClean="0"/>
+              <a:rPr lang="en-US"/>
               <a:t>Click to edit Master title style</a:t>
             </a:r>
-            <a:endParaRPr lang="en-US"/>
           </a:p>
         </p:txBody>
       </p:sp>
@@ -6016,7 +6080,7 @@
           <p:cNvPr id="3" name="Picture Placeholder 2">
             <a:extLst>
               <a:ext uri="{FF2B5EF4-FFF2-40B4-BE49-F238E27FC236}">
-                <a16:creationId xmlns="" xmlns:a16="http://schemas.microsoft.com/office/drawing/2014/main" id="{05D99B9C-611F-4220-8C96-BA83A97158DA}"/>
+                <a16:creationId xmlns:a16="http://schemas.microsoft.com/office/drawing/2014/main" id="{05D99B9C-611F-4220-8C96-BA83A97158DA}"/>
               </a:ext>
             </a:extLst>
           </p:cNvPr>
@@ -6075,10 +6139,9 @@
           </a:lstStyle>
           <a:p>
             <a:r>
-              <a:rPr lang="en-US" smtClean="0"/>
+              <a:rPr lang="en-US"/>
               <a:t>Click icon to add picture</a:t>
             </a:r>
-            <a:endParaRPr lang="en-US"/>
           </a:p>
         </p:txBody>
       </p:sp>
@@ -6087,7 +6150,7 @@
           <p:cNvPr id="4" name="Text Placeholder 3">
             <a:extLst>
               <a:ext uri="{FF2B5EF4-FFF2-40B4-BE49-F238E27FC236}">
-                <a16:creationId xmlns="" xmlns:a16="http://schemas.microsoft.com/office/drawing/2014/main" id="{4E0AA1A1-26F2-44A0-9322-3322B2666875}"/>
+                <a16:creationId xmlns:a16="http://schemas.microsoft.com/office/drawing/2014/main" id="{4E0AA1A1-26F2-44A0-9322-3322B2666875}"/>
               </a:ext>
             </a:extLst>
           </p:cNvPr>
@@ -6147,7 +6210,7 @@
           <a:p>
             <a:pPr lvl="0"/>
             <a:r>
-              <a:rPr lang="en-US" smtClean="0"/>
+              <a:rPr lang="en-US"/>
               <a:t>Click to edit Master text styles</a:t>
             </a:r>
           </a:p>
@@ -6158,7 +6221,7 @@
           <p:cNvPr id="5" name="Date Placeholder 4">
             <a:extLst>
               <a:ext uri="{FF2B5EF4-FFF2-40B4-BE49-F238E27FC236}">
-                <a16:creationId xmlns="" xmlns:a16="http://schemas.microsoft.com/office/drawing/2014/main" id="{2520F382-0E56-432B-970C-3DABE5CA9ACE}"/>
+                <a16:creationId xmlns:a16="http://schemas.microsoft.com/office/drawing/2014/main" id="{2520F382-0E56-432B-970C-3DABE5CA9ACE}"/>
               </a:ext>
             </a:extLst>
           </p:cNvPr>
@@ -6184,7 +6247,7 @@
           <a:p>
             <a:fld id="{DC01BBA9-561A-4EFE-A06C-26F8206AAA61}" type="datetimeFigureOut">
               <a:rPr lang="en-US" smtClean="0"/>
-              <a:t>10/19/2018</a:t>
+              <a:t>10/22/2018</a:t>
             </a:fld>
             <a:endParaRPr lang="en-US"/>
           </a:p>
@@ -6195,7 +6258,7 @@
           <p:cNvPr id="6" name="Footer Placeholder 5">
             <a:extLst>
               <a:ext uri="{FF2B5EF4-FFF2-40B4-BE49-F238E27FC236}">
-                <a16:creationId xmlns="" xmlns:a16="http://schemas.microsoft.com/office/drawing/2014/main" id="{E62E010E-DD6F-43A1-82AC-4AAEF7E49092}"/>
+                <a16:creationId xmlns:a16="http://schemas.microsoft.com/office/drawing/2014/main" id="{E62E010E-DD6F-43A1-82AC-4AAEF7E49092}"/>
               </a:ext>
             </a:extLst>
           </p:cNvPr>
@@ -6220,7 +6283,7 @@
           <p:cNvPr id="7" name="Slide Number Placeholder 6">
             <a:extLst>
               <a:ext uri="{FF2B5EF4-FFF2-40B4-BE49-F238E27FC236}">
-                <a16:creationId xmlns="" xmlns:a16="http://schemas.microsoft.com/office/drawing/2014/main" id="{F71EA10F-0831-4A28-8DCF-F8218C7F6AF5}"/>
+                <a16:creationId xmlns:a16="http://schemas.microsoft.com/office/drawing/2014/main" id="{F71EA10F-0831-4A28-8DCF-F8218C7F6AF5}"/>
               </a:ext>
             </a:extLst>
           </p:cNvPr>
@@ -6292,7 +6355,7 @@
           <p:cNvPr id="2" name="Title Placeholder 1">
             <a:extLst>
               <a:ext uri="{FF2B5EF4-FFF2-40B4-BE49-F238E27FC236}">
-                <a16:creationId xmlns="" xmlns:a16="http://schemas.microsoft.com/office/drawing/2014/main" id="{B97A4B4B-7891-46E8-8E2C-4A43CE28BEDF}"/>
+                <a16:creationId xmlns:a16="http://schemas.microsoft.com/office/drawing/2014/main" id="{B97A4B4B-7891-46E8-8E2C-4A43CE28BEDF}"/>
               </a:ext>
             </a:extLst>
           </p:cNvPr>
@@ -6319,10 +6382,9 @@
           <a:lstStyle/>
           <a:p>
             <a:r>
-              <a:rPr lang="en-US" smtClean="0"/>
+              <a:rPr lang="en-US"/>
               <a:t>Click to edit Master title style</a:t>
             </a:r>
-            <a:endParaRPr lang="en-US"/>
           </a:p>
         </p:txBody>
       </p:sp>
@@ -6331,7 +6393,7 @@
           <p:cNvPr id="3" name="Text Placeholder 2">
             <a:extLst>
               <a:ext uri="{FF2B5EF4-FFF2-40B4-BE49-F238E27FC236}">
-                <a16:creationId xmlns="" xmlns:a16="http://schemas.microsoft.com/office/drawing/2014/main" id="{3911003D-388B-489E-B61B-028FD9516650}"/>
+                <a16:creationId xmlns:a16="http://schemas.microsoft.com/office/drawing/2014/main" id="{3911003D-388B-489E-B61B-028FD9516650}"/>
               </a:ext>
             </a:extLst>
           </p:cNvPr>
@@ -6398,7 +6460,7 @@
           <p:cNvPr id="5" name="Footer Placeholder 4">
             <a:extLst>
               <a:ext uri="{FF2B5EF4-FFF2-40B4-BE49-F238E27FC236}">
-                <a16:creationId xmlns="" xmlns:a16="http://schemas.microsoft.com/office/drawing/2014/main" id="{7FF24B16-6409-4A0B-A9E8-7BEDFCD3741B}"/>
+                <a16:creationId xmlns:a16="http://schemas.microsoft.com/office/drawing/2014/main" id="{7FF24B16-6409-4A0B-A9E8-7BEDFCD3741B}"/>
               </a:ext>
             </a:extLst>
           </p:cNvPr>
@@ -6441,7 +6503,7 @@
           <p:cNvPr id="8" name="Group 7">
             <a:extLst>
               <a:ext uri="{FF2B5EF4-FFF2-40B4-BE49-F238E27FC236}">
-                <a16:creationId xmlns="" xmlns:a16="http://schemas.microsoft.com/office/drawing/2014/main" id="{8C1E83E0-1C1D-47CB-853B-598DFFEE3018}"/>
+                <a16:creationId xmlns:a16="http://schemas.microsoft.com/office/drawing/2014/main" id="{8C1E83E0-1C1D-47CB-853B-598DFFEE3018}"/>
               </a:ext>
             </a:extLst>
           </p:cNvPr>
@@ -6461,7 +6523,7 @@
             <p:cNvPr id="9" name="Picture 8">
               <a:extLst>
                 <a:ext uri="{FF2B5EF4-FFF2-40B4-BE49-F238E27FC236}">
-                  <a16:creationId xmlns="" xmlns:a16="http://schemas.microsoft.com/office/drawing/2014/main" id="{C247AE3A-171B-4E36-8770-E111D72C8D51}"/>
+                  <a16:creationId xmlns:a16="http://schemas.microsoft.com/office/drawing/2014/main" id="{C247AE3A-171B-4E36-8770-E111D72C8D51}"/>
                 </a:ext>
               </a:extLst>
             </p:cNvPr>
@@ -6497,7 +6559,7 @@
             <p:cNvPr id="10" name="Picture 9">
               <a:extLst>
                 <a:ext uri="{FF2B5EF4-FFF2-40B4-BE49-F238E27FC236}">
-                  <a16:creationId xmlns="" xmlns:a16="http://schemas.microsoft.com/office/drawing/2014/main" id="{CB3072C0-B39B-4FDC-B4B6-E51875FEB3AC}"/>
+                  <a16:creationId xmlns:a16="http://schemas.microsoft.com/office/drawing/2014/main" id="{CB3072C0-B39B-4FDC-B4B6-E51875FEB3AC}"/>
                 </a:ext>
               </a:extLst>
             </p:cNvPr>
@@ -6881,10 +6943,9 @@
           <a:lstStyle/>
           <a:p>
             <a:r>
-              <a:rPr lang="en-US" smtClean="0"/>
+              <a:rPr lang="en-US"/>
               <a:t>Click to edit Master title style</a:t>
             </a:r>
-            <a:endParaRPr lang="en-US"/>
           </a:p>
         </p:txBody>
       </p:sp>
@@ -6915,38 +6976,37 @@
           <a:p>
             <a:pPr lvl="0"/>
             <a:r>
-              <a:rPr lang="en-US" smtClean="0"/>
+              <a:rPr lang="en-US"/>
               <a:t>Click to edit Master text styles</a:t>
             </a:r>
           </a:p>
           <a:p>
             <a:pPr lvl="1"/>
             <a:r>
-              <a:rPr lang="en-US" smtClean="0"/>
+              <a:rPr lang="en-US"/>
               <a:t>Second level</a:t>
             </a:r>
           </a:p>
           <a:p>
             <a:pPr lvl="2"/>
             <a:r>
-              <a:rPr lang="en-US" smtClean="0"/>
+              <a:rPr lang="en-US"/>
               <a:t>Third level</a:t>
             </a:r>
           </a:p>
           <a:p>
             <a:pPr lvl="3"/>
             <a:r>
-              <a:rPr lang="en-US" smtClean="0"/>
+              <a:rPr lang="en-US"/>
               <a:t>Fourth level</a:t>
             </a:r>
           </a:p>
           <a:p>
             <a:pPr lvl="4"/>
             <a:r>
-              <a:rPr lang="en-US" smtClean="0"/>
+              <a:rPr lang="en-US"/>
               <a:t>Fifth level</a:t>
             </a:r>
-            <a:endParaRPr lang="en-US"/>
           </a:p>
         </p:txBody>
       </p:sp>
@@ -6985,7 +7045,7 @@
           <a:p>
             <a:fld id="{589E5873-CF7F-45F3-B283-E59B1D6F242C}" type="datetimeFigureOut">
               <a:rPr lang="en-US" smtClean="0"/>
-              <a:t>10/19/2018</a:t>
+              <a:t>10/22/2018</a:t>
             </a:fld>
             <a:endParaRPr lang="en-US"/>
           </a:p>
@@ -7378,10 +7438,9 @@
           <a:lstStyle/>
           <a:p>
             <a:r>
-              <a:rPr lang="en-US" dirty="0" smtClean="0"/>
+              <a:rPr lang="en-US" dirty="0"/>
               <a:t>Analysis of demographic data</a:t>
             </a:r>
-            <a:endParaRPr lang="en-US" dirty="0"/>
           </a:p>
         </p:txBody>
       </p:sp>
@@ -7409,14 +7468,9 @@
           <a:p>
             <a:pPr algn="ctr"/>
             <a:r>
-              <a:rPr lang="en-US" b="1" dirty="0" smtClean="0"/>
-              <a:t>SSA </a:t>
-            </a:r>
-            <a:r>
-              <a:rPr lang="en-US" b="1" dirty="0" smtClean="0"/>
-              <a:t>200</a:t>
-            </a:r>
-            <a:endParaRPr lang="en-US" b="1" dirty="0"/>
+              <a:rPr lang="en-US" b="1" dirty="0"/>
+              <a:t>SSA 200</a:t>
+            </a:r>
           </a:p>
         </p:txBody>
       </p:sp>
@@ -7430,13 +7484,6 @@
   <p:clrMapOvr>
     <a:masterClrMapping/>
   </p:clrMapOvr>
-  <p:timing>
-    <p:tnLst>
-      <p:par>
-        <p:cTn id="1" dur="indefinite" restart="never" nodeType="tmRoot"/>
-      </p:par>
-    </p:tnLst>
-  </p:timing>
 </p:sld>
 </file>
 
@@ -7473,10 +7520,9 @@
           <a:lstStyle/>
           <a:p>
             <a:r>
-              <a:rPr lang="en-US" dirty="0" smtClean="0"/>
+              <a:rPr lang="en-US" dirty="0"/>
               <a:t>Building a matrix model</a:t>
             </a:r>
-            <a:endParaRPr lang="en-US" dirty="0"/>
           </a:p>
         </p:txBody>
       </p:sp>
@@ -7496,31 +7542,30 @@
           <a:lstStyle/>
           <a:p>
             <a:r>
-              <a:rPr lang="en-US" dirty="0" smtClean="0"/>
+              <a:rPr lang="en-US" dirty="0"/>
               <a:t>Can use combination of methods to fill in vital rates</a:t>
             </a:r>
           </a:p>
           <a:p>
             <a:pPr lvl="1"/>
             <a:r>
-              <a:rPr lang="en-US" dirty="0" smtClean="0"/>
+              <a:rPr lang="en-US" dirty="0"/>
               <a:t>Published in the literature</a:t>
             </a:r>
           </a:p>
           <a:p>
             <a:pPr lvl="1"/>
             <a:r>
-              <a:rPr lang="en-US" dirty="0" smtClean="0"/>
+              <a:rPr lang="en-US" dirty="0"/>
               <a:t>Primary analysis of data </a:t>
             </a:r>
           </a:p>
           <a:p>
             <a:pPr lvl="1"/>
             <a:r>
-              <a:rPr lang="en-US" dirty="0" smtClean="0"/>
+              <a:rPr lang="en-US" dirty="0"/>
               <a:t>Expert opinion</a:t>
             </a:r>
-            <a:endParaRPr lang="en-US" dirty="0"/>
           </a:p>
         </p:txBody>
       </p:sp>
@@ -7534,13 +7579,6 @@
   <p:clrMapOvr>
     <a:masterClrMapping/>
   </p:clrMapOvr>
-  <p:timing>
-    <p:tnLst>
-      <p:par>
-        <p:cTn id="1" dur="indefinite" restart="never" nodeType="tmRoot"/>
-      </p:par>
-    </p:tnLst>
-  </p:timing>
 </p:sld>
 </file>
 
@@ -7577,10 +7615,9 @@
           <a:lstStyle/>
           <a:p>
             <a:r>
-              <a:rPr lang="en-US" dirty="0" smtClean="0"/>
+              <a:rPr lang="en-US" dirty="0"/>
               <a:t>Applications of matrix models</a:t>
             </a:r>
-            <a:endParaRPr lang="en-US" dirty="0"/>
           </a:p>
         </p:txBody>
       </p:sp>
@@ -7600,17 +7637,17 @@
           <a:lstStyle/>
           <a:p>
             <a:r>
-              <a:rPr lang="en-US" dirty="0" smtClean="0"/>
+              <a:rPr lang="en-US" dirty="0"/>
               <a:t>Which vital rate has the strongest effect on changing population growth rate (</a:t>
             </a:r>
             <a:r>
-              <a:rPr lang="el-GR" dirty="0" smtClean="0">
+              <a:rPr lang="el-GR" dirty="0">
                 <a:latin typeface="Calibri"/>
               </a:rPr>
               <a:t>λ</a:t>
             </a:r>
             <a:r>
-              <a:rPr lang="en-US" dirty="0" smtClean="0">
+              <a:rPr lang="en-US" dirty="0">
                 <a:latin typeface="Calibri"/>
               </a:rPr>
               <a:t>)?</a:t>
@@ -7619,7 +7656,7 @@
           <a:p>
             <a:pPr lvl="1"/>
             <a:r>
-              <a:rPr lang="en-US" dirty="0" smtClean="0">
+              <a:rPr lang="en-US" dirty="0">
                 <a:latin typeface="Calibri"/>
               </a:rPr>
               <a:t>Elasticity/sensitivity analysis</a:t>
@@ -7628,7 +7665,7 @@
           <a:p>
             <a:pPr lvl="1"/>
             <a:r>
-              <a:rPr lang="en-US" dirty="0" smtClean="0">
+              <a:rPr lang="en-US" dirty="0">
                 <a:latin typeface="Calibri"/>
               </a:rPr>
               <a:t>Implications for choosing conservation actions</a:t>
@@ -7646,13 +7683,6 @@
   <p:clrMapOvr>
     <a:masterClrMapping/>
   </p:clrMapOvr>
-  <p:timing>
-    <p:tnLst>
-      <p:par>
-        <p:cTn id="1" dur="indefinite" restart="never" nodeType="tmRoot"/>
-      </p:par>
-    </p:tnLst>
-  </p:timing>
 </p:sld>
 </file>
 
@@ -7689,10 +7719,9 @@
           <a:lstStyle/>
           <a:p>
             <a:r>
-              <a:rPr lang="en-US" dirty="0" smtClean="0"/>
+              <a:rPr lang="en-US" dirty="0"/>
               <a:t>Loggerhead sea turtle matrix model</a:t>
             </a:r>
-            <a:endParaRPr lang="en-US" dirty="0"/>
           </a:p>
         </p:txBody>
       </p:sp>
@@ -7749,12 +7778,8 @@
           <a:lstStyle/>
           <a:p>
             <a:r>
-              <a:rPr lang="en-US" sz="2000" dirty="0" smtClean="0"/>
-              <a:t>“</a:t>
-            </a:r>
-            <a:r>
               <a:rPr lang="en-US" sz="2000" dirty="0"/>
-              <a:t>Slow” life history </a:t>
+              <a:t>“Slow” life history </a:t>
             </a:r>
           </a:p>
           <a:p>
@@ -7763,12 +7788,8 @@
               <a:buChar char="-"/>
             </a:pPr>
             <a:r>
-              <a:rPr lang="en-US" sz="2000" dirty="0" smtClean="0"/>
-              <a:t>Sexual </a:t>
-            </a:r>
-            <a:r>
               <a:rPr lang="en-US" sz="2000" dirty="0"/>
-              <a:t>maturity at 17-33 years</a:t>
+              <a:t>Sexual maturity at 17-33 years</a:t>
             </a:r>
           </a:p>
           <a:p>
@@ -7786,20 +7807,8 @@
           </a:p>
           <a:p>
             <a:r>
-              <a:rPr lang="en-US" sz="2000" dirty="0" smtClean="0"/>
-              <a:t>Key </a:t>
-            </a:r>
-            <a:r>
               <a:rPr lang="en-US" sz="2000" dirty="0"/>
-              <a:t>t</a:t>
-            </a:r>
-            <a:r>
-              <a:rPr lang="en-US" sz="2000" dirty="0" smtClean="0"/>
-              <a:t>hreats</a:t>
-            </a:r>
-            <a:r>
-              <a:rPr lang="en-US" sz="2000" dirty="0"/>
-              <a:t>:</a:t>
+              <a:t>Key threats:</a:t>
             </a:r>
           </a:p>
           <a:p>
@@ -7910,13 +7919,6 @@
   <p:clrMapOvr>
     <a:masterClrMapping/>
   </p:clrMapOvr>
-  <p:timing>
-    <p:tnLst>
-      <p:par>
-        <p:cTn id="1" dur="indefinite" restart="never" nodeType="tmRoot"/>
-      </p:par>
-    </p:tnLst>
-  </p:timing>
 </p:sld>
 </file>
 
@@ -7961,18 +7963,13 @@
           <a:p>
             <a:r>
               <a:rPr lang="en-US" sz="2400" dirty="0"/>
-              <a:t>Stage-structured matrix </a:t>
-            </a:r>
-            <a:r>
-              <a:rPr lang="en-US" sz="2400" dirty="0" smtClean="0"/>
-              <a:t>model</a:t>
-            </a:r>
-            <a:endParaRPr lang="en-US" sz="2400" dirty="0"/>
-          </a:p>
-        </p:txBody>
-      </p:sp>
-      <mc:AlternateContent xmlns:mc="http://schemas.openxmlformats.org/markup-compatibility/2006">
-        <mc:Choice xmlns:a14="http://schemas.microsoft.com/office/drawing/2010/main" Requires="a14">
+              <a:t>Stage-structured matrix model</a:t>
+            </a:r>
+          </a:p>
+        </p:txBody>
+      </p:sp>
+      <mc:AlternateContent xmlns:mc="http://schemas.openxmlformats.org/markup-compatibility/2006" xmlns:a14="http://schemas.microsoft.com/office/drawing/2010/main">
+        <mc:Choice Requires="a14">
           <p:sp>
             <p:nvSpPr>
               <p:cNvPr id="3" name="TextBox 2"/>
@@ -8008,7 +8005,7 @@
                           <m:endChr m:val="]"/>
                           <m:ctrlPr>
                             <a:rPr lang="en-US" sz="2400" b="1" i="1" smtClean="0">
-                              <a:latin typeface="Cambria Math"/>
+                              <a:latin typeface="Cambria Math" panose="02040503050406030204" pitchFamily="18" charset="0"/>
                             </a:rPr>
                           </m:ctrlPr>
                         </m:dPr>
@@ -8025,7 +8022,7 @@
                               </m:mcs>
                               <m:ctrlPr>
                                 <a:rPr lang="en-US" sz="2400" b="1" i="1" smtClean="0">
-                                  <a:latin typeface="Cambria Math"/>
+                                  <a:latin typeface="Cambria Math" panose="02040503050406030204" pitchFamily="18" charset="0"/>
                                 </a:rPr>
                               </m:ctrlPr>
                             </m:mPr>
@@ -8038,7 +8035,7 @@
                                         <a:solidFill>
                                           <a:srgbClr val="00B050"/>
                                         </a:solidFill>
-                                        <a:latin typeface="Cambria Math"/>
+                                        <a:latin typeface="Cambria Math" panose="02040503050406030204" pitchFamily="18" charset="0"/>
                                       </a:rPr>
                                     </m:ctrlPr>
                                   </m:sSubPr>
@@ -8074,7 +8071,7 @@
                                         <a:solidFill>
                                           <a:srgbClr val="0070C0"/>
                                         </a:solidFill>
-                                        <a:latin typeface="Cambria Math"/>
+                                        <a:latin typeface="Cambria Math" panose="02040503050406030204" pitchFamily="18" charset="0"/>
                                       </a:rPr>
                                     </m:ctrlPr>
                                   </m:sSubPr>
@@ -8110,7 +8107,7 @@
                                         <a:solidFill>
                                           <a:srgbClr val="0070C0"/>
                                         </a:solidFill>
-                                        <a:latin typeface="Cambria Math"/>
+                                        <a:latin typeface="Cambria Math" panose="02040503050406030204" pitchFamily="18" charset="0"/>
                                       </a:rPr>
                                     </m:ctrlPr>
                                   </m:sSubPr>
@@ -8146,7 +8143,7 @@
                                         <a:solidFill>
                                           <a:srgbClr val="0070C0"/>
                                         </a:solidFill>
-                                        <a:latin typeface="Cambria Math"/>
+                                        <a:latin typeface="Cambria Math" panose="02040503050406030204" pitchFamily="18" charset="0"/>
                                       </a:rPr>
                                     </m:ctrlPr>
                                   </m:sSubPr>
@@ -8182,7 +8179,7 @@
                                         <a:solidFill>
                                           <a:srgbClr val="0070C0"/>
                                         </a:solidFill>
-                                        <a:latin typeface="Cambria Math"/>
+                                        <a:latin typeface="Cambria Math" panose="02040503050406030204" pitchFamily="18" charset="0"/>
                                       </a:rPr>
                                     </m:ctrlPr>
                                   </m:sSubPr>
@@ -8220,7 +8217,7 @@
                                         <a:solidFill>
                                           <a:srgbClr val="7030A0"/>
                                         </a:solidFill>
-                                        <a:latin typeface="Cambria Math"/>
+                                        <a:latin typeface="Cambria Math" panose="02040503050406030204" pitchFamily="18" charset="0"/>
                                       </a:rPr>
                                     </m:ctrlPr>
                                   </m:sSubPr>
@@ -8256,7 +8253,7 @@
                                         <a:solidFill>
                                           <a:srgbClr val="00B050"/>
                                         </a:solidFill>
-                                        <a:latin typeface="Cambria Math"/>
+                                        <a:latin typeface="Cambria Math" panose="02040503050406030204" pitchFamily="18" charset="0"/>
                                       </a:rPr>
                                     </m:ctrlPr>
                                   </m:sSubPr>
@@ -8326,7 +8323,7 @@
                                         <a:solidFill>
                                           <a:srgbClr val="7030A0"/>
                                         </a:solidFill>
-                                        <a:latin typeface="Cambria Math"/>
+                                        <a:latin typeface="Cambria Math" panose="02040503050406030204" pitchFamily="18" charset="0"/>
                                       </a:rPr>
                                     </m:ctrlPr>
                                   </m:sSubPr>
@@ -8362,7 +8359,7 @@
                                         <a:solidFill>
                                           <a:srgbClr val="00B050"/>
                                         </a:solidFill>
-                                        <a:latin typeface="Cambria Math"/>
+                                        <a:latin typeface="Cambria Math" panose="02040503050406030204" pitchFamily="18" charset="0"/>
                                       </a:rPr>
                                     </m:ctrlPr>
                                   </m:sSubPr>
@@ -8432,7 +8429,7 @@
                                         <a:solidFill>
                                           <a:srgbClr val="7030A0"/>
                                         </a:solidFill>
-                                        <a:latin typeface="Cambria Math"/>
+                                        <a:latin typeface="Cambria Math" panose="02040503050406030204" pitchFamily="18" charset="0"/>
                                       </a:rPr>
                                     </m:ctrlPr>
                                   </m:sSubPr>
@@ -8468,7 +8465,7 @@
                                         <a:solidFill>
                                           <a:srgbClr val="00B050"/>
                                         </a:solidFill>
-                                        <a:latin typeface="Cambria Math"/>
+                                        <a:latin typeface="Cambria Math" panose="02040503050406030204" pitchFamily="18" charset="0"/>
                                       </a:rPr>
                                     </m:ctrlPr>
                                   </m:sSubPr>
@@ -8538,7 +8535,7 @@
                                         <a:solidFill>
                                           <a:srgbClr val="7030A0"/>
                                         </a:solidFill>
-                                        <a:latin typeface="Cambria Math"/>
+                                        <a:latin typeface="Cambria Math" panose="02040503050406030204" pitchFamily="18" charset="0"/>
                                       </a:rPr>
                                     </m:ctrlPr>
                                   </m:sSubPr>
@@ -8574,7 +8571,7 @@
                                         <a:solidFill>
                                           <a:srgbClr val="00B050"/>
                                         </a:solidFill>
-                                        <a:latin typeface="Cambria Math"/>
+                                        <a:latin typeface="Cambria Math" panose="02040503050406030204" pitchFamily="18" charset="0"/>
                                       </a:rPr>
                                     </m:ctrlPr>
                                   </m:sSubPr>
@@ -8614,7 +8611,7 @@
             </p:txBody>
           </p:sp>
         </mc:Choice>
-        <mc:Fallback>
+        <mc:Fallback xmlns="">
           <p:sp>
             <p:nvSpPr>
               <p:cNvPr id="3" name="TextBox 2"/>
@@ -8810,8 +8807,8 @@
           </a:p>
         </p:txBody>
       </p:sp>
-      <mc:AlternateContent xmlns:mc="http://schemas.openxmlformats.org/markup-compatibility/2006">
-        <mc:Choice xmlns:a14="http://schemas.microsoft.com/office/drawing/2010/main" Requires="a14">
+      <mc:AlternateContent xmlns:mc="http://schemas.openxmlformats.org/markup-compatibility/2006" xmlns:a14="http://schemas.microsoft.com/office/drawing/2010/main">
+        <mc:Choice Requires="a14">
           <p:sp>
             <p:nvSpPr>
               <p:cNvPr id="6" name="TextBox 5"/>
@@ -8847,7 +8844,7 @@
                           <m:endChr m:val="]"/>
                           <m:ctrlPr>
                             <a:rPr lang="en-US" sz="2000" b="1" i="1" smtClean="0">
-                              <a:latin typeface="Cambria Math"/>
+                              <a:latin typeface="Cambria Math" panose="02040503050406030204" pitchFamily="18" charset="0"/>
                             </a:rPr>
                           </m:ctrlPr>
                         </m:dPr>
@@ -8867,7 +8864,7 @@
                                   <a:solidFill>
                                     <a:srgbClr val="00B050"/>
                                   </a:solidFill>
-                                  <a:latin typeface="Cambria Math"/>
+                                  <a:latin typeface="Cambria Math" panose="02040503050406030204" pitchFamily="18" charset="0"/>
                                 </a:rPr>
                               </m:ctrlPr>
                             </m:mPr>
@@ -9293,7 +9290,7 @@
             </p:txBody>
           </p:sp>
         </mc:Choice>
-        <mc:Fallback>
+        <mc:Fallback xmlns="">
           <p:sp>
             <p:nvSpPr>
               <p:cNvPr id="6" name="TextBox 5"/>
@@ -9403,13 +9400,6 @@
   <p:clrMapOvr>
     <a:masterClrMapping/>
   </p:clrMapOvr>
-  <p:timing>
-    <p:tnLst>
-      <p:par>
-        <p:cTn id="1" dur="indefinite" restart="never" nodeType="tmRoot"/>
-      </p:par>
-    </p:tnLst>
-  </p:timing>
 </p:sld>
 </file>
 
@@ -9484,10 +9474,9 @@
           <a:p>
             <a:pPr algn="ctr"/>
             <a:r>
-              <a:rPr lang="en-US" dirty="0" smtClean="0"/>
+              <a:rPr lang="en-US" dirty="0"/>
               <a:t>Effect on population growth rate</a:t>
             </a:r>
-            <a:endParaRPr lang="en-US" dirty="0"/>
           </a:p>
         </p:txBody>
       </p:sp>
@@ -9516,18 +9505,13 @@
           <a:lstStyle/>
           <a:p>
             <a:r>
-              <a:rPr lang="en-US" dirty="0" smtClean="0">
+              <a:rPr lang="en-US" dirty="0">
                 <a:solidFill>
                   <a:srgbClr val="00B050"/>
                 </a:solidFill>
               </a:rPr>
               <a:t>Probability of survival</a:t>
             </a:r>
-            <a:endParaRPr lang="en-US" dirty="0">
-              <a:solidFill>
-                <a:srgbClr val="00B050"/>
-              </a:solidFill>
-            </a:endParaRPr>
           </a:p>
         </p:txBody>
       </p:sp>
@@ -9556,18 +9540,13 @@
           <a:lstStyle/>
           <a:p>
             <a:r>
-              <a:rPr lang="en-US" dirty="0" smtClean="0">
+              <a:rPr lang="en-US" dirty="0">
                 <a:solidFill>
                   <a:srgbClr val="7030A0"/>
                 </a:solidFill>
               </a:rPr>
               <a:t>Probability of growing to the next stage</a:t>
             </a:r>
-            <a:endParaRPr lang="en-US" dirty="0">
-              <a:solidFill>
-                <a:srgbClr val="7030A0"/>
-              </a:solidFill>
-            </a:endParaRPr>
           </a:p>
         </p:txBody>
       </p:sp>
@@ -9596,18 +9575,13 @@
           <a:lstStyle/>
           <a:p>
             <a:r>
-              <a:rPr lang="en-US" dirty="0" smtClean="0">
+              <a:rPr lang="en-US" dirty="0">
                 <a:solidFill>
                   <a:srgbClr val="0070C0"/>
                 </a:solidFill>
               </a:rPr>
               <a:t>Fecundity</a:t>
             </a:r>
-            <a:endParaRPr lang="en-US" dirty="0">
-              <a:solidFill>
-                <a:srgbClr val="0070C0"/>
-              </a:solidFill>
-            </a:endParaRPr>
           </a:p>
         </p:txBody>
       </p:sp>
@@ -9726,10 +9700,9 @@
           <a:lstStyle/>
           <a:p>
             <a:r>
-              <a:rPr lang="en-US" i="1" dirty="0" smtClean="0"/>
+              <a:rPr lang="en-US" i="1" dirty="0"/>
               <a:t>TEDs</a:t>
             </a:r>
-            <a:endParaRPr lang="en-US" i="1" dirty="0"/>
           </a:p>
         </p:txBody>
       </p:sp>
@@ -9757,10 +9730,9 @@
           <a:p>
             <a:pPr algn="r"/>
             <a:r>
-              <a:rPr lang="en-US" i="1" dirty="0" smtClean="0"/>
+              <a:rPr lang="en-US" i="1" dirty="0"/>
               <a:t>Nest protection</a:t>
             </a:r>
-            <a:endParaRPr lang="en-US" i="1" dirty="0"/>
           </a:p>
         </p:txBody>
       </p:sp>
@@ -10641,10 +10613,9 @@
           <a:lstStyle/>
           <a:p>
             <a:r>
-              <a:rPr lang="en-US" sz="3200" dirty="0" smtClean="0"/>
+              <a:rPr lang="en-US" sz="3200" dirty="0"/>
               <a:t>Multistate models</a:t>
             </a:r>
-            <a:endParaRPr lang="en-US" sz="3200" dirty="0"/>
           </a:p>
         </p:txBody>
       </p:sp>
@@ -10671,44 +10642,43 @@
           <a:lstStyle/>
           <a:p>
             <a:r>
-              <a:rPr lang="en-US" sz="2800" dirty="0" smtClean="0"/>
+              <a:rPr lang="en-US" sz="2800" dirty="0"/>
               <a:t>Used to estimate transition probabilities among different physical sites or biological states</a:t>
             </a:r>
           </a:p>
           <a:p>
             <a:r>
-              <a:rPr lang="en-US" sz="2800" dirty="0" smtClean="0"/>
+              <a:rPr lang="en-US" sz="2800" dirty="0"/>
               <a:t>Look similar to matrix models, but individuals can move back and forth between states</a:t>
             </a:r>
           </a:p>
           <a:p>
             <a:pPr lvl="1"/>
             <a:r>
-              <a:rPr lang="en-US" sz="2400" dirty="0" smtClean="0"/>
+              <a:rPr lang="en-US" sz="2400" dirty="0"/>
               <a:t>Breeder/non-breeder status</a:t>
             </a:r>
           </a:p>
           <a:p>
             <a:pPr lvl="1"/>
             <a:r>
-              <a:rPr lang="en-US" sz="2400" dirty="0" smtClean="0"/>
+              <a:rPr lang="en-US" sz="2400" dirty="0"/>
               <a:t>Disease status</a:t>
             </a:r>
           </a:p>
           <a:p>
             <a:pPr lvl="1"/>
             <a:r>
-              <a:rPr lang="en-US" sz="2400" dirty="0" smtClean="0"/>
+              <a:rPr lang="en-US" sz="2400" dirty="0"/>
               <a:t>Movement among study areas</a:t>
             </a:r>
-            <a:endParaRPr lang="en-US" sz="2400" dirty="0"/>
-          </a:p>
-          <a:p>
-            <a:endParaRPr lang="en-US" dirty="0" smtClean="0"/>
-          </a:p>
-          <a:p>
-            <a:r>
-              <a:rPr lang="en-US" sz="2800" dirty="0" smtClean="0"/>
+          </a:p>
+          <a:p>
+            <a:endParaRPr lang="en-US" dirty="0"/>
+          </a:p>
+          <a:p>
+            <a:r>
+              <a:rPr lang="en-US" sz="2800" dirty="0"/>
               <a:t>Very flexible and applicable to a range of situations</a:t>
             </a:r>
           </a:p>
@@ -10724,13 +10694,6 @@
   <p:clrMapOvr>
     <a:masterClrMapping/>
   </p:clrMapOvr>
-  <p:timing>
-    <p:tnLst>
-      <p:par>
-        <p:cTn id="1" dur="indefinite" restart="never" nodeType="tmRoot"/>
-      </p:par>
-    </p:tnLst>
-  </p:timing>
 </p:sld>
 </file>
 
@@ -10774,10 +10737,9 @@
           <a:lstStyle/>
           <a:p>
             <a:r>
-              <a:rPr lang="en-US" sz="3200" dirty="0" smtClean="0"/>
+              <a:rPr lang="en-US" sz="3200" dirty="0"/>
               <a:t>Example – breeding/non-breeding status</a:t>
             </a:r>
-            <a:endParaRPr lang="en-US" sz="3200" dirty="0"/>
           </a:p>
         </p:txBody>
       </p:sp>
@@ -10809,7 +10771,7 @@
               </a:lnSpc>
             </a:pPr>
             <a:r>
-              <a:rPr lang="en-US" sz="1600" b="1" dirty="0" smtClean="0"/>
+              <a:rPr lang="en-US" sz="1600" b="1" dirty="0"/>
               <a:t>J</a:t>
             </a:r>
           </a:p>
@@ -10820,7 +10782,7 @@
               </a:lnSpc>
             </a:pPr>
             <a:r>
-              <a:rPr lang="en-US" sz="1600" b="1" dirty="0" smtClean="0"/>
+              <a:rPr lang="en-US" sz="1600" b="1" dirty="0"/>
               <a:t>B</a:t>
             </a:r>
           </a:p>
@@ -10831,7 +10793,7 @@
               </a:lnSpc>
             </a:pPr>
             <a:r>
-              <a:rPr lang="en-US" sz="1600" b="1" dirty="0" smtClean="0"/>
+              <a:rPr lang="en-US" sz="1600" b="1" dirty="0"/>
               <a:t>N</a:t>
             </a:r>
           </a:p>
@@ -10842,10 +10804,9 @@
               </a:lnSpc>
             </a:pPr>
             <a:r>
-              <a:rPr lang="en-US" sz="1600" b="1" dirty="0" smtClean="0"/>
+              <a:rPr lang="en-US" sz="1600" b="1" dirty="0"/>
               <a:t>D</a:t>
             </a:r>
-            <a:endParaRPr lang="en-US" sz="1600" b="1" dirty="0"/>
           </a:p>
         </p:txBody>
       </p:sp>
@@ -10872,10 +10833,9 @@
           <a:lstStyle/>
           <a:p>
             <a:r>
-              <a:rPr lang="en-US" sz="1600" b="1" dirty="0" smtClean="0"/>
+              <a:rPr lang="en-US" sz="1600" b="1" dirty="0"/>
               <a:t> J                  B                          N                     D</a:t>
             </a:r>
-            <a:endParaRPr lang="en-US" sz="1600" b="1" dirty="0"/>
           </a:p>
         </p:txBody>
       </p:sp>
@@ -10961,21 +10921,8 @@
                   <a:schemeClr val="tx2"/>
                 </a:solidFill>
               </a:rPr>
-              <a:t>J</a:t>
-            </a:r>
-            <a:r>
-              <a:rPr lang="en-US" dirty="0" smtClean="0">
-                <a:solidFill>
-                  <a:schemeClr val="tx2"/>
-                </a:solidFill>
-              </a:rPr>
-              <a:t>uvenile</a:t>
-            </a:r>
-            <a:endParaRPr lang="en-US" dirty="0">
-              <a:solidFill>
-                <a:schemeClr val="tx2"/>
-              </a:solidFill>
-            </a:endParaRPr>
+              <a:t>Juvenile</a:t>
+            </a:r>
           </a:p>
         </p:txBody>
       </p:sp>
@@ -11017,18 +10964,13 @@
           <a:p>
             <a:pPr algn="ctr"/>
             <a:r>
-              <a:rPr lang="en-US" dirty="0" smtClean="0">
+              <a:rPr lang="en-US" dirty="0">
                 <a:solidFill>
                   <a:schemeClr val="tx2"/>
                 </a:solidFill>
               </a:rPr>
               <a:t>Non-breeding adult</a:t>
             </a:r>
-            <a:endParaRPr lang="en-US" dirty="0">
-              <a:solidFill>
-                <a:schemeClr val="tx2"/>
-              </a:solidFill>
-            </a:endParaRPr>
           </a:p>
         </p:txBody>
       </p:sp>
@@ -11070,18 +11012,13 @@
           <a:p>
             <a:pPr algn="ctr"/>
             <a:r>
-              <a:rPr lang="en-US" dirty="0" smtClean="0">
+              <a:rPr lang="en-US" dirty="0">
                 <a:solidFill>
                   <a:schemeClr val="tx2"/>
                 </a:solidFill>
               </a:rPr>
               <a:t>Breeding adult</a:t>
             </a:r>
-            <a:endParaRPr lang="en-US" dirty="0">
-              <a:solidFill>
-                <a:schemeClr val="tx2"/>
-              </a:solidFill>
-            </a:endParaRPr>
           </a:p>
         </p:txBody>
       </p:sp>
@@ -11280,7 +11217,7 @@
                         <m:sSupPr>
                           <m:ctrlPr>
                             <a:rPr lang="en-US" sz="2000" i="1" smtClean="0">
-                              <a:latin typeface="Cambria Math"/>
+                              <a:latin typeface="Cambria Math" panose="02040503050406030204" pitchFamily="18" charset="0"/>
                             </a:rPr>
                           </m:ctrlPr>
                         </m:sSupPr>
@@ -11384,7 +11321,7 @@
                         <m:sSupPr>
                           <m:ctrlPr>
                             <a:rPr lang="en-US" sz="2000" i="1" smtClean="0">
-                              <a:latin typeface="Cambria Math"/>
+                              <a:latin typeface="Cambria Math" panose="02040503050406030204" pitchFamily="18" charset="0"/>
                             </a:rPr>
                           </m:ctrlPr>
                         </m:sSupPr>
@@ -11488,7 +11425,7 @@
                         <m:sSupPr>
                           <m:ctrlPr>
                             <a:rPr lang="en-US" sz="2000" i="1" smtClean="0">
-                              <a:latin typeface="Cambria Math"/>
+                              <a:latin typeface="Cambria Math" panose="02040503050406030204" pitchFamily="18" charset="0"/>
                             </a:rPr>
                           </m:ctrlPr>
                         </m:sSupPr>
@@ -11592,7 +11529,7 @@
                         <m:sSupPr>
                           <m:ctrlPr>
                             <a:rPr lang="en-US" sz="2000" i="1" smtClean="0">
-                              <a:latin typeface="Cambria Math"/>
+                              <a:latin typeface="Cambria Math" panose="02040503050406030204" pitchFamily="18" charset="0"/>
                             </a:rPr>
                           </m:ctrlPr>
                         </m:sSupPr>
@@ -11699,18 +11636,13 @@
           <a:p>
             <a:pPr algn="ctr"/>
             <a:r>
-              <a:rPr lang="en-US" dirty="0" smtClean="0">
+              <a:rPr lang="en-US" dirty="0">
                 <a:solidFill>
                   <a:schemeClr val="tx2"/>
                 </a:solidFill>
               </a:rPr>
               <a:t>Dead</a:t>
             </a:r>
-            <a:endParaRPr lang="en-US" dirty="0">
-              <a:solidFill>
-                <a:schemeClr val="tx2"/>
-              </a:solidFill>
-            </a:endParaRPr>
           </a:p>
         </p:txBody>
       </p:sp>
@@ -11827,7 +11759,7 @@
                         <m:sSupPr>
                           <m:ctrlPr>
                             <a:rPr lang="en-US" i="1" smtClean="0">
-                              <a:latin typeface="Cambria Math"/>
+                              <a:latin typeface="Cambria Math" panose="02040503050406030204" pitchFamily="18" charset="0"/>
                             </a:rPr>
                           </m:ctrlPr>
                         </m:sSupPr>
@@ -11931,7 +11863,7 @@
                         <m:sSupPr>
                           <m:ctrlPr>
                             <a:rPr lang="en-US" i="1" smtClean="0">
-                              <a:latin typeface="Cambria Math"/>
+                              <a:latin typeface="Cambria Math" panose="02040503050406030204" pitchFamily="18" charset="0"/>
                             </a:rPr>
                           </m:ctrlPr>
                         </m:sSupPr>
@@ -12035,7 +11967,7 @@
                         <m:sSupPr>
                           <m:ctrlPr>
                             <a:rPr lang="en-US" i="1" smtClean="0">
-                              <a:latin typeface="Cambria Math"/>
+                              <a:latin typeface="Cambria Math" panose="02040503050406030204" pitchFamily="18" charset="0"/>
                             </a:rPr>
                           </m:ctrlPr>
                         </m:sSupPr>
@@ -12141,7 +12073,7 @@
                           <m:endChr m:val="]"/>
                           <m:ctrlPr>
                             <a:rPr lang="en-US" sz="2000" i="1" smtClean="0">
-                              <a:latin typeface="Cambria Math"/>
+                              <a:latin typeface="Cambria Math" panose="02040503050406030204" pitchFamily="18" charset="0"/>
                             </a:rPr>
                           </m:ctrlPr>
                         </m:dPr>
@@ -12158,7 +12090,7 @@
                               </m:mcs>
                               <m:ctrlPr>
                                 <a:rPr lang="en-US" sz="2000" i="1" smtClean="0">
-                                  <a:latin typeface="Cambria Math"/>
+                                  <a:latin typeface="Cambria Math" panose="02040503050406030204" pitchFamily="18" charset="0"/>
                                 </a:rPr>
                               </m:ctrlPr>
                             </m:mPr>
@@ -12179,7 +12111,7 @@
                                   <m:sSupPr>
                                     <m:ctrlPr>
                                       <a:rPr lang="en-US" sz="2000" b="0" i="1" smtClean="0">
-                                        <a:latin typeface="Cambria Math"/>
+                                        <a:latin typeface="Cambria Math" panose="02040503050406030204" pitchFamily="18" charset="0"/>
                                       </a:rPr>
                                     </m:ctrlPr>
                                   </m:sSupPr>
@@ -12205,7 +12137,7 @@
                                   <m:sSupPr>
                                     <m:ctrlPr>
                                       <a:rPr lang="en-US" sz="2000" i="1" smtClean="0">
-                                        <a:latin typeface="Cambria Math"/>
+                                        <a:latin typeface="Cambria Math" panose="02040503050406030204" pitchFamily="18" charset="0"/>
                                         <a:ea typeface="Cambria Math"/>
                                       </a:rPr>
                                     </m:ctrlPr>
@@ -12235,7 +12167,7 @@
                                   <m:sSupPr>
                                     <m:ctrlPr>
                                       <a:rPr lang="en-US" sz="2000" i="1">
-                                        <a:latin typeface="Cambria Math"/>
+                                        <a:latin typeface="Cambria Math" panose="02040503050406030204" pitchFamily="18" charset="0"/>
                                       </a:rPr>
                                     </m:ctrlPr>
                                   </m:sSupPr>
@@ -12261,7 +12193,7 @@
                                   <m:sSupPr>
                                     <m:ctrlPr>
                                       <a:rPr lang="en-US" sz="2000" i="1">
-                                        <a:latin typeface="Cambria Math"/>
+                                        <a:latin typeface="Cambria Math" panose="02040503050406030204" pitchFamily="18" charset="0"/>
                                         <a:ea typeface="Cambria Math"/>
                                       </a:rPr>
                                     </m:ctrlPr>
@@ -12304,7 +12236,7 @@
                                   <m:sSupPr>
                                     <m:ctrlPr>
                                       <a:rPr lang="en-US" sz="2000" i="1">
-                                        <a:latin typeface="Cambria Math"/>
+                                        <a:latin typeface="Cambria Math" panose="02040503050406030204" pitchFamily="18" charset="0"/>
                                       </a:rPr>
                                     </m:ctrlPr>
                                   </m:sSupPr>
@@ -12343,7 +12275,7 @@
                                   <m:sSupPr>
                                     <m:ctrlPr>
                                       <a:rPr lang="en-US" sz="2000" i="1">
-                                        <a:latin typeface="Cambria Math"/>
+                                        <a:latin typeface="Cambria Math" panose="02040503050406030204" pitchFamily="18" charset="0"/>
                                       </a:rPr>
                                     </m:ctrlPr>
                                   </m:sSupPr>
@@ -12377,7 +12309,7 @@
                                   <m:sSupPr>
                                     <m:ctrlPr>
                                       <a:rPr lang="en-US" sz="2000" b="0" i="1" smtClean="0">
-                                        <a:latin typeface="Cambria Math"/>
+                                        <a:latin typeface="Cambria Math" panose="02040503050406030204" pitchFamily="18" charset="0"/>
                                         <a:ea typeface="Cambria Math"/>
                                       </a:rPr>
                                     </m:ctrlPr>
@@ -12414,7 +12346,7 @@
                                   <m:sSupPr>
                                     <m:ctrlPr>
                                       <a:rPr lang="en-US" sz="2000" i="1">
-                                        <a:latin typeface="Cambria Math"/>
+                                        <a:latin typeface="Cambria Math" panose="02040503050406030204" pitchFamily="18" charset="0"/>
                                       </a:rPr>
                                     </m:ctrlPr>
                                   </m:sSupPr>
@@ -12441,7 +12373,7 @@
                                   <m:sSupPr>
                                     <m:ctrlPr>
                                       <a:rPr lang="en-US" sz="2000" i="1" smtClean="0">
-                                        <a:latin typeface="Cambria Math"/>
+                                        <a:latin typeface="Cambria Math" panose="02040503050406030204" pitchFamily="18" charset="0"/>
                                         <a:ea typeface="Cambria Math"/>
                                       </a:rPr>
                                     </m:ctrlPr>
@@ -12477,7 +12409,7 @@
                                   <m:sSupPr>
                                     <m:ctrlPr>
                                       <a:rPr lang="en-US" sz="2000" i="1">
-                                        <a:latin typeface="Cambria Math"/>
+                                        <a:latin typeface="Cambria Math" panose="02040503050406030204" pitchFamily="18" charset="0"/>
                                       </a:rPr>
                                     </m:ctrlPr>
                                   </m:sSupPr>
@@ -12516,7 +12448,7 @@
                                   <m:sSupPr>
                                     <m:ctrlPr>
                                       <a:rPr lang="en-US" sz="2000" i="1">
-                                        <a:latin typeface="Cambria Math"/>
+                                        <a:latin typeface="Cambria Math" panose="02040503050406030204" pitchFamily="18" charset="0"/>
                                       </a:rPr>
                                     </m:ctrlPr>
                                   </m:sSupPr>
@@ -12543,7 +12475,7 @@
                                   <m:sSupPr>
                                     <m:ctrlPr>
                                       <a:rPr lang="en-US" sz="2000" i="1" smtClean="0">
-                                        <a:latin typeface="Cambria Math"/>
+                                        <a:latin typeface="Cambria Math" panose="02040503050406030204" pitchFamily="18" charset="0"/>
                                         <a:ea typeface="Cambria Math"/>
                                       </a:rPr>
                                     </m:ctrlPr>
@@ -12573,7 +12505,7 @@
                                   <m:sSupPr>
                                     <m:ctrlPr>
                                       <a:rPr lang="en-US" sz="2000" i="1">
-                                        <a:latin typeface="Cambria Math"/>
+                                        <a:latin typeface="Cambria Math" panose="02040503050406030204" pitchFamily="18" charset="0"/>
                                       </a:rPr>
                                     </m:ctrlPr>
                                   </m:sSupPr>
@@ -12607,7 +12539,7 @@
                                   <m:sSupPr>
                                     <m:ctrlPr>
                                       <a:rPr lang="en-US" sz="2000" b="0" i="1" smtClean="0">
-                                        <a:latin typeface="Cambria Math"/>
+                                        <a:latin typeface="Cambria Math" panose="02040503050406030204" pitchFamily="18" charset="0"/>
                                         <a:ea typeface="Cambria Math"/>
                                       </a:rPr>
                                     </m:ctrlPr>
@@ -12650,7 +12582,7 @@
                                   <m:sSupPr>
                                     <m:ctrlPr>
                                       <a:rPr lang="en-US" sz="2000" i="1">
-                                        <a:latin typeface="Cambria Math"/>
+                                        <a:latin typeface="Cambria Math" panose="02040503050406030204" pitchFamily="18" charset="0"/>
                                       </a:rPr>
                                     </m:ctrlPr>
                                   </m:sSupPr>
@@ -13552,10 +13484,9 @@
           <a:lstStyle/>
           <a:p>
             <a:r>
-              <a:rPr lang="en-US" sz="3200" dirty="0" smtClean="0"/>
+              <a:rPr lang="en-US" sz="3200" dirty="0"/>
               <a:t>Extensions of multistate models</a:t>
             </a:r>
-            <a:endParaRPr lang="en-US" sz="3200" dirty="0"/>
           </a:p>
         </p:txBody>
       </p:sp>
@@ -13577,58 +13508,57 @@
           <a:lstStyle/>
           <a:p>
             <a:r>
-              <a:rPr lang="en-US" sz="2400" dirty="0" smtClean="0"/>
+              <a:rPr lang="en-US" sz="2400" dirty="0"/>
               <a:t>Range of applications, not just individual mark-recapture data</a:t>
             </a:r>
           </a:p>
           <a:p>
             <a:r>
-              <a:rPr lang="en-US" sz="2400" dirty="0" smtClean="0"/>
+              <a:rPr lang="en-US" sz="2400" dirty="0"/>
               <a:t>Used in both estimation and projection</a:t>
             </a:r>
           </a:p>
           <a:p>
             <a:r>
-              <a:rPr lang="en-US" sz="2400" dirty="0" smtClean="0"/>
+              <a:rPr lang="en-US" sz="2400" dirty="0"/>
               <a:t>Migratory connectivity</a:t>
             </a:r>
           </a:p>
           <a:p>
             <a:pPr lvl="1"/>
             <a:r>
-              <a:rPr lang="en-US" sz="2000" dirty="0" smtClean="0"/>
+              <a:rPr lang="en-US" sz="2000" dirty="0"/>
               <a:t>probability of moving among multiple breeding and wintering sites</a:t>
             </a:r>
           </a:p>
           <a:p>
             <a:r>
-              <a:rPr lang="en-US" sz="2400" dirty="0" smtClean="0"/>
+              <a:rPr lang="en-US" sz="2400" dirty="0"/>
               <a:t>Multistate occupancy analysis</a:t>
             </a:r>
           </a:p>
           <a:p>
             <a:pPr lvl="1"/>
             <a:r>
-              <a:rPr lang="en-US" sz="2000" dirty="0" smtClean="0"/>
+              <a:rPr lang="en-US" sz="2000" dirty="0"/>
               <a:t>change in occupancy state of sites (e.g. many, few, or none detected, detected with and without breeding activity, etc.)</a:t>
             </a:r>
           </a:p>
           <a:p>
             <a:r>
-              <a:rPr lang="en-US" sz="2400" dirty="0" smtClean="0"/>
+              <a:rPr lang="en-US" sz="2400" dirty="0"/>
               <a:t>Ecological succession </a:t>
             </a:r>
+          </a:p>
+          <a:p>
+            <a:pPr lvl="1"/>
+            <a:r>
+              <a:rPr lang="en-US" sz="2000" dirty="0"/>
+              <a:t>change in dominant land cover type over time</a:t>
+            </a:r>
+          </a:p>
+          <a:p>
             <a:endParaRPr lang="en-US" sz="2400" dirty="0"/>
-          </a:p>
-          <a:p>
-            <a:pPr lvl="1"/>
-            <a:r>
-              <a:rPr lang="en-US" sz="2000" dirty="0" smtClean="0"/>
-              <a:t>change in dominant land cover type over time</a:t>
-            </a:r>
-          </a:p>
-          <a:p>
-            <a:endParaRPr lang="en-US" sz="2400" dirty="0" smtClean="0"/>
           </a:p>
         </p:txBody>
       </p:sp>
@@ -13642,13 +13572,6 @@
   <p:clrMapOvr>
     <a:masterClrMapping/>
   </p:clrMapOvr>
-  <p:timing>
-    <p:tnLst>
-      <p:par>
-        <p:cTn id="1" dur="indefinite" restart="never" nodeType="tmRoot"/>
-      </p:par>
-    </p:tnLst>
-  </p:timing>
 </p:sld>
 </file>
 
@@ -13685,10 +13608,9 @@
           <a:lstStyle/>
           <a:p>
             <a:r>
-              <a:rPr lang="en-US" dirty="0" smtClean="0"/>
+              <a:rPr lang="en-US" dirty="0"/>
               <a:t>Integrated Population Models (IPMs)</a:t>
             </a:r>
-            <a:endParaRPr lang="en-US" dirty="0"/>
           </a:p>
         </p:txBody>
       </p:sp>
@@ -13702,7 +13624,12 @@
             <p:ph idx="1"/>
           </p:nvPr>
         </p:nvSpPr>
-        <p:spPr/>
+        <p:spPr>
+          <a:xfrm>
+            <a:off x="457200" y="1123950"/>
+            <a:ext cx="8305800" cy="3263504"/>
+          </a:xfrm>
+        </p:spPr>
         <p:txBody>
           <a:bodyPr>
             <a:noAutofit/>
@@ -13710,84 +13637,83 @@
           <a:lstStyle/>
           <a:p>
             <a:r>
-              <a:rPr lang="en-US" sz="2000" dirty="0" smtClean="0"/>
+              <a:rPr lang="en-US" sz="2000" dirty="0"/>
               <a:t>Relatively new approach to combining all sources of demographic information into one analysis</a:t>
             </a:r>
           </a:p>
           <a:p>
             <a:pPr lvl="1"/>
             <a:r>
-              <a:rPr lang="en-US" sz="1800" dirty="0" smtClean="0"/>
+              <a:rPr lang="en-US" sz="1800" dirty="0"/>
               <a:t>Typically </a:t>
             </a:r>
             <a:r>
-              <a:rPr lang="en-US" sz="1800" b="1" dirty="0" smtClean="0"/>
+              <a:rPr lang="en-US" sz="1800" b="1" dirty="0"/>
               <a:t>counts</a:t>
             </a:r>
             <a:r>
-              <a:rPr lang="en-US" sz="1800" dirty="0" smtClean="0"/>
+              <a:rPr lang="en-US" sz="1800" dirty="0"/>
               <a:t>, </a:t>
             </a:r>
             <a:r>
-              <a:rPr lang="en-US" sz="1800" b="1" dirty="0" smtClean="0"/>
+              <a:rPr lang="en-US" sz="1800" b="1" dirty="0"/>
               <a:t>mark-recapture, </a:t>
             </a:r>
             <a:r>
-              <a:rPr lang="en-US" sz="1800" dirty="0" smtClean="0"/>
+              <a:rPr lang="en-US" sz="1800" dirty="0"/>
               <a:t>and some measure of </a:t>
             </a:r>
             <a:r>
-              <a:rPr lang="en-US" sz="1800" b="1" dirty="0" smtClean="0"/>
+              <a:rPr lang="en-US" sz="1800" b="1" dirty="0"/>
               <a:t>fecundity</a:t>
             </a:r>
           </a:p>
           <a:p>
             <a:r>
-              <a:rPr lang="en-US" sz="2000" dirty="0" smtClean="0"/>
+              <a:rPr lang="en-US" sz="2000" dirty="0"/>
               <a:t>Pros:</a:t>
             </a:r>
           </a:p>
           <a:p>
             <a:pPr lvl="1"/>
             <a:r>
-              <a:rPr lang="en-US" sz="1800" dirty="0" smtClean="0"/>
+              <a:rPr lang="en-US" sz="1800" dirty="0"/>
               <a:t>More precise estimates of demographic rates</a:t>
             </a:r>
           </a:p>
           <a:p>
             <a:pPr lvl="1"/>
             <a:r>
-              <a:rPr lang="en-US" sz="1800" dirty="0" smtClean="0"/>
+              <a:rPr lang="en-US" sz="1800" dirty="0"/>
               <a:t>Can potentially estimate things you don’t have explicit data about (usually these things are hard to measure)</a:t>
             </a:r>
           </a:p>
           <a:p>
             <a:pPr lvl="2"/>
             <a:r>
-              <a:rPr lang="en-US" sz="1600" dirty="0" smtClean="0"/>
+              <a:rPr lang="en-US" sz="1600" dirty="0"/>
               <a:t>Immigration/emigration,  juvenile survival</a:t>
             </a:r>
           </a:p>
           <a:p>
             <a:pPr lvl="1"/>
             <a:r>
-              <a:rPr lang="en-US" sz="1800" dirty="0" smtClean="0"/>
+              <a:rPr lang="en-US" sz="1800" dirty="0"/>
               <a:t>Can directly project population into the future while propagating all uncertainty</a:t>
             </a:r>
           </a:p>
           <a:p>
             <a:r>
-              <a:rPr lang="en-US" sz="2000" dirty="0" smtClean="0"/>
+              <a:rPr lang="en-US" sz="2000" dirty="0"/>
               <a:t>Cons:</a:t>
             </a:r>
           </a:p>
           <a:p>
             <a:pPr lvl="1"/>
             <a:r>
-              <a:rPr lang="en-US" sz="1800" dirty="0" smtClean="0"/>
+              <a:rPr lang="en-US" sz="1800" dirty="0"/>
               <a:t>More complicated analysis, requires more time/expertise to develop</a:t>
             </a:r>
-            <a:endParaRPr lang="en-US" sz="1800" dirty="0"/>
           </a:p>
         </p:txBody>
       </p:sp>
@@ -14224,10 +14150,9 @@
           <a:p>
             <a:pPr algn="ctr"/>
             <a:r>
-              <a:rPr lang="en-US" dirty="0" smtClean="0"/>
+              <a:rPr lang="en-US" dirty="0"/>
               <a:t>Counts</a:t>
             </a:r>
-            <a:endParaRPr lang="en-US" dirty="0"/>
           </a:p>
         </p:txBody>
       </p:sp>
@@ -14246,9 +14171,7 @@
             <a:avLst/>
           </a:prstGeom>
           <a:solidFill>
-            <a:schemeClr val="accent3">
-              <a:lumMod val="75000"/>
-            </a:schemeClr>
+            <a:schemeClr val="accent4"/>
           </a:solidFill>
           <a:ln>
             <a:solidFill>
@@ -14280,18 +14203,13 @@
           <a:p>
             <a:pPr algn="ctr"/>
             <a:r>
-              <a:rPr lang="en-US" dirty="0" smtClean="0">
+              <a:rPr lang="en-US" dirty="0">
                 <a:solidFill>
                   <a:schemeClr val="tx1"/>
                 </a:solidFill>
               </a:rPr>
               <a:t>Mark-recapture</a:t>
             </a:r>
-            <a:endParaRPr lang="en-US" dirty="0">
-              <a:solidFill>
-                <a:schemeClr val="tx1"/>
-              </a:solidFill>
-            </a:endParaRPr>
           </a:p>
         </p:txBody>
       </p:sp>
@@ -14310,9 +14228,7 @@
             <a:avLst/>
           </a:prstGeom>
           <a:solidFill>
-            <a:schemeClr val="accent2">
-              <a:lumMod val="75000"/>
-            </a:schemeClr>
+            <a:srgbClr val="C00000"/>
           </a:solidFill>
           <a:ln>
             <a:solidFill>
@@ -14344,10 +14260,13 @@
           <a:p>
             <a:pPr algn="ctr"/>
             <a:r>
-              <a:rPr lang="en-US" dirty="0" smtClean="0"/>
+              <a:rPr lang="en-US" dirty="0">
+                <a:solidFill>
+                  <a:schemeClr val="bg1"/>
+                </a:solidFill>
+              </a:rPr>
               <a:t>Number of offspring/female</a:t>
             </a:r>
-            <a:endParaRPr lang="en-US" dirty="0"/>
           </a:p>
         </p:txBody>
       </p:sp>
@@ -14375,10 +14294,9 @@
           <a:p>
             <a:pPr algn="ctr"/>
             <a:r>
-              <a:rPr lang="en-US" sz="2800" dirty="0" smtClean="0"/>
+              <a:rPr lang="en-US" sz="2800" dirty="0"/>
               <a:t>Non-integrated analysis</a:t>
             </a:r>
-            <a:endParaRPr lang="en-US" sz="2800" dirty="0"/>
           </a:p>
         </p:txBody>
       </p:sp>
@@ -14419,10 +14337,9 @@
           <a:p>
             <a:pPr algn="ctr"/>
             <a:r>
-              <a:rPr lang="en-US" dirty="0" smtClean="0"/>
+              <a:rPr lang="en-US" dirty="0"/>
               <a:t>N-mixture model</a:t>
             </a:r>
-            <a:endParaRPr lang="en-US" dirty="0"/>
           </a:p>
         </p:txBody>
       </p:sp>
@@ -14441,9 +14358,7 @@
             <a:avLst/>
           </a:prstGeom>
           <a:solidFill>
-            <a:schemeClr val="accent3">
-              <a:lumMod val="75000"/>
-            </a:schemeClr>
+            <a:schemeClr val="accent4"/>
           </a:solidFill>
           <a:ln>
             <a:solidFill>
@@ -14475,18 +14390,13 @@
           <a:p>
             <a:pPr algn="ctr"/>
             <a:r>
-              <a:rPr lang="en-US" dirty="0" smtClean="0">
+              <a:rPr lang="en-US" dirty="0">
                 <a:solidFill>
                   <a:schemeClr val="tx1"/>
                 </a:solidFill>
               </a:rPr>
               <a:t>Survival analysis</a:t>
             </a:r>
-            <a:endParaRPr lang="en-US" dirty="0">
-              <a:solidFill>
-                <a:schemeClr val="tx1"/>
-              </a:solidFill>
-            </a:endParaRPr>
           </a:p>
         </p:txBody>
       </p:sp>
@@ -14505,9 +14415,7 @@
             <a:avLst/>
           </a:prstGeom>
           <a:solidFill>
-            <a:schemeClr val="accent2">
-              <a:lumMod val="75000"/>
-            </a:schemeClr>
+            <a:srgbClr val="C00000"/>
           </a:solidFill>
           <a:ln>
             <a:solidFill>
@@ -14539,10 +14447,13 @@
           <a:p>
             <a:pPr algn="ctr"/>
             <a:r>
-              <a:rPr lang="en-US" dirty="0" smtClean="0"/>
+              <a:rPr lang="en-US" dirty="0">
+                <a:solidFill>
+                  <a:schemeClr val="bg1"/>
+                </a:solidFill>
+              </a:rPr>
               <a:t>Poisson GLM</a:t>
             </a:r>
-            <a:endParaRPr lang="en-US" dirty="0"/>
           </a:p>
         </p:txBody>
       </p:sp>
@@ -14700,10 +14611,9 @@
           <a:p>
             <a:pPr algn="ctr"/>
             <a:r>
-              <a:rPr lang="en-US" dirty="0" smtClean="0"/>
+              <a:rPr lang="en-US" dirty="0"/>
               <a:t>Abundance estimate</a:t>
             </a:r>
-            <a:endParaRPr lang="en-US" dirty="0"/>
           </a:p>
         </p:txBody>
       </p:sp>
@@ -14722,9 +14632,7 @@
             <a:avLst/>
           </a:prstGeom>
           <a:solidFill>
-            <a:schemeClr val="accent3">
-              <a:lumMod val="75000"/>
-            </a:schemeClr>
+            <a:schemeClr val="accent4"/>
           </a:solidFill>
           <a:ln>
             <a:solidFill>
@@ -14756,18 +14664,13 @@
           <a:p>
             <a:pPr algn="ctr"/>
             <a:r>
-              <a:rPr lang="en-US" dirty="0" smtClean="0">
+              <a:rPr lang="en-US" dirty="0">
                 <a:solidFill>
                   <a:schemeClr val="tx1"/>
                 </a:solidFill>
               </a:rPr>
               <a:t>Survival probability</a:t>
             </a:r>
-            <a:endParaRPr lang="en-US" dirty="0">
-              <a:solidFill>
-                <a:schemeClr val="tx1"/>
-              </a:solidFill>
-            </a:endParaRPr>
           </a:p>
         </p:txBody>
       </p:sp>
@@ -14786,9 +14689,7 @@
             <a:avLst/>
           </a:prstGeom>
           <a:solidFill>
-            <a:schemeClr val="accent2">
-              <a:lumMod val="75000"/>
-            </a:schemeClr>
+            <a:srgbClr val="C00000"/>
           </a:solidFill>
           <a:ln>
             <a:solidFill>
@@ -14820,10 +14721,13 @@
           <a:p>
             <a:pPr algn="ctr"/>
             <a:r>
-              <a:rPr lang="en-US" dirty="0" smtClean="0"/>
+              <a:rPr lang="en-US" dirty="0">
+                <a:solidFill>
+                  <a:schemeClr val="bg1"/>
+                </a:solidFill>
+              </a:rPr>
               <a:t>Average fecundity</a:t>
             </a:r>
-            <a:endParaRPr lang="en-US" dirty="0"/>
           </a:p>
         </p:txBody>
       </p:sp>
@@ -14870,6 +14774,7 @@
         <p:nvCxnSpPr>
           <p:cNvPr id="27" name="Straight Arrow Connector 26"/>
           <p:cNvCxnSpPr>
+            <a:cxnSpLocks/>
             <a:stCxn id="10" idx="3"/>
             <a:endCxn id="22" idx="1"/>
           </p:cNvCxnSpPr>
@@ -14968,10 +14873,9 @@
           <a:p>
             <a:pPr algn="ctr"/>
             <a:r>
-              <a:rPr lang="en-US" dirty="0" smtClean="0"/>
+              <a:rPr lang="en-US" dirty="0"/>
               <a:t>Data input</a:t>
             </a:r>
-            <a:endParaRPr lang="en-US" dirty="0"/>
           </a:p>
         </p:txBody>
       </p:sp>
@@ -14999,10 +14903,9 @@
           <a:p>
             <a:pPr algn="ctr"/>
             <a:r>
-              <a:rPr lang="en-US" dirty="0" smtClean="0"/>
+              <a:rPr lang="en-US" dirty="0"/>
               <a:t>Analysis</a:t>
             </a:r>
-            <a:endParaRPr lang="en-US" dirty="0"/>
           </a:p>
         </p:txBody>
       </p:sp>
@@ -15030,10 +14933,9 @@
           <a:p>
             <a:pPr algn="ctr"/>
             <a:r>
-              <a:rPr lang="en-US" dirty="0" smtClean="0"/>
+              <a:rPr lang="en-US" dirty="0"/>
               <a:t>Output</a:t>
             </a:r>
-            <a:endParaRPr lang="en-US" dirty="0"/>
           </a:p>
         </p:txBody>
       </p:sp>
@@ -15047,13 +14949,6 @@
   <p:clrMapOvr>
     <a:masterClrMapping/>
   </p:clrMapOvr>
-  <p:timing>
-    <p:tnLst>
-      <p:par>
-        <p:cTn id="1" dur="indefinite" restart="never" nodeType="tmRoot"/>
-      </p:par>
-    </p:tnLst>
-  </p:timing>
 </p:sld>
 </file>
 
@@ -15092,10 +14987,9 @@
           <a:lstStyle/>
           <a:p>
             <a:r>
-              <a:rPr lang="en-US" sz="3200" dirty="0" smtClean="0"/>
+              <a:rPr lang="en-US" sz="3200" dirty="0"/>
               <a:t>Estimating population vital rates</a:t>
             </a:r>
-            <a:endParaRPr lang="en-US" sz="3200" dirty="0"/>
           </a:p>
         </p:txBody>
       </p:sp>
@@ -15122,16 +15016,16 @@
           <a:lstStyle/>
           <a:p>
             <a:r>
-              <a:rPr lang="en-US" sz="2000" dirty="0" smtClean="0"/>
+              <a:rPr lang="en-US" sz="2000" dirty="0"/>
               <a:t>Can use counts to model change in population size and the effect of covariates</a:t>
             </a:r>
           </a:p>
           <a:p>
-            <a:endParaRPr lang="en-US" sz="2000" dirty="0" smtClean="0"/>
-          </a:p>
-          <a:p>
-            <a:r>
-              <a:rPr lang="en-US" sz="2000" dirty="0" smtClean="0"/>
+            <a:endParaRPr lang="en-US" sz="2000" dirty="0"/>
+          </a:p>
+          <a:p>
+            <a:r>
+              <a:rPr lang="en-US" sz="2000" dirty="0"/>
               <a:t>Intrinsic population characteristics govern population dynamics</a:t>
             </a:r>
           </a:p>
@@ -15140,19 +15034,18 @@
           </a:p>
           <a:p>
             <a:r>
-              <a:rPr lang="en-US" sz="2000" dirty="0" smtClean="0"/>
+              <a:rPr lang="en-US" sz="2000" dirty="0"/>
               <a:t>Stressors and threats often act directly on these rates</a:t>
             </a:r>
           </a:p>
           <a:p>
-            <a:endParaRPr lang="en-US" sz="2000" dirty="0" smtClean="0"/>
-          </a:p>
-          <a:p>
-            <a:r>
-              <a:rPr lang="en-US" sz="2000" dirty="0" smtClean="0"/>
+            <a:endParaRPr lang="en-US" sz="2000" dirty="0"/>
+          </a:p>
+          <a:p>
+            <a:r>
+              <a:rPr lang="en-US" sz="2000" dirty="0"/>
               <a:t>This can help guide conservation actions to where it will be the most helpful and examine effects of potential management actions</a:t>
             </a:r>
-            <a:endParaRPr lang="en-US" sz="2000" dirty="0"/>
           </a:p>
         </p:txBody>
       </p:sp>
@@ -15207,13 +15100,6 @@
   <p:clrMapOvr>
     <a:masterClrMapping/>
   </p:clrMapOvr>
-  <p:timing>
-    <p:tnLst>
-      <p:par>
-        <p:cTn id="1" dur="indefinite" restart="never" nodeType="tmRoot"/>
-      </p:par>
-    </p:tnLst>
-  </p:timing>
 </p:sld>
 </file>
 
@@ -15271,10 +15157,9 @@
           <a:p>
             <a:pPr algn="ctr"/>
             <a:r>
-              <a:rPr lang="en-US" dirty="0" smtClean="0"/>
+              <a:rPr lang="en-US" dirty="0"/>
               <a:t>Counts</a:t>
             </a:r>
-            <a:endParaRPr lang="en-US" dirty="0"/>
           </a:p>
         </p:txBody>
       </p:sp>
@@ -15293,9 +15178,7 @@
             <a:avLst/>
           </a:prstGeom>
           <a:solidFill>
-            <a:schemeClr val="accent3">
-              <a:lumMod val="75000"/>
-            </a:schemeClr>
+            <a:schemeClr val="accent4"/>
           </a:solidFill>
           <a:ln>
             <a:solidFill>
@@ -15327,18 +15210,13 @@
           <a:p>
             <a:pPr algn="ctr"/>
             <a:r>
-              <a:rPr lang="en-US" dirty="0" smtClean="0">
+              <a:rPr lang="en-US" dirty="0">
                 <a:solidFill>
                   <a:schemeClr val="tx1"/>
                 </a:solidFill>
               </a:rPr>
               <a:t>Mark-recapture</a:t>
             </a:r>
-            <a:endParaRPr lang="en-US" dirty="0">
-              <a:solidFill>
-                <a:schemeClr val="tx1"/>
-              </a:solidFill>
-            </a:endParaRPr>
           </a:p>
         </p:txBody>
       </p:sp>
@@ -15357,9 +15235,7 @@
             <a:avLst/>
           </a:prstGeom>
           <a:solidFill>
-            <a:schemeClr val="accent2">
-              <a:lumMod val="75000"/>
-            </a:schemeClr>
+            <a:srgbClr val="C00000"/>
           </a:solidFill>
           <a:ln>
             <a:solidFill>
@@ -15391,10 +15267,9 @@
           <a:p>
             <a:pPr algn="ctr"/>
             <a:r>
-              <a:rPr lang="en-US" dirty="0" smtClean="0"/>
+              <a:rPr lang="en-US" dirty="0"/>
               <a:t>Number of offspring/female</a:t>
             </a:r>
-            <a:endParaRPr lang="en-US" dirty="0"/>
           </a:p>
         </p:txBody>
       </p:sp>
@@ -15422,10 +15297,9 @@
           <a:p>
             <a:pPr algn="ctr"/>
             <a:r>
-              <a:rPr lang="en-US" sz="2800" dirty="0" smtClean="0"/>
+              <a:rPr lang="en-US" sz="2800" dirty="0"/>
               <a:t>Integrated analysis</a:t>
             </a:r>
-            <a:endParaRPr lang="en-US" sz="2800" dirty="0"/>
           </a:p>
         </p:txBody>
       </p:sp>
@@ -15583,10 +15457,9 @@
           <a:p>
             <a:pPr algn="ctr"/>
             <a:r>
-              <a:rPr lang="en-US" dirty="0" smtClean="0"/>
+              <a:rPr lang="en-US" dirty="0"/>
               <a:t>Abundance estimate</a:t>
             </a:r>
-            <a:endParaRPr lang="en-US" dirty="0"/>
           </a:p>
         </p:txBody>
       </p:sp>
@@ -15605,9 +15478,7 @@
             <a:avLst/>
           </a:prstGeom>
           <a:solidFill>
-            <a:schemeClr val="accent3">
-              <a:lumMod val="75000"/>
-            </a:schemeClr>
+            <a:schemeClr val="accent4"/>
           </a:solidFill>
           <a:ln>
             <a:solidFill>
@@ -15639,18 +15510,13 @@
           <a:p>
             <a:pPr algn="ctr"/>
             <a:r>
-              <a:rPr lang="en-US" dirty="0" smtClean="0">
+              <a:rPr lang="en-US" dirty="0">
                 <a:solidFill>
                   <a:schemeClr val="tx1"/>
                 </a:solidFill>
               </a:rPr>
               <a:t>Survival probability</a:t>
             </a:r>
-            <a:endParaRPr lang="en-US" dirty="0">
-              <a:solidFill>
-                <a:schemeClr val="tx1"/>
-              </a:solidFill>
-            </a:endParaRPr>
           </a:p>
         </p:txBody>
       </p:sp>
@@ -15669,9 +15535,7 @@
             <a:avLst/>
           </a:prstGeom>
           <a:solidFill>
-            <a:schemeClr val="accent2">
-              <a:lumMod val="75000"/>
-            </a:schemeClr>
+            <a:srgbClr val="C00000"/>
           </a:solidFill>
           <a:ln>
             <a:solidFill>
@@ -15703,10 +15567,9 @@
           <a:p>
             <a:pPr algn="ctr"/>
             <a:r>
-              <a:rPr lang="en-US" dirty="0" smtClean="0"/>
+              <a:rPr lang="en-US" dirty="0"/>
               <a:t>Average fecundity</a:t>
             </a:r>
-            <a:endParaRPr lang="en-US" dirty="0"/>
           </a:p>
         </p:txBody>
       </p:sp>
@@ -15925,12 +15788,10 @@
                 <a:schemeClr val="accent1"/>
               </a:gs>
               <a:gs pos="50000">
-                <a:schemeClr val="accent3"/>
+                <a:schemeClr val="accent4"/>
               </a:gs>
               <a:gs pos="100000">
-                <a:schemeClr val="accent2">
-                  <a:lumMod val="75000"/>
-                </a:schemeClr>
+                <a:srgbClr val="C00000"/>
               </a:gs>
             </a:gsLst>
             <a:lin ang="5400000" scaled="1"/>
@@ -15959,18 +15820,13 @@
           <a:p>
             <a:pPr algn="ctr"/>
             <a:r>
-              <a:rPr lang="en-US" sz="2400" dirty="0" smtClean="0">
+              <a:rPr lang="en-US" sz="2400" dirty="0">
                 <a:solidFill>
                   <a:schemeClr val="tx1"/>
                 </a:solidFill>
               </a:rPr>
               <a:t>IPM</a:t>
             </a:r>
-            <a:endParaRPr lang="en-US" sz="2400" dirty="0">
-              <a:solidFill>
-                <a:schemeClr val="tx1"/>
-              </a:solidFill>
-            </a:endParaRPr>
           </a:p>
         </p:txBody>
       </p:sp>
@@ -15998,10 +15854,9 @@
           <a:p>
             <a:pPr algn="ctr"/>
             <a:r>
-              <a:rPr lang="en-US" dirty="0" smtClean="0"/>
+              <a:rPr lang="en-US" dirty="0"/>
               <a:t>Data input</a:t>
             </a:r>
-            <a:endParaRPr lang="en-US" dirty="0"/>
           </a:p>
         </p:txBody>
       </p:sp>
@@ -16029,10 +15884,9 @@
           <a:p>
             <a:pPr algn="ctr"/>
             <a:r>
-              <a:rPr lang="en-US" dirty="0" smtClean="0"/>
+              <a:rPr lang="en-US" dirty="0"/>
               <a:t>Analysis</a:t>
             </a:r>
-            <a:endParaRPr lang="en-US" dirty="0"/>
           </a:p>
         </p:txBody>
       </p:sp>
@@ -16060,10 +15914,9 @@
           <a:p>
             <a:pPr algn="ctr"/>
             <a:r>
-              <a:rPr lang="en-US" dirty="0" smtClean="0"/>
+              <a:rPr lang="en-US" dirty="0"/>
               <a:t>Output</a:t>
             </a:r>
-            <a:endParaRPr lang="en-US" dirty="0"/>
           </a:p>
         </p:txBody>
       </p:sp>
@@ -16077,13 +15930,6 @@
   <p:clrMapOvr>
     <a:masterClrMapping/>
   </p:clrMapOvr>
-  <p:timing>
-    <p:tnLst>
-      <p:par>
-        <p:cTn id="1" dur="indefinite" restart="never" nodeType="tmRoot"/>
-      </p:par>
-    </p:tnLst>
-  </p:timing>
 </p:sld>
 </file>
 
@@ -16142,10 +15988,9 @@
             <a:p>
               <a:pPr algn="ctr"/>
               <a:r>
-                <a:rPr lang="en-US" sz="2000" b="1" dirty="0" smtClean="0"/>
+                <a:rPr lang="en-US" sz="2000" b="1" dirty="0"/>
                 <a:t>Change in population size</a:t>
               </a:r>
-              <a:endParaRPr lang="en-US" sz="2000" b="1" dirty="0"/>
             </a:p>
           </p:txBody>
         </p:sp>
@@ -16173,7 +16018,7 @@
             <a:p>
               <a:pPr algn="ctr"/>
               <a:r>
-                <a:rPr lang="en-US" sz="2000" b="1" dirty="0" smtClean="0">
+                <a:rPr lang="en-US" sz="2000" b="1" dirty="0">
                   <a:solidFill>
                     <a:srgbClr val="9C0E63"/>
                   </a:solidFill>
@@ -16212,7 +16057,7 @@
             <a:p>
               <a:pPr algn="ctr"/>
               <a:r>
-                <a:rPr lang="en-US" sz="2000" b="1" dirty="0" smtClean="0">
+                <a:rPr lang="en-US" sz="2000" b="1" dirty="0">
                   <a:solidFill>
                     <a:srgbClr val="00B0F0"/>
                   </a:solidFill>
@@ -16251,18 +16096,13 @@
             <a:p>
               <a:pPr algn="ctr"/>
               <a:r>
-                <a:rPr lang="en-US" sz="2000" b="1" dirty="0" smtClean="0">
+                <a:rPr lang="en-US" sz="2000" b="1" dirty="0">
                   <a:solidFill>
                     <a:srgbClr val="F2700E"/>
                   </a:solidFill>
                 </a:rPr>
                 <a:t>immigration</a:t>
               </a:r>
-              <a:endParaRPr lang="en-US" sz="2000" b="1" dirty="0">
-                <a:solidFill>
-                  <a:srgbClr val="F2700E"/>
-                </a:solidFill>
-              </a:endParaRPr>
             </a:p>
           </p:txBody>
         </p:sp>
@@ -16290,18 +16130,13 @@
             <a:p>
               <a:pPr algn="ctr"/>
               <a:r>
-                <a:rPr lang="en-US" sz="2000" b="1" dirty="0" smtClean="0">
+                <a:rPr lang="en-US" sz="2000" b="1" dirty="0">
                   <a:solidFill>
                     <a:srgbClr val="00B050"/>
                   </a:solidFill>
                 </a:rPr>
                 <a:t>emigration</a:t>
               </a:r>
-              <a:endParaRPr lang="en-US" sz="2000" b="1" dirty="0">
-                <a:solidFill>
-                  <a:srgbClr val="00B050"/>
-                </a:solidFill>
-              </a:endParaRPr>
             </a:p>
           </p:txBody>
         </p:sp>
@@ -16329,10 +16164,9 @@
             <a:p>
               <a:pPr algn="ctr"/>
               <a:r>
-                <a:rPr lang="en-US" sz="2400" dirty="0" smtClean="0"/>
+                <a:rPr lang="en-US" sz="2400" dirty="0"/>
                 <a:t>=</a:t>
               </a:r>
-              <a:endParaRPr lang="en-US" sz="2400" dirty="0"/>
             </a:p>
           </p:txBody>
         </p:sp>
@@ -16360,10 +16194,9 @@
             <a:p>
               <a:pPr algn="ctr"/>
               <a:r>
-                <a:rPr lang="en-US" sz="2400" dirty="0" smtClean="0"/>
+                <a:rPr lang="en-US" sz="2400" dirty="0"/>
                 <a:t>+</a:t>
               </a:r>
-              <a:endParaRPr lang="en-US" sz="2400" dirty="0"/>
             </a:p>
           </p:txBody>
         </p:sp>
@@ -16571,13 +16404,6 @@
   <p:clrMapOvr>
     <a:masterClrMapping/>
   </p:clrMapOvr>
-  <p:timing>
-    <p:tnLst>
-      <p:par>
-        <p:cTn id="1" dur="indefinite" restart="never" nodeType="tmRoot"/>
-      </p:par>
-    </p:tnLst>
-  </p:timing>
 </p:sld>
 </file>
 
@@ -16650,10 +16476,9 @@
           <a:lstStyle/>
           <a:p>
             <a:r>
-              <a:rPr lang="en-US" sz="2800" b="1" dirty="0" smtClean="0"/>
+              <a:rPr lang="en-US" sz="2800" b="1" dirty="0"/>
               <a:t>Do I need to use an IPM?</a:t>
             </a:r>
-            <a:endParaRPr lang="en-US" sz="2800" b="1" dirty="0"/>
           </a:p>
         </p:txBody>
       </p:sp>
@@ -16680,32 +16505,32 @@
           <a:lstStyle/>
           <a:p>
             <a:r>
-              <a:rPr lang="en-US" sz="2400" dirty="0" smtClean="0"/>
+              <a:rPr lang="en-US" sz="2400" dirty="0"/>
               <a:t>Core assumption = all data are a product of the same underlying population processes</a:t>
             </a:r>
           </a:p>
           <a:p>
             <a:r>
-              <a:rPr lang="en-US" sz="2400" dirty="0" smtClean="0"/>
+              <a:rPr lang="en-US" sz="2400" dirty="0"/>
               <a:t>Most useful when:</a:t>
             </a:r>
           </a:p>
           <a:p>
             <a:pPr lvl="1"/>
             <a:r>
-              <a:rPr lang="en-US" sz="2100" dirty="0" smtClean="0"/>
+              <a:rPr lang="en-US" sz="2100" dirty="0"/>
               <a:t>Individual analyses of different data sources give competing results</a:t>
             </a:r>
           </a:p>
           <a:p>
             <a:pPr lvl="1"/>
             <a:r>
-              <a:rPr lang="en-US" sz="2100" dirty="0" smtClean="0"/>
+              <a:rPr lang="en-US" sz="2100" dirty="0"/>
               <a:t>You want to estimate a demographic parameter without data (e.g. immigration rate)</a:t>
             </a:r>
           </a:p>
           <a:p>
-            <a:endParaRPr lang="en-US" sz="2400" b="1" dirty="0" smtClean="0"/>
+            <a:endParaRPr lang="en-US" sz="2400" b="1" dirty="0"/>
           </a:p>
         </p:txBody>
       </p:sp>
@@ -17047,10 +16872,9 @@
             <a:p>
               <a:pPr algn="ctr"/>
               <a:r>
-                <a:rPr lang="en-US" sz="2000" b="1" dirty="0" smtClean="0"/>
+                <a:rPr lang="en-US" sz="2000" b="1" dirty="0"/>
                 <a:t>Change in population size</a:t>
               </a:r>
-              <a:endParaRPr lang="en-US" sz="2000" b="1" dirty="0"/>
             </a:p>
           </p:txBody>
         </p:sp>
@@ -17078,7 +16902,7 @@
             <a:p>
               <a:pPr algn="ctr"/>
               <a:r>
-                <a:rPr lang="en-US" sz="2000" b="1" dirty="0" smtClean="0">
+                <a:rPr lang="en-US" sz="2000" b="1" dirty="0">
                   <a:solidFill>
                     <a:schemeClr val="accent3">
                       <a:lumMod val="50000"/>
@@ -17121,7 +16945,7 @@
             <a:p>
               <a:pPr algn="ctr"/>
               <a:r>
-                <a:rPr lang="en-US" sz="2000" b="1" dirty="0" smtClean="0">
+                <a:rPr lang="en-US" sz="2000" b="1" dirty="0">
                   <a:solidFill>
                     <a:schemeClr val="accent2">
                       <a:lumMod val="75000"/>
@@ -17164,7 +16988,7 @@
             <a:p>
               <a:pPr algn="ctr"/>
               <a:r>
-                <a:rPr lang="en-US" sz="2000" b="1" dirty="0" smtClean="0">
+                <a:rPr lang="en-US" sz="2000" b="1" dirty="0">
                   <a:solidFill>
                     <a:schemeClr val="accent3">
                       <a:lumMod val="50000"/>
@@ -17173,13 +16997,6 @@
                 </a:rPr>
                 <a:t>immigration</a:t>
               </a:r>
-              <a:endParaRPr lang="en-US" sz="2000" b="1" dirty="0">
-                <a:solidFill>
-                  <a:schemeClr val="accent3">
-                    <a:lumMod val="50000"/>
-                  </a:schemeClr>
-                </a:solidFill>
-              </a:endParaRPr>
             </a:p>
           </p:txBody>
         </p:sp>
@@ -17207,7 +17024,7 @@
             <a:p>
               <a:pPr algn="ctr"/>
               <a:r>
-                <a:rPr lang="en-US" sz="2000" b="1" dirty="0" smtClean="0">
+                <a:rPr lang="en-US" sz="2000" b="1" dirty="0">
                   <a:solidFill>
                     <a:schemeClr val="accent2">
                       <a:lumMod val="75000"/>
@@ -17216,13 +17033,6 @@
                 </a:rPr>
                 <a:t>emigration</a:t>
               </a:r>
-              <a:endParaRPr lang="en-US" sz="2000" b="1" dirty="0">
-                <a:solidFill>
-                  <a:schemeClr val="accent2">
-                    <a:lumMod val="75000"/>
-                  </a:schemeClr>
-                </a:solidFill>
-              </a:endParaRPr>
             </a:p>
           </p:txBody>
         </p:sp>
@@ -17250,10 +17060,9 @@
             <a:p>
               <a:pPr algn="ctr"/>
               <a:r>
-                <a:rPr lang="en-US" sz="2400" dirty="0" smtClean="0"/>
+                <a:rPr lang="en-US" sz="2400" dirty="0"/>
                 <a:t>=</a:t>
               </a:r>
-              <a:endParaRPr lang="en-US" sz="2400" dirty="0"/>
             </a:p>
           </p:txBody>
         </p:sp>
@@ -17281,10 +17090,9 @@
             <a:p>
               <a:pPr algn="ctr"/>
               <a:r>
-                <a:rPr lang="en-US" sz="2400" dirty="0" smtClean="0"/>
+                <a:rPr lang="en-US" sz="2400" dirty="0"/>
                 <a:t>+</a:t>
               </a:r>
-              <a:endParaRPr lang="en-US" sz="2400" dirty="0"/>
             </a:p>
           </p:txBody>
         </p:sp>
@@ -17372,7 +17180,7 @@
           <a:lstStyle/>
           <a:p>
             <a:r>
-              <a:rPr lang="en-US" sz="2000" b="1" dirty="0" smtClean="0"/>
+              <a:rPr lang="en-US" sz="2000" b="1" dirty="0"/>
               <a:t>Fecundity/Recruitment</a:t>
             </a:r>
             <a:endParaRPr lang="en-US" sz="2000" dirty="0"/>
@@ -17383,7 +17191,7 @@
               <a:buChar char="•"/>
             </a:pPr>
             <a:r>
-              <a:rPr lang="en-US" sz="2000" dirty="0" smtClean="0"/>
+              <a:rPr lang="en-US" sz="2000" dirty="0"/>
               <a:t>Nest/den monitoring</a:t>
             </a:r>
           </a:p>
@@ -17393,7 +17201,7 @@
               <a:buChar char="•"/>
             </a:pPr>
             <a:r>
-              <a:rPr lang="en-US" sz="2000" dirty="0" smtClean="0"/>
+              <a:rPr lang="en-US" sz="2000" dirty="0"/>
               <a:t>Reproductive success/failure</a:t>
             </a:r>
           </a:p>
@@ -17403,7 +17211,7 @@
               <a:buChar char="•"/>
             </a:pPr>
             <a:r>
-              <a:rPr lang="en-US" sz="2000" dirty="0" smtClean="0"/>
+              <a:rPr lang="en-US" sz="2000" dirty="0"/>
               <a:t>Number of offspring produced</a:t>
             </a:r>
           </a:p>
@@ -17413,7 +17221,7 @@
               <a:buChar char="•"/>
             </a:pPr>
             <a:r>
-              <a:rPr lang="en-US" sz="2000" dirty="0" smtClean="0"/>
+              <a:rPr lang="en-US" sz="2000" dirty="0"/>
               <a:t>Age ratios</a:t>
             </a:r>
           </a:p>
@@ -17442,7 +17250,7 @@
           <a:lstStyle/>
           <a:p>
             <a:r>
-              <a:rPr lang="en-US" sz="2000" b="1" dirty="0" smtClean="0"/>
+              <a:rPr lang="en-US" sz="2000" b="1" dirty="0"/>
               <a:t>Survival</a:t>
             </a:r>
           </a:p>
@@ -17452,7 +17260,7 @@
               <a:buChar char="•"/>
             </a:pPr>
             <a:r>
-              <a:rPr lang="en-US" sz="2000" dirty="0" smtClean="0"/>
+              <a:rPr lang="en-US" sz="2000" dirty="0"/>
               <a:t>Individual capture-mark-recapture</a:t>
             </a:r>
           </a:p>
@@ -17462,7 +17270,7 @@
               <a:buChar char="•"/>
             </a:pPr>
             <a:r>
-              <a:rPr lang="en-US" sz="2000" dirty="0" smtClean="0"/>
+              <a:rPr lang="en-US" sz="2000" dirty="0"/>
               <a:t>Radio telemetry</a:t>
             </a:r>
           </a:p>
@@ -17620,7 +17428,7 @@
           <a:lstStyle/>
           <a:p>
             <a:r>
-              <a:rPr lang="en-US" b="1" dirty="0" smtClean="0"/>
+              <a:rPr lang="en-US" b="1" dirty="0"/>
               <a:t>Apparent survival</a:t>
             </a:r>
           </a:p>
@@ -17630,7 +17438,7 @@
               <a:buChar char="•"/>
             </a:pPr>
             <a:r>
-              <a:rPr lang="en-US" sz="2000" dirty="0" smtClean="0"/>
+              <a:rPr lang="en-US" sz="2000" dirty="0"/>
               <a:t>Individual capture-mark-recapture</a:t>
             </a:r>
           </a:p>
@@ -17640,7 +17448,7 @@
               <a:buChar char="•"/>
             </a:pPr>
             <a:r>
-              <a:rPr lang="en-US" sz="2000" dirty="0" smtClean="0"/>
+              <a:rPr lang="en-US" sz="2000" dirty="0"/>
               <a:t>Radio telemetry</a:t>
             </a:r>
           </a:p>
@@ -18168,10 +17976,9 @@
           <a:lstStyle/>
           <a:p>
             <a:r>
-              <a:rPr lang="en-US" sz="3200" dirty="0" smtClean="0"/>
+              <a:rPr lang="en-US" sz="3200" dirty="0"/>
               <a:t>Demographic data types</a:t>
             </a:r>
-            <a:endParaRPr lang="en-US" sz="3200" dirty="0"/>
           </a:p>
         </p:txBody>
       </p:sp>
@@ -18198,35 +18005,34 @@
           <a:lstStyle/>
           <a:p>
             <a:r>
-              <a:rPr lang="en-US" sz="2400" dirty="0" smtClean="0"/>
+              <a:rPr lang="en-US" sz="2400" dirty="0"/>
               <a:t>Many different types, depends on ecology/life history of species of interest</a:t>
             </a:r>
           </a:p>
           <a:p>
             <a:pPr lvl="1"/>
             <a:r>
-              <a:rPr lang="en-US" sz="2000" dirty="0" smtClean="0"/>
+              <a:rPr lang="en-US" sz="2000" dirty="0"/>
               <a:t>Number of broods/litters per season</a:t>
             </a:r>
           </a:p>
           <a:p>
             <a:pPr lvl="1"/>
             <a:r>
-              <a:rPr lang="en-US" sz="2000" dirty="0" smtClean="0"/>
+              <a:rPr lang="en-US" sz="2000" dirty="0"/>
               <a:t>Breeding site fidelity</a:t>
             </a:r>
           </a:p>
           <a:p>
             <a:pPr lvl="1"/>
             <a:r>
-              <a:rPr lang="en-US" sz="2000" dirty="0" smtClean="0"/>
+              <a:rPr lang="en-US" sz="2000" dirty="0"/>
               <a:t>Etc.</a:t>
             </a:r>
+          </a:p>
+          <a:p>
+            <a:pPr lvl="1"/>
             <a:endParaRPr lang="en-US" sz="2000" dirty="0"/>
-          </a:p>
-          <a:p>
-            <a:pPr lvl="1"/>
-            <a:endParaRPr lang="en-US" sz="2000" dirty="0" smtClean="0"/>
           </a:p>
           <a:p>
             <a:endParaRPr lang="en-US" sz="2400" dirty="0"/>
@@ -18258,7 +18064,13 @@
                 <a:tableStyleId>{5940675A-B579-460E-94D1-54222C63F5DA}</a:tableStyleId>
               </a:tblPr>
               <a:tblGrid>
-                <a:gridCol w="3926776"/>
+                <a:gridCol w="3926776">
+                  <a:extLst>
+                    <a:ext uri="{9D8B030D-6E8A-4147-A177-3AD203B41FA5}">
+                      <a16:colId xmlns:a16="http://schemas.microsoft.com/office/drawing/2014/main" val="20000"/>
+                    </a:ext>
+                  </a:extLst>
+                </a:gridCol>
               </a:tblGrid>
               <a:tr h="278130">
                 <a:tc>
@@ -18268,14 +18080,18 @@
                     <a:p>
                       <a:pPr algn="ctr"/>
                       <a:r>
-                        <a:rPr lang="en-US" sz="1400" b="1" dirty="0" smtClean="0"/>
+                        <a:rPr lang="en-US" sz="1400" b="1" dirty="0"/>
                         <a:t>Data types</a:t>
                       </a:r>
-                      <a:endParaRPr lang="en-US" sz="1400" b="1" dirty="0"/>
                     </a:p>
                   </a:txBody>
                   <a:tcPr marT="34290" marB="34290" anchor="ctr"/>
                 </a:tc>
+                <a:extLst>
+                  <a:ext uri="{0D108BD9-81ED-4DB2-BD59-A6C34878D82A}">
+                    <a16:rowId xmlns:a16="http://schemas.microsoft.com/office/drawing/2014/main" val="10000"/>
+                  </a:ext>
+                </a:extLst>
               </a:tr>
               <a:tr h="278130">
                 <a:tc>
@@ -18285,14 +18101,18 @@
                     <a:p>
                       <a:pPr algn="ctr"/>
                       <a:r>
-                        <a:rPr lang="en-US" sz="1400" dirty="0" smtClean="0"/>
+                        <a:rPr lang="en-US" sz="1400" dirty="0"/>
                         <a:t>Number of offspring per female</a:t>
                       </a:r>
-                      <a:endParaRPr lang="en-US" sz="1400" dirty="0"/>
                     </a:p>
                   </a:txBody>
                   <a:tcPr marT="34290" marB="34290" anchor="ctr"/>
                 </a:tc>
+                <a:extLst>
+                  <a:ext uri="{0D108BD9-81ED-4DB2-BD59-A6C34878D82A}">
+                    <a16:rowId xmlns:a16="http://schemas.microsoft.com/office/drawing/2014/main" val="10001"/>
+                  </a:ext>
+                </a:extLst>
               </a:tr>
               <a:tr h="278130">
                 <a:tc>
@@ -18302,11 +18122,11 @@
                     <a:p>
                       <a:pPr algn="ctr"/>
                       <a:r>
-                        <a:rPr lang="en-US" sz="1400" dirty="0" smtClean="0"/>
+                        <a:rPr lang="en-US" sz="1400" dirty="0"/>
                         <a:t>Ratio</a:t>
                       </a:r>
                       <a:r>
-                        <a:rPr lang="en-US" sz="1400" baseline="0" dirty="0" smtClean="0"/>
+                        <a:rPr lang="en-US" sz="1400" baseline="0" dirty="0"/>
                         <a:t> of young to adults (or size classes)</a:t>
                       </a:r>
                       <a:endParaRPr lang="en-US" sz="1400" dirty="0"/>
@@ -18314,6 +18134,11 @@
                   </a:txBody>
                   <a:tcPr marT="34290" marB="34290" anchor="ctr"/>
                 </a:tc>
+                <a:extLst>
+                  <a:ext uri="{0D108BD9-81ED-4DB2-BD59-A6C34878D82A}">
+                    <a16:rowId xmlns:a16="http://schemas.microsoft.com/office/drawing/2014/main" val="10002"/>
+                  </a:ext>
+                </a:extLst>
               </a:tr>
               <a:tr h="278130">
                 <a:tc>
@@ -18323,11 +18148,11 @@
                     <a:p>
                       <a:pPr algn="ctr"/>
                       <a:r>
-                        <a:rPr lang="en-US" sz="1400" dirty="0" smtClean="0"/>
+                        <a:rPr lang="en-US" sz="1400" dirty="0"/>
                         <a:t>Nest/den</a:t>
                       </a:r>
                       <a:r>
-                        <a:rPr lang="en-US" sz="1400" baseline="0" dirty="0" smtClean="0"/>
+                        <a:rPr lang="en-US" sz="1400" baseline="0" dirty="0"/>
                         <a:t> success or failure</a:t>
                       </a:r>
                       <a:endParaRPr lang="en-US" sz="1400" dirty="0"/>
@@ -18335,6 +18160,11 @@
                   </a:txBody>
                   <a:tcPr marT="34290" marB="34290" anchor="ctr"/>
                 </a:tc>
+                <a:extLst>
+                  <a:ext uri="{0D108BD9-81ED-4DB2-BD59-A6C34878D82A}">
+                    <a16:rowId xmlns:a16="http://schemas.microsoft.com/office/drawing/2014/main" val="10003"/>
+                  </a:ext>
+                </a:extLst>
               </a:tr>
               <a:tr h="278130">
                 <a:tc>
@@ -18344,11 +18174,11 @@
                     <a:p>
                       <a:pPr algn="ctr"/>
                       <a:r>
-                        <a:rPr lang="en-US" sz="1400" dirty="0" smtClean="0"/>
+                        <a:rPr lang="en-US" sz="1400" dirty="0"/>
                         <a:t>Number of young returning next</a:t>
                       </a:r>
                       <a:r>
-                        <a:rPr lang="en-US" sz="1400" baseline="0" dirty="0" smtClean="0"/>
+                        <a:rPr lang="en-US" sz="1400" baseline="0" dirty="0"/>
                         <a:t> year</a:t>
                       </a:r>
                       <a:endParaRPr lang="en-US" sz="1400" dirty="0"/>
@@ -18356,6 +18186,11 @@
                   </a:txBody>
                   <a:tcPr marT="34290" marB="34290" anchor="ctr"/>
                 </a:tc>
+                <a:extLst>
+                  <a:ext uri="{0D108BD9-81ED-4DB2-BD59-A6C34878D82A}">
+                    <a16:rowId xmlns:a16="http://schemas.microsoft.com/office/drawing/2014/main" val="10004"/>
+                  </a:ext>
+                </a:extLst>
               </a:tr>
               <a:tr h="278130">
                 <a:tc>
@@ -18365,15 +18200,15 @@
                     <a:p>
                       <a:pPr algn="ctr"/>
                       <a:r>
-                        <a:rPr lang="en-US" sz="1400" dirty="0" smtClean="0"/>
+                        <a:rPr lang="en-US" sz="1400" dirty="0"/>
                         <a:t>Individual</a:t>
                       </a:r>
                       <a:r>
-                        <a:rPr lang="en-US" sz="1400" baseline="0" dirty="0" smtClean="0"/>
+                        <a:rPr lang="en-US" sz="1400" baseline="0" dirty="0"/>
                         <a:t> mark-recapture/</a:t>
                       </a:r>
                       <a:r>
-                        <a:rPr lang="en-US" sz="1400" baseline="0" dirty="0" err="1" smtClean="0"/>
+                        <a:rPr lang="en-US" sz="1400" baseline="0" dirty="0" err="1"/>
                         <a:t>resight</a:t>
                       </a:r>
                       <a:endParaRPr lang="en-US" sz="1400" dirty="0"/>
@@ -18381,6 +18216,11 @@
                   </a:txBody>
                   <a:tcPr marT="34290" marB="34290" anchor="ctr"/>
                 </a:tc>
+                <a:extLst>
+                  <a:ext uri="{0D108BD9-81ED-4DB2-BD59-A6C34878D82A}">
+                    <a16:rowId xmlns:a16="http://schemas.microsoft.com/office/drawing/2014/main" val="10005"/>
+                  </a:ext>
+                </a:extLst>
               </a:tr>
               <a:tr h="278130">
                 <a:tc>
@@ -18390,14 +18230,18 @@
                     <a:p>
                       <a:pPr algn="ctr"/>
                       <a:r>
-                        <a:rPr lang="en-US" sz="1400" dirty="0" smtClean="0"/>
+                        <a:rPr lang="en-US" sz="1400" dirty="0"/>
                         <a:t>Radio telemetry </a:t>
                       </a:r>
-                      <a:endParaRPr lang="en-US" sz="1400" dirty="0"/>
                     </a:p>
                   </a:txBody>
                   <a:tcPr marT="34290" marB="34290" anchor="ctr"/>
                 </a:tc>
+                <a:extLst>
+                  <a:ext uri="{0D108BD9-81ED-4DB2-BD59-A6C34878D82A}">
+                    <a16:rowId xmlns:a16="http://schemas.microsoft.com/office/drawing/2014/main" val="10006"/>
+                  </a:ext>
+                </a:extLst>
               </a:tr>
               <a:tr h="278130">
                 <a:tc>
@@ -18407,14 +18251,18 @@
                     <a:p>
                       <a:pPr algn="ctr"/>
                       <a:r>
-                        <a:rPr lang="en-US" sz="1400" dirty="0" smtClean="0"/>
+                        <a:rPr lang="en-US" sz="1400" dirty="0"/>
                         <a:t>Others?</a:t>
                       </a:r>
-                      <a:endParaRPr lang="en-US" sz="1400" dirty="0"/>
                     </a:p>
                   </a:txBody>
                   <a:tcPr marT="34290" marB="34290" anchor="ctr"/>
                 </a:tc>
+                <a:extLst>
+                  <a:ext uri="{0D108BD9-81ED-4DB2-BD59-A6C34878D82A}">
+                    <a16:rowId xmlns:a16="http://schemas.microsoft.com/office/drawing/2014/main" val="10007"/>
+                  </a:ext>
+                </a:extLst>
               </a:tr>
             </a:tbl>
           </a:graphicData>
@@ -18445,7 +18293,13 @@
                 <a:tableStyleId>{5940675A-B579-460E-94D1-54222C63F5DA}</a:tableStyleId>
               </a:tblPr>
               <a:tblGrid>
-                <a:gridCol w="2870200"/>
+                <a:gridCol w="2870200">
+                  <a:extLst>
+                    <a:ext uri="{9D8B030D-6E8A-4147-A177-3AD203B41FA5}">
+                      <a16:colId xmlns:a16="http://schemas.microsoft.com/office/drawing/2014/main" val="20000"/>
+                    </a:ext>
+                  </a:extLst>
+                </a:gridCol>
               </a:tblGrid>
               <a:tr h="278130">
                 <a:tc>
@@ -18455,14 +18309,18 @@
                     <a:p>
                       <a:pPr algn="ctr"/>
                       <a:r>
-                        <a:rPr lang="en-US" sz="1400" b="1" dirty="0" smtClean="0"/>
+                        <a:rPr lang="en-US" sz="1400" b="1" dirty="0"/>
                         <a:t>Demographic vital rate</a:t>
                       </a:r>
-                      <a:endParaRPr lang="en-US" sz="1400" b="1" dirty="0"/>
                     </a:p>
                   </a:txBody>
                   <a:tcPr marT="34290" marB="34290" anchor="ctr"/>
                 </a:tc>
+                <a:extLst>
+                  <a:ext uri="{0D108BD9-81ED-4DB2-BD59-A6C34878D82A}">
+                    <a16:rowId xmlns:a16="http://schemas.microsoft.com/office/drawing/2014/main" val="10000"/>
+                  </a:ext>
+                </a:extLst>
               </a:tr>
               <a:tr h="278130">
                 <a:tc>
@@ -18472,14 +18330,18 @@
                     <a:p>
                       <a:pPr algn="ctr"/>
                       <a:r>
-                        <a:rPr lang="en-US" sz="1400" dirty="0" smtClean="0"/>
+                        <a:rPr lang="en-US" sz="1400" dirty="0"/>
                         <a:t>Fecundity</a:t>
                       </a:r>
-                      <a:endParaRPr lang="en-US" sz="1400" dirty="0"/>
                     </a:p>
                   </a:txBody>
                   <a:tcPr marT="34290" marB="34290" anchor="ctr"/>
                 </a:tc>
+                <a:extLst>
+                  <a:ext uri="{0D108BD9-81ED-4DB2-BD59-A6C34878D82A}">
+                    <a16:rowId xmlns:a16="http://schemas.microsoft.com/office/drawing/2014/main" val="10001"/>
+                  </a:ext>
+                </a:extLst>
               </a:tr>
               <a:tr h="278130">
                 <a:tc>
@@ -18489,14 +18351,18 @@
                     <a:p>
                       <a:pPr algn="ctr"/>
                       <a:r>
-                        <a:rPr lang="en-US" sz="1400" dirty="0" smtClean="0"/>
+                        <a:rPr lang="en-US" sz="1400" dirty="0"/>
                         <a:t>Recruitment probability</a:t>
                       </a:r>
-                      <a:endParaRPr lang="en-US" sz="1400" dirty="0"/>
                     </a:p>
                   </a:txBody>
                   <a:tcPr marT="34290" marB="34290" anchor="ctr"/>
                 </a:tc>
+                <a:extLst>
+                  <a:ext uri="{0D108BD9-81ED-4DB2-BD59-A6C34878D82A}">
+                    <a16:rowId xmlns:a16="http://schemas.microsoft.com/office/drawing/2014/main" val="10002"/>
+                  </a:ext>
+                </a:extLst>
               </a:tr>
               <a:tr h="480060">
                 <a:tc>
@@ -18506,7 +18372,7 @@
                     <a:p>
                       <a:pPr algn="ctr"/>
                       <a:r>
-                        <a:rPr lang="en-US" sz="1400" baseline="0" dirty="0" smtClean="0"/>
+                        <a:rPr lang="en-US" sz="1400" baseline="0" dirty="0"/>
                         <a:t>Survival probability (seasonal or annual)</a:t>
                       </a:r>
                       <a:endParaRPr lang="en-US" sz="1400" dirty="0"/>
@@ -18514,6 +18380,11 @@
                   </a:txBody>
                   <a:tcPr marT="34290" marB="34290" anchor="ctr"/>
                 </a:tc>
+                <a:extLst>
+                  <a:ext uri="{0D108BD9-81ED-4DB2-BD59-A6C34878D82A}">
+                    <a16:rowId xmlns:a16="http://schemas.microsoft.com/office/drawing/2014/main" val="10003"/>
+                  </a:ext>
+                </a:extLst>
               </a:tr>
               <a:tr h="278130">
                 <a:tc>
@@ -18523,14 +18394,18 @@
                     <a:p>
                       <a:pPr algn="ctr"/>
                       <a:r>
-                        <a:rPr lang="en-US" sz="1400" dirty="0" smtClean="0"/>
+                        <a:rPr lang="en-US" sz="1400" dirty="0"/>
                         <a:t>Breeding success probability</a:t>
                       </a:r>
-                      <a:endParaRPr lang="en-US" sz="1400" dirty="0"/>
                     </a:p>
                   </a:txBody>
                   <a:tcPr marT="34290" marB="34290" anchor="ctr"/>
                 </a:tc>
+                <a:extLst>
+                  <a:ext uri="{0D108BD9-81ED-4DB2-BD59-A6C34878D82A}">
+                    <a16:rowId xmlns:a16="http://schemas.microsoft.com/office/drawing/2014/main" val="10004"/>
+                  </a:ext>
+                </a:extLst>
               </a:tr>
             </a:tbl>
           </a:graphicData>
@@ -19433,10 +19308,9 @@
           <a:lstStyle/>
           <a:p>
             <a:r>
-              <a:rPr lang="en-US" sz="3200" dirty="0" smtClean="0"/>
+              <a:rPr lang="en-US" sz="3200" dirty="0"/>
               <a:t>Estimating fecundity</a:t>
             </a:r>
-            <a:endParaRPr lang="en-US" sz="3200" dirty="0"/>
           </a:p>
         </p:txBody>
       </p:sp>
@@ -19463,26 +19337,26 @@
           <a:lstStyle/>
           <a:p>
             <a:r>
-              <a:rPr lang="en-US" sz="2400" dirty="0" smtClean="0"/>
+              <a:rPr lang="en-US" sz="2400" dirty="0"/>
               <a:t>From a population growth perspective, recruitment into breeding population is more important than fecundity</a:t>
             </a:r>
           </a:p>
           <a:p>
             <a:pPr lvl="1"/>
             <a:r>
-              <a:rPr lang="en-US" sz="2000" dirty="0" smtClean="0"/>
+              <a:rPr lang="en-US" sz="2000" dirty="0"/>
               <a:t>A product of many events: reproductive success, juvenile survival, site fidelity/dispersal</a:t>
             </a:r>
           </a:p>
           <a:p>
             <a:r>
-              <a:rPr lang="en-US" sz="2400" dirty="0" smtClean="0"/>
+              <a:rPr lang="en-US" sz="2400" dirty="0"/>
               <a:t>Often easier to collect data on breeding success than recruitment</a:t>
             </a:r>
           </a:p>
           <a:p>
             <a:r>
-              <a:rPr lang="en-US" sz="2400" dirty="0" smtClean="0"/>
+              <a:rPr lang="en-US" sz="2400" dirty="0"/>
               <a:t>Can estimate from individual-level data (nest/den success) or population-level data (ratio of young to adults)</a:t>
             </a:r>
           </a:p>
@@ -19501,13 +19375,6 @@
   <p:clrMapOvr>
     <a:masterClrMapping/>
   </p:clrMapOvr>
-  <p:timing>
-    <p:tnLst>
-      <p:par>
-        <p:cTn id="1" dur="indefinite" restart="never" nodeType="tmRoot"/>
-      </p:par>
-    </p:tnLst>
-  </p:timing>
 </p:sld>
 </file>
 
@@ -19544,10 +19411,9 @@
           <a:lstStyle/>
           <a:p>
             <a:r>
-              <a:rPr lang="en-US" dirty="0" smtClean="0"/>
+              <a:rPr lang="en-US" dirty="0"/>
               <a:t>GLMs to estimate fecundity	</a:t>
             </a:r>
-            <a:endParaRPr lang="en-US" dirty="0"/>
           </a:p>
         </p:txBody>
       </p:sp>
@@ -19569,24 +19435,24 @@
           <a:lstStyle/>
           <a:p>
             <a:r>
-              <a:rPr lang="en-US" sz="2400" dirty="0" smtClean="0"/>
+              <a:rPr lang="en-US" sz="2400" dirty="0"/>
               <a:t>Include ecological covariates to determine important drivers of breeding success</a:t>
             </a:r>
           </a:p>
           <a:p>
             <a:r>
-              <a:rPr lang="en-US" sz="2400" dirty="0" smtClean="0"/>
+              <a:rPr lang="en-US" sz="2400" dirty="0"/>
               <a:t>Type of GLM depends on response variable</a:t>
             </a:r>
           </a:p>
           <a:p>
             <a:pPr lvl="1"/>
             <a:r>
-              <a:rPr lang="en-US" sz="2000" dirty="0" smtClean="0"/>
+              <a:rPr lang="en-US" sz="2000" dirty="0"/>
               <a:t>Number of offspring per female </a:t>
             </a:r>
             <a:r>
-              <a:rPr lang="en-US" sz="2000" dirty="0" smtClean="0">
+              <a:rPr lang="en-US" sz="2000" dirty="0">
                 <a:sym typeface="Wingdings" panose="05000000000000000000" pitchFamily="2" charset="2"/>
               </a:rPr>
               <a:t> Poisson GLM</a:t>
@@ -19595,7 +19461,7 @@
           <a:p>
             <a:pPr lvl="1"/>
             <a:r>
-              <a:rPr lang="en-US" sz="2000" dirty="0" smtClean="0">
+              <a:rPr lang="en-US" sz="2000" dirty="0">
                 <a:sym typeface="Wingdings" panose="05000000000000000000" pitchFamily="2" charset="2"/>
               </a:rPr>
               <a:t>Successful breeding (yes/no)  Binomial GLM </a:t>
@@ -19868,10 +19734,9 @@
           <a:lstStyle/>
           <a:p>
             <a:r>
-              <a:rPr lang="en-US" sz="3200" dirty="0" smtClean="0"/>
+              <a:rPr lang="en-US" sz="3200" dirty="0"/>
               <a:t>Estimating survival/mortality</a:t>
             </a:r>
-            <a:endParaRPr lang="en-US" sz="3200" dirty="0"/>
           </a:p>
         </p:txBody>
       </p:sp>
@@ -19893,11 +19758,11 @@
           <a:lstStyle/>
           <a:p>
             <a:r>
-              <a:rPr lang="en-US" sz="2400" dirty="0" smtClean="0"/>
+              <a:rPr lang="en-US" sz="2400" dirty="0"/>
               <a:t>Radio telemetry </a:t>
             </a:r>
             <a:r>
-              <a:rPr lang="en-US" sz="2400" dirty="0" smtClean="0">
+              <a:rPr lang="en-US" sz="2400" dirty="0">
                 <a:sym typeface="Wingdings" panose="05000000000000000000" pitchFamily="2" charset="2"/>
               </a:rPr>
               <a:t> known fate models</a:t>
@@ -19906,7 +19771,7 @@
           <a:p>
             <a:pPr lvl="1"/>
             <a:r>
-              <a:rPr lang="en-US" sz="2000" dirty="0" smtClean="0">
+              <a:rPr lang="en-US" sz="2000" dirty="0">
                 <a:sym typeface="Wingdings" panose="05000000000000000000" pitchFamily="2" charset="2"/>
               </a:rPr>
               <a:t>Assume perfect detection of individuals</a:t>
@@ -19914,25 +19779,25 @@
           </a:p>
           <a:p>
             <a:pPr lvl="1"/>
-            <a:endParaRPr lang="en-US" sz="2000" dirty="0" smtClean="0">
+            <a:endParaRPr lang="en-US" sz="2000" dirty="0">
               <a:sym typeface="Wingdings" panose="05000000000000000000" pitchFamily="2" charset="2"/>
             </a:endParaRPr>
           </a:p>
           <a:p>
             <a:r>
-              <a:rPr lang="en-US" sz="2400" dirty="0" smtClean="0">
+              <a:rPr lang="en-US" sz="2400" dirty="0">
                 <a:sym typeface="Wingdings" panose="05000000000000000000" pitchFamily="2" charset="2"/>
               </a:rPr>
               <a:t>Individual capture-mark-recapture  Cormack-Jolly-</a:t>
             </a:r>
             <a:r>
-              <a:rPr lang="en-US" sz="2400" dirty="0" err="1" smtClean="0">
+              <a:rPr lang="en-US" sz="2400" dirty="0" err="1">
                 <a:sym typeface="Wingdings" panose="05000000000000000000" pitchFamily="2" charset="2"/>
               </a:rPr>
               <a:t>Seber</a:t>
             </a:r>
             <a:r>
-              <a:rPr lang="en-US" sz="2400" dirty="0" smtClean="0">
+              <a:rPr lang="en-US" sz="2400" dirty="0">
                 <a:sym typeface="Wingdings" panose="05000000000000000000" pitchFamily="2" charset="2"/>
               </a:rPr>
               <a:t> (CJS) models</a:t>
@@ -19941,7 +19806,7 @@
           <a:p>
             <a:pPr lvl="1"/>
             <a:r>
-              <a:rPr lang="en-US" sz="2000" dirty="0" smtClean="0">
+              <a:rPr lang="en-US" sz="2000" dirty="0">
                 <a:sym typeface="Wingdings" panose="05000000000000000000" pitchFamily="2" charset="2"/>
               </a:rPr>
               <a:t> Data can come from a variety of sampling methods</a:t>
@@ -19950,7 +19815,7 @@
           <a:p>
             <a:pPr lvl="2"/>
             <a:r>
-              <a:rPr lang="en-US" sz="1800" dirty="0" smtClean="0">
+              <a:rPr lang="en-US" sz="1800" dirty="0">
                 <a:sym typeface="Wingdings" panose="05000000000000000000" pitchFamily="2" charset="2"/>
               </a:rPr>
               <a:t>Physical recapture (trapping array)</a:t>
@@ -19959,7 +19824,7 @@
           <a:p>
             <a:pPr lvl="2"/>
             <a:r>
-              <a:rPr lang="en-US" sz="1800" dirty="0" smtClean="0">
+              <a:rPr lang="en-US" sz="1800" dirty="0">
                 <a:sym typeface="Wingdings" panose="05000000000000000000" pitchFamily="2" charset="2"/>
               </a:rPr>
               <a:t>Photographic re-encounter (camera traps)</a:t>
@@ -19968,7 +19833,7 @@
           <a:p>
             <a:pPr lvl="2"/>
             <a:r>
-              <a:rPr lang="en-US" sz="1800" dirty="0" smtClean="0">
+              <a:rPr lang="en-US" sz="1800" dirty="0">
                 <a:sym typeface="Wingdings" panose="05000000000000000000" pitchFamily="2" charset="2"/>
               </a:rPr>
               <a:t>Re-sightings (field-readable tags, individually-identifiable marks)</a:t>
@@ -19977,7 +19842,7 @@
           <a:p>
             <a:pPr lvl="2"/>
             <a:r>
-              <a:rPr lang="en-US" sz="1800" dirty="0" smtClean="0">
+              <a:rPr lang="en-US" sz="1800" dirty="0">
                 <a:sym typeface="Wingdings" panose="05000000000000000000" pitchFamily="2" charset="2"/>
               </a:rPr>
               <a:t>Noninvasive genetic sampling (hair snares, scat collection)</a:t>
@@ -19986,19 +19851,19 @@
           <a:p>
             <a:pPr lvl="1"/>
             <a:r>
-              <a:rPr lang="en-US" sz="2000" dirty="0" smtClean="0">
+              <a:rPr lang="en-US" sz="2000" dirty="0">
                 <a:sym typeface="Wingdings" panose="05000000000000000000" pitchFamily="2" charset="2"/>
               </a:rPr>
               <a:t>Assume </a:t>
             </a:r>
             <a:r>
-              <a:rPr lang="en-US" sz="2000" b="1" dirty="0" smtClean="0">
+              <a:rPr lang="en-US" sz="2000" b="1" dirty="0">
                 <a:sym typeface="Wingdings" panose="05000000000000000000" pitchFamily="2" charset="2"/>
               </a:rPr>
               <a:t>imperfect detection </a:t>
             </a:r>
             <a:r>
-              <a:rPr lang="en-US" sz="2000" dirty="0" smtClean="0">
+              <a:rPr lang="en-US" sz="2000" dirty="0">
                 <a:sym typeface="Wingdings" panose="05000000000000000000" pitchFamily="2" charset="2"/>
               </a:rPr>
               <a:t>of individuals</a:t>
@@ -20016,13 +19881,6 @@
   <p:clrMapOvr>
     <a:masterClrMapping/>
   </p:clrMapOvr>
-  <p:timing>
-    <p:tnLst>
-      <p:par>
-        <p:cTn id="1" dur="indefinite" restart="never" nodeType="tmRoot"/>
-      </p:par>
-    </p:tnLst>
-  </p:timing>
 </p:sld>
 </file>
 
@@ -20059,10 +19917,9 @@
           <a:lstStyle/>
           <a:p>
             <a:r>
-              <a:rPr lang="en-US" dirty="0" smtClean="0"/>
+              <a:rPr lang="en-US" dirty="0"/>
               <a:t>Matrix models for age- or stage-structure</a:t>
             </a:r>
-            <a:endParaRPr lang="en-US" dirty="0"/>
           </a:p>
         </p:txBody>
       </p:sp>
@@ -20089,14 +19946,14 @@
           <a:lstStyle/>
           <a:p>
             <a:r>
-              <a:rPr lang="en-US" dirty="0" smtClean="0"/>
+              <a:rPr lang="en-US" dirty="0"/>
               <a:t>When vital rates vary by age or stage (e.g. size), matrix models are used to present and analyze demographics</a:t>
             </a:r>
           </a:p>
           <a:p>
             <a:pPr lvl="1"/>
             <a:r>
-              <a:rPr lang="en-US" dirty="0" smtClean="0"/>
+              <a:rPr lang="en-US" dirty="0"/>
               <a:t>Individuals always advance linearly through stages (they can’t shrink or become younger)</a:t>
             </a:r>
           </a:p>
@@ -20139,10 +19996,9 @@
           <a:p>
             <a:pPr algn="ctr"/>
             <a:r>
-              <a:rPr lang="en-US" dirty="0" smtClean="0"/>
+              <a:rPr lang="en-US" dirty="0"/>
               <a:t>Young of the year</a:t>
             </a:r>
-            <a:endParaRPr lang="en-US" dirty="0"/>
           </a:p>
         </p:txBody>
       </p:sp>
@@ -20183,10 +20039,9 @@
           <a:p>
             <a:pPr algn="ctr"/>
             <a:r>
-              <a:rPr lang="en-US" dirty="0" smtClean="0"/>
+              <a:rPr lang="en-US" dirty="0"/>
               <a:t>Juveniles</a:t>
             </a:r>
-            <a:endParaRPr lang="en-US" dirty="0"/>
           </a:p>
         </p:txBody>
       </p:sp>
@@ -20227,10 +20082,9 @@
           <a:p>
             <a:pPr algn="ctr"/>
             <a:r>
-              <a:rPr lang="en-US" dirty="0" smtClean="0"/>
+              <a:rPr lang="en-US" dirty="0"/>
               <a:t>Adults</a:t>
             </a:r>
-            <a:endParaRPr lang="en-US" dirty="0"/>
           </a:p>
         </p:txBody>
       </p:sp>
@@ -20354,13 +20208,6 @@
   <p:clrMapOvr>
     <a:masterClrMapping/>
   </p:clrMapOvr>
-  <p:timing>
-    <p:tnLst>
-      <p:par>
-        <p:cTn id="1" dur="indefinite" restart="never" nodeType="tmRoot"/>
-      </p:par>
-    </p:tnLst>
-  </p:timing>
 </p:sld>
 </file>
 
@@ -20418,10 +20265,9 @@
           <a:p>
             <a:pPr algn="ctr"/>
             <a:r>
-              <a:rPr lang="en-US" dirty="0" smtClean="0"/>
+              <a:rPr lang="en-US" dirty="0"/>
               <a:t>Young of the year</a:t>
             </a:r>
-            <a:endParaRPr lang="en-US" dirty="0"/>
           </a:p>
         </p:txBody>
       </p:sp>
@@ -20462,10 +20308,9 @@
           <a:p>
             <a:pPr algn="ctr"/>
             <a:r>
-              <a:rPr lang="en-US" dirty="0" smtClean="0"/>
+              <a:rPr lang="en-US" dirty="0"/>
               <a:t>Juveniles</a:t>
             </a:r>
-            <a:endParaRPr lang="en-US" dirty="0"/>
           </a:p>
         </p:txBody>
       </p:sp>
@@ -20506,10 +20351,9 @@
           <a:p>
             <a:pPr algn="ctr"/>
             <a:r>
-              <a:rPr lang="en-US" dirty="0" smtClean="0"/>
+              <a:rPr lang="en-US" dirty="0"/>
               <a:t>Adults</a:t>
             </a:r>
-            <a:endParaRPr lang="en-US" dirty="0"/>
           </a:p>
         </p:txBody>
       </p:sp>
@@ -20658,7 +20502,7 @@
                         <m:sSubPr>
                           <m:ctrlPr>
                             <a:rPr lang="en-US" sz="2000" i="1" smtClean="0">
-                              <a:latin typeface="Cambria Math"/>
+                              <a:latin typeface="Cambria Math" panose="02040503050406030204" pitchFamily="18" charset="0"/>
                             </a:rPr>
                           </m:ctrlPr>
                         </m:sSubPr>
@@ -20761,7 +20605,7 @@
                         <m:sSubPr>
                           <m:ctrlPr>
                             <a:rPr lang="en-US" sz="2000" i="1" smtClean="0">
-                              <a:latin typeface="Cambria Math"/>
+                              <a:latin typeface="Cambria Math" panose="02040503050406030204" pitchFamily="18" charset="0"/>
                             </a:rPr>
                           </m:ctrlPr>
                         </m:sSubPr>
@@ -20864,7 +20708,7 @@
                         <m:sSubPr>
                           <m:ctrlPr>
                             <a:rPr lang="en-US" sz="2000" i="1" smtClean="0">
-                              <a:latin typeface="Cambria Math"/>
+                              <a:latin typeface="Cambria Math" panose="02040503050406030204" pitchFamily="18" charset="0"/>
                             </a:rPr>
                           </m:ctrlPr>
                         </m:sSubPr>
@@ -20962,7 +20806,7 @@
                           <m:endChr m:val="]"/>
                           <m:ctrlPr>
                             <a:rPr lang="en-US" sz="2400" i="1" smtClean="0">
-                              <a:latin typeface="Cambria Math"/>
+                              <a:latin typeface="Cambria Math" panose="02040503050406030204" pitchFamily="18" charset="0"/>
                             </a:rPr>
                           </m:ctrlPr>
                         </m:dPr>
@@ -20979,7 +20823,7 @@
                               </m:mcs>
                               <m:ctrlPr>
                                 <a:rPr lang="en-US" sz="2400" i="1" smtClean="0">
-                                  <a:latin typeface="Cambria Math"/>
+                                  <a:latin typeface="Cambria Math" panose="02040503050406030204" pitchFamily="18" charset="0"/>
                                 </a:rPr>
                               </m:ctrlPr>
                             </m:mPr>
@@ -21018,7 +20862,7 @@
                                   <m:sSubPr>
                                     <m:ctrlPr>
                                       <a:rPr lang="en-US" sz="2400" i="1">
-                                        <a:latin typeface="Cambria Math"/>
+                                        <a:latin typeface="Cambria Math" panose="02040503050406030204" pitchFamily="18" charset="0"/>
                                       </a:rPr>
                                     </m:ctrlPr>
                                   </m:sSubPr>
@@ -21071,7 +20915,7 @@
                                   <m:sSubPr>
                                     <m:ctrlPr>
                                       <a:rPr lang="en-US" sz="2400" i="1">
-                                        <a:latin typeface="Cambria Math"/>
+                                        <a:latin typeface="Cambria Math" panose="02040503050406030204" pitchFamily="18" charset="0"/>
                                       </a:rPr>
                                     </m:ctrlPr>
                                   </m:sSubPr>
@@ -21175,18 +21019,17 @@
           <a:lstStyle/>
           <a:p>
             <a:r>
-              <a:rPr lang="en-US" dirty="0" smtClean="0"/>
+              <a:rPr lang="en-US" dirty="0"/>
               <a:t>In each year, what proportion of the individuals in stage [</a:t>
             </a:r>
             <a:r>
-              <a:rPr lang="en-US" i="1" dirty="0" smtClean="0"/>
+              <a:rPr lang="en-US" i="1" dirty="0"/>
               <a:t>column number</a:t>
             </a:r>
             <a:r>
-              <a:rPr lang="en-US" dirty="0" smtClean="0"/>
+              <a:rPr lang="en-US" dirty="0"/>
               <a:t>]… </a:t>
             </a:r>
-            <a:endParaRPr lang="en-US" dirty="0"/>
           </a:p>
         </p:txBody>
       </p:sp>
@@ -21213,22 +21056,17 @@
           <a:lstStyle/>
           <a:p>
             <a:r>
-              <a:rPr lang="en-US" dirty="0" smtClean="0"/>
+              <a:rPr lang="en-US" dirty="0"/>
               <a:t>Transition into stage [</a:t>
             </a:r>
             <a:r>
-              <a:rPr lang="en-US" i="1" dirty="0" smtClean="0"/>
+              <a:rPr lang="en-US" i="1" dirty="0"/>
               <a:t>row number</a:t>
             </a:r>
             <a:r>
               <a:rPr lang="en-US" dirty="0"/>
-              <a:t>]</a:t>
-            </a:r>
-            <a:r>
-              <a:rPr lang="en-US" dirty="0" smtClean="0"/>
-              <a:t> </a:t>
-            </a:r>
-            <a:endParaRPr lang="en-US" dirty="0"/>
+              <a:t>] </a:t>
+            </a:r>
           </a:p>
         </p:txBody>
       </p:sp>
@@ -22120,7 +21958,7 @@
   <a:extraClrSchemeLst/>
   <a:extLst>
     <a:ext uri="{05A4C25C-085E-4340-85A3-A5531E510DB2}">
-      <thm15:themeFamily xmlns="" xmlns:thm15="http://schemas.microsoft.com/office/thememl/2012/main" name="Presentation1" id="{A72458EE-BFF9-468A-8464-DFD913327021}" vid="{7EB1F43D-0D6C-4939-8000-7D7E4F656E14}"/>
+      <thm15:themeFamily xmlns:thm15="http://schemas.microsoft.com/office/thememl/2012/main" name="Presentation1" id="{A72458EE-BFF9-468A-8464-DFD913327021}" vid="{7EB1F43D-0D6C-4939-8000-7D7E4F656E14}"/>
     </a:ext>
   </a:extLst>
 </a:theme>

--- a/static/lectures/SSA_Lecture5_DemoData.pptx
+++ b/static/lectures/SSA_Lecture5_DemoData.pptx
@@ -6,7 +6,7 @@
     <p:sldMasterId id="2147483702" r:id="rId2"/>
   </p:sldMasterIdLst>
   <p:notesMasterIdLst>
-    <p:notesMasterId r:id="rId25"/>
+    <p:notesMasterId r:id="rId26"/>
   </p:notesMasterIdLst>
   <p:sldIdLst>
     <p:sldId id="256" r:id="rId3"/>
@@ -16,21 +16,22 @@
     <p:sldId id="271" r:id="rId7"/>
     <p:sldId id="298" r:id="rId8"/>
     <p:sldId id="263" r:id="rId9"/>
-    <p:sldId id="288" r:id="rId10"/>
-    <p:sldId id="289" r:id="rId11"/>
-    <p:sldId id="292" r:id="rId12"/>
-    <p:sldId id="290" r:id="rId13"/>
-    <p:sldId id="291" r:id="rId14"/>
-    <p:sldId id="299" r:id="rId15"/>
-    <p:sldId id="300" r:id="rId16"/>
-    <p:sldId id="281" r:id="rId17"/>
-    <p:sldId id="270" r:id="rId18"/>
-    <p:sldId id="277" r:id="rId19"/>
-    <p:sldId id="293" r:id="rId20"/>
-    <p:sldId id="296" r:id="rId21"/>
-    <p:sldId id="297" r:id="rId22"/>
-    <p:sldId id="295" r:id="rId23"/>
-    <p:sldId id="294" r:id="rId24"/>
+    <p:sldId id="264" r:id="rId10"/>
+    <p:sldId id="288" r:id="rId11"/>
+    <p:sldId id="289" r:id="rId12"/>
+    <p:sldId id="292" r:id="rId13"/>
+    <p:sldId id="290" r:id="rId14"/>
+    <p:sldId id="291" r:id="rId15"/>
+    <p:sldId id="299" r:id="rId16"/>
+    <p:sldId id="300" r:id="rId17"/>
+    <p:sldId id="281" r:id="rId18"/>
+    <p:sldId id="270" r:id="rId19"/>
+    <p:sldId id="277" r:id="rId20"/>
+    <p:sldId id="293" r:id="rId21"/>
+    <p:sldId id="296" r:id="rId22"/>
+    <p:sldId id="297" r:id="rId23"/>
+    <p:sldId id="295" r:id="rId24"/>
+    <p:sldId id="294" r:id="rId25"/>
   </p:sldIdLst>
   <p:sldSz cx="9144000" cy="5143500" type="screen16x9"/>
   <p:notesSz cx="6858000" cy="9144000"/>
@@ -230,7 +231,7 @@
           <a:p>
             <a:fld id="{05B76329-9BDE-43DA-A433-FD89407A2D9A}" type="datetimeFigureOut">
               <a:rPr lang="en-US" smtClean="0"/>
-              <a:t>10/22/2018</a:t>
+              <a:t>10/23/2018</a:t>
             </a:fld>
             <a:endParaRPr lang="en-US"/>
           </a:p>
@@ -737,13 +738,8 @@
           <a:p>
             <a:r>
               <a:rPr lang="en-US" dirty="0"/>
-              <a:t>By calculating</a:t>
-            </a:r>
-            <a:r>
-              <a:rPr lang="en-US" baseline="0" dirty="0"/>
-              <a:t> the elasticity of each vital </a:t>
-            </a:r>
-            <a:endParaRPr lang="en-US" dirty="0"/>
+              <a:t>What kind of regression is the core of survival analysis?</a:t>
+            </a:r>
           </a:p>
         </p:txBody>
       </p:sp>
@@ -754,7 +750,7 @@
             <a:spLocks noGrp="1"/>
           </p:cNvSpPr>
           <p:nvPr>
-            <p:ph type="sldNum" sz="quarter" idx="10"/>
+            <p:ph type="sldNum" sz="quarter" idx="5"/>
           </p:nvPr>
         </p:nvSpPr>
         <p:spPr/>
@@ -764,7 +760,7 @@
           <a:p>
             <a:fld id="{F098C6FC-3E98-44B4-909C-A72537908990}" type="slidenum">
               <a:rPr lang="en-US" smtClean="0"/>
-              <a:t>14</a:t>
+              <a:t>7</a:t>
             </a:fld>
             <a:endParaRPr lang="en-US"/>
           </a:p>
@@ -773,7 +769,7 @@
     </p:spTree>
     <p:extLst>
       <p:ext uri="{BB962C8B-B14F-4D97-AF65-F5344CB8AC3E}">
-        <p14:creationId xmlns:p14="http://schemas.microsoft.com/office/powerpoint/2010/main" val="3181350478"/>
+        <p14:creationId xmlns:p14="http://schemas.microsoft.com/office/powerpoint/2010/main" val="3111862229"/>
       </p:ext>
     </p:extLst>
   </p:cSld>
@@ -810,12 +806,7 @@
             <p:ph type="sldImg"/>
           </p:nvPr>
         </p:nvSpPr>
-        <p:spPr>
-          <a:xfrm>
-            <a:off x="381000" y="685800"/>
-            <a:ext cx="6096000" cy="3429000"/>
-          </a:xfrm>
-        </p:spPr>
+        <p:spPr/>
       </p:sp>
       <p:sp>
         <p:nvSpPr>
@@ -832,6 +823,14 @@
           <a:bodyPr/>
           <a:lstStyle/>
           <a:p>
+            <a:r>
+              <a:rPr lang="en-US" dirty="0"/>
+              <a:t>By calculating</a:t>
+            </a:r>
+            <a:r>
+              <a:rPr lang="en-US" baseline="0" dirty="0"/>
+              <a:t> the elasticity of each vital </a:t>
+            </a:r>
             <a:endParaRPr lang="en-US" dirty="0"/>
           </a:p>
         </p:txBody>
@@ -862,7 +861,7 @@
     </p:spTree>
     <p:extLst>
       <p:ext uri="{BB962C8B-B14F-4D97-AF65-F5344CB8AC3E}">
-        <p14:creationId xmlns:p14="http://schemas.microsoft.com/office/powerpoint/2010/main" val="3856002527"/>
+        <p14:creationId xmlns:p14="http://schemas.microsoft.com/office/powerpoint/2010/main" val="3181350478"/>
       </p:ext>
     </p:extLst>
   </p:cSld>
@@ -988,7 +987,12 @@
             <p:ph type="sldImg"/>
           </p:nvPr>
         </p:nvSpPr>
-        <p:spPr/>
+        <p:spPr>
+          <a:xfrm>
+            <a:off x="381000" y="685800"/>
+            <a:ext cx="6096000" cy="3429000"/>
+          </a:xfrm>
+        </p:spPr>
       </p:sp>
       <p:sp>
         <p:nvSpPr>
@@ -1016,6 +1020,90 @@
             <a:spLocks noGrp="1"/>
           </p:cNvSpPr>
           <p:nvPr>
+            <p:ph type="sldNum" sz="quarter" idx="10"/>
+          </p:nvPr>
+        </p:nvSpPr>
+        <p:spPr/>
+        <p:txBody>
+          <a:bodyPr/>
+          <a:lstStyle/>
+          <a:p>
+            <a:fld id="{F098C6FC-3E98-44B4-909C-A72537908990}" type="slidenum">
+              <a:rPr lang="en-US" smtClean="0"/>
+              <a:t>17</a:t>
+            </a:fld>
+            <a:endParaRPr lang="en-US"/>
+          </a:p>
+        </p:txBody>
+      </p:sp>
+    </p:spTree>
+    <p:extLst>
+      <p:ext uri="{BB962C8B-B14F-4D97-AF65-F5344CB8AC3E}">
+        <p14:creationId xmlns:p14="http://schemas.microsoft.com/office/powerpoint/2010/main" val="3856002527"/>
+      </p:ext>
+    </p:extLst>
+  </p:cSld>
+  <p:clrMapOvr>
+    <a:masterClrMapping/>
+  </p:clrMapOvr>
+</p:notes>
+</file>
+
+<file path=ppt/notesSlides/notesSlide7.xml><?xml version="1.0" encoding="utf-8"?>
+<p:notes xmlns:a="http://schemas.openxmlformats.org/drawingml/2006/main" xmlns:r="http://schemas.openxmlformats.org/officeDocument/2006/relationships" xmlns:p="http://schemas.openxmlformats.org/presentationml/2006/main">
+  <p:cSld>
+    <p:spTree>
+      <p:nvGrpSpPr>
+        <p:cNvPr id="1" name=""/>
+        <p:cNvGrpSpPr/>
+        <p:nvPr/>
+      </p:nvGrpSpPr>
+      <p:grpSpPr>
+        <a:xfrm>
+          <a:off x="0" y="0"/>
+          <a:ext cx="0" cy="0"/>
+          <a:chOff x="0" y="0"/>
+          <a:chExt cx="0" cy="0"/>
+        </a:xfrm>
+      </p:grpSpPr>
+      <p:sp>
+        <p:nvSpPr>
+          <p:cNvPr id="2" name="Slide Image Placeholder 1"/>
+          <p:cNvSpPr>
+            <a:spLocks noGrp="1" noRot="1" noChangeAspect="1"/>
+          </p:cNvSpPr>
+          <p:nvPr>
+            <p:ph type="sldImg"/>
+          </p:nvPr>
+        </p:nvSpPr>
+        <p:spPr/>
+      </p:sp>
+      <p:sp>
+        <p:nvSpPr>
+          <p:cNvPr id="3" name="Notes Placeholder 2"/>
+          <p:cNvSpPr>
+            <a:spLocks noGrp="1"/>
+          </p:cNvSpPr>
+          <p:nvPr>
+            <p:ph type="body" idx="1"/>
+          </p:nvPr>
+        </p:nvSpPr>
+        <p:spPr/>
+        <p:txBody>
+          <a:bodyPr/>
+          <a:lstStyle/>
+          <a:p>
+            <a:endParaRPr lang="en-US" dirty="0"/>
+          </a:p>
+        </p:txBody>
+      </p:sp>
+      <p:sp>
+        <p:nvSpPr>
+          <p:cNvPr id="4" name="Slide Number Placeholder 3"/>
+          <p:cNvSpPr>
+            <a:spLocks noGrp="1"/>
+          </p:cNvSpPr>
+          <p:nvPr>
             <p:ph type="sldNum" sz="quarter" idx="5"/>
           </p:nvPr>
         </p:nvSpPr>
@@ -1026,7 +1114,7 @@
           <a:p>
             <a:fld id="{F098C6FC-3E98-44B4-909C-A72537908990}" type="slidenum">
               <a:rPr lang="en-US" smtClean="0"/>
-              <a:t>18</a:t>
+              <a:t>19</a:t>
             </a:fld>
             <a:endParaRPr lang="en-US"/>
           </a:p>
@@ -1412,7 +1500,7 @@
           <a:p>
             <a:fld id="{DC01BBA9-561A-4EFE-A06C-26F8206AAA61}" type="datetimeFigureOut">
               <a:rPr lang="en-US" smtClean="0"/>
-              <a:t>10/22/2018</a:t>
+              <a:t>10/23/2018</a:t>
             </a:fld>
             <a:endParaRPr lang="en-US"/>
           </a:p>
@@ -1636,7 +1724,7 @@
           <a:p>
             <a:fld id="{DC01BBA9-561A-4EFE-A06C-26F8206AAA61}" type="datetimeFigureOut">
               <a:rPr lang="en-US" smtClean="0"/>
-              <a:t>10/22/2018</a:t>
+              <a:t>10/23/2018</a:t>
             </a:fld>
             <a:endParaRPr lang="en-US"/>
           </a:p>
@@ -1896,7 +1984,7 @@
           <a:p>
             <a:fld id="{589E5873-CF7F-45F3-B283-E59B1D6F242C}" type="datetimeFigureOut">
               <a:rPr lang="en-US" smtClean="0"/>
-              <a:t>10/22/2018</a:t>
+              <a:t>10/23/2018</a:t>
             </a:fld>
             <a:endParaRPr lang="en-US"/>
           </a:p>
@@ -2064,7 +2152,7 @@
           <a:p>
             <a:fld id="{589E5873-CF7F-45F3-B283-E59B1D6F242C}" type="datetimeFigureOut">
               <a:rPr lang="en-US" smtClean="0"/>
-              <a:t>10/22/2018</a:t>
+              <a:t>10/23/2018</a:t>
             </a:fld>
             <a:endParaRPr lang="en-US"/>
           </a:p>
@@ -2309,7 +2397,7 @@
           <a:p>
             <a:fld id="{589E5873-CF7F-45F3-B283-E59B1D6F242C}" type="datetimeFigureOut">
               <a:rPr lang="en-US" smtClean="0"/>
-              <a:t>10/22/2018</a:t>
+              <a:t>10/23/2018</a:t>
             </a:fld>
             <a:endParaRPr lang="en-US"/>
           </a:p>
@@ -2594,7 +2682,7 @@
           <a:p>
             <a:fld id="{589E5873-CF7F-45F3-B283-E59B1D6F242C}" type="datetimeFigureOut">
               <a:rPr lang="en-US" smtClean="0"/>
-              <a:t>10/22/2018</a:t>
+              <a:t>10/23/2018</a:t>
             </a:fld>
             <a:endParaRPr lang="en-US"/>
           </a:p>
@@ -3013,7 +3101,7 @@
           <a:p>
             <a:fld id="{589E5873-CF7F-45F3-B283-E59B1D6F242C}" type="datetimeFigureOut">
               <a:rPr lang="en-US" smtClean="0"/>
-              <a:t>10/22/2018</a:t>
+              <a:t>10/23/2018</a:t>
             </a:fld>
             <a:endParaRPr lang="en-US"/>
           </a:p>
@@ -3130,7 +3218,7 @@
           <a:p>
             <a:fld id="{589E5873-CF7F-45F3-B283-E59B1D6F242C}" type="datetimeFigureOut">
               <a:rPr lang="en-US" smtClean="0"/>
-              <a:t>10/22/2018</a:t>
+              <a:t>10/23/2018</a:t>
             </a:fld>
             <a:endParaRPr lang="en-US"/>
           </a:p>
@@ -3225,7 +3313,7 @@
           <a:p>
             <a:fld id="{589E5873-CF7F-45F3-B283-E59B1D6F242C}" type="datetimeFigureOut">
               <a:rPr lang="en-US" smtClean="0"/>
-              <a:t>10/22/2018</a:t>
+              <a:t>10/23/2018</a:t>
             </a:fld>
             <a:endParaRPr lang="en-US"/>
           </a:p>
@@ -3500,7 +3588,7 @@
           <a:p>
             <a:fld id="{589E5873-CF7F-45F3-B283-E59B1D6F242C}" type="datetimeFigureOut">
               <a:rPr lang="en-US" smtClean="0"/>
-              <a:t>10/22/2018</a:t>
+              <a:t>10/23/2018</a:t>
             </a:fld>
             <a:endParaRPr lang="en-US"/>
           </a:p>
@@ -4001,7 +4089,7 @@
           <a:p>
             <a:fld id="{589E5873-CF7F-45F3-B283-E59B1D6F242C}" type="datetimeFigureOut">
               <a:rPr lang="en-US" smtClean="0"/>
-              <a:t>10/22/2018</a:t>
+              <a:t>10/23/2018</a:t>
             </a:fld>
             <a:endParaRPr lang="en-US"/>
           </a:p>
@@ -4169,7 +4257,7 @@
           <a:p>
             <a:fld id="{589E5873-CF7F-45F3-B283-E59B1D6F242C}" type="datetimeFigureOut">
               <a:rPr lang="en-US" smtClean="0"/>
-              <a:t>10/22/2018</a:t>
+              <a:t>10/23/2018</a:t>
             </a:fld>
             <a:endParaRPr lang="en-US"/>
           </a:p>
@@ -4347,7 +4435,7 @@
           <a:p>
             <a:fld id="{589E5873-CF7F-45F3-B283-E59B1D6F242C}" type="datetimeFigureOut">
               <a:rPr lang="en-US" smtClean="0"/>
-              <a:t>10/22/2018</a:t>
+              <a:t>10/23/2018</a:t>
             </a:fld>
             <a:endParaRPr lang="en-US"/>
           </a:p>
@@ -4618,7 +4706,7 @@
           <a:p>
             <a:fld id="{DC01BBA9-561A-4EFE-A06C-26F8206AAA61}" type="datetimeFigureOut">
               <a:rPr lang="en-US" smtClean="0"/>
-              <a:t>10/22/2018</a:t>
+              <a:t>10/23/2018</a:t>
             </a:fld>
             <a:endParaRPr lang="en-US"/>
           </a:p>
@@ -4899,7 +4987,7 @@
           <a:p>
             <a:fld id="{DC01BBA9-561A-4EFE-A06C-26F8206AAA61}" type="datetimeFigureOut">
               <a:rPr lang="en-US" smtClean="0"/>
-              <a:t>10/22/2018</a:t>
+              <a:t>10/23/2018</a:t>
             </a:fld>
             <a:endParaRPr lang="en-US"/>
           </a:p>
@@ -5327,7 +5415,7 @@
           <a:p>
             <a:fld id="{DC01BBA9-561A-4EFE-A06C-26F8206AAA61}" type="datetimeFigureOut">
               <a:rPr lang="en-US" smtClean="0"/>
-              <a:t>10/22/2018</a:t>
+              <a:t>10/23/2018</a:t>
             </a:fld>
             <a:endParaRPr lang="en-US"/>
           </a:p>
@@ -5484,7 +5572,7 @@
           <a:p>
             <a:fld id="{DC01BBA9-561A-4EFE-A06C-26F8206AAA61}" type="datetimeFigureOut">
               <a:rPr lang="en-US" smtClean="0"/>
-              <a:t>10/22/2018</a:t>
+              <a:t>10/23/2018</a:t>
             </a:fld>
             <a:endParaRPr lang="en-US"/>
           </a:p>
@@ -5613,7 +5701,7 @@
           <a:p>
             <a:fld id="{DC01BBA9-561A-4EFE-A06C-26F8206AAA61}" type="datetimeFigureOut">
               <a:rPr lang="en-US" smtClean="0"/>
-              <a:t>10/22/2018</a:t>
+              <a:t>10/23/2018</a:t>
             </a:fld>
             <a:endParaRPr lang="en-US"/>
           </a:p>
@@ -5940,7 +6028,7 @@
           <a:p>
             <a:fld id="{DC01BBA9-561A-4EFE-A06C-26F8206AAA61}" type="datetimeFigureOut">
               <a:rPr lang="en-US" smtClean="0"/>
-              <a:t>10/22/2018</a:t>
+              <a:t>10/23/2018</a:t>
             </a:fld>
             <a:endParaRPr lang="en-US"/>
           </a:p>
@@ -6247,7 +6335,7 @@
           <a:p>
             <a:fld id="{DC01BBA9-561A-4EFE-A06C-26F8206AAA61}" type="datetimeFigureOut">
               <a:rPr lang="en-US" smtClean="0"/>
-              <a:t>10/22/2018</a:t>
+              <a:t>10/23/2018</a:t>
             </a:fld>
             <a:endParaRPr lang="en-US"/>
           </a:p>
@@ -7045,7 +7133,7 @@
           <a:p>
             <a:fld id="{589E5873-CF7F-45F3-B283-E59B1D6F242C}" type="datetimeFigureOut">
               <a:rPr lang="en-US" smtClean="0"/>
-              <a:t>10/22/2018</a:t>
+              <a:t>10/23/2018</a:t>
             </a:fld>
             <a:endParaRPr lang="en-US"/>
           </a:p>
@@ -7506,79 +7594,1442 @@
       </p:grpSpPr>
       <p:sp>
         <p:nvSpPr>
-          <p:cNvPr id="2" name="Title 1"/>
-          <p:cNvSpPr>
-            <a:spLocks noGrp="1"/>
-          </p:cNvSpPr>
-          <p:nvPr>
-            <p:ph type="title"/>
-          </p:nvPr>
-        </p:nvSpPr>
-        <p:spPr/>
-        <p:txBody>
-          <a:bodyPr/>
+          <p:cNvPr id="5" name="Oval 4"/>
+          <p:cNvSpPr/>
+          <p:nvPr/>
+        </p:nvSpPr>
+        <p:spPr>
+          <a:xfrm>
+            <a:off x="1447800" y="3181350"/>
+            <a:ext cx="1371600" cy="990600"/>
+          </a:xfrm>
+          <a:prstGeom prst="ellipse">
+            <a:avLst/>
+          </a:prstGeom>
+        </p:spPr>
+        <p:style>
+          <a:lnRef idx="2">
+            <a:schemeClr val="accent1">
+              <a:shade val="50000"/>
+            </a:schemeClr>
+          </a:lnRef>
+          <a:fillRef idx="1">
+            <a:schemeClr val="accent1"/>
+          </a:fillRef>
+          <a:effectRef idx="0">
+            <a:schemeClr val="accent1"/>
+          </a:effectRef>
+          <a:fontRef idx="minor">
+            <a:schemeClr val="lt1"/>
+          </a:fontRef>
+        </p:style>
+        <p:txBody>
+          <a:bodyPr rtlCol="0" anchor="ctr"/>
           <a:lstStyle/>
           <a:p>
+            <a:pPr algn="ctr"/>
             <a:r>
               <a:rPr lang="en-US" dirty="0"/>
-              <a:t>Building a matrix model</a:t>
-            </a:r>
-          </a:p>
-        </p:txBody>
-      </p:sp>
-      <p:sp>
-        <p:nvSpPr>
-          <p:cNvPr id="3" name="Content Placeholder 2"/>
-          <p:cNvSpPr>
-            <a:spLocks noGrp="1"/>
-          </p:cNvSpPr>
-          <p:nvPr>
-            <p:ph idx="1"/>
-          </p:nvPr>
-        </p:nvSpPr>
-        <p:spPr/>
-        <p:txBody>
-          <a:bodyPr/>
+              <a:t>Young of the year</a:t>
+            </a:r>
+          </a:p>
+        </p:txBody>
+      </p:sp>
+      <p:sp>
+        <p:nvSpPr>
+          <p:cNvPr id="6" name="Oval 5"/>
+          <p:cNvSpPr/>
+          <p:nvPr/>
+        </p:nvSpPr>
+        <p:spPr>
+          <a:xfrm>
+            <a:off x="3810000" y="3181350"/>
+            <a:ext cx="1447800" cy="990600"/>
+          </a:xfrm>
+          <a:prstGeom prst="ellipse">
+            <a:avLst/>
+          </a:prstGeom>
+        </p:spPr>
+        <p:style>
+          <a:lnRef idx="2">
+            <a:schemeClr val="accent1">
+              <a:shade val="50000"/>
+            </a:schemeClr>
+          </a:lnRef>
+          <a:fillRef idx="1">
+            <a:schemeClr val="accent1"/>
+          </a:fillRef>
+          <a:effectRef idx="0">
+            <a:schemeClr val="accent1"/>
+          </a:effectRef>
+          <a:fontRef idx="minor">
+            <a:schemeClr val="lt1"/>
+          </a:fontRef>
+        </p:style>
+        <p:txBody>
+          <a:bodyPr rtlCol="0" anchor="ctr"/>
           <a:lstStyle/>
           <a:p>
+            <a:pPr algn="ctr"/>
             <a:r>
               <a:rPr lang="en-US" dirty="0"/>
-              <a:t>Can use combination of methods to fill in vital rates</a:t>
-            </a:r>
-          </a:p>
-          <a:p>
-            <a:pPr lvl="1"/>
+              <a:t>Juveniles</a:t>
+            </a:r>
+          </a:p>
+        </p:txBody>
+      </p:sp>
+      <p:sp>
+        <p:nvSpPr>
+          <p:cNvPr id="7" name="Oval 6"/>
+          <p:cNvSpPr/>
+          <p:nvPr/>
+        </p:nvSpPr>
+        <p:spPr>
+          <a:xfrm>
+            <a:off x="6438900" y="3181350"/>
+            <a:ext cx="1371600" cy="990600"/>
+          </a:xfrm>
+          <a:prstGeom prst="ellipse">
+            <a:avLst/>
+          </a:prstGeom>
+        </p:spPr>
+        <p:style>
+          <a:lnRef idx="2">
+            <a:schemeClr val="accent1">
+              <a:shade val="50000"/>
+            </a:schemeClr>
+          </a:lnRef>
+          <a:fillRef idx="1">
+            <a:schemeClr val="accent1"/>
+          </a:fillRef>
+          <a:effectRef idx="0">
+            <a:schemeClr val="accent1"/>
+          </a:effectRef>
+          <a:fontRef idx="minor">
+            <a:schemeClr val="lt1"/>
+          </a:fontRef>
+        </p:style>
+        <p:txBody>
+          <a:bodyPr rtlCol="0" anchor="ctr"/>
+          <a:lstStyle/>
+          <a:p>
+            <a:pPr algn="ctr"/>
             <a:r>
               <a:rPr lang="en-US" dirty="0"/>
-              <a:t>Published in the literature</a:t>
-            </a:r>
-          </a:p>
-          <a:p>
-            <a:pPr lvl="1"/>
+              <a:t>Adults</a:t>
+            </a:r>
+          </a:p>
+        </p:txBody>
+      </p:sp>
+      <p:cxnSp>
+        <p:nvCxnSpPr>
+          <p:cNvPr id="8" name="Straight Arrow Connector 7"/>
+          <p:cNvCxnSpPr>
+            <a:stCxn id="5" idx="6"/>
+            <a:endCxn id="6" idx="2"/>
+          </p:cNvCxnSpPr>
+          <p:nvPr/>
+        </p:nvCxnSpPr>
+        <p:spPr>
+          <a:xfrm>
+            <a:off x="2819400" y="3676650"/>
+            <a:ext cx="990600" cy="0"/>
+          </a:xfrm>
+          <a:prstGeom prst="straightConnector1">
+            <a:avLst/>
+          </a:prstGeom>
+          <a:ln w="38100">
+            <a:tailEnd type="arrow"/>
+          </a:ln>
+        </p:spPr>
+        <p:style>
+          <a:lnRef idx="1">
+            <a:schemeClr val="accent1"/>
+          </a:lnRef>
+          <a:fillRef idx="0">
+            <a:schemeClr val="accent1"/>
+          </a:fillRef>
+          <a:effectRef idx="0">
+            <a:schemeClr val="accent1"/>
+          </a:effectRef>
+          <a:fontRef idx="minor">
+            <a:schemeClr val="tx1"/>
+          </a:fontRef>
+        </p:style>
+      </p:cxnSp>
+      <p:cxnSp>
+        <p:nvCxnSpPr>
+          <p:cNvPr id="9" name="Straight Arrow Connector 8"/>
+          <p:cNvCxnSpPr>
+            <a:stCxn id="6" idx="6"/>
+            <a:endCxn id="7" idx="2"/>
+          </p:cNvCxnSpPr>
+          <p:nvPr/>
+        </p:nvCxnSpPr>
+        <p:spPr>
+          <a:xfrm>
+            <a:off x="5257800" y="3676650"/>
+            <a:ext cx="1181100" cy="0"/>
+          </a:xfrm>
+          <a:prstGeom prst="straightConnector1">
+            <a:avLst/>
+          </a:prstGeom>
+          <a:ln w="38100">
+            <a:tailEnd type="arrow"/>
+          </a:ln>
+        </p:spPr>
+        <p:style>
+          <a:lnRef idx="1">
+            <a:schemeClr val="accent1"/>
+          </a:lnRef>
+          <a:fillRef idx="0">
+            <a:schemeClr val="accent1"/>
+          </a:fillRef>
+          <a:effectRef idx="0">
+            <a:schemeClr val="accent1"/>
+          </a:effectRef>
+          <a:fontRef idx="minor">
+            <a:schemeClr val="tx1"/>
+          </a:fontRef>
+        </p:style>
+      </p:cxnSp>
+      <p:cxnSp>
+        <p:nvCxnSpPr>
+          <p:cNvPr id="10" name="Elbow Connector 9"/>
+          <p:cNvCxnSpPr>
+            <a:stCxn id="7" idx="0"/>
+            <a:endCxn id="5" idx="0"/>
+          </p:cNvCxnSpPr>
+          <p:nvPr/>
+        </p:nvCxnSpPr>
+        <p:spPr>
+          <a:xfrm rot="16200000" flipV="1">
+            <a:off x="4629150" y="685800"/>
+            <a:ext cx="12700" cy="4991100"/>
+          </a:xfrm>
+          <a:prstGeom prst="bentConnector3">
+            <a:avLst>
+              <a:gd name="adj1" fmla="val 1800000"/>
+            </a:avLst>
+          </a:prstGeom>
+          <a:ln w="38100">
+            <a:tailEnd type="arrow"/>
+          </a:ln>
+        </p:spPr>
+        <p:style>
+          <a:lnRef idx="1">
+            <a:schemeClr val="accent1"/>
+          </a:lnRef>
+          <a:fillRef idx="0">
+            <a:schemeClr val="accent1"/>
+          </a:fillRef>
+          <a:effectRef idx="0">
+            <a:schemeClr val="accent1"/>
+          </a:effectRef>
+          <a:fontRef idx="minor">
+            <a:schemeClr val="tx1"/>
+          </a:fontRef>
+        </p:style>
+      </p:cxnSp>
+      <mc:AlternateContent xmlns:mc="http://schemas.openxmlformats.org/markup-compatibility/2006" xmlns:a14="http://schemas.microsoft.com/office/drawing/2010/main">
+        <mc:Choice Requires="a14">
+          <p:sp>
+            <p:nvSpPr>
+              <p:cNvPr id="11" name="TextBox 10"/>
+              <p:cNvSpPr txBox="1"/>
+              <p:nvPr/>
+            </p:nvSpPr>
+            <p:spPr>
+              <a:xfrm>
+                <a:off x="3038475" y="3237469"/>
+                <a:ext cx="511935" cy="400110"/>
+              </a:xfrm>
+              <a:prstGeom prst="rect">
+                <a:avLst/>
+              </a:prstGeom>
+              <a:noFill/>
+            </p:spPr>
+            <p:txBody>
+              <a:bodyPr wrap="none" rtlCol="0">
+                <a:spAutoFit/>
+              </a:bodyPr>
+              <a:lstStyle/>
+              <a:p>
+                <a:pPr/>
+                <a14:m>
+                  <m:oMathPara xmlns:m="http://schemas.openxmlformats.org/officeDocument/2006/math">
+                    <m:oMathParaPr>
+                      <m:jc m:val="centerGroup"/>
+                    </m:oMathParaPr>
+                    <m:oMath xmlns:m="http://schemas.openxmlformats.org/officeDocument/2006/math">
+                      <m:sSub>
+                        <m:sSubPr>
+                          <m:ctrlPr>
+                            <a:rPr lang="en-US" sz="2000" i="1" smtClean="0">
+                              <a:latin typeface="Cambria Math" panose="02040503050406030204" pitchFamily="18" charset="0"/>
+                            </a:rPr>
+                          </m:ctrlPr>
+                        </m:sSubPr>
+                        <m:e>
+                          <m:r>
+                            <a:rPr lang="en-US" sz="2000" b="0" i="1" smtClean="0">
+                              <a:latin typeface="Cambria Math"/>
+                            </a:rPr>
+                            <m:t>𝑆</m:t>
+                          </m:r>
+                        </m:e>
+                        <m:sub>
+                          <m:r>
+                            <a:rPr lang="en-US" sz="2000" b="0" i="1" smtClean="0">
+                              <a:latin typeface="Cambria Math"/>
+                            </a:rPr>
+                            <m:t>𝑌</m:t>
+                          </m:r>
+                        </m:sub>
+                      </m:sSub>
+                    </m:oMath>
+                  </m:oMathPara>
+                </a14:m>
+                <a:endParaRPr lang="en-US" sz="2000" dirty="0"/>
+              </a:p>
+            </p:txBody>
+          </p:sp>
+        </mc:Choice>
+        <mc:Fallback xmlns="">
+          <p:sp>
+            <p:nvSpPr>
+              <p:cNvPr id="11" name="TextBox 10"/>
+              <p:cNvSpPr txBox="1">
+                <a:spLocks noRot="1" noChangeAspect="1" noMove="1" noResize="1" noEditPoints="1" noAdjustHandles="1" noChangeArrowheads="1" noChangeShapeType="1" noTextEdit="1"/>
+              </p:cNvSpPr>
+              <p:nvPr/>
+            </p:nvSpPr>
+            <p:spPr>
+              <a:xfrm>
+                <a:off x="3038475" y="3237469"/>
+                <a:ext cx="511935" cy="400110"/>
+              </a:xfrm>
+              <a:prstGeom prst="rect">
+                <a:avLst/>
+              </a:prstGeom>
+              <a:blipFill rotWithShape="1">
+                <a:blip r:embed="rId2"/>
+                <a:stretch>
+                  <a:fillRect b="-1515"/>
+                </a:stretch>
+              </a:blipFill>
+            </p:spPr>
+            <p:txBody>
+              <a:bodyPr/>
+              <a:lstStyle/>
+              <a:p>
+                <a:r>
+                  <a:rPr lang="en-US">
+                    <a:noFill/>
+                  </a:rPr>
+                  <a:t> </a:t>
+                </a:r>
+              </a:p>
+            </p:txBody>
+          </p:sp>
+        </mc:Fallback>
+      </mc:AlternateContent>
+      <mc:AlternateContent xmlns:mc="http://schemas.openxmlformats.org/markup-compatibility/2006" xmlns:a14="http://schemas.microsoft.com/office/drawing/2010/main">
+        <mc:Choice Requires="a14">
+          <p:sp>
+            <p:nvSpPr>
+              <p:cNvPr id="12" name="TextBox 11"/>
+              <p:cNvSpPr txBox="1"/>
+              <p:nvPr/>
+            </p:nvSpPr>
+            <p:spPr>
+              <a:xfrm>
+                <a:off x="5592382" y="3237469"/>
+                <a:ext cx="471859" cy="421590"/>
+              </a:xfrm>
+              <a:prstGeom prst="rect">
+                <a:avLst/>
+              </a:prstGeom>
+              <a:noFill/>
+            </p:spPr>
+            <p:txBody>
+              <a:bodyPr wrap="none" rtlCol="0">
+                <a:spAutoFit/>
+              </a:bodyPr>
+              <a:lstStyle/>
+              <a:p>
+                <a:pPr/>
+                <a14:m>
+                  <m:oMathPara xmlns:m="http://schemas.openxmlformats.org/officeDocument/2006/math">
+                    <m:oMathParaPr>
+                      <m:jc m:val="centerGroup"/>
+                    </m:oMathParaPr>
+                    <m:oMath xmlns:m="http://schemas.openxmlformats.org/officeDocument/2006/math">
+                      <m:sSub>
+                        <m:sSubPr>
+                          <m:ctrlPr>
+                            <a:rPr lang="en-US" sz="2000" i="1" smtClean="0">
+                              <a:latin typeface="Cambria Math" panose="02040503050406030204" pitchFamily="18" charset="0"/>
+                            </a:rPr>
+                          </m:ctrlPr>
+                        </m:sSubPr>
+                        <m:e>
+                          <m:r>
+                            <a:rPr lang="en-US" sz="2000" b="0" i="1" smtClean="0">
+                              <a:latin typeface="Cambria Math"/>
+                            </a:rPr>
+                            <m:t>𝑆</m:t>
+                          </m:r>
+                        </m:e>
+                        <m:sub>
+                          <m:r>
+                            <a:rPr lang="en-US" sz="2000" b="0" i="1" smtClean="0">
+                              <a:latin typeface="Cambria Math"/>
+                            </a:rPr>
+                            <m:t>𝐽</m:t>
+                          </m:r>
+                        </m:sub>
+                      </m:sSub>
+                    </m:oMath>
+                  </m:oMathPara>
+                </a14:m>
+                <a:endParaRPr lang="en-US" sz="2000" dirty="0"/>
+              </a:p>
+            </p:txBody>
+          </p:sp>
+        </mc:Choice>
+        <mc:Fallback xmlns="">
+          <p:sp>
+            <p:nvSpPr>
+              <p:cNvPr id="12" name="TextBox 11"/>
+              <p:cNvSpPr txBox="1">
+                <a:spLocks noRot="1" noChangeAspect="1" noMove="1" noResize="1" noEditPoints="1" noAdjustHandles="1" noChangeArrowheads="1" noChangeShapeType="1" noTextEdit="1"/>
+              </p:cNvSpPr>
+              <p:nvPr/>
+            </p:nvSpPr>
+            <p:spPr>
+              <a:xfrm>
+                <a:off x="5592382" y="3237469"/>
+                <a:ext cx="471859" cy="421590"/>
+              </a:xfrm>
+              <a:prstGeom prst="rect">
+                <a:avLst/>
+              </a:prstGeom>
+              <a:blipFill rotWithShape="1">
+                <a:blip r:embed="rId3"/>
+                <a:stretch>
+                  <a:fillRect b="-10145"/>
+                </a:stretch>
+              </a:blipFill>
+            </p:spPr>
+            <p:txBody>
+              <a:bodyPr/>
+              <a:lstStyle/>
+              <a:p>
+                <a:r>
+                  <a:rPr lang="en-US">
+                    <a:noFill/>
+                  </a:rPr>
+                  <a:t> </a:t>
+                </a:r>
+              </a:p>
+            </p:txBody>
+          </p:sp>
+        </mc:Fallback>
+      </mc:AlternateContent>
+      <mc:AlternateContent xmlns:mc="http://schemas.openxmlformats.org/markup-compatibility/2006" xmlns:a14="http://schemas.microsoft.com/office/drawing/2010/main">
+        <mc:Choice Requires="a14">
+          <p:sp>
+            <p:nvSpPr>
+              <p:cNvPr id="13" name="TextBox 12"/>
+              <p:cNvSpPr txBox="1"/>
+              <p:nvPr/>
+            </p:nvSpPr>
+            <p:spPr>
+              <a:xfrm>
+                <a:off x="4316032" y="2542204"/>
+                <a:ext cx="594458" cy="400110"/>
+              </a:xfrm>
+              <a:prstGeom prst="rect">
+                <a:avLst/>
+              </a:prstGeom>
+              <a:noFill/>
+            </p:spPr>
+            <p:txBody>
+              <a:bodyPr wrap="none" rtlCol="0">
+                <a:spAutoFit/>
+              </a:bodyPr>
+              <a:lstStyle/>
+              <a:p>
+                <a:pPr/>
+                <a14:m>
+                  <m:oMathPara xmlns:m="http://schemas.openxmlformats.org/officeDocument/2006/math">
+                    <m:oMathParaPr>
+                      <m:jc m:val="centerGroup"/>
+                    </m:oMathParaPr>
+                    <m:oMath xmlns:m="http://schemas.openxmlformats.org/officeDocument/2006/math">
+                      <m:sSub>
+                        <m:sSubPr>
+                          <m:ctrlPr>
+                            <a:rPr lang="en-US" sz="2000" i="1" smtClean="0">
+                              <a:latin typeface="Cambria Math" panose="02040503050406030204" pitchFamily="18" charset="0"/>
+                            </a:rPr>
+                          </m:ctrlPr>
+                        </m:sSubPr>
+                        <m:e>
+                          <m:r>
+                            <a:rPr lang="en-US" sz="2000" b="0" i="1" smtClean="0">
+                              <a:latin typeface="Cambria Math"/>
+                            </a:rPr>
+                            <m:t>𝐹</m:t>
+                          </m:r>
+                        </m:e>
+                        <m:sub/>
+                      </m:sSub>
+                    </m:oMath>
+                  </m:oMathPara>
+                </a14:m>
+                <a:endParaRPr lang="en-US" sz="2000" dirty="0"/>
+              </a:p>
+            </p:txBody>
+          </p:sp>
+        </mc:Choice>
+        <mc:Fallback xmlns="">
+          <p:sp>
+            <p:nvSpPr>
+              <p:cNvPr id="13" name="TextBox 12"/>
+              <p:cNvSpPr txBox="1">
+                <a:spLocks noRot="1" noChangeAspect="1" noMove="1" noResize="1" noEditPoints="1" noAdjustHandles="1" noChangeArrowheads="1" noChangeShapeType="1" noTextEdit="1"/>
+              </p:cNvSpPr>
+              <p:nvPr/>
+            </p:nvSpPr>
+            <p:spPr>
+              <a:xfrm>
+                <a:off x="4316032" y="2542204"/>
+                <a:ext cx="594458" cy="400110"/>
+              </a:xfrm>
+              <a:prstGeom prst="rect">
+                <a:avLst/>
+              </a:prstGeom>
+              <a:blipFill rotWithShape="1">
+                <a:blip r:embed="rId4"/>
+                <a:stretch>
+                  <a:fillRect/>
+                </a:stretch>
+              </a:blipFill>
+            </p:spPr>
+            <p:txBody>
+              <a:bodyPr/>
+              <a:lstStyle/>
+              <a:p>
+                <a:r>
+                  <a:rPr lang="en-US">
+                    <a:noFill/>
+                  </a:rPr>
+                  <a:t> </a:t>
+                </a:r>
+              </a:p>
+            </p:txBody>
+          </p:sp>
+        </mc:Fallback>
+      </mc:AlternateContent>
+      <mc:AlternateContent xmlns:mc="http://schemas.openxmlformats.org/markup-compatibility/2006" xmlns:a14="http://schemas.microsoft.com/office/drawing/2010/main">
+        <mc:Choice Requires="a14">
+          <p:sp>
+            <p:nvSpPr>
+              <p:cNvPr id="14" name="TextBox 13"/>
+              <p:cNvSpPr txBox="1"/>
+              <p:nvPr/>
+            </p:nvSpPr>
+            <p:spPr>
+              <a:xfrm>
+                <a:off x="3618950" y="971550"/>
+                <a:ext cx="1906099" cy="1266180"/>
+              </a:xfrm>
+              <a:prstGeom prst="rect">
+                <a:avLst/>
+              </a:prstGeom>
+              <a:noFill/>
+            </p:spPr>
+            <p:txBody>
+              <a:bodyPr wrap="none" rtlCol="0">
+                <a:spAutoFit/>
+              </a:bodyPr>
+              <a:lstStyle/>
+              <a:p>
+                <a:pPr/>
+                <a14:m>
+                  <m:oMathPara xmlns:m="http://schemas.openxmlformats.org/officeDocument/2006/math">
+                    <m:oMathParaPr>
+                      <m:jc m:val="centerGroup"/>
+                    </m:oMathParaPr>
+                    <m:oMath xmlns:m="http://schemas.openxmlformats.org/officeDocument/2006/math">
+                      <m:d>
+                        <m:dPr>
+                          <m:begChr m:val="["/>
+                          <m:endChr m:val="]"/>
+                          <m:ctrlPr>
+                            <a:rPr lang="en-US" sz="2400" i="1" smtClean="0">
+                              <a:latin typeface="Cambria Math" panose="02040503050406030204" pitchFamily="18" charset="0"/>
+                            </a:rPr>
+                          </m:ctrlPr>
+                        </m:dPr>
+                        <m:e>
+                          <m:m>
+                            <m:mPr>
+                              <m:mcs>
+                                <m:mc>
+                                  <m:mcPr>
+                                    <m:count m:val="3"/>
+                                    <m:mcJc m:val="center"/>
+                                  </m:mcPr>
+                                </m:mc>
+                              </m:mcs>
+                              <m:ctrlPr>
+                                <a:rPr lang="en-US" sz="2400" i="1" smtClean="0">
+                                  <a:latin typeface="Cambria Math" panose="02040503050406030204" pitchFamily="18" charset="0"/>
+                                </a:rPr>
+                              </m:ctrlPr>
+                            </m:mPr>
+                            <m:mr>
+                              <m:e>
+                                <m:r>
+                                  <m:rPr>
+                                    <m:brk m:alnAt="7"/>
+                                  </m:rPr>
+                                  <a:rPr lang="en-US" sz="2400" b="0" i="1" smtClean="0">
+                                    <a:latin typeface="Cambria Math"/>
+                                  </a:rPr>
+                                  <m:t>0</m:t>
+                                </m:r>
+                              </m:e>
+                              <m:e>
+                                <m:r>
+                                  <a:rPr lang="en-US" sz="2400" b="0" i="1" smtClean="0">
+                                    <a:latin typeface="Cambria Math"/>
+                                  </a:rPr>
+                                  <m:t>0</m:t>
+                                </m:r>
+                              </m:e>
+                              <m:e>
+                                <m:r>
+                                  <a:rPr lang="en-US" sz="2400" b="0" i="1" smtClean="0">
+                                    <a:latin typeface="Cambria Math"/>
+                                  </a:rPr>
+                                  <m:t>𝐹</m:t>
+                                </m:r>
+                              </m:e>
+                            </m:mr>
+                            <m:mr>
+                              <m:e>
+                                <m:sSub>
+                                  <m:sSubPr>
+                                    <m:ctrlPr>
+                                      <a:rPr lang="en-US" sz="2400" i="1">
+                                        <a:latin typeface="Cambria Math" panose="02040503050406030204" pitchFamily="18" charset="0"/>
+                                      </a:rPr>
+                                    </m:ctrlPr>
+                                  </m:sSubPr>
+                                  <m:e>
+                                    <m:r>
+                                      <a:rPr lang="en-US" sz="2400" i="1">
+                                        <a:latin typeface="Cambria Math"/>
+                                      </a:rPr>
+                                      <m:t>𝑆</m:t>
+                                    </m:r>
+                                  </m:e>
+                                  <m:sub>
+                                    <m:r>
+                                      <a:rPr lang="en-US" sz="2400" i="1">
+                                        <a:latin typeface="Cambria Math"/>
+                                      </a:rPr>
+                                      <m:t>𝑌</m:t>
+                                    </m:r>
+                                  </m:sub>
+                                </m:sSub>
+                              </m:e>
+                              <m:e>
+                                <m:r>
+                                  <a:rPr lang="en-US" sz="2400" b="0" i="1" smtClean="0">
+                                    <a:latin typeface="Cambria Math"/>
+                                  </a:rPr>
+                                  <m:t>0</m:t>
+                                </m:r>
+                              </m:e>
+                              <m:e>
+                                <m:r>
+                                  <a:rPr lang="en-US" sz="2400" b="0" i="1" smtClean="0">
+                                    <a:latin typeface="Cambria Math"/>
+                                  </a:rPr>
+                                  <m:t>0</m:t>
+                                </m:r>
+                              </m:e>
+                            </m:mr>
+                            <m:mr>
+                              <m:e>
+                                <m:r>
+                                  <a:rPr lang="en-US" sz="2400" b="0" i="1" smtClean="0">
+                                    <a:latin typeface="Cambria Math"/>
+                                  </a:rPr>
+                                  <m:t>0</m:t>
+                                </m:r>
+                              </m:e>
+                              <m:e>
+                                <m:sSub>
+                                  <m:sSubPr>
+                                    <m:ctrlPr>
+                                      <a:rPr lang="en-US" sz="2400" i="1">
+                                        <a:latin typeface="Cambria Math" panose="02040503050406030204" pitchFamily="18" charset="0"/>
+                                      </a:rPr>
+                                    </m:ctrlPr>
+                                  </m:sSubPr>
+                                  <m:e>
+                                    <m:r>
+                                      <a:rPr lang="en-US" sz="2400" i="1">
+                                        <a:latin typeface="Cambria Math"/>
+                                      </a:rPr>
+                                      <m:t>𝑆</m:t>
+                                    </m:r>
+                                  </m:e>
+                                  <m:sub>
+                                    <m:r>
+                                      <a:rPr lang="en-US" sz="2400" b="0" i="1" smtClean="0">
+                                        <a:latin typeface="Cambria Math"/>
+                                      </a:rPr>
+                                      <m:t>𝐽</m:t>
+                                    </m:r>
+                                  </m:sub>
+                                </m:sSub>
+                              </m:e>
+                              <m:e>
+                                <m:r>
+                                  <a:rPr lang="en-US" sz="2400" b="0" i="1" smtClean="0">
+                                    <a:latin typeface="Cambria Math"/>
+                                  </a:rPr>
+                                  <m:t>0</m:t>
+                                </m:r>
+                              </m:e>
+                            </m:mr>
+                          </m:m>
+                        </m:e>
+                      </m:d>
+                    </m:oMath>
+                  </m:oMathPara>
+                </a14:m>
+                <a:endParaRPr lang="en-US" sz="2400" dirty="0"/>
+              </a:p>
+            </p:txBody>
+          </p:sp>
+        </mc:Choice>
+        <mc:Fallback xmlns="">
+          <p:sp>
+            <p:nvSpPr>
+              <p:cNvPr id="14" name="TextBox 13"/>
+              <p:cNvSpPr txBox="1">
+                <a:spLocks noRot="1" noChangeAspect="1" noMove="1" noResize="1" noEditPoints="1" noAdjustHandles="1" noChangeArrowheads="1" noChangeShapeType="1" noTextEdit="1"/>
+              </p:cNvSpPr>
+              <p:nvPr/>
+            </p:nvSpPr>
+            <p:spPr>
+              <a:xfrm>
+                <a:off x="3618950" y="971550"/>
+                <a:ext cx="1906099" cy="1266180"/>
+              </a:xfrm>
+              <a:prstGeom prst="rect">
+                <a:avLst/>
+              </a:prstGeom>
+              <a:blipFill rotWithShape="1">
+                <a:blip r:embed="rId5"/>
+                <a:stretch>
+                  <a:fillRect/>
+                </a:stretch>
+              </a:blipFill>
+            </p:spPr>
+            <p:txBody>
+              <a:bodyPr/>
+              <a:lstStyle/>
+              <a:p>
+                <a:r>
+                  <a:rPr lang="en-US">
+                    <a:noFill/>
+                  </a:rPr>
+                  <a:t> </a:t>
+                </a:r>
+              </a:p>
+            </p:txBody>
+          </p:sp>
+        </mc:Fallback>
+      </mc:AlternateContent>
+      <p:sp>
+        <p:nvSpPr>
+          <p:cNvPr id="15" name="TextBox 14"/>
+          <p:cNvSpPr txBox="1"/>
+          <p:nvPr/>
+        </p:nvSpPr>
+        <p:spPr>
+          <a:xfrm>
+            <a:off x="2613011" y="285749"/>
+            <a:ext cx="4000500" cy="646331"/>
+          </a:xfrm>
+          <a:prstGeom prst="rect">
+            <a:avLst/>
+          </a:prstGeom>
+          <a:noFill/>
+        </p:spPr>
+        <p:txBody>
+          <a:bodyPr wrap="square" rtlCol="0">
+            <a:spAutoFit/>
+          </a:bodyPr>
+          <a:lstStyle/>
+          <a:p>
             <a:r>
               <a:rPr lang="en-US" dirty="0"/>
-              <a:t>Primary analysis of data </a:t>
-            </a:r>
-          </a:p>
-          <a:p>
-            <a:pPr lvl="1"/>
+              <a:t>In each year, what proportion of the individuals in stage [</a:t>
+            </a:r>
+            <a:r>
+              <a:rPr lang="en-US" i="1" dirty="0"/>
+              <a:t>column number</a:t>
+            </a:r>
             <a:r>
               <a:rPr lang="en-US" dirty="0"/>
-              <a:t>Expert opinion</a:t>
-            </a:r>
-          </a:p>
-        </p:txBody>
-      </p:sp>
+              <a:t>]… </a:t>
+            </a:r>
+          </a:p>
+        </p:txBody>
+      </p:sp>
+      <p:sp>
+        <p:nvSpPr>
+          <p:cNvPr id="16" name="TextBox 15"/>
+          <p:cNvSpPr txBox="1"/>
+          <p:nvPr/>
+        </p:nvSpPr>
+        <p:spPr>
+          <a:xfrm>
+            <a:off x="5355241" y="1419974"/>
+            <a:ext cx="3551618" cy="369332"/>
+          </a:xfrm>
+          <a:prstGeom prst="rect">
+            <a:avLst/>
+          </a:prstGeom>
+          <a:noFill/>
+        </p:spPr>
+        <p:txBody>
+          <a:bodyPr wrap="square" rtlCol="0">
+            <a:spAutoFit/>
+          </a:bodyPr>
+          <a:lstStyle/>
+          <a:p>
+            <a:r>
+              <a:rPr lang="en-US" dirty="0"/>
+              <a:t>Transition into stage [</a:t>
+            </a:r>
+            <a:r>
+              <a:rPr lang="en-US" i="1" dirty="0"/>
+              <a:t>row number</a:t>
+            </a:r>
+            <a:r>
+              <a:rPr lang="en-US" dirty="0"/>
+              <a:t>] </a:t>
+            </a:r>
+          </a:p>
+        </p:txBody>
+      </p:sp>
+      <p:sp>
+        <p:nvSpPr>
+          <p:cNvPr id="17" name="Rectangle 16"/>
+          <p:cNvSpPr/>
+          <p:nvPr/>
+        </p:nvSpPr>
+        <p:spPr>
+          <a:xfrm>
+            <a:off x="3810000" y="1419974"/>
+            <a:ext cx="457200" cy="369332"/>
+          </a:xfrm>
+          <a:prstGeom prst="rect">
+            <a:avLst/>
+          </a:prstGeom>
+          <a:noFill/>
+          <a:ln w="38100"/>
+        </p:spPr>
+        <p:style>
+          <a:lnRef idx="2">
+            <a:schemeClr val="accent1">
+              <a:shade val="50000"/>
+            </a:schemeClr>
+          </a:lnRef>
+          <a:fillRef idx="1">
+            <a:schemeClr val="accent1"/>
+          </a:fillRef>
+          <a:effectRef idx="0">
+            <a:schemeClr val="accent1"/>
+          </a:effectRef>
+          <a:fontRef idx="minor">
+            <a:schemeClr val="lt1"/>
+          </a:fontRef>
+        </p:style>
+        <p:txBody>
+          <a:bodyPr rtlCol="0" anchor="ctr"/>
+          <a:lstStyle/>
+          <a:p>
+            <a:pPr algn="ctr"/>
+            <a:endParaRPr lang="en-US"/>
+          </a:p>
+        </p:txBody>
+      </p:sp>
+      <p:cxnSp>
+        <p:nvCxnSpPr>
+          <p:cNvPr id="19" name="Straight Connector 18"/>
+          <p:cNvCxnSpPr>
+            <a:stCxn id="17" idx="2"/>
+            <a:endCxn id="11" idx="0"/>
+          </p:cNvCxnSpPr>
+          <p:nvPr/>
+        </p:nvCxnSpPr>
+        <p:spPr>
+          <a:xfrm flipH="1">
+            <a:off x="3294443" y="1789306"/>
+            <a:ext cx="744157" cy="1448163"/>
+          </a:xfrm>
+          <a:prstGeom prst="line">
+            <a:avLst/>
+          </a:prstGeom>
+          <a:ln>
+            <a:prstDash val="dash"/>
+          </a:ln>
+        </p:spPr>
+        <p:style>
+          <a:lnRef idx="1">
+            <a:schemeClr val="accent1"/>
+          </a:lnRef>
+          <a:fillRef idx="0">
+            <a:schemeClr val="accent1"/>
+          </a:fillRef>
+          <a:effectRef idx="0">
+            <a:schemeClr val="accent1"/>
+          </a:effectRef>
+          <a:fontRef idx="minor">
+            <a:schemeClr val="tx1"/>
+          </a:fontRef>
+        </p:style>
+      </p:cxnSp>
+      <p:sp>
+        <p:nvSpPr>
+          <p:cNvPr id="21" name="Rectangle 20"/>
+          <p:cNvSpPr/>
+          <p:nvPr/>
+        </p:nvSpPr>
+        <p:spPr>
+          <a:xfrm>
+            <a:off x="4384661" y="1789306"/>
+            <a:ext cx="457200" cy="369332"/>
+          </a:xfrm>
+          <a:prstGeom prst="rect">
+            <a:avLst/>
+          </a:prstGeom>
+          <a:noFill/>
+          <a:ln w="38100"/>
+        </p:spPr>
+        <p:style>
+          <a:lnRef idx="2">
+            <a:schemeClr val="accent1">
+              <a:shade val="50000"/>
+            </a:schemeClr>
+          </a:lnRef>
+          <a:fillRef idx="1">
+            <a:schemeClr val="accent1"/>
+          </a:fillRef>
+          <a:effectRef idx="0">
+            <a:schemeClr val="accent1"/>
+          </a:effectRef>
+          <a:fontRef idx="minor">
+            <a:schemeClr val="lt1"/>
+          </a:fontRef>
+        </p:style>
+        <p:txBody>
+          <a:bodyPr rtlCol="0" anchor="ctr"/>
+          <a:lstStyle/>
+          <a:p>
+            <a:pPr algn="ctr"/>
+            <a:endParaRPr lang="en-US"/>
+          </a:p>
+        </p:txBody>
+      </p:sp>
+      <p:cxnSp>
+        <p:nvCxnSpPr>
+          <p:cNvPr id="22" name="Straight Connector 21"/>
+          <p:cNvCxnSpPr>
+            <a:stCxn id="21" idx="2"/>
+            <a:endCxn id="12" idx="0"/>
+          </p:cNvCxnSpPr>
+          <p:nvPr/>
+        </p:nvCxnSpPr>
+        <p:spPr>
+          <a:xfrm>
+            <a:off x="4613261" y="2158638"/>
+            <a:ext cx="1215051" cy="1078831"/>
+          </a:xfrm>
+          <a:prstGeom prst="line">
+            <a:avLst/>
+          </a:prstGeom>
+          <a:ln>
+            <a:prstDash val="dash"/>
+          </a:ln>
+        </p:spPr>
+        <p:style>
+          <a:lnRef idx="1">
+            <a:schemeClr val="accent1"/>
+          </a:lnRef>
+          <a:fillRef idx="0">
+            <a:schemeClr val="accent1"/>
+          </a:fillRef>
+          <a:effectRef idx="0">
+            <a:schemeClr val="accent1"/>
+          </a:effectRef>
+          <a:fontRef idx="minor">
+            <a:schemeClr val="tx1"/>
+          </a:fontRef>
+        </p:style>
+      </p:cxnSp>
+      <p:sp>
+        <p:nvSpPr>
+          <p:cNvPr id="26" name="Rectangle 25"/>
+          <p:cNvSpPr/>
+          <p:nvPr/>
+        </p:nvSpPr>
+        <p:spPr>
+          <a:xfrm>
+            <a:off x="4925130" y="1028055"/>
+            <a:ext cx="457200" cy="369332"/>
+          </a:xfrm>
+          <a:prstGeom prst="rect">
+            <a:avLst/>
+          </a:prstGeom>
+          <a:noFill/>
+          <a:ln w="38100"/>
+        </p:spPr>
+        <p:style>
+          <a:lnRef idx="2">
+            <a:schemeClr val="accent1">
+              <a:shade val="50000"/>
+            </a:schemeClr>
+          </a:lnRef>
+          <a:fillRef idx="1">
+            <a:schemeClr val="accent1"/>
+          </a:fillRef>
+          <a:effectRef idx="0">
+            <a:schemeClr val="accent1"/>
+          </a:effectRef>
+          <a:fontRef idx="minor">
+            <a:schemeClr val="lt1"/>
+          </a:fontRef>
+        </p:style>
+        <p:txBody>
+          <a:bodyPr rtlCol="0" anchor="ctr"/>
+          <a:lstStyle/>
+          <a:p>
+            <a:pPr algn="ctr"/>
+            <a:endParaRPr lang="en-US"/>
+          </a:p>
+        </p:txBody>
+      </p:sp>
+      <p:cxnSp>
+        <p:nvCxnSpPr>
+          <p:cNvPr id="27" name="Straight Connector 26"/>
+          <p:cNvCxnSpPr>
+            <a:endCxn id="13" idx="0"/>
+          </p:cNvCxnSpPr>
+          <p:nvPr/>
+        </p:nvCxnSpPr>
+        <p:spPr>
+          <a:xfrm flipH="1">
+            <a:off x="4613261" y="1419974"/>
+            <a:ext cx="540469" cy="1122230"/>
+          </a:xfrm>
+          <a:prstGeom prst="line">
+            <a:avLst/>
+          </a:prstGeom>
+          <a:ln>
+            <a:prstDash val="dash"/>
+          </a:ln>
+        </p:spPr>
+        <p:style>
+          <a:lnRef idx="1">
+            <a:schemeClr val="accent1"/>
+          </a:lnRef>
+          <a:fillRef idx="0">
+            <a:schemeClr val="accent1"/>
+          </a:fillRef>
+          <a:effectRef idx="0">
+            <a:schemeClr val="accent1"/>
+          </a:effectRef>
+          <a:fontRef idx="minor">
+            <a:schemeClr val="tx1"/>
+          </a:fontRef>
+        </p:style>
+      </p:cxnSp>
     </p:spTree>
     <p:extLst>
       <p:ext uri="{BB962C8B-B14F-4D97-AF65-F5344CB8AC3E}">
-        <p14:creationId xmlns:p14="http://schemas.microsoft.com/office/powerpoint/2010/main" val="596001709"/>
+        <p14:creationId xmlns:p14="http://schemas.microsoft.com/office/powerpoint/2010/main" val="565828613"/>
       </p:ext>
     </p:extLst>
   </p:cSld>
   <p:clrMapOvr>
     <a:masterClrMapping/>
   </p:clrMapOvr>
+  <p:timing>
+    <p:tnLst>
+      <p:par>
+        <p:cTn id="1" dur="indefinite" restart="never" nodeType="tmRoot">
+          <p:childTnLst>
+            <p:seq concurrent="1" nextAc="seek">
+              <p:cTn id="2" dur="indefinite" nodeType="mainSeq">
+                <p:childTnLst>
+                  <p:par>
+                    <p:cTn id="3" fill="hold">
+                      <p:stCondLst>
+                        <p:cond delay="indefinite"/>
+                      </p:stCondLst>
+                      <p:childTnLst>
+                        <p:par>
+                          <p:cTn id="4" fill="hold">
+                            <p:stCondLst>
+                              <p:cond delay="0"/>
+                            </p:stCondLst>
+                            <p:childTnLst>
+                              <p:par>
+                                <p:cTn id="5" presetID="1" presetClass="entr" presetSubtype="0" fill="hold" grpId="0" nodeType="clickEffect">
+                                  <p:stCondLst>
+                                    <p:cond delay="0"/>
+                                  </p:stCondLst>
+                                  <p:childTnLst>
+                                    <p:set>
+                                      <p:cBhvr>
+                                        <p:cTn id="6" dur="1" fill="hold">
+                                          <p:stCondLst>
+                                            <p:cond delay="0"/>
+                                          </p:stCondLst>
+                                        </p:cTn>
+                                        <p:tgtEl>
+                                          <p:spTgt spid="14"/>
+                                        </p:tgtEl>
+                                        <p:attrNameLst>
+                                          <p:attrName>style.visibility</p:attrName>
+                                        </p:attrNameLst>
+                                      </p:cBhvr>
+                                      <p:to>
+                                        <p:strVal val="visible"/>
+                                      </p:to>
+                                    </p:set>
+                                  </p:childTnLst>
+                                </p:cTn>
+                              </p:par>
+                              <p:par>
+                                <p:cTn id="7" presetID="1" presetClass="entr" presetSubtype="0" fill="hold" grpId="0" nodeType="withEffect">
+                                  <p:stCondLst>
+                                    <p:cond delay="0"/>
+                                  </p:stCondLst>
+                                  <p:childTnLst>
+                                    <p:set>
+                                      <p:cBhvr>
+                                        <p:cTn id="8" dur="1" fill="hold">
+                                          <p:stCondLst>
+                                            <p:cond delay="0"/>
+                                          </p:stCondLst>
+                                        </p:cTn>
+                                        <p:tgtEl>
+                                          <p:spTgt spid="15"/>
+                                        </p:tgtEl>
+                                        <p:attrNameLst>
+                                          <p:attrName>style.visibility</p:attrName>
+                                        </p:attrNameLst>
+                                      </p:cBhvr>
+                                      <p:to>
+                                        <p:strVal val="visible"/>
+                                      </p:to>
+                                    </p:set>
+                                  </p:childTnLst>
+                                </p:cTn>
+                              </p:par>
+                              <p:par>
+                                <p:cTn id="9" presetID="1" presetClass="entr" presetSubtype="0" fill="hold" grpId="0" nodeType="withEffect">
+                                  <p:stCondLst>
+                                    <p:cond delay="0"/>
+                                  </p:stCondLst>
+                                  <p:childTnLst>
+                                    <p:set>
+                                      <p:cBhvr>
+                                        <p:cTn id="10" dur="1" fill="hold">
+                                          <p:stCondLst>
+                                            <p:cond delay="0"/>
+                                          </p:stCondLst>
+                                        </p:cTn>
+                                        <p:tgtEl>
+                                          <p:spTgt spid="16"/>
+                                        </p:tgtEl>
+                                        <p:attrNameLst>
+                                          <p:attrName>style.visibility</p:attrName>
+                                        </p:attrNameLst>
+                                      </p:cBhvr>
+                                      <p:to>
+                                        <p:strVal val="visible"/>
+                                      </p:to>
+                                    </p:set>
+                                  </p:childTnLst>
+                                </p:cTn>
+                              </p:par>
+                            </p:childTnLst>
+                          </p:cTn>
+                        </p:par>
+                      </p:childTnLst>
+                    </p:cTn>
+                  </p:par>
+                  <p:par>
+                    <p:cTn id="11" fill="hold">
+                      <p:stCondLst>
+                        <p:cond delay="indefinite"/>
+                      </p:stCondLst>
+                      <p:childTnLst>
+                        <p:par>
+                          <p:cTn id="12" fill="hold">
+                            <p:stCondLst>
+                              <p:cond delay="0"/>
+                            </p:stCondLst>
+                            <p:childTnLst>
+                              <p:par>
+                                <p:cTn id="13" presetID="1" presetClass="entr" presetSubtype="0" fill="hold" grpId="0" nodeType="clickEffect">
+                                  <p:stCondLst>
+                                    <p:cond delay="0"/>
+                                  </p:stCondLst>
+                                  <p:childTnLst>
+                                    <p:set>
+                                      <p:cBhvr>
+                                        <p:cTn id="14" dur="1" fill="hold">
+                                          <p:stCondLst>
+                                            <p:cond delay="0"/>
+                                          </p:stCondLst>
+                                        </p:cTn>
+                                        <p:tgtEl>
+                                          <p:spTgt spid="17"/>
+                                        </p:tgtEl>
+                                        <p:attrNameLst>
+                                          <p:attrName>style.visibility</p:attrName>
+                                        </p:attrNameLst>
+                                      </p:cBhvr>
+                                      <p:to>
+                                        <p:strVal val="visible"/>
+                                      </p:to>
+                                    </p:set>
+                                  </p:childTnLst>
+                                </p:cTn>
+                              </p:par>
+                              <p:par>
+                                <p:cTn id="15" presetID="1" presetClass="entr" presetSubtype="0" fill="hold" nodeType="withEffect">
+                                  <p:stCondLst>
+                                    <p:cond delay="0"/>
+                                  </p:stCondLst>
+                                  <p:childTnLst>
+                                    <p:set>
+                                      <p:cBhvr>
+                                        <p:cTn id="16" dur="1" fill="hold">
+                                          <p:stCondLst>
+                                            <p:cond delay="0"/>
+                                          </p:stCondLst>
+                                        </p:cTn>
+                                        <p:tgtEl>
+                                          <p:spTgt spid="19"/>
+                                        </p:tgtEl>
+                                        <p:attrNameLst>
+                                          <p:attrName>style.visibility</p:attrName>
+                                        </p:attrNameLst>
+                                      </p:cBhvr>
+                                      <p:to>
+                                        <p:strVal val="visible"/>
+                                      </p:to>
+                                    </p:set>
+                                  </p:childTnLst>
+                                </p:cTn>
+                              </p:par>
+                            </p:childTnLst>
+                          </p:cTn>
+                        </p:par>
+                      </p:childTnLst>
+                    </p:cTn>
+                  </p:par>
+                  <p:par>
+                    <p:cTn id="17" fill="hold">
+                      <p:stCondLst>
+                        <p:cond delay="indefinite"/>
+                      </p:stCondLst>
+                      <p:childTnLst>
+                        <p:par>
+                          <p:cTn id="18" fill="hold">
+                            <p:stCondLst>
+                              <p:cond delay="0"/>
+                            </p:stCondLst>
+                            <p:childTnLst>
+                              <p:par>
+                                <p:cTn id="19" presetID="1" presetClass="entr" presetSubtype="0" fill="hold" grpId="0" nodeType="clickEffect">
+                                  <p:stCondLst>
+                                    <p:cond delay="0"/>
+                                  </p:stCondLst>
+                                  <p:childTnLst>
+                                    <p:set>
+                                      <p:cBhvr>
+                                        <p:cTn id="20" dur="1" fill="hold">
+                                          <p:stCondLst>
+                                            <p:cond delay="0"/>
+                                          </p:stCondLst>
+                                        </p:cTn>
+                                        <p:tgtEl>
+                                          <p:spTgt spid="21"/>
+                                        </p:tgtEl>
+                                        <p:attrNameLst>
+                                          <p:attrName>style.visibility</p:attrName>
+                                        </p:attrNameLst>
+                                      </p:cBhvr>
+                                      <p:to>
+                                        <p:strVal val="visible"/>
+                                      </p:to>
+                                    </p:set>
+                                  </p:childTnLst>
+                                </p:cTn>
+                              </p:par>
+                              <p:par>
+                                <p:cTn id="21" presetID="1" presetClass="entr" presetSubtype="0" fill="hold" nodeType="withEffect">
+                                  <p:stCondLst>
+                                    <p:cond delay="0"/>
+                                  </p:stCondLst>
+                                  <p:childTnLst>
+                                    <p:set>
+                                      <p:cBhvr>
+                                        <p:cTn id="22" dur="1" fill="hold">
+                                          <p:stCondLst>
+                                            <p:cond delay="0"/>
+                                          </p:stCondLst>
+                                        </p:cTn>
+                                        <p:tgtEl>
+                                          <p:spTgt spid="22"/>
+                                        </p:tgtEl>
+                                        <p:attrNameLst>
+                                          <p:attrName>style.visibility</p:attrName>
+                                        </p:attrNameLst>
+                                      </p:cBhvr>
+                                      <p:to>
+                                        <p:strVal val="visible"/>
+                                      </p:to>
+                                    </p:set>
+                                  </p:childTnLst>
+                                </p:cTn>
+                              </p:par>
+                            </p:childTnLst>
+                          </p:cTn>
+                        </p:par>
+                      </p:childTnLst>
+                    </p:cTn>
+                  </p:par>
+                  <p:par>
+                    <p:cTn id="23" fill="hold">
+                      <p:stCondLst>
+                        <p:cond delay="indefinite"/>
+                      </p:stCondLst>
+                      <p:childTnLst>
+                        <p:par>
+                          <p:cTn id="24" fill="hold">
+                            <p:stCondLst>
+                              <p:cond delay="0"/>
+                            </p:stCondLst>
+                            <p:childTnLst>
+                              <p:par>
+                                <p:cTn id="25" presetID="1" presetClass="entr" presetSubtype="0" fill="hold" grpId="0" nodeType="clickEffect">
+                                  <p:stCondLst>
+                                    <p:cond delay="0"/>
+                                  </p:stCondLst>
+                                  <p:childTnLst>
+                                    <p:set>
+                                      <p:cBhvr>
+                                        <p:cTn id="26" dur="1" fill="hold">
+                                          <p:stCondLst>
+                                            <p:cond delay="0"/>
+                                          </p:stCondLst>
+                                        </p:cTn>
+                                        <p:tgtEl>
+                                          <p:spTgt spid="26"/>
+                                        </p:tgtEl>
+                                        <p:attrNameLst>
+                                          <p:attrName>style.visibility</p:attrName>
+                                        </p:attrNameLst>
+                                      </p:cBhvr>
+                                      <p:to>
+                                        <p:strVal val="visible"/>
+                                      </p:to>
+                                    </p:set>
+                                  </p:childTnLst>
+                                </p:cTn>
+                              </p:par>
+                              <p:par>
+                                <p:cTn id="27" presetID="1" presetClass="entr" presetSubtype="0" fill="hold" nodeType="withEffect">
+                                  <p:stCondLst>
+                                    <p:cond delay="0"/>
+                                  </p:stCondLst>
+                                  <p:childTnLst>
+                                    <p:set>
+                                      <p:cBhvr>
+                                        <p:cTn id="28" dur="1" fill="hold">
+                                          <p:stCondLst>
+                                            <p:cond delay="0"/>
+                                          </p:stCondLst>
+                                        </p:cTn>
+                                        <p:tgtEl>
+                                          <p:spTgt spid="27"/>
+                                        </p:tgtEl>
+                                        <p:attrNameLst>
+                                          <p:attrName>style.visibility</p:attrName>
+                                        </p:attrNameLst>
+                                      </p:cBhvr>
+                                      <p:to>
+                                        <p:strVal val="visible"/>
+                                      </p:to>
+                                    </p:set>
+                                  </p:childTnLst>
+                                </p:cTn>
+                              </p:par>
+                            </p:childTnLst>
+                          </p:cTn>
+                        </p:par>
+                      </p:childTnLst>
+                    </p:cTn>
+                  </p:par>
+                </p:childTnLst>
+              </p:cTn>
+              <p:prevCondLst>
+                <p:cond evt="onPrev" delay="0">
+                  <p:tgtEl>
+                    <p:sldTgt/>
+                  </p:tgtEl>
+                </p:cond>
+              </p:prevCondLst>
+              <p:nextCondLst>
+                <p:cond evt="onNext" delay="0">
+                  <p:tgtEl>
+                    <p:sldTgt/>
+                  </p:tgtEl>
+                </p:cond>
+              </p:nextCondLst>
+            </p:seq>
+          </p:childTnLst>
+        </p:cTn>
+      </p:par>
+    </p:tnLst>
+    <p:bldLst>
+      <p:bldP spid="14" grpId="0"/>
+      <p:bldP spid="15" grpId="0"/>
+      <p:bldP spid="16" grpId="0"/>
+      <p:bldP spid="17" grpId="0" animBg="1"/>
+      <p:bldP spid="21" grpId="0" animBg="1"/>
+      <p:bldP spid="26" grpId="0" animBg="1"/>
+    </p:bldLst>
+  </p:timing>
 </p:sld>
 </file>
 
@@ -7616,6 +9067,101 @@
           <a:p>
             <a:r>
               <a:rPr lang="en-US" dirty="0"/>
+              <a:t>Building a matrix model</a:t>
+            </a:r>
+          </a:p>
+        </p:txBody>
+      </p:sp>
+      <p:sp>
+        <p:nvSpPr>
+          <p:cNvPr id="3" name="Content Placeholder 2"/>
+          <p:cNvSpPr>
+            <a:spLocks noGrp="1"/>
+          </p:cNvSpPr>
+          <p:nvPr>
+            <p:ph idx="1"/>
+          </p:nvPr>
+        </p:nvSpPr>
+        <p:spPr/>
+        <p:txBody>
+          <a:bodyPr/>
+          <a:lstStyle/>
+          <a:p>
+            <a:r>
+              <a:rPr lang="en-US" dirty="0"/>
+              <a:t>Can use combination of methods to fill in vital rates</a:t>
+            </a:r>
+          </a:p>
+          <a:p>
+            <a:pPr lvl="1"/>
+            <a:r>
+              <a:rPr lang="en-US" dirty="0"/>
+              <a:t>Published in the literature</a:t>
+            </a:r>
+          </a:p>
+          <a:p>
+            <a:pPr lvl="1"/>
+            <a:r>
+              <a:rPr lang="en-US" dirty="0"/>
+              <a:t>Primary analysis of data </a:t>
+            </a:r>
+          </a:p>
+          <a:p>
+            <a:pPr lvl="1"/>
+            <a:r>
+              <a:rPr lang="en-US" dirty="0"/>
+              <a:t>Expert opinion</a:t>
+            </a:r>
+          </a:p>
+        </p:txBody>
+      </p:sp>
+    </p:spTree>
+    <p:extLst>
+      <p:ext uri="{BB962C8B-B14F-4D97-AF65-F5344CB8AC3E}">
+        <p14:creationId xmlns:p14="http://schemas.microsoft.com/office/powerpoint/2010/main" val="596001709"/>
+      </p:ext>
+    </p:extLst>
+  </p:cSld>
+  <p:clrMapOvr>
+    <a:masterClrMapping/>
+  </p:clrMapOvr>
+</p:sld>
+</file>
+
+<file path=ppt/slides/slide12.xml><?xml version="1.0" encoding="utf-8"?>
+<p:sld xmlns:a="http://schemas.openxmlformats.org/drawingml/2006/main" xmlns:r="http://schemas.openxmlformats.org/officeDocument/2006/relationships" xmlns:p="http://schemas.openxmlformats.org/presentationml/2006/main">
+  <p:cSld>
+    <p:spTree>
+      <p:nvGrpSpPr>
+        <p:cNvPr id="1" name=""/>
+        <p:cNvGrpSpPr/>
+        <p:nvPr/>
+      </p:nvGrpSpPr>
+      <p:grpSpPr>
+        <a:xfrm>
+          <a:off x="0" y="0"/>
+          <a:ext cx="0" cy="0"/>
+          <a:chOff x="0" y="0"/>
+          <a:chExt cx="0" cy="0"/>
+        </a:xfrm>
+      </p:grpSpPr>
+      <p:sp>
+        <p:nvSpPr>
+          <p:cNvPr id="2" name="Title 1"/>
+          <p:cNvSpPr>
+            <a:spLocks noGrp="1"/>
+          </p:cNvSpPr>
+          <p:nvPr>
+            <p:ph type="title"/>
+          </p:nvPr>
+        </p:nvSpPr>
+        <p:spPr/>
+        <p:txBody>
+          <a:bodyPr/>
+          <a:lstStyle/>
+          <a:p>
+            <a:r>
+              <a:rPr lang="en-US" dirty="0"/>
               <a:t>Applications of matrix models</a:t>
             </a:r>
           </a:p>
@@ -7686,7 +9232,7 @@
 </p:sld>
 </file>
 
-<file path=ppt/slides/slide12.xml><?xml version="1.0" encoding="utf-8"?>
+<file path=ppt/slides/slide13.xml><?xml version="1.0" encoding="utf-8"?>
 <p:sld xmlns:a="http://schemas.openxmlformats.org/drawingml/2006/main" xmlns:r="http://schemas.openxmlformats.org/officeDocument/2006/relationships" xmlns:p="http://schemas.openxmlformats.org/presentationml/2006/main">
   <p:cSld>
     <p:spTree>
@@ -7763,8 +9309,8 @@
         </p:nvSpPr>
         <p:spPr>
           <a:xfrm>
-            <a:off x="152400" y="1145322"/>
-            <a:ext cx="5086350" cy="3785652"/>
+            <a:off x="533400" y="1145322"/>
+            <a:ext cx="4705350" cy="3785652"/>
           </a:xfrm>
           <a:prstGeom prst="rect">
             <a:avLst/>
@@ -7922,7 +9468,7 @@
 </p:sld>
 </file>
 
-<file path=ppt/slides/slide13.xml><?xml version="1.0" encoding="utf-8"?>
+<file path=ppt/slides/slide14.xml><?xml version="1.0" encoding="utf-8"?>
 <p:sld xmlns:a="http://schemas.openxmlformats.org/drawingml/2006/main" xmlns:r="http://schemas.openxmlformats.org/officeDocument/2006/relationships" xmlns:p="http://schemas.openxmlformats.org/presentationml/2006/main">
   <p:cSld>
     <p:spTree>
@@ -9403,7 +10949,7 @@
 </p:sld>
 </file>
 
-<file path=ppt/slides/slide14.xml><?xml version="1.0" encoding="utf-8"?>
+<file path=ppt/slides/slide15.xml><?xml version="1.0" encoding="utf-8"?>
 <p:sld xmlns:a="http://schemas.openxmlformats.org/drawingml/2006/main" xmlns:r="http://schemas.openxmlformats.org/officeDocument/2006/relationships" xmlns:p="http://schemas.openxmlformats.org/presentationml/2006/main">
   <p:cSld>
     <p:spTree>
@@ -10573,7 +12119,7 @@
 </p:sld>
 </file>
 
-<file path=ppt/slides/slide15.xml><?xml version="1.0" encoding="utf-8"?>
+<file path=ppt/slides/slide16.xml><?xml version="1.0" encoding="utf-8"?>
 <p:sld xmlns:a="http://schemas.openxmlformats.org/drawingml/2006/main" xmlns:r="http://schemas.openxmlformats.org/officeDocument/2006/relationships" xmlns:p="http://schemas.openxmlformats.org/presentationml/2006/main">
   <p:cSld>
     <p:spTree>
@@ -10697,7 +12243,7 @@
 </p:sld>
 </file>
 
-<file path=ppt/slides/slide16.xml><?xml version="1.0" encoding="utf-8"?>
+<file path=ppt/slides/slide17.xml><?xml version="1.0" encoding="utf-8"?>
 <p:sld xmlns:a="http://schemas.openxmlformats.org/drawingml/2006/main" xmlns:r="http://schemas.openxmlformats.org/officeDocument/2006/relationships" xmlns:p="http://schemas.openxmlformats.org/presentationml/2006/main">
   <p:cSld>
     <p:spTree>
@@ -13449,7 +14995,7 @@
 </p:sld>
 </file>
 
-<file path=ppt/slides/slide17.xml><?xml version="1.0" encoding="utf-8"?>
+<file path=ppt/slides/slide18.xml><?xml version="1.0" encoding="utf-8"?>
 <p:sld xmlns:a="http://schemas.openxmlformats.org/drawingml/2006/main" xmlns:r="http://schemas.openxmlformats.org/officeDocument/2006/relationships" xmlns:p="http://schemas.openxmlformats.org/presentationml/2006/main">
   <p:cSld>
     <p:spTree>
@@ -13575,7 +15121,7 @@
 </p:sld>
 </file>
 
-<file path=ppt/slides/slide18.xml><?xml version="1.0" encoding="utf-8"?>
+<file path=ppt/slides/slide19.xml><?xml version="1.0" encoding="utf-8"?>
 <p:sld xmlns:a="http://schemas.openxmlformats.org/drawingml/2006/main" xmlns:r="http://schemas.openxmlformats.org/officeDocument/2006/relationships" xmlns:p="http://schemas.openxmlformats.org/presentationml/2006/main">
   <p:cSld>
     <p:spTree>
@@ -14096,7 +15642,158 @@
 </p:sld>
 </file>
 
-<file path=ppt/slides/slide19.xml><?xml version="1.0" encoding="utf-8"?>
+<file path=ppt/slides/slide2.xml><?xml version="1.0" encoding="utf-8"?>
+<p:sld xmlns:a="http://schemas.openxmlformats.org/drawingml/2006/main" xmlns:r="http://schemas.openxmlformats.org/officeDocument/2006/relationships" xmlns:p="http://schemas.openxmlformats.org/presentationml/2006/main">
+  <p:cSld>
+    <p:spTree>
+      <p:nvGrpSpPr>
+        <p:cNvPr id="1" name=""/>
+        <p:cNvGrpSpPr/>
+        <p:nvPr/>
+      </p:nvGrpSpPr>
+      <p:grpSpPr>
+        <a:xfrm>
+          <a:off x="0" y="0"/>
+          <a:ext cx="0" cy="0"/>
+          <a:chOff x="0" y="0"/>
+          <a:chExt cx="0" cy="0"/>
+        </a:xfrm>
+      </p:grpSpPr>
+      <p:sp>
+        <p:nvSpPr>
+          <p:cNvPr id="2" name="Title 1"/>
+          <p:cNvSpPr>
+            <a:spLocks noGrp="1"/>
+          </p:cNvSpPr>
+          <p:nvPr>
+            <p:ph type="title"/>
+          </p:nvPr>
+        </p:nvSpPr>
+        <p:spPr/>
+        <p:txBody>
+          <a:bodyPr>
+            <a:normAutofit/>
+          </a:bodyPr>
+          <a:lstStyle/>
+          <a:p>
+            <a:r>
+              <a:rPr lang="en-US" sz="3200" dirty="0"/>
+              <a:t>Estimating population vital rates</a:t>
+            </a:r>
+          </a:p>
+        </p:txBody>
+      </p:sp>
+      <p:sp>
+        <p:nvSpPr>
+          <p:cNvPr id="3" name="Content Placeholder 2"/>
+          <p:cNvSpPr>
+            <a:spLocks noGrp="1"/>
+          </p:cNvSpPr>
+          <p:nvPr>
+            <p:ph idx="1"/>
+          </p:nvPr>
+        </p:nvSpPr>
+        <p:spPr>
+          <a:xfrm>
+            <a:off x="76200" y="1200151"/>
+            <a:ext cx="4572000" cy="3394472"/>
+          </a:xfrm>
+        </p:spPr>
+        <p:txBody>
+          <a:bodyPr>
+            <a:normAutofit fontScale="92500" lnSpcReduction="20000"/>
+          </a:bodyPr>
+          <a:lstStyle/>
+          <a:p>
+            <a:r>
+              <a:rPr lang="en-US" sz="2000" dirty="0"/>
+              <a:t>Can use counts to model change in population size and the effect of covariates</a:t>
+            </a:r>
+          </a:p>
+          <a:p>
+            <a:endParaRPr lang="en-US" sz="2000" dirty="0"/>
+          </a:p>
+          <a:p>
+            <a:r>
+              <a:rPr lang="en-US" sz="2000" dirty="0"/>
+              <a:t>Intrinsic population characteristics govern population dynamics</a:t>
+            </a:r>
+          </a:p>
+          <a:p>
+            <a:endParaRPr lang="en-US" sz="2000" dirty="0"/>
+          </a:p>
+          <a:p>
+            <a:r>
+              <a:rPr lang="en-US" sz="2000" dirty="0"/>
+              <a:t>Stressors and threats often act directly on these rates</a:t>
+            </a:r>
+          </a:p>
+          <a:p>
+            <a:endParaRPr lang="en-US" sz="2000" dirty="0"/>
+          </a:p>
+          <a:p>
+            <a:r>
+              <a:rPr lang="en-US" sz="2000" dirty="0"/>
+              <a:t>This can help guide conservation actions to where it will be the most helpful and examine effects of potential management actions</a:t>
+            </a:r>
+          </a:p>
+        </p:txBody>
+      </p:sp>
+      <p:pic>
+        <p:nvPicPr>
+          <p:cNvPr id="1026" name="Picture 2" descr="C:\Users\amt0046\Documents\Pictures and figures\5.2-birdsEN.gif"/>
+          <p:cNvPicPr>
+            <a:picLocks noChangeAspect="1" noChangeArrowheads="1"/>
+          </p:cNvPicPr>
+          <p:nvPr/>
+        </p:nvPicPr>
+        <p:blipFill>
+          <a:blip r:embed="rId2">
+            <a:extLst>
+              <a:ext uri="{28A0092B-C50C-407E-A947-70E740481C1C}">
+                <a14:useLocalDpi xmlns:a14="http://schemas.microsoft.com/office/drawing/2010/main" val="0"/>
+              </a:ext>
+            </a:extLst>
+          </a:blip>
+          <a:srcRect/>
+          <a:stretch>
+            <a:fillRect/>
+          </a:stretch>
+        </p:blipFill>
+        <p:spPr bwMode="auto">
+          <a:xfrm>
+            <a:off x="4648200" y="1543050"/>
+            <a:ext cx="4341893" cy="2019300"/>
+          </a:xfrm>
+          <a:prstGeom prst="rect">
+            <a:avLst/>
+          </a:prstGeom>
+          <a:noFill/>
+          <a:extLst>
+            <a:ext uri="{909E8E84-426E-40DD-AFC4-6F175D3DCCD1}">
+              <a14:hiddenFill xmlns:a14="http://schemas.microsoft.com/office/drawing/2010/main">
+                <a:solidFill>
+                  <a:srgbClr val="FFFFFF"/>
+                </a:solidFill>
+              </a14:hiddenFill>
+            </a:ext>
+          </a:extLst>
+        </p:spPr>
+      </p:pic>
+    </p:spTree>
+    <p:extLst>
+      <p:ext uri="{BB962C8B-B14F-4D97-AF65-F5344CB8AC3E}">
+        <p14:creationId xmlns:p14="http://schemas.microsoft.com/office/powerpoint/2010/main" val="3333142017"/>
+      </p:ext>
+    </p:extLst>
+  </p:cSld>
+  <p:clrMapOvr>
+    <a:masterClrMapping/>
+  </p:clrMapOvr>
+</p:sld>
+</file>
+
+<file path=ppt/slides/slide20.xml><?xml version="1.0" encoding="utf-8"?>
 <p:sld xmlns:a="http://schemas.openxmlformats.org/drawingml/2006/main" xmlns:r="http://schemas.openxmlformats.org/officeDocument/2006/relationships" xmlns:p="http://schemas.openxmlformats.org/presentationml/2006/main">
   <p:cSld>
     <p:spTree>
@@ -14952,158 +16649,7 @@
 </p:sld>
 </file>
 
-<file path=ppt/slides/slide2.xml><?xml version="1.0" encoding="utf-8"?>
-<p:sld xmlns:a="http://schemas.openxmlformats.org/drawingml/2006/main" xmlns:r="http://schemas.openxmlformats.org/officeDocument/2006/relationships" xmlns:p="http://schemas.openxmlformats.org/presentationml/2006/main">
-  <p:cSld>
-    <p:spTree>
-      <p:nvGrpSpPr>
-        <p:cNvPr id="1" name=""/>
-        <p:cNvGrpSpPr/>
-        <p:nvPr/>
-      </p:nvGrpSpPr>
-      <p:grpSpPr>
-        <a:xfrm>
-          <a:off x="0" y="0"/>
-          <a:ext cx="0" cy="0"/>
-          <a:chOff x="0" y="0"/>
-          <a:chExt cx="0" cy="0"/>
-        </a:xfrm>
-      </p:grpSpPr>
-      <p:sp>
-        <p:nvSpPr>
-          <p:cNvPr id="2" name="Title 1"/>
-          <p:cNvSpPr>
-            <a:spLocks noGrp="1"/>
-          </p:cNvSpPr>
-          <p:nvPr>
-            <p:ph type="title"/>
-          </p:nvPr>
-        </p:nvSpPr>
-        <p:spPr/>
-        <p:txBody>
-          <a:bodyPr>
-            <a:normAutofit/>
-          </a:bodyPr>
-          <a:lstStyle/>
-          <a:p>
-            <a:r>
-              <a:rPr lang="en-US" sz="3200" dirty="0"/>
-              <a:t>Estimating population vital rates</a:t>
-            </a:r>
-          </a:p>
-        </p:txBody>
-      </p:sp>
-      <p:sp>
-        <p:nvSpPr>
-          <p:cNvPr id="3" name="Content Placeholder 2"/>
-          <p:cNvSpPr>
-            <a:spLocks noGrp="1"/>
-          </p:cNvSpPr>
-          <p:nvPr>
-            <p:ph idx="1"/>
-          </p:nvPr>
-        </p:nvSpPr>
-        <p:spPr>
-          <a:xfrm>
-            <a:off x="76200" y="1200151"/>
-            <a:ext cx="4572000" cy="3394472"/>
-          </a:xfrm>
-        </p:spPr>
-        <p:txBody>
-          <a:bodyPr>
-            <a:normAutofit fontScale="92500" lnSpcReduction="20000"/>
-          </a:bodyPr>
-          <a:lstStyle/>
-          <a:p>
-            <a:r>
-              <a:rPr lang="en-US" sz="2000" dirty="0"/>
-              <a:t>Can use counts to model change in population size and the effect of covariates</a:t>
-            </a:r>
-          </a:p>
-          <a:p>
-            <a:endParaRPr lang="en-US" sz="2000" dirty="0"/>
-          </a:p>
-          <a:p>
-            <a:r>
-              <a:rPr lang="en-US" sz="2000" dirty="0"/>
-              <a:t>Intrinsic population characteristics govern population dynamics</a:t>
-            </a:r>
-          </a:p>
-          <a:p>
-            <a:endParaRPr lang="en-US" sz="2000" dirty="0"/>
-          </a:p>
-          <a:p>
-            <a:r>
-              <a:rPr lang="en-US" sz="2000" dirty="0"/>
-              <a:t>Stressors and threats often act directly on these rates</a:t>
-            </a:r>
-          </a:p>
-          <a:p>
-            <a:endParaRPr lang="en-US" sz="2000" dirty="0"/>
-          </a:p>
-          <a:p>
-            <a:r>
-              <a:rPr lang="en-US" sz="2000" dirty="0"/>
-              <a:t>This can help guide conservation actions to where it will be the most helpful and examine effects of potential management actions</a:t>
-            </a:r>
-          </a:p>
-        </p:txBody>
-      </p:sp>
-      <p:pic>
-        <p:nvPicPr>
-          <p:cNvPr id="1026" name="Picture 2" descr="C:\Users\amt0046\Documents\Pictures and figures\5.2-birdsEN.gif"/>
-          <p:cNvPicPr>
-            <a:picLocks noChangeAspect="1" noChangeArrowheads="1"/>
-          </p:cNvPicPr>
-          <p:nvPr/>
-        </p:nvPicPr>
-        <p:blipFill>
-          <a:blip r:embed="rId2">
-            <a:extLst>
-              <a:ext uri="{28A0092B-C50C-407E-A947-70E740481C1C}">
-                <a14:useLocalDpi xmlns:a14="http://schemas.microsoft.com/office/drawing/2010/main" val="0"/>
-              </a:ext>
-            </a:extLst>
-          </a:blip>
-          <a:srcRect/>
-          <a:stretch>
-            <a:fillRect/>
-          </a:stretch>
-        </p:blipFill>
-        <p:spPr bwMode="auto">
-          <a:xfrm>
-            <a:off x="4648200" y="1543050"/>
-            <a:ext cx="4341893" cy="2019300"/>
-          </a:xfrm>
-          <a:prstGeom prst="rect">
-            <a:avLst/>
-          </a:prstGeom>
-          <a:noFill/>
-          <a:extLst>
-            <a:ext uri="{909E8E84-426E-40DD-AFC4-6F175D3DCCD1}">
-              <a14:hiddenFill xmlns:a14="http://schemas.microsoft.com/office/drawing/2010/main">
-                <a:solidFill>
-                  <a:srgbClr val="FFFFFF"/>
-                </a:solidFill>
-              </a14:hiddenFill>
-            </a:ext>
-          </a:extLst>
-        </p:spPr>
-      </p:pic>
-    </p:spTree>
-    <p:extLst>
-      <p:ext uri="{BB962C8B-B14F-4D97-AF65-F5344CB8AC3E}">
-        <p14:creationId xmlns:p14="http://schemas.microsoft.com/office/powerpoint/2010/main" val="3333142017"/>
-      </p:ext>
-    </p:extLst>
-  </p:cSld>
-  <p:clrMapOvr>
-    <a:masterClrMapping/>
-  </p:clrMapOvr>
-</p:sld>
-</file>
-
-<file path=ppt/slides/slide20.xml><?xml version="1.0" encoding="utf-8"?>
+<file path=ppt/slides/slide21.xml><?xml version="1.0" encoding="utf-8"?>
 <p:sld xmlns:a="http://schemas.openxmlformats.org/drawingml/2006/main" xmlns:r="http://schemas.openxmlformats.org/officeDocument/2006/relationships" xmlns:p="http://schemas.openxmlformats.org/presentationml/2006/main">
   <p:cSld>
     <p:spTree>
@@ -15933,7 +17479,7 @@
 </p:sld>
 </file>
 
-<file path=ppt/slides/slide21.xml><?xml version="1.0" encoding="utf-8"?>
+<file path=ppt/slides/slide22.xml><?xml version="1.0" encoding="utf-8"?>
 <p:sld xmlns:a="http://schemas.openxmlformats.org/drawingml/2006/main" xmlns:r="http://schemas.openxmlformats.org/officeDocument/2006/relationships" xmlns:p="http://schemas.openxmlformats.org/presentationml/2006/main">
   <p:cSld>
     <p:spTree>
@@ -16407,7 +17953,7 @@
 </p:sld>
 </file>
 
-<file path=ppt/slides/slide22.xml><?xml version="1.0" encoding="utf-8"?>
+<file path=ppt/slides/slide23.xml><?xml version="1.0" encoding="utf-8"?>
 <p:sld xmlns:a="http://schemas.openxmlformats.org/drawingml/2006/main" xmlns:r="http://schemas.openxmlformats.org/officeDocument/2006/relationships" xmlns:p="http://schemas.openxmlformats.org/presentationml/2006/main">
   <p:cSld>
     <p:spTree>
@@ -19903,6 +21449,935 @@
       </p:grpSpPr>
       <p:sp>
         <p:nvSpPr>
+          <p:cNvPr id="2" name="Title 1">
+            <a:extLst>
+              <a:ext uri="{FF2B5EF4-FFF2-40B4-BE49-F238E27FC236}">
+                <a16:creationId xmlns:a16="http://schemas.microsoft.com/office/drawing/2014/main" id="{AB006400-3022-4111-825D-C54283E27CDD}"/>
+              </a:ext>
+            </a:extLst>
+          </p:cNvPr>
+          <p:cNvSpPr>
+            <a:spLocks noGrp="1"/>
+          </p:cNvSpPr>
+          <p:nvPr>
+            <p:ph type="title"/>
+          </p:nvPr>
+        </p:nvSpPr>
+        <p:spPr/>
+        <p:txBody>
+          <a:bodyPr>
+            <a:noAutofit/>
+          </a:bodyPr>
+          <a:lstStyle/>
+          <a:p>
+            <a:pPr algn="l"/>
+            <a:r>
+              <a:rPr lang="en-US" sz="2400" dirty="0"/>
+              <a:t>Linking survival probability to covariates</a:t>
+            </a:r>
+          </a:p>
+        </p:txBody>
+      </p:sp>
+      <p:sp>
+        <p:nvSpPr>
+          <p:cNvPr id="3" name="Content Placeholder 2">
+            <a:extLst>
+              <a:ext uri="{FF2B5EF4-FFF2-40B4-BE49-F238E27FC236}">
+                <a16:creationId xmlns:a16="http://schemas.microsoft.com/office/drawing/2014/main" id="{98BD5672-C4AA-4742-AA32-4657D8A92FCB}"/>
+              </a:ext>
+            </a:extLst>
+          </p:cNvPr>
+          <p:cNvSpPr>
+            <a:spLocks noGrp="1"/>
+          </p:cNvSpPr>
+          <p:nvPr>
+            <p:ph idx="1"/>
+          </p:nvPr>
+        </p:nvSpPr>
+        <p:spPr>
+          <a:xfrm>
+            <a:off x="631278" y="1123950"/>
+            <a:ext cx="7886700" cy="3394472"/>
+          </a:xfrm>
+        </p:spPr>
+        <p:txBody>
+          <a:bodyPr>
+            <a:normAutofit/>
+          </a:bodyPr>
+          <a:lstStyle/>
+          <a:p>
+            <a:r>
+              <a:rPr lang="en-US" sz="1800" b="1" dirty="0"/>
+              <a:t>Logistic regression </a:t>
+            </a:r>
+            <a:r>
+              <a:rPr lang="en-US" sz="1800" dirty="0"/>
+              <a:t>is at the heart of survival estimation</a:t>
+            </a:r>
+          </a:p>
+          <a:p>
+            <a:endParaRPr lang="en-US" sz="1800" dirty="0"/>
+          </a:p>
+          <a:p>
+            <a:endParaRPr lang="en-US" sz="1800" dirty="0"/>
+          </a:p>
+          <a:p>
+            <a:endParaRPr lang="en-US" sz="1800" dirty="0"/>
+          </a:p>
+          <a:p>
+            <a:r>
+              <a:rPr lang="en-US" sz="1800" dirty="0"/>
+              <a:t>Parameter estimates often back-transformed for interpretation</a:t>
+            </a:r>
+          </a:p>
+          <a:p>
+            <a:r>
+              <a:rPr lang="en-US" sz="1800" dirty="0"/>
+              <a:t>Odds are relative to the (use a “reference level”)</a:t>
+            </a:r>
+          </a:p>
+        </p:txBody>
+      </p:sp>
+      <p:graphicFrame>
+        <p:nvGraphicFramePr>
+          <p:cNvPr id="4" name="Table 3">
+            <a:extLst>
+              <a:ext uri="{FF2B5EF4-FFF2-40B4-BE49-F238E27FC236}">
+                <a16:creationId xmlns:a16="http://schemas.microsoft.com/office/drawing/2014/main" id="{9048C09E-3A7F-4972-A8F1-6A33937248A2}"/>
+              </a:ext>
+            </a:extLst>
+          </p:cNvPr>
+          <p:cNvGraphicFramePr>
+            <a:graphicFrameLocks noGrp="1"/>
+          </p:cNvGraphicFramePr>
+          <p:nvPr>
+            <p:extLst>
+              <p:ext uri="{D42A27DB-BD31-4B8C-83A1-F6EECF244321}">
+                <p14:modId xmlns:p14="http://schemas.microsoft.com/office/powerpoint/2010/main" val="402938139"/>
+              </p:ext>
+            </p:extLst>
+          </p:nvPr>
+        </p:nvGraphicFramePr>
+        <p:xfrm>
+          <a:off x="306111" y="3319991"/>
+          <a:ext cx="6462689" cy="1303020"/>
+        </p:xfrm>
+        <a:graphic>
+          <a:graphicData uri="http://schemas.openxmlformats.org/drawingml/2006/table">
+            <a:tbl>
+              <a:tblPr firstRow="1" bandRow="1">
+                <a:tableStyleId>{616DA210-FB5B-4158-B5E0-FEB733F419BA}</a:tableStyleId>
+              </a:tblPr>
+              <a:tblGrid>
+                <a:gridCol w="1827489">
+                  <a:extLst>
+                    <a:ext uri="{9D8B030D-6E8A-4147-A177-3AD203B41FA5}">
+                      <a16:colId xmlns:a16="http://schemas.microsoft.com/office/drawing/2014/main" val="1994016553"/>
+                    </a:ext>
+                  </a:extLst>
+                </a:gridCol>
+                <a:gridCol w="1134874">
+                  <a:extLst>
+                    <a:ext uri="{9D8B030D-6E8A-4147-A177-3AD203B41FA5}">
+                      <a16:colId xmlns:a16="http://schemas.microsoft.com/office/drawing/2014/main" val="4052906356"/>
+                    </a:ext>
+                  </a:extLst>
+                </a:gridCol>
+                <a:gridCol w="1229749">
+                  <a:extLst>
+                    <a:ext uri="{9D8B030D-6E8A-4147-A177-3AD203B41FA5}">
+                      <a16:colId xmlns:a16="http://schemas.microsoft.com/office/drawing/2014/main" val="4014107595"/>
+                    </a:ext>
+                  </a:extLst>
+                </a:gridCol>
+                <a:gridCol w="2270577">
+                  <a:extLst>
+                    <a:ext uri="{9D8B030D-6E8A-4147-A177-3AD203B41FA5}">
+                      <a16:colId xmlns:a16="http://schemas.microsoft.com/office/drawing/2014/main" val="3374785829"/>
+                    </a:ext>
+                  </a:extLst>
+                </a:gridCol>
+              </a:tblGrid>
+              <a:tr h="536510">
+                <a:tc>
+                  <a:txBody>
+                    <a:bodyPr/>
+                    <a:lstStyle/>
+                    <a:p>
+                      <a:pPr algn="ctr"/>
+                      <a:r>
+                        <a:rPr lang="en-US" sz="1800" dirty="0"/>
+                        <a:t>Parameter</a:t>
+                      </a:r>
+                    </a:p>
+                  </a:txBody>
+                  <a:tcPr marL="68580" marR="68580" marT="34290" marB="34290" anchor="ctr"/>
+                </a:tc>
+                <a:tc>
+                  <a:txBody>
+                    <a:bodyPr/>
+                    <a:lstStyle/>
+                    <a:p>
+                      <a:pPr algn="ctr"/>
+                      <a:r>
+                        <a:rPr lang="en-US" sz="1800" dirty="0"/>
+                        <a:t>Estimate (</a:t>
+                      </a:r>
+                      <a:r>
+                        <a:rPr lang="el-GR" sz="1800" dirty="0"/>
+                        <a:t>β</a:t>
+                      </a:r>
+                      <a:r>
+                        <a:rPr lang="en-US" sz="1800" dirty="0"/>
+                        <a:t>)</a:t>
+                      </a:r>
+                    </a:p>
+                  </a:txBody>
+                  <a:tcPr marL="68580" marR="68580" marT="34290" marB="34290" anchor="ctr"/>
+                </a:tc>
+                <a:tc>
+                  <a:txBody>
+                    <a:bodyPr/>
+                    <a:lstStyle/>
+                    <a:p>
+                      <a:pPr algn="ctr"/>
+                      <a:r>
+                        <a:rPr lang="en-US" sz="1800" dirty="0"/>
+                        <a:t>Odds (e</a:t>
+                      </a:r>
+                      <a:r>
+                        <a:rPr lang="el-GR" sz="1800" baseline="30000" dirty="0"/>
+                        <a:t>β</a:t>
+                      </a:r>
+                      <a:r>
+                        <a:rPr lang="en-US" sz="1800" dirty="0"/>
+                        <a:t>)</a:t>
+                      </a:r>
+                      <a:endParaRPr lang="en-US" sz="1800" baseline="30000" dirty="0"/>
+                    </a:p>
+                  </a:txBody>
+                  <a:tcPr marL="68580" marR="68580" marT="34290" marB="34290" anchor="ctr"/>
+                </a:tc>
+                <a:tc>
+                  <a:txBody>
+                    <a:bodyPr/>
+                    <a:lstStyle/>
+                    <a:p>
+                      <a:pPr algn="ctr"/>
+                      <a:r>
+                        <a:rPr lang="en-US" sz="1800" dirty="0"/>
+                        <a:t>Survival probability</a:t>
+                      </a:r>
+                    </a:p>
+                    <a:p>
+                      <a:pPr marL="0" marR="0" lvl="0" indent="0" algn="ctr" defTabSz="914400" rtl="0" eaLnBrk="1" fontAlgn="auto" latinLnBrk="0" hangingPunct="1">
+                        <a:lnSpc>
+                          <a:spcPct val="100000"/>
+                        </a:lnSpc>
+                        <a:spcBef>
+                          <a:spcPts val="0"/>
+                        </a:spcBef>
+                        <a:spcAft>
+                          <a:spcPts val="0"/>
+                        </a:spcAft>
+                        <a:buClrTx/>
+                        <a:buSzTx/>
+                        <a:buFontTx/>
+                        <a:buNone/>
+                        <a:tabLst/>
+                        <a:defRPr/>
+                      </a:pPr>
+                      <a:r>
+                        <a:rPr lang="en-US" sz="1800" dirty="0"/>
+                        <a:t>(e</a:t>
+                      </a:r>
+                      <a:r>
+                        <a:rPr lang="el-GR" sz="1800" baseline="30000" dirty="0"/>
+                        <a:t>β</a:t>
+                      </a:r>
+                      <a:r>
+                        <a:rPr lang="en-US" sz="1800" dirty="0"/>
+                        <a:t>/1+e</a:t>
+                      </a:r>
+                      <a:r>
+                        <a:rPr lang="el-GR" sz="1800" baseline="30000" dirty="0"/>
+                        <a:t>β</a:t>
+                      </a:r>
+                      <a:r>
+                        <a:rPr lang="en-US" sz="1800" dirty="0"/>
+                        <a:t>)</a:t>
+                      </a:r>
+                      <a:endParaRPr lang="en-US" sz="1800" baseline="30000" dirty="0"/>
+                    </a:p>
+                  </a:txBody>
+                  <a:tcPr marL="68580" marR="68580" marT="34290" marB="34290" anchor="ctr"/>
+                </a:tc>
+                <a:extLst>
+                  <a:ext uri="{0D108BD9-81ED-4DB2-BD59-A6C34878D82A}">
+                    <a16:rowId xmlns:a16="http://schemas.microsoft.com/office/drawing/2014/main" val="374498280"/>
+                  </a:ext>
+                </a:extLst>
+              </a:tr>
+              <a:tr h="303245">
+                <a:tc>
+                  <a:txBody>
+                    <a:bodyPr/>
+                    <a:lstStyle/>
+                    <a:p>
+                      <a:pPr algn="ctr"/>
+                      <a:r>
+                        <a:rPr lang="en-US" sz="1800" dirty="0"/>
+                        <a:t>Pirate rat present</a:t>
+                      </a:r>
+                    </a:p>
+                  </a:txBody>
+                  <a:tcPr marL="68580" marR="68580" marT="34290" marB="34290" anchor="ctr"/>
+                </a:tc>
+                <a:tc>
+                  <a:txBody>
+                    <a:bodyPr/>
+                    <a:lstStyle/>
+                    <a:p>
+                      <a:pPr algn="ctr"/>
+                      <a:r>
+                        <a:rPr lang="en-US" sz="1800" dirty="0"/>
+                        <a:t>1</a:t>
+                      </a:r>
+                    </a:p>
+                  </a:txBody>
+                  <a:tcPr marL="68580" marR="68580" marT="34290" marB="34290" anchor="ctr"/>
+                </a:tc>
+                <a:tc>
+                  <a:txBody>
+                    <a:bodyPr/>
+                    <a:lstStyle/>
+                    <a:p>
+                      <a:pPr algn="ctr"/>
+                      <a:r>
+                        <a:rPr lang="en-US" sz="1800" dirty="0"/>
+                        <a:t>2.7</a:t>
+                      </a:r>
+                    </a:p>
+                  </a:txBody>
+                  <a:tcPr marL="68580" marR="68580" marT="34290" marB="34290" anchor="ctr"/>
+                </a:tc>
+                <a:tc>
+                  <a:txBody>
+                    <a:bodyPr/>
+                    <a:lstStyle/>
+                    <a:p>
+                      <a:pPr algn="ctr"/>
+                      <a:r>
+                        <a:rPr lang="en-US" sz="1800" dirty="0"/>
+                        <a:t>0.73</a:t>
+                      </a:r>
+                    </a:p>
+                  </a:txBody>
+                  <a:tcPr marL="68580" marR="68580" marT="34290" marB="34290" anchor="ctr"/>
+                </a:tc>
+                <a:extLst>
+                  <a:ext uri="{0D108BD9-81ED-4DB2-BD59-A6C34878D82A}">
+                    <a16:rowId xmlns:a16="http://schemas.microsoft.com/office/drawing/2014/main" val="1460076334"/>
+                  </a:ext>
+                </a:extLst>
+              </a:tr>
+              <a:tr h="303245">
+                <a:tc>
+                  <a:txBody>
+                    <a:bodyPr/>
+                    <a:lstStyle/>
+                    <a:p>
+                      <a:pPr algn="ctr"/>
+                      <a:r>
+                        <a:rPr lang="en-US" sz="1800" dirty="0"/>
+                        <a:t>Pirate rat absent</a:t>
+                      </a:r>
+                    </a:p>
+                  </a:txBody>
+                  <a:tcPr marL="68580" marR="68580" marT="34290" marB="34290" anchor="ctr"/>
+                </a:tc>
+                <a:tc>
+                  <a:txBody>
+                    <a:bodyPr/>
+                    <a:lstStyle/>
+                    <a:p>
+                      <a:pPr algn="ctr"/>
+                      <a:r>
+                        <a:rPr lang="en-US" sz="1800" dirty="0"/>
+                        <a:t>2.1</a:t>
+                      </a:r>
+                    </a:p>
+                  </a:txBody>
+                  <a:tcPr marL="68580" marR="68580" marT="34290" marB="34290" anchor="ctr"/>
+                </a:tc>
+                <a:tc>
+                  <a:txBody>
+                    <a:bodyPr/>
+                    <a:lstStyle/>
+                    <a:p>
+                      <a:pPr algn="ctr"/>
+                      <a:r>
+                        <a:rPr lang="en-US" sz="1800" dirty="0"/>
+                        <a:t>8.2</a:t>
+                      </a:r>
+                    </a:p>
+                  </a:txBody>
+                  <a:tcPr marL="68580" marR="68580" marT="34290" marB="34290" anchor="ctr"/>
+                </a:tc>
+                <a:tc>
+                  <a:txBody>
+                    <a:bodyPr/>
+                    <a:lstStyle/>
+                    <a:p>
+                      <a:pPr algn="ctr"/>
+                      <a:r>
+                        <a:rPr lang="en-US" sz="1800" dirty="0"/>
+                        <a:t>0.96</a:t>
+                      </a:r>
+                    </a:p>
+                  </a:txBody>
+                  <a:tcPr marL="68580" marR="68580" marT="34290" marB="34290" anchor="ctr"/>
+                </a:tc>
+                <a:extLst>
+                  <a:ext uri="{0D108BD9-81ED-4DB2-BD59-A6C34878D82A}">
+                    <a16:rowId xmlns:a16="http://schemas.microsoft.com/office/drawing/2014/main" val="711840075"/>
+                  </a:ext>
+                </a:extLst>
+              </a:tr>
+            </a:tbl>
+          </a:graphicData>
+        </a:graphic>
+      </p:graphicFrame>
+      <mc:AlternateContent xmlns:mc="http://schemas.openxmlformats.org/markup-compatibility/2006">
+        <mc:Choice xmlns:a14="http://schemas.microsoft.com/office/drawing/2010/main" Requires="a14">
+          <p:sp>
+            <p:nvSpPr>
+              <p:cNvPr id="5" name="TextBox 4">
+                <a:extLst>
+                  <a:ext uri="{FF2B5EF4-FFF2-40B4-BE49-F238E27FC236}">
+                    <a16:creationId xmlns:a16="http://schemas.microsoft.com/office/drawing/2014/main" id="{3EEE364F-D349-40F4-A1CD-84C489AA837F}"/>
+                  </a:ext>
+                </a:extLst>
+              </p:cNvPr>
+              <p:cNvSpPr txBox="1"/>
+              <p:nvPr/>
+            </p:nvSpPr>
+            <p:spPr>
+              <a:xfrm>
+                <a:off x="1066800" y="1860098"/>
+                <a:ext cx="4853316" cy="323165"/>
+              </a:xfrm>
+              <a:prstGeom prst="rect">
+                <a:avLst/>
+              </a:prstGeom>
+              <a:noFill/>
+            </p:spPr>
+            <p:txBody>
+              <a:bodyPr wrap="none" lIns="0" tIns="0" rIns="0" bIns="0" rtlCol="0">
+                <a:spAutoFit/>
+              </a:bodyPr>
+              <a:lstStyle/>
+              <a:p>
+                <a:pPr/>
+                <a14:m>
+                  <m:oMathPara xmlns:m="http://schemas.openxmlformats.org/officeDocument/2006/math">
+                    <m:oMathParaPr>
+                      <m:jc m:val="centerGroup"/>
+                    </m:oMathParaPr>
+                    <m:oMath xmlns:m="http://schemas.openxmlformats.org/officeDocument/2006/math">
+                      <m:r>
+                        <a:rPr lang="en-US" sz="2100" i="1" smtClean="0">
+                          <a:latin typeface="Cambria Math" panose="02040503050406030204" pitchFamily="18" charset="0"/>
+                        </a:rPr>
+                        <m:t>𝑙𝑜𝑔𝑖𝑡</m:t>
+                      </m:r>
+                      <m:d>
+                        <m:dPr>
+                          <m:ctrlPr>
+                            <a:rPr lang="en-US" sz="2100" i="1">
+                              <a:latin typeface="Cambria Math" panose="02040503050406030204" pitchFamily="18" charset="0"/>
+                            </a:rPr>
+                          </m:ctrlPr>
+                        </m:dPr>
+                        <m:e>
+                          <m:r>
+                            <a:rPr lang="en-US" sz="2100" i="1">
+                              <a:latin typeface="Cambria Math" panose="02040503050406030204" pitchFamily="18" charset="0"/>
+                            </a:rPr>
+                            <m:t>𝑆</m:t>
+                          </m:r>
+                        </m:e>
+                      </m:d>
+                      <m:r>
+                        <a:rPr lang="en-US" sz="2100" i="1">
+                          <a:latin typeface="Cambria Math" panose="02040503050406030204" pitchFamily="18" charset="0"/>
+                        </a:rPr>
+                        <m:t>=</m:t>
+                      </m:r>
+                      <m:sSub>
+                        <m:sSubPr>
+                          <m:ctrlPr>
+                            <a:rPr lang="en-US" sz="2100" i="1">
+                              <a:latin typeface="Cambria Math" panose="02040503050406030204" pitchFamily="18" charset="0"/>
+                            </a:rPr>
+                          </m:ctrlPr>
+                        </m:sSubPr>
+                        <m:e>
+                          <m:r>
+                            <a:rPr lang="en-US" sz="2100" i="1">
+                              <a:latin typeface="Cambria Math" panose="02040503050406030204" pitchFamily="18" charset="0"/>
+                              <a:ea typeface="Cambria Math" panose="02040503050406030204" pitchFamily="18" charset="0"/>
+                            </a:rPr>
+                            <m:t>𝛽</m:t>
+                          </m:r>
+                        </m:e>
+                        <m:sub>
+                          <m:r>
+                            <a:rPr lang="en-US" sz="2100" i="1">
+                              <a:latin typeface="Cambria Math" panose="02040503050406030204" pitchFamily="18" charset="0"/>
+                            </a:rPr>
+                            <m:t>0</m:t>
+                          </m:r>
+                        </m:sub>
+                      </m:sSub>
+                      <m:r>
+                        <a:rPr lang="en-US" sz="2100" i="1">
+                          <a:latin typeface="Cambria Math" panose="02040503050406030204" pitchFamily="18" charset="0"/>
+                        </a:rPr>
+                        <m:t>+</m:t>
+                      </m:r>
+                      <m:sSub>
+                        <m:sSubPr>
+                          <m:ctrlPr>
+                            <a:rPr lang="en-US" sz="2100" i="1">
+                              <a:latin typeface="Cambria Math" panose="02040503050406030204" pitchFamily="18" charset="0"/>
+                            </a:rPr>
+                          </m:ctrlPr>
+                        </m:sSubPr>
+                        <m:e>
+                          <m:r>
+                            <a:rPr lang="en-US" sz="2100" i="1">
+                              <a:latin typeface="Cambria Math" panose="02040503050406030204" pitchFamily="18" charset="0"/>
+                              <a:ea typeface="Cambria Math" panose="02040503050406030204" pitchFamily="18" charset="0"/>
+                            </a:rPr>
+                            <m:t>𝛽</m:t>
+                          </m:r>
+                        </m:e>
+                        <m:sub>
+                          <m:r>
+                            <a:rPr lang="en-US" sz="2100" i="1">
+                              <a:latin typeface="Cambria Math" panose="02040503050406030204" pitchFamily="18" charset="0"/>
+                            </a:rPr>
+                            <m:t>1</m:t>
+                          </m:r>
+                        </m:sub>
+                      </m:sSub>
+                      <m:r>
+                        <a:rPr lang="en-US" sz="2100" i="1">
+                          <a:latin typeface="Cambria Math" panose="02040503050406030204" pitchFamily="18" charset="0"/>
+                        </a:rPr>
+                        <m:t>∗</m:t>
+                      </m:r>
+                      <m:r>
+                        <a:rPr lang="en-US" sz="2100" b="0" i="1" smtClean="0">
+                          <a:latin typeface="Cambria Math" panose="02040503050406030204" pitchFamily="18" charset="0"/>
+                        </a:rPr>
+                        <m:t>𝑃𝑖𝑟𝑎𝑡𝑒</m:t>
+                      </m:r>
+                      <m:r>
+                        <a:rPr lang="en-US" sz="2100" b="0" i="1" smtClean="0">
+                          <a:latin typeface="Cambria Math" panose="02040503050406030204" pitchFamily="18" charset="0"/>
+                        </a:rPr>
+                        <m:t> </m:t>
+                      </m:r>
+                      <m:r>
+                        <a:rPr lang="en-US" sz="2100" b="0" i="1" smtClean="0">
+                          <a:latin typeface="Cambria Math" panose="02040503050406030204" pitchFamily="18" charset="0"/>
+                        </a:rPr>
+                        <m:t>𝑟𝑎𝑡</m:t>
+                      </m:r>
+                      <m:r>
+                        <a:rPr lang="en-US" sz="2100" b="0" i="1" smtClean="0">
+                          <a:latin typeface="Cambria Math" panose="02040503050406030204" pitchFamily="18" charset="0"/>
+                        </a:rPr>
+                        <m:t> </m:t>
+                      </m:r>
+                      <m:r>
+                        <a:rPr lang="en-US" sz="2100" b="0" i="1" smtClean="0">
+                          <a:latin typeface="Cambria Math" panose="02040503050406030204" pitchFamily="18" charset="0"/>
+                        </a:rPr>
+                        <m:t>𝑝𝑟𝑒𝑠𝑒𝑛𝑐𝑒</m:t>
+                      </m:r>
+                    </m:oMath>
+                  </m:oMathPara>
+                </a14:m>
+                <a:endParaRPr lang="en-US" sz="2100" dirty="0"/>
+              </a:p>
+            </p:txBody>
+          </p:sp>
+        </mc:Choice>
+        <mc:Fallback>
+          <p:sp>
+            <p:nvSpPr>
+              <p:cNvPr id="5" name="TextBox 4">
+                <a:extLst>
+                  <a:ext uri="{FF2B5EF4-FFF2-40B4-BE49-F238E27FC236}">
+                    <a16:creationId xmlns:a16="http://schemas.microsoft.com/office/drawing/2014/main" id="{3EEE364F-D349-40F4-A1CD-84C489AA837F}"/>
+                  </a:ext>
+                </a:extLst>
+              </p:cNvPr>
+              <p:cNvSpPr txBox="1">
+                <a:spLocks noRot="1" noChangeAspect="1" noMove="1" noResize="1" noEditPoints="1" noAdjustHandles="1" noChangeArrowheads="1" noChangeShapeType="1" noTextEdit="1"/>
+              </p:cNvSpPr>
+              <p:nvPr/>
+            </p:nvSpPr>
+            <p:spPr>
+              <a:xfrm>
+                <a:off x="1066800" y="1860098"/>
+                <a:ext cx="4853316" cy="323165"/>
+              </a:xfrm>
+              <a:prstGeom prst="rect">
+                <a:avLst/>
+              </a:prstGeom>
+              <a:blipFill>
+                <a:blip r:embed="rId2"/>
+                <a:stretch>
+                  <a:fillRect l="-1382" r="-754" b="-33962"/>
+                </a:stretch>
+              </a:blipFill>
+            </p:spPr>
+            <p:txBody>
+              <a:bodyPr/>
+              <a:lstStyle/>
+              <a:p>
+                <a:r>
+                  <a:rPr lang="en-US">
+                    <a:noFill/>
+                  </a:rPr>
+                  <a:t> </a:t>
+                </a:r>
+              </a:p>
+            </p:txBody>
+          </p:sp>
+        </mc:Fallback>
+      </mc:AlternateContent>
+      <p:pic>
+        <p:nvPicPr>
+          <p:cNvPr id="6" name="Picture 5">
+            <a:extLst>
+              <a:ext uri="{FF2B5EF4-FFF2-40B4-BE49-F238E27FC236}">
+                <a16:creationId xmlns:a16="http://schemas.microsoft.com/office/drawing/2014/main" id="{69678C4E-E39A-431D-ACBB-345140D77567}"/>
+              </a:ext>
+            </a:extLst>
+          </p:cNvPr>
+          <p:cNvPicPr>
+            <a:picLocks noChangeAspect="1"/>
+          </p:cNvPicPr>
+          <p:nvPr/>
+        </p:nvPicPr>
+        <p:blipFill>
+          <a:blip r:embed="rId3"/>
+          <a:stretch>
+            <a:fillRect/>
+          </a:stretch>
+        </p:blipFill>
+        <p:spPr>
+          <a:xfrm>
+            <a:off x="6363681" y="370285"/>
+            <a:ext cx="1562190" cy="1743075"/>
+          </a:xfrm>
+          <a:prstGeom prst="rect">
+            <a:avLst/>
+          </a:prstGeom>
+        </p:spPr>
+      </p:pic>
+      <p:pic>
+        <p:nvPicPr>
+          <p:cNvPr id="8" name="Picture 7">
+            <a:extLst>
+              <a:ext uri="{FF2B5EF4-FFF2-40B4-BE49-F238E27FC236}">
+                <a16:creationId xmlns:a16="http://schemas.microsoft.com/office/drawing/2014/main" id="{896BB1D4-DBAB-4412-818A-AE4D4BBB7086}"/>
+              </a:ext>
+            </a:extLst>
+          </p:cNvPr>
+          <p:cNvPicPr>
+            <a:picLocks noChangeAspect="1"/>
+          </p:cNvPicPr>
+          <p:nvPr/>
+        </p:nvPicPr>
+        <p:blipFill>
+          <a:blip r:embed="rId4"/>
+          <a:stretch>
+            <a:fillRect/>
+          </a:stretch>
+        </p:blipFill>
+        <p:spPr>
+          <a:xfrm>
+            <a:off x="7013852" y="2309374"/>
+            <a:ext cx="1824037" cy="2013034"/>
+          </a:xfrm>
+          <a:prstGeom prst="rect">
+            <a:avLst/>
+          </a:prstGeom>
+        </p:spPr>
+      </p:pic>
+    </p:spTree>
+    <p:extLst>
+      <p:ext uri="{BB962C8B-B14F-4D97-AF65-F5344CB8AC3E}">
+        <p14:creationId xmlns:p14="http://schemas.microsoft.com/office/powerpoint/2010/main" val="4243204215"/>
+      </p:ext>
+    </p:extLst>
+  </p:cSld>
+  <p:clrMapOvr>
+    <a:masterClrMapping/>
+  </p:clrMapOvr>
+  <p:timing>
+    <p:tnLst>
+      <p:par>
+        <p:cTn id="1" dur="indefinite" restart="never" nodeType="tmRoot">
+          <p:childTnLst>
+            <p:seq concurrent="1" nextAc="seek">
+              <p:cTn id="2" dur="indefinite" nodeType="mainSeq">
+                <p:childTnLst>
+                  <p:par>
+                    <p:cTn id="3" fill="hold">
+                      <p:stCondLst>
+                        <p:cond delay="indefinite"/>
+                      </p:stCondLst>
+                      <p:childTnLst>
+                        <p:par>
+                          <p:cTn id="4" fill="hold">
+                            <p:stCondLst>
+                              <p:cond delay="0"/>
+                            </p:stCondLst>
+                            <p:childTnLst>
+                              <p:par>
+                                <p:cTn id="5" presetID="1" presetClass="entr" presetSubtype="0" fill="hold" grpId="0" nodeType="clickEffect">
+                                  <p:stCondLst>
+                                    <p:cond delay="0"/>
+                                  </p:stCondLst>
+                                  <p:childTnLst>
+                                    <p:set>
+                                      <p:cBhvr>
+                                        <p:cTn id="6" dur="1" fill="hold">
+                                          <p:stCondLst>
+                                            <p:cond delay="0"/>
+                                          </p:stCondLst>
+                                        </p:cTn>
+                                        <p:tgtEl>
+                                          <p:spTgt spid="3">
+                                            <p:txEl>
+                                              <p:pRg st="0" end="0"/>
+                                            </p:txEl>
+                                          </p:spTgt>
+                                        </p:tgtEl>
+                                        <p:attrNameLst>
+                                          <p:attrName>style.visibility</p:attrName>
+                                        </p:attrNameLst>
+                                      </p:cBhvr>
+                                      <p:to>
+                                        <p:strVal val="visible"/>
+                                      </p:to>
+                                    </p:set>
+                                  </p:childTnLst>
+                                </p:cTn>
+                              </p:par>
+                            </p:childTnLst>
+                          </p:cTn>
+                        </p:par>
+                      </p:childTnLst>
+                    </p:cTn>
+                  </p:par>
+                  <p:par>
+                    <p:cTn id="7" fill="hold">
+                      <p:stCondLst>
+                        <p:cond delay="indefinite"/>
+                      </p:stCondLst>
+                      <p:childTnLst>
+                        <p:par>
+                          <p:cTn id="8" fill="hold">
+                            <p:stCondLst>
+                              <p:cond delay="0"/>
+                            </p:stCondLst>
+                            <p:childTnLst>
+                              <p:par>
+                                <p:cTn id="9" presetID="1" presetClass="entr" presetSubtype="0" fill="hold" grpId="0" nodeType="clickEffect">
+                                  <p:stCondLst>
+                                    <p:cond delay="0"/>
+                                  </p:stCondLst>
+                                  <p:childTnLst>
+                                    <p:set>
+                                      <p:cBhvr>
+                                        <p:cTn id="10" dur="1" fill="hold">
+                                          <p:stCondLst>
+                                            <p:cond delay="0"/>
+                                          </p:stCondLst>
+                                        </p:cTn>
+                                        <p:tgtEl>
+                                          <p:spTgt spid="3">
+                                            <p:txEl>
+                                              <p:pRg st="4" end="4"/>
+                                            </p:txEl>
+                                          </p:spTgt>
+                                        </p:tgtEl>
+                                        <p:attrNameLst>
+                                          <p:attrName>style.visibility</p:attrName>
+                                        </p:attrNameLst>
+                                      </p:cBhvr>
+                                      <p:to>
+                                        <p:strVal val="visible"/>
+                                      </p:to>
+                                    </p:set>
+                                  </p:childTnLst>
+                                </p:cTn>
+                              </p:par>
+                            </p:childTnLst>
+                          </p:cTn>
+                        </p:par>
+                      </p:childTnLst>
+                    </p:cTn>
+                  </p:par>
+                  <p:par>
+                    <p:cTn id="11" fill="hold">
+                      <p:stCondLst>
+                        <p:cond delay="indefinite"/>
+                      </p:stCondLst>
+                      <p:childTnLst>
+                        <p:par>
+                          <p:cTn id="12" fill="hold">
+                            <p:stCondLst>
+                              <p:cond delay="0"/>
+                            </p:stCondLst>
+                            <p:childTnLst>
+                              <p:par>
+                                <p:cTn id="13" presetID="1" presetClass="entr" presetSubtype="0" fill="hold" grpId="0" nodeType="clickEffect">
+                                  <p:stCondLst>
+                                    <p:cond delay="0"/>
+                                  </p:stCondLst>
+                                  <p:childTnLst>
+                                    <p:set>
+                                      <p:cBhvr>
+                                        <p:cTn id="14" dur="1" fill="hold">
+                                          <p:stCondLst>
+                                            <p:cond delay="0"/>
+                                          </p:stCondLst>
+                                        </p:cTn>
+                                        <p:tgtEl>
+                                          <p:spTgt spid="3">
+                                            <p:txEl>
+                                              <p:pRg st="5" end="5"/>
+                                            </p:txEl>
+                                          </p:spTgt>
+                                        </p:tgtEl>
+                                        <p:attrNameLst>
+                                          <p:attrName>style.visibility</p:attrName>
+                                        </p:attrNameLst>
+                                      </p:cBhvr>
+                                      <p:to>
+                                        <p:strVal val="visible"/>
+                                      </p:to>
+                                    </p:set>
+                                  </p:childTnLst>
+                                </p:cTn>
+                              </p:par>
+                            </p:childTnLst>
+                          </p:cTn>
+                        </p:par>
+                      </p:childTnLst>
+                    </p:cTn>
+                  </p:par>
+                  <p:par>
+                    <p:cTn id="15" fill="hold">
+                      <p:stCondLst>
+                        <p:cond delay="indefinite"/>
+                      </p:stCondLst>
+                      <p:childTnLst>
+                        <p:par>
+                          <p:cTn id="16" fill="hold">
+                            <p:stCondLst>
+                              <p:cond delay="0"/>
+                            </p:stCondLst>
+                            <p:childTnLst>
+                              <p:par>
+                                <p:cTn id="17" presetID="1" presetClass="entr" presetSubtype="0" fill="hold" nodeType="clickEffect">
+                                  <p:stCondLst>
+                                    <p:cond delay="0"/>
+                                  </p:stCondLst>
+                                  <p:childTnLst>
+                                    <p:set>
+                                      <p:cBhvr>
+                                        <p:cTn id="18" dur="1" fill="hold">
+                                          <p:stCondLst>
+                                            <p:cond delay="0"/>
+                                          </p:stCondLst>
+                                        </p:cTn>
+                                        <p:tgtEl>
+                                          <p:spTgt spid="4"/>
+                                        </p:tgtEl>
+                                        <p:attrNameLst>
+                                          <p:attrName>style.visibility</p:attrName>
+                                        </p:attrNameLst>
+                                      </p:cBhvr>
+                                      <p:to>
+                                        <p:strVal val="visible"/>
+                                      </p:to>
+                                    </p:set>
+                                  </p:childTnLst>
+                                </p:cTn>
+                              </p:par>
+                            </p:childTnLst>
+                          </p:cTn>
+                        </p:par>
+                      </p:childTnLst>
+                    </p:cTn>
+                  </p:par>
+                </p:childTnLst>
+              </p:cTn>
+              <p:prevCondLst>
+                <p:cond evt="onPrev" delay="0">
+                  <p:tgtEl>
+                    <p:sldTgt/>
+                  </p:tgtEl>
+                </p:cond>
+              </p:prevCondLst>
+              <p:nextCondLst>
+                <p:cond evt="onNext" delay="0">
+                  <p:tgtEl>
+                    <p:sldTgt/>
+                  </p:tgtEl>
+                </p:cond>
+              </p:nextCondLst>
+            </p:seq>
+          </p:childTnLst>
+        </p:cTn>
+      </p:par>
+    </p:tnLst>
+    <p:bldLst>
+      <p:bldP spid="3" grpId="0" build="p"/>
+    </p:bldLst>
+  </p:timing>
+</p:sld>
+</file>
+
+<file path=ppt/slides/slide9.xml><?xml version="1.0" encoding="utf-8"?>
+<p:sld xmlns:a="http://schemas.openxmlformats.org/drawingml/2006/main" xmlns:r="http://schemas.openxmlformats.org/officeDocument/2006/relationships" xmlns:p="http://schemas.openxmlformats.org/presentationml/2006/main">
+  <p:cSld>
+    <p:spTree>
+      <p:nvGrpSpPr>
+        <p:cNvPr id="1" name=""/>
+        <p:cNvGrpSpPr/>
+        <p:nvPr/>
+      </p:nvGrpSpPr>
+      <p:grpSpPr>
+        <a:xfrm>
+          <a:off x="0" y="0"/>
+          <a:ext cx="0" cy="0"/>
+          <a:chOff x="0" y="0"/>
+          <a:chExt cx="0" cy="0"/>
+        </a:xfrm>
+      </p:grpSpPr>
+      <p:sp>
+        <p:nvSpPr>
           <p:cNvPr id="2" name="Title 1"/>
           <p:cNvSpPr>
             <a:spLocks noGrp="1"/>
@@ -20208,1464 +22683,6 @@
   <p:clrMapOvr>
     <a:masterClrMapping/>
   </p:clrMapOvr>
-</p:sld>
-</file>
-
-<file path=ppt/slides/slide9.xml><?xml version="1.0" encoding="utf-8"?>
-<p:sld xmlns:a="http://schemas.openxmlformats.org/drawingml/2006/main" xmlns:r="http://schemas.openxmlformats.org/officeDocument/2006/relationships" xmlns:p="http://schemas.openxmlformats.org/presentationml/2006/main">
-  <p:cSld>
-    <p:spTree>
-      <p:nvGrpSpPr>
-        <p:cNvPr id="1" name=""/>
-        <p:cNvGrpSpPr/>
-        <p:nvPr/>
-      </p:nvGrpSpPr>
-      <p:grpSpPr>
-        <a:xfrm>
-          <a:off x="0" y="0"/>
-          <a:ext cx="0" cy="0"/>
-          <a:chOff x="0" y="0"/>
-          <a:chExt cx="0" cy="0"/>
-        </a:xfrm>
-      </p:grpSpPr>
-      <p:sp>
-        <p:nvSpPr>
-          <p:cNvPr id="5" name="Oval 4"/>
-          <p:cNvSpPr/>
-          <p:nvPr/>
-        </p:nvSpPr>
-        <p:spPr>
-          <a:xfrm>
-            <a:off x="1447800" y="3181350"/>
-            <a:ext cx="1371600" cy="990600"/>
-          </a:xfrm>
-          <a:prstGeom prst="ellipse">
-            <a:avLst/>
-          </a:prstGeom>
-        </p:spPr>
-        <p:style>
-          <a:lnRef idx="2">
-            <a:schemeClr val="accent1">
-              <a:shade val="50000"/>
-            </a:schemeClr>
-          </a:lnRef>
-          <a:fillRef idx="1">
-            <a:schemeClr val="accent1"/>
-          </a:fillRef>
-          <a:effectRef idx="0">
-            <a:schemeClr val="accent1"/>
-          </a:effectRef>
-          <a:fontRef idx="minor">
-            <a:schemeClr val="lt1"/>
-          </a:fontRef>
-        </p:style>
-        <p:txBody>
-          <a:bodyPr rtlCol="0" anchor="ctr"/>
-          <a:lstStyle/>
-          <a:p>
-            <a:pPr algn="ctr"/>
-            <a:r>
-              <a:rPr lang="en-US" dirty="0"/>
-              <a:t>Young of the year</a:t>
-            </a:r>
-          </a:p>
-        </p:txBody>
-      </p:sp>
-      <p:sp>
-        <p:nvSpPr>
-          <p:cNvPr id="6" name="Oval 5"/>
-          <p:cNvSpPr/>
-          <p:nvPr/>
-        </p:nvSpPr>
-        <p:spPr>
-          <a:xfrm>
-            <a:off x="3810000" y="3181350"/>
-            <a:ext cx="1447800" cy="990600"/>
-          </a:xfrm>
-          <a:prstGeom prst="ellipse">
-            <a:avLst/>
-          </a:prstGeom>
-        </p:spPr>
-        <p:style>
-          <a:lnRef idx="2">
-            <a:schemeClr val="accent1">
-              <a:shade val="50000"/>
-            </a:schemeClr>
-          </a:lnRef>
-          <a:fillRef idx="1">
-            <a:schemeClr val="accent1"/>
-          </a:fillRef>
-          <a:effectRef idx="0">
-            <a:schemeClr val="accent1"/>
-          </a:effectRef>
-          <a:fontRef idx="minor">
-            <a:schemeClr val="lt1"/>
-          </a:fontRef>
-        </p:style>
-        <p:txBody>
-          <a:bodyPr rtlCol="0" anchor="ctr"/>
-          <a:lstStyle/>
-          <a:p>
-            <a:pPr algn="ctr"/>
-            <a:r>
-              <a:rPr lang="en-US" dirty="0"/>
-              <a:t>Juveniles</a:t>
-            </a:r>
-          </a:p>
-        </p:txBody>
-      </p:sp>
-      <p:sp>
-        <p:nvSpPr>
-          <p:cNvPr id="7" name="Oval 6"/>
-          <p:cNvSpPr/>
-          <p:nvPr/>
-        </p:nvSpPr>
-        <p:spPr>
-          <a:xfrm>
-            <a:off x="6438900" y="3181350"/>
-            <a:ext cx="1371600" cy="990600"/>
-          </a:xfrm>
-          <a:prstGeom prst="ellipse">
-            <a:avLst/>
-          </a:prstGeom>
-        </p:spPr>
-        <p:style>
-          <a:lnRef idx="2">
-            <a:schemeClr val="accent1">
-              <a:shade val="50000"/>
-            </a:schemeClr>
-          </a:lnRef>
-          <a:fillRef idx="1">
-            <a:schemeClr val="accent1"/>
-          </a:fillRef>
-          <a:effectRef idx="0">
-            <a:schemeClr val="accent1"/>
-          </a:effectRef>
-          <a:fontRef idx="minor">
-            <a:schemeClr val="lt1"/>
-          </a:fontRef>
-        </p:style>
-        <p:txBody>
-          <a:bodyPr rtlCol="0" anchor="ctr"/>
-          <a:lstStyle/>
-          <a:p>
-            <a:pPr algn="ctr"/>
-            <a:r>
-              <a:rPr lang="en-US" dirty="0"/>
-              <a:t>Adults</a:t>
-            </a:r>
-          </a:p>
-        </p:txBody>
-      </p:sp>
-      <p:cxnSp>
-        <p:nvCxnSpPr>
-          <p:cNvPr id="8" name="Straight Arrow Connector 7"/>
-          <p:cNvCxnSpPr>
-            <a:stCxn id="5" idx="6"/>
-            <a:endCxn id="6" idx="2"/>
-          </p:cNvCxnSpPr>
-          <p:nvPr/>
-        </p:nvCxnSpPr>
-        <p:spPr>
-          <a:xfrm>
-            <a:off x="2819400" y="3676650"/>
-            <a:ext cx="990600" cy="0"/>
-          </a:xfrm>
-          <a:prstGeom prst="straightConnector1">
-            <a:avLst/>
-          </a:prstGeom>
-          <a:ln w="38100">
-            <a:tailEnd type="arrow"/>
-          </a:ln>
-        </p:spPr>
-        <p:style>
-          <a:lnRef idx="1">
-            <a:schemeClr val="accent1"/>
-          </a:lnRef>
-          <a:fillRef idx="0">
-            <a:schemeClr val="accent1"/>
-          </a:fillRef>
-          <a:effectRef idx="0">
-            <a:schemeClr val="accent1"/>
-          </a:effectRef>
-          <a:fontRef idx="minor">
-            <a:schemeClr val="tx1"/>
-          </a:fontRef>
-        </p:style>
-      </p:cxnSp>
-      <p:cxnSp>
-        <p:nvCxnSpPr>
-          <p:cNvPr id="9" name="Straight Arrow Connector 8"/>
-          <p:cNvCxnSpPr>
-            <a:stCxn id="6" idx="6"/>
-            <a:endCxn id="7" idx="2"/>
-          </p:cNvCxnSpPr>
-          <p:nvPr/>
-        </p:nvCxnSpPr>
-        <p:spPr>
-          <a:xfrm>
-            <a:off x="5257800" y="3676650"/>
-            <a:ext cx="1181100" cy="0"/>
-          </a:xfrm>
-          <a:prstGeom prst="straightConnector1">
-            <a:avLst/>
-          </a:prstGeom>
-          <a:ln w="38100">
-            <a:tailEnd type="arrow"/>
-          </a:ln>
-        </p:spPr>
-        <p:style>
-          <a:lnRef idx="1">
-            <a:schemeClr val="accent1"/>
-          </a:lnRef>
-          <a:fillRef idx="0">
-            <a:schemeClr val="accent1"/>
-          </a:fillRef>
-          <a:effectRef idx="0">
-            <a:schemeClr val="accent1"/>
-          </a:effectRef>
-          <a:fontRef idx="minor">
-            <a:schemeClr val="tx1"/>
-          </a:fontRef>
-        </p:style>
-      </p:cxnSp>
-      <p:cxnSp>
-        <p:nvCxnSpPr>
-          <p:cNvPr id="10" name="Elbow Connector 9"/>
-          <p:cNvCxnSpPr>
-            <a:stCxn id="7" idx="0"/>
-            <a:endCxn id="5" idx="0"/>
-          </p:cNvCxnSpPr>
-          <p:nvPr/>
-        </p:nvCxnSpPr>
-        <p:spPr>
-          <a:xfrm rot="16200000" flipV="1">
-            <a:off x="4629150" y="685800"/>
-            <a:ext cx="12700" cy="4991100"/>
-          </a:xfrm>
-          <a:prstGeom prst="bentConnector3">
-            <a:avLst>
-              <a:gd name="adj1" fmla="val 1800000"/>
-            </a:avLst>
-          </a:prstGeom>
-          <a:ln w="38100">
-            <a:tailEnd type="arrow"/>
-          </a:ln>
-        </p:spPr>
-        <p:style>
-          <a:lnRef idx="1">
-            <a:schemeClr val="accent1"/>
-          </a:lnRef>
-          <a:fillRef idx="0">
-            <a:schemeClr val="accent1"/>
-          </a:fillRef>
-          <a:effectRef idx="0">
-            <a:schemeClr val="accent1"/>
-          </a:effectRef>
-          <a:fontRef idx="minor">
-            <a:schemeClr val="tx1"/>
-          </a:fontRef>
-        </p:style>
-      </p:cxnSp>
-      <mc:AlternateContent xmlns:mc="http://schemas.openxmlformats.org/markup-compatibility/2006" xmlns:a14="http://schemas.microsoft.com/office/drawing/2010/main">
-        <mc:Choice Requires="a14">
-          <p:sp>
-            <p:nvSpPr>
-              <p:cNvPr id="11" name="TextBox 10"/>
-              <p:cNvSpPr txBox="1"/>
-              <p:nvPr/>
-            </p:nvSpPr>
-            <p:spPr>
-              <a:xfrm>
-                <a:off x="3038475" y="3237469"/>
-                <a:ext cx="511935" cy="400110"/>
-              </a:xfrm>
-              <a:prstGeom prst="rect">
-                <a:avLst/>
-              </a:prstGeom>
-              <a:noFill/>
-            </p:spPr>
-            <p:txBody>
-              <a:bodyPr wrap="none" rtlCol="0">
-                <a:spAutoFit/>
-              </a:bodyPr>
-              <a:lstStyle/>
-              <a:p>
-                <a:pPr/>
-                <a14:m>
-                  <m:oMathPara xmlns:m="http://schemas.openxmlformats.org/officeDocument/2006/math">
-                    <m:oMathParaPr>
-                      <m:jc m:val="centerGroup"/>
-                    </m:oMathParaPr>
-                    <m:oMath xmlns:m="http://schemas.openxmlformats.org/officeDocument/2006/math">
-                      <m:sSub>
-                        <m:sSubPr>
-                          <m:ctrlPr>
-                            <a:rPr lang="en-US" sz="2000" i="1" smtClean="0">
-                              <a:latin typeface="Cambria Math" panose="02040503050406030204" pitchFamily="18" charset="0"/>
-                            </a:rPr>
-                          </m:ctrlPr>
-                        </m:sSubPr>
-                        <m:e>
-                          <m:r>
-                            <a:rPr lang="en-US" sz="2000" b="0" i="1" smtClean="0">
-                              <a:latin typeface="Cambria Math"/>
-                            </a:rPr>
-                            <m:t>𝑆</m:t>
-                          </m:r>
-                        </m:e>
-                        <m:sub>
-                          <m:r>
-                            <a:rPr lang="en-US" sz="2000" b="0" i="1" smtClean="0">
-                              <a:latin typeface="Cambria Math"/>
-                            </a:rPr>
-                            <m:t>𝑌</m:t>
-                          </m:r>
-                        </m:sub>
-                      </m:sSub>
-                    </m:oMath>
-                  </m:oMathPara>
-                </a14:m>
-                <a:endParaRPr lang="en-US" sz="2000" dirty="0"/>
-              </a:p>
-            </p:txBody>
-          </p:sp>
-        </mc:Choice>
-        <mc:Fallback xmlns="">
-          <p:sp>
-            <p:nvSpPr>
-              <p:cNvPr id="11" name="TextBox 10"/>
-              <p:cNvSpPr txBox="1">
-                <a:spLocks noRot="1" noChangeAspect="1" noMove="1" noResize="1" noEditPoints="1" noAdjustHandles="1" noChangeArrowheads="1" noChangeShapeType="1" noTextEdit="1"/>
-              </p:cNvSpPr>
-              <p:nvPr/>
-            </p:nvSpPr>
-            <p:spPr>
-              <a:xfrm>
-                <a:off x="3038475" y="3237469"/>
-                <a:ext cx="511935" cy="400110"/>
-              </a:xfrm>
-              <a:prstGeom prst="rect">
-                <a:avLst/>
-              </a:prstGeom>
-              <a:blipFill rotWithShape="1">
-                <a:blip r:embed="rId2"/>
-                <a:stretch>
-                  <a:fillRect b="-1515"/>
-                </a:stretch>
-              </a:blipFill>
-            </p:spPr>
-            <p:txBody>
-              <a:bodyPr/>
-              <a:lstStyle/>
-              <a:p>
-                <a:r>
-                  <a:rPr lang="en-US">
-                    <a:noFill/>
-                  </a:rPr>
-                  <a:t> </a:t>
-                </a:r>
-              </a:p>
-            </p:txBody>
-          </p:sp>
-        </mc:Fallback>
-      </mc:AlternateContent>
-      <mc:AlternateContent xmlns:mc="http://schemas.openxmlformats.org/markup-compatibility/2006" xmlns:a14="http://schemas.microsoft.com/office/drawing/2010/main">
-        <mc:Choice Requires="a14">
-          <p:sp>
-            <p:nvSpPr>
-              <p:cNvPr id="12" name="TextBox 11"/>
-              <p:cNvSpPr txBox="1"/>
-              <p:nvPr/>
-            </p:nvSpPr>
-            <p:spPr>
-              <a:xfrm>
-                <a:off x="5592382" y="3237469"/>
-                <a:ext cx="471859" cy="421590"/>
-              </a:xfrm>
-              <a:prstGeom prst="rect">
-                <a:avLst/>
-              </a:prstGeom>
-              <a:noFill/>
-            </p:spPr>
-            <p:txBody>
-              <a:bodyPr wrap="none" rtlCol="0">
-                <a:spAutoFit/>
-              </a:bodyPr>
-              <a:lstStyle/>
-              <a:p>
-                <a:pPr/>
-                <a14:m>
-                  <m:oMathPara xmlns:m="http://schemas.openxmlformats.org/officeDocument/2006/math">
-                    <m:oMathParaPr>
-                      <m:jc m:val="centerGroup"/>
-                    </m:oMathParaPr>
-                    <m:oMath xmlns:m="http://schemas.openxmlformats.org/officeDocument/2006/math">
-                      <m:sSub>
-                        <m:sSubPr>
-                          <m:ctrlPr>
-                            <a:rPr lang="en-US" sz="2000" i="1" smtClean="0">
-                              <a:latin typeface="Cambria Math" panose="02040503050406030204" pitchFamily="18" charset="0"/>
-                            </a:rPr>
-                          </m:ctrlPr>
-                        </m:sSubPr>
-                        <m:e>
-                          <m:r>
-                            <a:rPr lang="en-US" sz="2000" b="0" i="1" smtClean="0">
-                              <a:latin typeface="Cambria Math"/>
-                            </a:rPr>
-                            <m:t>𝑆</m:t>
-                          </m:r>
-                        </m:e>
-                        <m:sub>
-                          <m:r>
-                            <a:rPr lang="en-US" sz="2000" b="0" i="1" smtClean="0">
-                              <a:latin typeface="Cambria Math"/>
-                            </a:rPr>
-                            <m:t>𝐽</m:t>
-                          </m:r>
-                        </m:sub>
-                      </m:sSub>
-                    </m:oMath>
-                  </m:oMathPara>
-                </a14:m>
-                <a:endParaRPr lang="en-US" sz="2000" dirty="0"/>
-              </a:p>
-            </p:txBody>
-          </p:sp>
-        </mc:Choice>
-        <mc:Fallback xmlns="">
-          <p:sp>
-            <p:nvSpPr>
-              <p:cNvPr id="12" name="TextBox 11"/>
-              <p:cNvSpPr txBox="1">
-                <a:spLocks noRot="1" noChangeAspect="1" noMove="1" noResize="1" noEditPoints="1" noAdjustHandles="1" noChangeArrowheads="1" noChangeShapeType="1" noTextEdit="1"/>
-              </p:cNvSpPr>
-              <p:nvPr/>
-            </p:nvSpPr>
-            <p:spPr>
-              <a:xfrm>
-                <a:off x="5592382" y="3237469"/>
-                <a:ext cx="471859" cy="421590"/>
-              </a:xfrm>
-              <a:prstGeom prst="rect">
-                <a:avLst/>
-              </a:prstGeom>
-              <a:blipFill rotWithShape="1">
-                <a:blip r:embed="rId3"/>
-                <a:stretch>
-                  <a:fillRect b="-10145"/>
-                </a:stretch>
-              </a:blipFill>
-            </p:spPr>
-            <p:txBody>
-              <a:bodyPr/>
-              <a:lstStyle/>
-              <a:p>
-                <a:r>
-                  <a:rPr lang="en-US">
-                    <a:noFill/>
-                  </a:rPr>
-                  <a:t> </a:t>
-                </a:r>
-              </a:p>
-            </p:txBody>
-          </p:sp>
-        </mc:Fallback>
-      </mc:AlternateContent>
-      <mc:AlternateContent xmlns:mc="http://schemas.openxmlformats.org/markup-compatibility/2006" xmlns:a14="http://schemas.microsoft.com/office/drawing/2010/main">
-        <mc:Choice Requires="a14">
-          <p:sp>
-            <p:nvSpPr>
-              <p:cNvPr id="13" name="TextBox 12"/>
-              <p:cNvSpPr txBox="1"/>
-              <p:nvPr/>
-            </p:nvSpPr>
-            <p:spPr>
-              <a:xfrm>
-                <a:off x="4316032" y="2542204"/>
-                <a:ext cx="594458" cy="400110"/>
-              </a:xfrm>
-              <a:prstGeom prst="rect">
-                <a:avLst/>
-              </a:prstGeom>
-              <a:noFill/>
-            </p:spPr>
-            <p:txBody>
-              <a:bodyPr wrap="none" rtlCol="0">
-                <a:spAutoFit/>
-              </a:bodyPr>
-              <a:lstStyle/>
-              <a:p>
-                <a:pPr/>
-                <a14:m>
-                  <m:oMathPara xmlns:m="http://schemas.openxmlformats.org/officeDocument/2006/math">
-                    <m:oMathParaPr>
-                      <m:jc m:val="centerGroup"/>
-                    </m:oMathParaPr>
-                    <m:oMath xmlns:m="http://schemas.openxmlformats.org/officeDocument/2006/math">
-                      <m:sSub>
-                        <m:sSubPr>
-                          <m:ctrlPr>
-                            <a:rPr lang="en-US" sz="2000" i="1" smtClean="0">
-                              <a:latin typeface="Cambria Math" panose="02040503050406030204" pitchFamily="18" charset="0"/>
-                            </a:rPr>
-                          </m:ctrlPr>
-                        </m:sSubPr>
-                        <m:e>
-                          <m:r>
-                            <a:rPr lang="en-US" sz="2000" b="0" i="1" smtClean="0">
-                              <a:latin typeface="Cambria Math"/>
-                            </a:rPr>
-                            <m:t>𝐹</m:t>
-                          </m:r>
-                        </m:e>
-                        <m:sub/>
-                      </m:sSub>
-                    </m:oMath>
-                  </m:oMathPara>
-                </a14:m>
-                <a:endParaRPr lang="en-US" sz="2000" dirty="0"/>
-              </a:p>
-            </p:txBody>
-          </p:sp>
-        </mc:Choice>
-        <mc:Fallback xmlns="">
-          <p:sp>
-            <p:nvSpPr>
-              <p:cNvPr id="13" name="TextBox 12"/>
-              <p:cNvSpPr txBox="1">
-                <a:spLocks noRot="1" noChangeAspect="1" noMove="1" noResize="1" noEditPoints="1" noAdjustHandles="1" noChangeArrowheads="1" noChangeShapeType="1" noTextEdit="1"/>
-              </p:cNvSpPr>
-              <p:nvPr/>
-            </p:nvSpPr>
-            <p:spPr>
-              <a:xfrm>
-                <a:off x="4316032" y="2542204"/>
-                <a:ext cx="594458" cy="400110"/>
-              </a:xfrm>
-              <a:prstGeom prst="rect">
-                <a:avLst/>
-              </a:prstGeom>
-              <a:blipFill rotWithShape="1">
-                <a:blip r:embed="rId4"/>
-                <a:stretch>
-                  <a:fillRect/>
-                </a:stretch>
-              </a:blipFill>
-            </p:spPr>
-            <p:txBody>
-              <a:bodyPr/>
-              <a:lstStyle/>
-              <a:p>
-                <a:r>
-                  <a:rPr lang="en-US">
-                    <a:noFill/>
-                  </a:rPr>
-                  <a:t> </a:t>
-                </a:r>
-              </a:p>
-            </p:txBody>
-          </p:sp>
-        </mc:Fallback>
-      </mc:AlternateContent>
-      <mc:AlternateContent xmlns:mc="http://schemas.openxmlformats.org/markup-compatibility/2006" xmlns:a14="http://schemas.microsoft.com/office/drawing/2010/main">
-        <mc:Choice Requires="a14">
-          <p:sp>
-            <p:nvSpPr>
-              <p:cNvPr id="14" name="TextBox 13"/>
-              <p:cNvSpPr txBox="1"/>
-              <p:nvPr/>
-            </p:nvSpPr>
-            <p:spPr>
-              <a:xfrm>
-                <a:off x="3618950" y="971550"/>
-                <a:ext cx="1906099" cy="1266180"/>
-              </a:xfrm>
-              <a:prstGeom prst="rect">
-                <a:avLst/>
-              </a:prstGeom>
-              <a:noFill/>
-            </p:spPr>
-            <p:txBody>
-              <a:bodyPr wrap="none" rtlCol="0">
-                <a:spAutoFit/>
-              </a:bodyPr>
-              <a:lstStyle/>
-              <a:p>
-                <a:pPr/>
-                <a14:m>
-                  <m:oMathPara xmlns:m="http://schemas.openxmlformats.org/officeDocument/2006/math">
-                    <m:oMathParaPr>
-                      <m:jc m:val="centerGroup"/>
-                    </m:oMathParaPr>
-                    <m:oMath xmlns:m="http://schemas.openxmlformats.org/officeDocument/2006/math">
-                      <m:d>
-                        <m:dPr>
-                          <m:begChr m:val="["/>
-                          <m:endChr m:val="]"/>
-                          <m:ctrlPr>
-                            <a:rPr lang="en-US" sz="2400" i="1" smtClean="0">
-                              <a:latin typeface="Cambria Math" panose="02040503050406030204" pitchFamily="18" charset="0"/>
-                            </a:rPr>
-                          </m:ctrlPr>
-                        </m:dPr>
-                        <m:e>
-                          <m:m>
-                            <m:mPr>
-                              <m:mcs>
-                                <m:mc>
-                                  <m:mcPr>
-                                    <m:count m:val="3"/>
-                                    <m:mcJc m:val="center"/>
-                                  </m:mcPr>
-                                </m:mc>
-                              </m:mcs>
-                              <m:ctrlPr>
-                                <a:rPr lang="en-US" sz="2400" i="1" smtClean="0">
-                                  <a:latin typeface="Cambria Math" panose="02040503050406030204" pitchFamily="18" charset="0"/>
-                                </a:rPr>
-                              </m:ctrlPr>
-                            </m:mPr>
-                            <m:mr>
-                              <m:e>
-                                <m:r>
-                                  <m:rPr>
-                                    <m:brk m:alnAt="7"/>
-                                  </m:rPr>
-                                  <a:rPr lang="en-US" sz="2400" b="0" i="1" smtClean="0">
-                                    <a:latin typeface="Cambria Math"/>
-                                  </a:rPr>
-                                  <m:t>0</m:t>
-                                </m:r>
-                              </m:e>
-                              <m:e>
-                                <m:r>
-                                  <a:rPr lang="en-US" sz="2400" b="0" i="1" smtClean="0">
-                                    <a:latin typeface="Cambria Math"/>
-                                  </a:rPr>
-                                  <m:t>0</m:t>
-                                </m:r>
-                              </m:e>
-                              <m:e>
-                                <m:r>
-                                  <a:rPr lang="en-US" sz="2400" b="0" i="1" smtClean="0">
-                                    <a:latin typeface="Cambria Math"/>
-                                  </a:rPr>
-                                  <m:t>𝐹</m:t>
-                                </m:r>
-                              </m:e>
-                            </m:mr>
-                            <m:mr>
-                              <m:e>
-                                <m:sSub>
-                                  <m:sSubPr>
-                                    <m:ctrlPr>
-                                      <a:rPr lang="en-US" sz="2400" i="1">
-                                        <a:latin typeface="Cambria Math" panose="02040503050406030204" pitchFamily="18" charset="0"/>
-                                      </a:rPr>
-                                    </m:ctrlPr>
-                                  </m:sSubPr>
-                                  <m:e>
-                                    <m:r>
-                                      <a:rPr lang="en-US" sz="2400" i="1">
-                                        <a:latin typeface="Cambria Math"/>
-                                      </a:rPr>
-                                      <m:t>𝑆</m:t>
-                                    </m:r>
-                                  </m:e>
-                                  <m:sub>
-                                    <m:r>
-                                      <a:rPr lang="en-US" sz="2400" i="1">
-                                        <a:latin typeface="Cambria Math"/>
-                                      </a:rPr>
-                                      <m:t>𝑌</m:t>
-                                    </m:r>
-                                  </m:sub>
-                                </m:sSub>
-                              </m:e>
-                              <m:e>
-                                <m:r>
-                                  <a:rPr lang="en-US" sz="2400" b="0" i="1" smtClean="0">
-                                    <a:latin typeface="Cambria Math"/>
-                                  </a:rPr>
-                                  <m:t>0</m:t>
-                                </m:r>
-                              </m:e>
-                              <m:e>
-                                <m:r>
-                                  <a:rPr lang="en-US" sz="2400" b="0" i="1" smtClean="0">
-                                    <a:latin typeface="Cambria Math"/>
-                                  </a:rPr>
-                                  <m:t>0</m:t>
-                                </m:r>
-                              </m:e>
-                            </m:mr>
-                            <m:mr>
-                              <m:e>
-                                <m:r>
-                                  <a:rPr lang="en-US" sz="2400" b="0" i="1" smtClean="0">
-                                    <a:latin typeface="Cambria Math"/>
-                                  </a:rPr>
-                                  <m:t>0</m:t>
-                                </m:r>
-                              </m:e>
-                              <m:e>
-                                <m:sSub>
-                                  <m:sSubPr>
-                                    <m:ctrlPr>
-                                      <a:rPr lang="en-US" sz="2400" i="1">
-                                        <a:latin typeface="Cambria Math" panose="02040503050406030204" pitchFamily="18" charset="0"/>
-                                      </a:rPr>
-                                    </m:ctrlPr>
-                                  </m:sSubPr>
-                                  <m:e>
-                                    <m:r>
-                                      <a:rPr lang="en-US" sz="2400" i="1">
-                                        <a:latin typeface="Cambria Math"/>
-                                      </a:rPr>
-                                      <m:t>𝑆</m:t>
-                                    </m:r>
-                                  </m:e>
-                                  <m:sub>
-                                    <m:r>
-                                      <a:rPr lang="en-US" sz="2400" b="0" i="1" smtClean="0">
-                                        <a:latin typeface="Cambria Math"/>
-                                      </a:rPr>
-                                      <m:t>𝐽</m:t>
-                                    </m:r>
-                                  </m:sub>
-                                </m:sSub>
-                              </m:e>
-                              <m:e>
-                                <m:r>
-                                  <a:rPr lang="en-US" sz="2400" b="0" i="1" smtClean="0">
-                                    <a:latin typeface="Cambria Math"/>
-                                  </a:rPr>
-                                  <m:t>0</m:t>
-                                </m:r>
-                              </m:e>
-                            </m:mr>
-                          </m:m>
-                        </m:e>
-                      </m:d>
-                    </m:oMath>
-                  </m:oMathPara>
-                </a14:m>
-                <a:endParaRPr lang="en-US" sz="2400" dirty="0"/>
-              </a:p>
-            </p:txBody>
-          </p:sp>
-        </mc:Choice>
-        <mc:Fallback xmlns="">
-          <p:sp>
-            <p:nvSpPr>
-              <p:cNvPr id="14" name="TextBox 13"/>
-              <p:cNvSpPr txBox="1">
-                <a:spLocks noRot="1" noChangeAspect="1" noMove="1" noResize="1" noEditPoints="1" noAdjustHandles="1" noChangeArrowheads="1" noChangeShapeType="1" noTextEdit="1"/>
-              </p:cNvSpPr>
-              <p:nvPr/>
-            </p:nvSpPr>
-            <p:spPr>
-              <a:xfrm>
-                <a:off x="3618950" y="971550"/>
-                <a:ext cx="1906099" cy="1266180"/>
-              </a:xfrm>
-              <a:prstGeom prst="rect">
-                <a:avLst/>
-              </a:prstGeom>
-              <a:blipFill rotWithShape="1">
-                <a:blip r:embed="rId5"/>
-                <a:stretch>
-                  <a:fillRect/>
-                </a:stretch>
-              </a:blipFill>
-            </p:spPr>
-            <p:txBody>
-              <a:bodyPr/>
-              <a:lstStyle/>
-              <a:p>
-                <a:r>
-                  <a:rPr lang="en-US">
-                    <a:noFill/>
-                  </a:rPr>
-                  <a:t> </a:t>
-                </a:r>
-              </a:p>
-            </p:txBody>
-          </p:sp>
-        </mc:Fallback>
-      </mc:AlternateContent>
-      <p:sp>
-        <p:nvSpPr>
-          <p:cNvPr id="15" name="TextBox 14"/>
-          <p:cNvSpPr txBox="1"/>
-          <p:nvPr/>
-        </p:nvSpPr>
-        <p:spPr>
-          <a:xfrm>
-            <a:off x="2613011" y="285749"/>
-            <a:ext cx="4000500" cy="646331"/>
-          </a:xfrm>
-          <a:prstGeom prst="rect">
-            <a:avLst/>
-          </a:prstGeom>
-          <a:noFill/>
-        </p:spPr>
-        <p:txBody>
-          <a:bodyPr wrap="square" rtlCol="0">
-            <a:spAutoFit/>
-          </a:bodyPr>
-          <a:lstStyle/>
-          <a:p>
-            <a:r>
-              <a:rPr lang="en-US" dirty="0"/>
-              <a:t>In each year, what proportion of the individuals in stage [</a:t>
-            </a:r>
-            <a:r>
-              <a:rPr lang="en-US" i="1" dirty="0"/>
-              <a:t>column number</a:t>
-            </a:r>
-            <a:r>
-              <a:rPr lang="en-US" dirty="0"/>
-              <a:t>]… </a:t>
-            </a:r>
-          </a:p>
-        </p:txBody>
-      </p:sp>
-      <p:sp>
-        <p:nvSpPr>
-          <p:cNvPr id="16" name="TextBox 15"/>
-          <p:cNvSpPr txBox="1"/>
-          <p:nvPr/>
-        </p:nvSpPr>
-        <p:spPr>
-          <a:xfrm>
-            <a:off x="5355241" y="1419974"/>
-            <a:ext cx="3551618" cy="369332"/>
-          </a:xfrm>
-          <a:prstGeom prst="rect">
-            <a:avLst/>
-          </a:prstGeom>
-          <a:noFill/>
-        </p:spPr>
-        <p:txBody>
-          <a:bodyPr wrap="square" rtlCol="0">
-            <a:spAutoFit/>
-          </a:bodyPr>
-          <a:lstStyle/>
-          <a:p>
-            <a:r>
-              <a:rPr lang="en-US" dirty="0"/>
-              <a:t>Transition into stage [</a:t>
-            </a:r>
-            <a:r>
-              <a:rPr lang="en-US" i="1" dirty="0"/>
-              <a:t>row number</a:t>
-            </a:r>
-            <a:r>
-              <a:rPr lang="en-US" dirty="0"/>
-              <a:t>] </a:t>
-            </a:r>
-          </a:p>
-        </p:txBody>
-      </p:sp>
-      <p:sp>
-        <p:nvSpPr>
-          <p:cNvPr id="17" name="Rectangle 16"/>
-          <p:cNvSpPr/>
-          <p:nvPr/>
-        </p:nvSpPr>
-        <p:spPr>
-          <a:xfrm>
-            <a:off x="3810000" y="1419974"/>
-            <a:ext cx="457200" cy="369332"/>
-          </a:xfrm>
-          <a:prstGeom prst="rect">
-            <a:avLst/>
-          </a:prstGeom>
-          <a:noFill/>
-          <a:ln w="38100"/>
-        </p:spPr>
-        <p:style>
-          <a:lnRef idx="2">
-            <a:schemeClr val="accent1">
-              <a:shade val="50000"/>
-            </a:schemeClr>
-          </a:lnRef>
-          <a:fillRef idx="1">
-            <a:schemeClr val="accent1"/>
-          </a:fillRef>
-          <a:effectRef idx="0">
-            <a:schemeClr val="accent1"/>
-          </a:effectRef>
-          <a:fontRef idx="minor">
-            <a:schemeClr val="lt1"/>
-          </a:fontRef>
-        </p:style>
-        <p:txBody>
-          <a:bodyPr rtlCol="0" anchor="ctr"/>
-          <a:lstStyle/>
-          <a:p>
-            <a:pPr algn="ctr"/>
-            <a:endParaRPr lang="en-US"/>
-          </a:p>
-        </p:txBody>
-      </p:sp>
-      <p:cxnSp>
-        <p:nvCxnSpPr>
-          <p:cNvPr id="19" name="Straight Connector 18"/>
-          <p:cNvCxnSpPr>
-            <a:stCxn id="17" idx="2"/>
-            <a:endCxn id="11" idx="0"/>
-          </p:cNvCxnSpPr>
-          <p:nvPr/>
-        </p:nvCxnSpPr>
-        <p:spPr>
-          <a:xfrm flipH="1">
-            <a:off x="3294443" y="1789306"/>
-            <a:ext cx="744157" cy="1448163"/>
-          </a:xfrm>
-          <a:prstGeom prst="line">
-            <a:avLst/>
-          </a:prstGeom>
-          <a:ln>
-            <a:prstDash val="dash"/>
-          </a:ln>
-        </p:spPr>
-        <p:style>
-          <a:lnRef idx="1">
-            <a:schemeClr val="accent1"/>
-          </a:lnRef>
-          <a:fillRef idx="0">
-            <a:schemeClr val="accent1"/>
-          </a:fillRef>
-          <a:effectRef idx="0">
-            <a:schemeClr val="accent1"/>
-          </a:effectRef>
-          <a:fontRef idx="minor">
-            <a:schemeClr val="tx1"/>
-          </a:fontRef>
-        </p:style>
-      </p:cxnSp>
-      <p:sp>
-        <p:nvSpPr>
-          <p:cNvPr id="21" name="Rectangle 20"/>
-          <p:cNvSpPr/>
-          <p:nvPr/>
-        </p:nvSpPr>
-        <p:spPr>
-          <a:xfrm>
-            <a:off x="4384661" y="1789306"/>
-            <a:ext cx="457200" cy="369332"/>
-          </a:xfrm>
-          <a:prstGeom prst="rect">
-            <a:avLst/>
-          </a:prstGeom>
-          <a:noFill/>
-          <a:ln w="38100"/>
-        </p:spPr>
-        <p:style>
-          <a:lnRef idx="2">
-            <a:schemeClr val="accent1">
-              <a:shade val="50000"/>
-            </a:schemeClr>
-          </a:lnRef>
-          <a:fillRef idx="1">
-            <a:schemeClr val="accent1"/>
-          </a:fillRef>
-          <a:effectRef idx="0">
-            <a:schemeClr val="accent1"/>
-          </a:effectRef>
-          <a:fontRef idx="minor">
-            <a:schemeClr val="lt1"/>
-          </a:fontRef>
-        </p:style>
-        <p:txBody>
-          <a:bodyPr rtlCol="0" anchor="ctr"/>
-          <a:lstStyle/>
-          <a:p>
-            <a:pPr algn="ctr"/>
-            <a:endParaRPr lang="en-US"/>
-          </a:p>
-        </p:txBody>
-      </p:sp>
-      <p:cxnSp>
-        <p:nvCxnSpPr>
-          <p:cNvPr id="22" name="Straight Connector 21"/>
-          <p:cNvCxnSpPr>
-            <a:stCxn id="21" idx="2"/>
-            <a:endCxn id="12" idx="0"/>
-          </p:cNvCxnSpPr>
-          <p:nvPr/>
-        </p:nvCxnSpPr>
-        <p:spPr>
-          <a:xfrm>
-            <a:off x="4613261" y="2158638"/>
-            <a:ext cx="1215051" cy="1078831"/>
-          </a:xfrm>
-          <a:prstGeom prst="line">
-            <a:avLst/>
-          </a:prstGeom>
-          <a:ln>
-            <a:prstDash val="dash"/>
-          </a:ln>
-        </p:spPr>
-        <p:style>
-          <a:lnRef idx="1">
-            <a:schemeClr val="accent1"/>
-          </a:lnRef>
-          <a:fillRef idx="0">
-            <a:schemeClr val="accent1"/>
-          </a:fillRef>
-          <a:effectRef idx="0">
-            <a:schemeClr val="accent1"/>
-          </a:effectRef>
-          <a:fontRef idx="minor">
-            <a:schemeClr val="tx1"/>
-          </a:fontRef>
-        </p:style>
-      </p:cxnSp>
-      <p:sp>
-        <p:nvSpPr>
-          <p:cNvPr id="26" name="Rectangle 25"/>
-          <p:cNvSpPr/>
-          <p:nvPr/>
-        </p:nvSpPr>
-        <p:spPr>
-          <a:xfrm>
-            <a:off x="4925130" y="1028055"/>
-            <a:ext cx="457200" cy="369332"/>
-          </a:xfrm>
-          <a:prstGeom prst="rect">
-            <a:avLst/>
-          </a:prstGeom>
-          <a:noFill/>
-          <a:ln w="38100"/>
-        </p:spPr>
-        <p:style>
-          <a:lnRef idx="2">
-            <a:schemeClr val="accent1">
-              <a:shade val="50000"/>
-            </a:schemeClr>
-          </a:lnRef>
-          <a:fillRef idx="1">
-            <a:schemeClr val="accent1"/>
-          </a:fillRef>
-          <a:effectRef idx="0">
-            <a:schemeClr val="accent1"/>
-          </a:effectRef>
-          <a:fontRef idx="minor">
-            <a:schemeClr val="lt1"/>
-          </a:fontRef>
-        </p:style>
-        <p:txBody>
-          <a:bodyPr rtlCol="0" anchor="ctr"/>
-          <a:lstStyle/>
-          <a:p>
-            <a:pPr algn="ctr"/>
-            <a:endParaRPr lang="en-US"/>
-          </a:p>
-        </p:txBody>
-      </p:sp>
-      <p:cxnSp>
-        <p:nvCxnSpPr>
-          <p:cNvPr id="27" name="Straight Connector 26"/>
-          <p:cNvCxnSpPr>
-            <a:endCxn id="13" idx="0"/>
-          </p:cNvCxnSpPr>
-          <p:nvPr/>
-        </p:nvCxnSpPr>
-        <p:spPr>
-          <a:xfrm flipH="1">
-            <a:off x="4613261" y="1419974"/>
-            <a:ext cx="540469" cy="1122230"/>
-          </a:xfrm>
-          <a:prstGeom prst="line">
-            <a:avLst/>
-          </a:prstGeom>
-          <a:ln>
-            <a:prstDash val="dash"/>
-          </a:ln>
-        </p:spPr>
-        <p:style>
-          <a:lnRef idx="1">
-            <a:schemeClr val="accent1"/>
-          </a:lnRef>
-          <a:fillRef idx="0">
-            <a:schemeClr val="accent1"/>
-          </a:fillRef>
-          <a:effectRef idx="0">
-            <a:schemeClr val="accent1"/>
-          </a:effectRef>
-          <a:fontRef idx="minor">
-            <a:schemeClr val="tx1"/>
-          </a:fontRef>
-        </p:style>
-      </p:cxnSp>
-    </p:spTree>
-    <p:extLst>
-      <p:ext uri="{BB962C8B-B14F-4D97-AF65-F5344CB8AC3E}">
-        <p14:creationId xmlns:p14="http://schemas.microsoft.com/office/powerpoint/2010/main" val="565828613"/>
-      </p:ext>
-    </p:extLst>
-  </p:cSld>
-  <p:clrMapOvr>
-    <a:masterClrMapping/>
-  </p:clrMapOvr>
-  <p:timing>
-    <p:tnLst>
-      <p:par>
-        <p:cTn id="1" dur="indefinite" restart="never" nodeType="tmRoot">
-          <p:childTnLst>
-            <p:seq concurrent="1" nextAc="seek">
-              <p:cTn id="2" dur="indefinite" nodeType="mainSeq">
-                <p:childTnLst>
-                  <p:par>
-                    <p:cTn id="3" fill="hold">
-                      <p:stCondLst>
-                        <p:cond delay="indefinite"/>
-                      </p:stCondLst>
-                      <p:childTnLst>
-                        <p:par>
-                          <p:cTn id="4" fill="hold">
-                            <p:stCondLst>
-                              <p:cond delay="0"/>
-                            </p:stCondLst>
-                            <p:childTnLst>
-                              <p:par>
-                                <p:cTn id="5" presetID="1" presetClass="entr" presetSubtype="0" fill="hold" grpId="0" nodeType="clickEffect">
-                                  <p:stCondLst>
-                                    <p:cond delay="0"/>
-                                  </p:stCondLst>
-                                  <p:childTnLst>
-                                    <p:set>
-                                      <p:cBhvr>
-                                        <p:cTn id="6" dur="1" fill="hold">
-                                          <p:stCondLst>
-                                            <p:cond delay="0"/>
-                                          </p:stCondLst>
-                                        </p:cTn>
-                                        <p:tgtEl>
-                                          <p:spTgt spid="14"/>
-                                        </p:tgtEl>
-                                        <p:attrNameLst>
-                                          <p:attrName>style.visibility</p:attrName>
-                                        </p:attrNameLst>
-                                      </p:cBhvr>
-                                      <p:to>
-                                        <p:strVal val="visible"/>
-                                      </p:to>
-                                    </p:set>
-                                  </p:childTnLst>
-                                </p:cTn>
-                              </p:par>
-                              <p:par>
-                                <p:cTn id="7" presetID="1" presetClass="entr" presetSubtype="0" fill="hold" grpId="0" nodeType="withEffect">
-                                  <p:stCondLst>
-                                    <p:cond delay="0"/>
-                                  </p:stCondLst>
-                                  <p:childTnLst>
-                                    <p:set>
-                                      <p:cBhvr>
-                                        <p:cTn id="8" dur="1" fill="hold">
-                                          <p:stCondLst>
-                                            <p:cond delay="0"/>
-                                          </p:stCondLst>
-                                        </p:cTn>
-                                        <p:tgtEl>
-                                          <p:spTgt spid="15"/>
-                                        </p:tgtEl>
-                                        <p:attrNameLst>
-                                          <p:attrName>style.visibility</p:attrName>
-                                        </p:attrNameLst>
-                                      </p:cBhvr>
-                                      <p:to>
-                                        <p:strVal val="visible"/>
-                                      </p:to>
-                                    </p:set>
-                                  </p:childTnLst>
-                                </p:cTn>
-                              </p:par>
-                              <p:par>
-                                <p:cTn id="9" presetID="1" presetClass="entr" presetSubtype="0" fill="hold" grpId="0" nodeType="withEffect">
-                                  <p:stCondLst>
-                                    <p:cond delay="0"/>
-                                  </p:stCondLst>
-                                  <p:childTnLst>
-                                    <p:set>
-                                      <p:cBhvr>
-                                        <p:cTn id="10" dur="1" fill="hold">
-                                          <p:stCondLst>
-                                            <p:cond delay="0"/>
-                                          </p:stCondLst>
-                                        </p:cTn>
-                                        <p:tgtEl>
-                                          <p:spTgt spid="16"/>
-                                        </p:tgtEl>
-                                        <p:attrNameLst>
-                                          <p:attrName>style.visibility</p:attrName>
-                                        </p:attrNameLst>
-                                      </p:cBhvr>
-                                      <p:to>
-                                        <p:strVal val="visible"/>
-                                      </p:to>
-                                    </p:set>
-                                  </p:childTnLst>
-                                </p:cTn>
-                              </p:par>
-                            </p:childTnLst>
-                          </p:cTn>
-                        </p:par>
-                      </p:childTnLst>
-                    </p:cTn>
-                  </p:par>
-                  <p:par>
-                    <p:cTn id="11" fill="hold">
-                      <p:stCondLst>
-                        <p:cond delay="indefinite"/>
-                      </p:stCondLst>
-                      <p:childTnLst>
-                        <p:par>
-                          <p:cTn id="12" fill="hold">
-                            <p:stCondLst>
-                              <p:cond delay="0"/>
-                            </p:stCondLst>
-                            <p:childTnLst>
-                              <p:par>
-                                <p:cTn id="13" presetID="1" presetClass="entr" presetSubtype="0" fill="hold" grpId="0" nodeType="clickEffect">
-                                  <p:stCondLst>
-                                    <p:cond delay="0"/>
-                                  </p:stCondLst>
-                                  <p:childTnLst>
-                                    <p:set>
-                                      <p:cBhvr>
-                                        <p:cTn id="14" dur="1" fill="hold">
-                                          <p:stCondLst>
-                                            <p:cond delay="0"/>
-                                          </p:stCondLst>
-                                        </p:cTn>
-                                        <p:tgtEl>
-                                          <p:spTgt spid="17"/>
-                                        </p:tgtEl>
-                                        <p:attrNameLst>
-                                          <p:attrName>style.visibility</p:attrName>
-                                        </p:attrNameLst>
-                                      </p:cBhvr>
-                                      <p:to>
-                                        <p:strVal val="visible"/>
-                                      </p:to>
-                                    </p:set>
-                                  </p:childTnLst>
-                                </p:cTn>
-                              </p:par>
-                              <p:par>
-                                <p:cTn id="15" presetID="1" presetClass="entr" presetSubtype="0" fill="hold" nodeType="withEffect">
-                                  <p:stCondLst>
-                                    <p:cond delay="0"/>
-                                  </p:stCondLst>
-                                  <p:childTnLst>
-                                    <p:set>
-                                      <p:cBhvr>
-                                        <p:cTn id="16" dur="1" fill="hold">
-                                          <p:stCondLst>
-                                            <p:cond delay="0"/>
-                                          </p:stCondLst>
-                                        </p:cTn>
-                                        <p:tgtEl>
-                                          <p:spTgt spid="19"/>
-                                        </p:tgtEl>
-                                        <p:attrNameLst>
-                                          <p:attrName>style.visibility</p:attrName>
-                                        </p:attrNameLst>
-                                      </p:cBhvr>
-                                      <p:to>
-                                        <p:strVal val="visible"/>
-                                      </p:to>
-                                    </p:set>
-                                  </p:childTnLst>
-                                </p:cTn>
-                              </p:par>
-                            </p:childTnLst>
-                          </p:cTn>
-                        </p:par>
-                      </p:childTnLst>
-                    </p:cTn>
-                  </p:par>
-                  <p:par>
-                    <p:cTn id="17" fill="hold">
-                      <p:stCondLst>
-                        <p:cond delay="indefinite"/>
-                      </p:stCondLst>
-                      <p:childTnLst>
-                        <p:par>
-                          <p:cTn id="18" fill="hold">
-                            <p:stCondLst>
-                              <p:cond delay="0"/>
-                            </p:stCondLst>
-                            <p:childTnLst>
-                              <p:par>
-                                <p:cTn id="19" presetID="1" presetClass="entr" presetSubtype="0" fill="hold" grpId="0" nodeType="clickEffect">
-                                  <p:stCondLst>
-                                    <p:cond delay="0"/>
-                                  </p:stCondLst>
-                                  <p:childTnLst>
-                                    <p:set>
-                                      <p:cBhvr>
-                                        <p:cTn id="20" dur="1" fill="hold">
-                                          <p:stCondLst>
-                                            <p:cond delay="0"/>
-                                          </p:stCondLst>
-                                        </p:cTn>
-                                        <p:tgtEl>
-                                          <p:spTgt spid="21"/>
-                                        </p:tgtEl>
-                                        <p:attrNameLst>
-                                          <p:attrName>style.visibility</p:attrName>
-                                        </p:attrNameLst>
-                                      </p:cBhvr>
-                                      <p:to>
-                                        <p:strVal val="visible"/>
-                                      </p:to>
-                                    </p:set>
-                                  </p:childTnLst>
-                                </p:cTn>
-                              </p:par>
-                              <p:par>
-                                <p:cTn id="21" presetID="1" presetClass="entr" presetSubtype="0" fill="hold" nodeType="withEffect">
-                                  <p:stCondLst>
-                                    <p:cond delay="0"/>
-                                  </p:stCondLst>
-                                  <p:childTnLst>
-                                    <p:set>
-                                      <p:cBhvr>
-                                        <p:cTn id="22" dur="1" fill="hold">
-                                          <p:stCondLst>
-                                            <p:cond delay="0"/>
-                                          </p:stCondLst>
-                                        </p:cTn>
-                                        <p:tgtEl>
-                                          <p:spTgt spid="22"/>
-                                        </p:tgtEl>
-                                        <p:attrNameLst>
-                                          <p:attrName>style.visibility</p:attrName>
-                                        </p:attrNameLst>
-                                      </p:cBhvr>
-                                      <p:to>
-                                        <p:strVal val="visible"/>
-                                      </p:to>
-                                    </p:set>
-                                  </p:childTnLst>
-                                </p:cTn>
-                              </p:par>
-                            </p:childTnLst>
-                          </p:cTn>
-                        </p:par>
-                      </p:childTnLst>
-                    </p:cTn>
-                  </p:par>
-                  <p:par>
-                    <p:cTn id="23" fill="hold">
-                      <p:stCondLst>
-                        <p:cond delay="indefinite"/>
-                      </p:stCondLst>
-                      <p:childTnLst>
-                        <p:par>
-                          <p:cTn id="24" fill="hold">
-                            <p:stCondLst>
-                              <p:cond delay="0"/>
-                            </p:stCondLst>
-                            <p:childTnLst>
-                              <p:par>
-                                <p:cTn id="25" presetID="1" presetClass="entr" presetSubtype="0" fill="hold" grpId="0" nodeType="clickEffect">
-                                  <p:stCondLst>
-                                    <p:cond delay="0"/>
-                                  </p:stCondLst>
-                                  <p:childTnLst>
-                                    <p:set>
-                                      <p:cBhvr>
-                                        <p:cTn id="26" dur="1" fill="hold">
-                                          <p:stCondLst>
-                                            <p:cond delay="0"/>
-                                          </p:stCondLst>
-                                        </p:cTn>
-                                        <p:tgtEl>
-                                          <p:spTgt spid="26"/>
-                                        </p:tgtEl>
-                                        <p:attrNameLst>
-                                          <p:attrName>style.visibility</p:attrName>
-                                        </p:attrNameLst>
-                                      </p:cBhvr>
-                                      <p:to>
-                                        <p:strVal val="visible"/>
-                                      </p:to>
-                                    </p:set>
-                                  </p:childTnLst>
-                                </p:cTn>
-                              </p:par>
-                              <p:par>
-                                <p:cTn id="27" presetID="1" presetClass="entr" presetSubtype="0" fill="hold" nodeType="withEffect">
-                                  <p:stCondLst>
-                                    <p:cond delay="0"/>
-                                  </p:stCondLst>
-                                  <p:childTnLst>
-                                    <p:set>
-                                      <p:cBhvr>
-                                        <p:cTn id="28" dur="1" fill="hold">
-                                          <p:stCondLst>
-                                            <p:cond delay="0"/>
-                                          </p:stCondLst>
-                                        </p:cTn>
-                                        <p:tgtEl>
-                                          <p:spTgt spid="27"/>
-                                        </p:tgtEl>
-                                        <p:attrNameLst>
-                                          <p:attrName>style.visibility</p:attrName>
-                                        </p:attrNameLst>
-                                      </p:cBhvr>
-                                      <p:to>
-                                        <p:strVal val="visible"/>
-                                      </p:to>
-                                    </p:set>
-                                  </p:childTnLst>
-                                </p:cTn>
-                              </p:par>
-                            </p:childTnLst>
-                          </p:cTn>
-                        </p:par>
-                      </p:childTnLst>
-                    </p:cTn>
-                  </p:par>
-                </p:childTnLst>
-              </p:cTn>
-              <p:prevCondLst>
-                <p:cond evt="onPrev" delay="0">
-                  <p:tgtEl>
-                    <p:sldTgt/>
-                  </p:tgtEl>
-                </p:cond>
-              </p:prevCondLst>
-              <p:nextCondLst>
-                <p:cond evt="onNext" delay="0">
-                  <p:tgtEl>
-                    <p:sldTgt/>
-                  </p:tgtEl>
-                </p:cond>
-              </p:nextCondLst>
-            </p:seq>
-          </p:childTnLst>
-        </p:cTn>
-      </p:par>
-    </p:tnLst>
-    <p:bldLst>
-      <p:bldP spid="14" grpId="0"/>
-      <p:bldP spid="15" grpId="0"/>
-      <p:bldP spid="16" grpId="0"/>
-      <p:bldP spid="17" grpId="0" animBg="1"/>
-      <p:bldP spid="21" grpId="0" animBg="1"/>
-      <p:bldP spid="26" grpId="0" animBg="1"/>
-    </p:bldLst>
-  </p:timing>
 </p:sld>
 </file>
 
